--- a/WikiLikeSearchLLMAgent.pptx
+++ b/WikiLikeSearchLLMAgent.pptx
@@ -15,16 +15,19 @@
     <p:sldId id="260" r:id="rId10"/>
     <p:sldId id="261" r:id="rId11"/>
     <p:sldId id="262" r:id="rId12"/>
+    <p:sldId id="263" r:id="rId13"/>
+    <p:sldId id="264" r:id="rId14"/>
+    <p:sldId id="265" r:id="rId15"/>
   </p:sldIdLst>
   <p:sldSz cy="5143500" cx="9144000"/>
   <p:notesSz cx="6858000" cy="9144000"/>
   <p:embeddedFontLst>
     <p:embeddedFont>
       <p:font typeface="Proxima Nova"/>
-      <p:regular r:id="rId13"/>
-      <p:bold r:id="rId14"/>
-      <p:italic r:id="rId15"/>
-      <p:boldItalic r:id="rId16"/>
+      <p:regular r:id="rId16"/>
+      <p:bold r:id="rId17"/>
+      <p:italic r:id="rId18"/>
+      <p:boldItalic r:id="rId19"/>
     </p:embeddedFont>
   </p:embeddedFontLst>
   <p:defaultTextStyle>
@@ -800,6 +803,105 @@
 </p:notes>
 </file>
 
+<file path=ppt/notesSlides/notesSlide10.xml><?xml version="1.0" encoding="utf-8"?>
+<p:notes xmlns:a="http://schemas.openxmlformats.org/drawingml/2006/main" xmlns:r="http://schemas.openxmlformats.org/officeDocument/2006/relationships" xmlns:mc="http://schemas.openxmlformats.org/markup-compatibility/2006" xmlns:mv="urn:schemas-microsoft-com:mac:vml" xmlns:p="http://schemas.openxmlformats.org/presentationml/2006/main" xmlns:c="http://schemas.openxmlformats.org/drawingml/2006/chart" xmlns:dgm="http://schemas.openxmlformats.org/drawingml/2006/diagram" xmlns:o="urn:schemas-microsoft-com:office:office" xmlns:v="urn:schemas-microsoft-com:vml" xmlns:pvml="urn:schemas-microsoft-com:office:powerpoint" xmlns:com="http://schemas.openxmlformats.org/drawingml/2006/compatibility" xmlns:p14="http://schemas.microsoft.com/office/powerpoint/2010/main" xmlns:p15="http://schemas.microsoft.com/office/powerpoint/2012/main" xmlns:ahyp="http://schemas.microsoft.com/office/drawing/2018/hyperlinkcolor" showMasterPhAnim="0" showMasterSp="0">
+  <p:cSld>
+    <p:spTree>
+      <p:nvGrpSpPr>
+        <p:cNvPr id="232" name="Shape 232"/>
+        <p:cNvGrpSpPr/>
+        <p:nvPr/>
+      </p:nvGrpSpPr>
+      <p:grpSpPr>
+        <a:xfrm>
+          <a:off x="0" y="0"/>
+          <a:ext cx="0" cy="0"/>
+          <a:chOff x="0" y="0"/>
+          <a:chExt cx="0" cy="0"/>
+        </a:xfrm>
+      </p:grpSpPr>
+      <p:sp>
+        <p:nvSpPr>
+          <p:cNvPr id="233" name="Google Shape;233;g2715e736ff3_0_68:notes"/>
+          <p:cNvSpPr/>
+          <p:nvPr>
+            <p:ph idx="2" type="sldImg"/>
+          </p:nvPr>
+        </p:nvSpPr>
+        <p:spPr>
+          <a:xfrm>
+            <a:off x="381300" y="685800"/>
+            <a:ext cx="6096000" cy="3429000"/>
+          </a:xfrm>
+          <a:custGeom>
+            <a:rect b="b" l="l" r="r" t="t"/>
+            <a:pathLst>
+              <a:path extrusionOk="0" h="120000" w="120000">
+                <a:moveTo>
+                  <a:pt x="0" y="0"/>
+                </a:moveTo>
+                <a:lnTo>
+                  <a:pt x="120000" y="0"/>
+                </a:lnTo>
+                <a:lnTo>
+                  <a:pt x="120000" y="120000"/>
+                </a:lnTo>
+                <a:lnTo>
+                  <a:pt x="0" y="120000"/>
+                </a:lnTo>
+                <a:close/>
+              </a:path>
+            </a:pathLst>
+          </a:custGeom>
+        </p:spPr>
+      </p:sp>
+      <p:sp>
+        <p:nvSpPr>
+          <p:cNvPr id="234" name="Google Shape;234;g2715e736ff3_0_68:notes"/>
+          <p:cNvSpPr txBox="1"/>
+          <p:nvPr>
+            <p:ph idx="1" type="body"/>
+          </p:nvPr>
+        </p:nvSpPr>
+        <p:spPr>
+          <a:xfrm>
+            <a:off x="685800" y="4343400"/>
+            <a:ext cx="5486400" cy="4114800"/>
+          </a:xfrm>
+          <a:prstGeom prst="rect">
+            <a:avLst/>
+          </a:prstGeom>
+        </p:spPr>
+        <p:txBody>
+          <a:bodyPr anchorCtr="0" anchor="t" bIns="91425" lIns="91425" spcFirstLastPara="1" rIns="91425" wrap="square" tIns="91425">
+            <a:noAutofit/>
+          </a:bodyPr>
+          <a:lstStyle/>
+          <a:p>
+            <a:pPr indent="0" lvl="0" marL="0" rtl="0" algn="l">
+              <a:spcBef>
+                <a:spcPts val="0"/>
+              </a:spcBef>
+              <a:spcAft>
+                <a:spcPts val="0"/>
+              </a:spcAft>
+              <a:buNone/>
+            </a:pPr>
+            <a:r>
+              <a:t/>
+            </a:r>
+            <a:endParaRPr/>
+          </a:p>
+        </p:txBody>
+      </p:sp>
+    </p:spTree>
+  </p:cSld>
+  <p:clrMapOvr>
+    <a:masterClrMapping/>
+  </p:clrMapOvr>
+</p:notes>
+</file>
+
 <file path=ppt/notesSlides/notesSlide2.xml><?xml version="1.0" encoding="utf-8"?>
 <p:notes xmlns:a="http://schemas.openxmlformats.org/drawingml/2006/main" xmlns:r="http://schemas.openxmlformats.org/officeDocument/2006/relationships" xmlns:mc="http://schemas.openxmlformats.org/markup-compatibility/2006" xmlns:mv="urn:schemas-microsoft-com:mac:vml" xmlns:p="http://schemas.openxmlformats.org/presentationml/2006/main" xmlns:c="http://schemas.openxmlformats.org/drawingml/2006/chart" xmlns:dgm="http://schemas.openxmlformats.org/drawingml/2006/diagram" xmlns:o="urn:schemas-microsoft-com:office:office" xmlns:v="urn:schemas-microsoft-com:vml" xmlns:pvml="urn:schemas-microsoft-com:office:powerpoint" xmlns:com="http://schemas.openxmlformats.org/drawingml/2006/compatibility" xmlns:p14="http://schemas.microsoft.com/office/powerpoint/2010/main" xmlns:p15="http://schemas.microsoft.com/office/powerpoint/2012/main" xmlns:ahyp="http://schemas.microsoft.com/office/drawing/2018/hyperlinkcolor" showMasterPhAnim="0" showMasterSp="0">
   <p:cSld>
@@ -1003,7 +1105,7 @@
   <p:cSld>
     <p:spTree>
       <p:nvGrpSpPr>
-        <p:cNvPr id="113" name="Shape 113"/>
+        <p:cNvPr id="110" name="Shape 110"/>
         <p:cNvGrpSpPr/>
         <p:nvPr/>
       </p:nvGrpSpPr>
@@ -1017,7 +1119,7 @@
       </p:grpSpPr>
       <p:sp>
         <p:nvSpPr>
-          <p:cNvPr id="114" name="Google Shape;114;g2da2983922d_0_36:notes"/>
+          <p:cNvPr id="111" name="Google Shape;111;g2da2983922d_0_36:notes"/>
           <p:cNvSpPr/>
           <p:nvPr>
             <p:ph idx="2" type="sldImg"/>
@@ -1052,7 +1154,7 @@
       </p:sp>
       <p:sp>
         <p:nvSpPr>
-          <p:cNvPr id="115" name="Google Shape;115;g2da2983922d_0_36:notes"/>
+          <p:cNvPr id="112" name="Google Shape;112;g2da2983922d_0_36:notes"/>
           <p:cNvSpPr txBox="1"/>
           <p:nvPr>
             <p:ph idx="1" type="body"/>
@@ -1102,7 +1204,7 @@
   <p:cSld>
     <p:spTree>
       <p:nvGrpSpPr>
-        <p:cNvPr id="129" name="Shape 129"/>
+        <p:cNvPr id="126" name="Shape 126"/>
         <p:cNvGrpSpPr/>
         <p:nvPr/>
       </p:nvGrpSpPr>
@@ -1116,7 +1218,7 @@
       </p:grpSpPr>
       <p:sp>
         <p:nvSpPr>
-          <p:cNvPr id="130" name="Google Shape;130;g2710f4ae80d_0_58:notes"/>
+          <p:cNvPr id="127" name="Google Shape;127;g2710f4ae80d_0_58:notes"/>
           <p:cNvSpPr/>
           <p:nvPr>
             <p:ph idx="2" type="sldImg"/>
@@ -1151,7 +1253,7 @@
       </p:sp>
       <p:sp>
         <p:nvSpPr>
-          <p:cNvPr id="131" name="Google Shape;131;g2710f4ae80d_0_58:notes"/>
+          <p:cNvPr id="128" name="Google Shape;128;g2710f4ae80d_0_58:notes"/>
           <p:cNvSpPr txBox="1"/>
           <p:nvPr>
             <p:ph idx="1" type="body"/>
@@ -1201,7 +1303,7 @@
   <p:cSld>
     <p:spTree>
       <p:nvGrpSpPr>
-        <p:cNvPr id="165" name="Shape 165"/>
+        <p:cNvPr id="162" name="Shape 162"/>
         <p:cNvGrpSpPr/>
         <p:nvPr/>
       </p:nvGrpSpPr>
@@ -1215,7 +1317,7 @@
       </p:grpSpPr>
       <p:sp>
         <p:nvSpPr>
-          <p:cNvPr id="166" name="Google Shape;166;g2dc279922bb_0_122:notes"/>
+          <p:cNvPr id="163" name="Google Shape;163;g2dc279922bb_0_122:notes"/>
           <p:cNvSpPr/>
           <p:nvPr>
             <p:ph idx="2" type="sldImg"/>
@@ -1250,7 +1352,7 @@
       </p:sp>
       <p:sp>
         <p:nvSpPr>
-          <p:cNvPr id="167" name="Google Shape;167;g2dc279922bb_0_122:notes"/>
+          <p:cNvPr id="164" name="Google Shape;164;g2dc279922bb_0_122:notes"/>
           <p:cNvSpPr txBox="1"/>
           <p:nvPr>
             <p:ph idx="1" type="body"/>
@@ -1300,7 +1402,7 @@
   <p:cSld>
     <p:spTree>
       <p:nvGrpSpPr>
-        <p:cNvPr id="173" name="Shape 173"/>
+        <p:cNvPr id="170" name="Shape 170"/>
         <p:cNvGrpSpPr/>
         <p:nvPr/>
       </p:nvGrpSpPr>
@@ -1314,7 +1416,7 @@
       </p:grpSpPr>
       <p:sp>
         <p:nvSpPr>
-          <p:cNvPr id="174" name="Google Shape;174;g2dc279922bb_0_179:notes"/>
+          <p:cNvPr id="171" name="Google Shape;171;g2715e736ff3_0_0:notes"/>
           <p:cNvSpPr/>
           <p:nvPr>
             <p:ph idx="2" type="sldImg"/>
@@ -1349,7 +1451,205 @@
       </p:sp>
       <p:sp>
         <p:nvSpPr>
-          <p:cNvPr id="175" name="Google Shape;175;g2dc279922bb_0_179:notes"/>
+          <p:cNvPr id="172" name="Google Shape;172;g2715e736ff3_0_0:notes"/>
+          <p:cNvSpPr txBox="1"/>
+          <p:nvPr>
+            <p:ph idx="1" type="body"/>
+          </p:nvPr>
+        </p:nvSpPr>
+        <p:spPr>
+          <a:xfrm>
+            <a:off x="685800" y="4343400"/>
+            <a:ext cx="5486400" cy="4114800"/>
+          </a:xfrm>
+          <a:prstGeom prst="rect">
+            <a:avLst/>
+          </a:prstGeom>
+        </p:spPr>
+        <p:txBody>
+          <a:bodyPr anchorCtr="0" anchor="t" bIns="91425" lIns="91425" spcFirstLastPara="1" rIns="91425" wrap="square" tIns="91425">
+            <a:noAutofit/>
+          </a:bodyPr>
+          <a:lstStyle/>
+          <a:p>
+            <a:pPr indent="0" lvl="0" marL="0" rtl="0" algn="l">
+              <a:spcBef>
+                <a:spcPts val="0"/>
+              </a:spcBef>
+              <a:spcAft>
+                <a:spcPts val="0"/>
+              </a:spcAft>
+              <a:buNone/>
+            </a:pPr>
+            <a:r>
+              <a:t/>
+            </a:r>
+            <a:endParaRPr/>
+          </a:p>
+        </p:txBody>
+      </p:sp>
+    </p:spTree>
+  </p:cSld>
+  <p:clrMapOvr>
+    <a:masterClrMapping/>
+  </p:clrMapOvr>
+</p:notes>
+</file>
+
+<file path=ppt/notesSlides/notesSlide8.xml><?xml version="1.0" encoding="utf-8"?>
+<p:notes xmlns:a="http://schemas.openxmlformats.org/drawingml/2006/main" xmlns:r="http://schemas.openxmlformats.org/officeDocument/2006/relationships" xmlns:mc="http://schemas.openxmlformats.org/markup-compatibility/2006" xmlns:mv="urn:schemas-microsoft-com:mac:vml" xmlns:p="http://schemas.openxmlformats.org/presentationml/2006/main" xmlns:c="http://schemas.openxmlformats.org/drawingml/2006/chart" xmlns:dgm="http://schemas.openxmlformats.org/drawingml/2006/diagram" xmlns:o="urn:schemas-microsoft-com:office:office" xmlns:v="urn:schemas-microsoft-com:vml" xmlns:pvml="urn:schemas-microsoft-com:office:powerpoint" xmlns:com="http://schemas.openxmlformats.org/drawingml/2006/compatibility" xmlns:p14="http://schemas.microsoft.com/office/powerpoint/2010/main" xmlns:p15="http://schemas.microsoft.com/office/powerpoint/2012/main" xmlns:ahyp="http://schemas.microsoft.com/office/drawing/2018/hyperlinkcolor" showMasterPhAnim="0" showMasterSp="0">
+  <p:cSld>
+    <p:spTree>
+      <p:nvGrpSpPr>
+        <p:cNvPr id="215" name="Shape 215"/>
+        <p:cNvGrpSpPr/>
+        <p:nvPr/>
+      </p:nvGrpSpPr>
+      <p:grpSpPr>
+        <a:xfrm>
+          <a:off x="0" y="0"/>
+          <a:ext cx="0" cy="0"/>
+          <a:chOff x="0" y="0"/>
+          <a:chExt cx="0" cy="0"/>
+        </a:xfrm>
+      </p:grpSpPr>
+      <p:sp>
+        <p:nvSpPr>
+          <p:cNvPr id="216" name="Google Shape;216;g2dc279922bb_0_179:notes"/>
+          <p:cNvSpPr/>
+          <p:nvPr>
+            <p:ph idx="2" type="sldImg"/>
+          </p:nvPr>
+        </p:nvSpPr>
+        <p:spPr>
+          <a:xfrm>
+            <a:off x="381300" y="685800"/>
+            <a:ext cx="6096000" cy="3429000"/>
+          </a:xfrm>
+          <a:custGeom>
+            <a:rect b="b" l="l" r="r" t="t"/>
+            <a:pathLst>
+              <a:path extrusionOk="0" h="120000" w="120000">
+                <a:moveTo>
+                  <a:pt x="0" y="0"/>
+                </a:moveTo>
+                <a:lnTo>
+                  <a:pt x="120000" y="0"/>
+                </a:lnTo>
+                <a:lnTo>
+                  <a:pt x="120000" y="120000"/>
+                </a:lnTo>
+                <a:lnTo>
+                  <a:pt x="0" y="120000"/>
+                </a:lnTo>
+                <a:close/>
+              </a:path>
+            </a:pathLst>
+          </a:custGeom>
+        </p:spPr>
+      </p:sp>
+      <p:sp>
+        <p:nvSpPr>
+          <p:cNvPr id="217" name="Google Shape;217;g2dc279922bb_0_179:notes"/>
+          <p:cNvSpPr txBox="1"/>
+          <p:nvPr>
+            <p:ph idx="1" type="body"/>
+          </p:nvPr>
+        </p:nvSpPr>
+        <p:spPr>
+          <a:xfrm>
+            <a:off x="685800" y="4343400"/>
+            <a:ext cx="5486400" cy="4114800"/>
+          </a:xfrm>
+          <a:prstGeom prst="rect">
+            <a:avLst/>
+          </a:prstGeom>
+        </p:spPr>
+        <p:txBody>
+          <a:bodyPr anchorCtr="0" anchor="t" bIns="91425" lIns="91425" spcFirstLastPara="1" rIns="91425" wrap="square" tIns="91425">
+            <a:noAutofit/>
+          </a:bodyPr>
+          <a:lstStyle/>
+          <a:p>
+            <a:pPr indent="0" lvl="0" marL="0" rtl="0" algn="l">
+              <a:spcBef>
+                <a:spcPts val="0"/>
+              </a:spcBef>
+              <a:spcAft>
+                <a:spcPts val="0"/>
+              </a:spcAft>
+              <a:buNone/>
+            </a:pPr>
+            <a:r>
+              <a:t/>
+            </a:r>
+            <a:endParaRPr/>
+          </a:p>
+        </p:txBody>
+      </p:sp>
+    </p:spTree>
+  </p:cSld>
+  <p:clrMapOvr>
+    <a:masterClrMapping/>
+  </p:clrMapOvr>
+</p:notes>
+</file>
+
+<file path=ppt/notesSlides/notesSlide9.xml><?xml version="1.0" encoding="utf-8"?>
+<p:notes xmlns:a="http://schemas.openxmlformats.org/drawingml/2006/main" xmlns:r="http://schemas.openxmlformats.org/officeDocument/2006/relationships" xmlns:mc="http://schemas.openxmlformats.org/markup-compatibility/2006" xmlns:mv="urn:schemas-microsoft-com:mac:vml" xmlns:p="http://schemas.openxmlformats.org/presentationml/2006/main" xmlns:c="http://schemas.openxmlformats.org/drawingml/2006/chart" xmlns:dgm="http://schemas.openxmlformats.org/drawingml/2006/diagram" xmlns:o="urn:schemas-microsoft-com:office:office" xmlns:v="urn:schemas-microsoft-com:vml" xmlns:pvml="urn:schemas-microsoft-com:office:powerpoint" xmlns:com="http://schemas.openxmlformats.org/drawingml/2006/compatibility" xmlns:p14="http://schemas.microsoft.com/office/powerpoint/2010/main" xmlns:p15="http://schemas.microsoft.com/office/powerpoint/2012/main" xmlns:ahyp="http://schemas.microsoft.com/office/drawing/2018/hyperlinkcolor" showMasterPhAnim="0" showMasterSp="0">
+  <p:cSld>
+    <p:spTree>
+      <p:nvGrpSpPr>
+        <p:cNvPr id="225" name="Shape 225"/>
+        <p:cNvGrpSpPr/>
+        <p:nvPr/>
+      </p:nvGrpSpPr>
+      <p:grpSpPr>
+        <a:xfrm>
+          <a:off x="0" y="0"/>
+          <a:ext cx="0" cy="0"/>
+          <a:chOff x="0" y="0"/>
+          <a:chExt cx="0" cy="0"/>
+        </a:xfrm>
+      </p:grpSpPr>
+      <p:sp>
+        <p:nvSpPr>
+          <p:cNvPr id="226" name="Google Shape;226;g2715e736ff3_0_49:notes"/>
+          <p:cNvSpPr/>
+          <p:nvPr>
+            <p:ph idx="2" type="sldImg"/>
+          </p:nvPr>
+        </p:nvSpPr>
+        <p:spPr>
+          <a:xfrm>
+            <a:off x="381300" y="685800"/>
+            <a:ext cx="6096000" cy="3429000"/>
+          </a:xfrm>
+          <a:custGeom>
+            <a:rect b="b" l="l" r="r" t="t"/>
+            <a:pathLst>
+              <a:path extrusionOk="0" h="120000" w="120000">
+                <a:moveTo>
+                  <a:pt x="0" y="0"/>
+                </a:moveTo>
+                <a:lnTo>
+                  <a:pt x="120000" y="0"/>
+                </a:lnTo>
+                <a:lnTo>
+                  <a:pt x="120000" y="120000"/>
+                </a:lnTo>
+                <a:lnTo>
+                  <a:pt x="0" y="120000"/>
+                </a:lnTo>
+                <a:close/>
+              </a:path>
+            </a:pathLst>
+          </a:custGeom>
+        </p:spPr>
+      </p:sp>
+      <p:sp>
+        <p:nvSpPr>
+          <p:cNvPr id="227" name="Google Shape;227;g2715e736ff3_0_49:notes"/>
           <p:cNvSpPr txBox="1"/>
           <p:nvPr>
             <p:ph idx="1" type="body"/>
@@ -7170,6 +7470,185 @@
 </p:sld>
 </file>
 
+<file path=ppt/slides/slide10.xml><?xml version="1.0" encoding="utf-8"?>
+<p:sld xmlns:a="http://schemas.openxmlformats.org/drawingml/2006/main" xmlns:r="http://schemas.openxmlformats.org/officeDocument/2006/relationships" xmlns:mc="http://schemas.openxmlformats.org/markup-compatibility/2006" xmlns:mv="urn:schemas-microsoft-com:mac:vml" xmlns:p="http://schemas.openxmlformats.org/presentationml/2006/main" xmlns:c="http://schemas.openxmlformats.org/drawingml/2006/chart" xmlns:dgm="http://schemas.openxmlformats.org/drawingml/2006/diagram" xmlns:o="urn:schemas-microsoft-com:office:office" xmlns:v="urn:schemas-microsoft-com:vml" xmlns:pvml="urn:schemas-microsoft-com:office:powerpoint" xmlns:com="http://schemas.openxmlformats.org/drawingml/2006/compatibility" xmlns:p14="http://schemas.microsoft.com/office/powerpoint/2010/main" xmlns:p15="http://schemas.microsoft.com/office/powerpoint/2012/main" xmlns:ahyp="http://schemas.microsoft.com/office/drawing/2018/hyperlinkcolor">
+  <p:cSld>
+    <p:spTree>
+      <p:nvGrpSpPr>
+        <p:cNvPr id="235" name="Shape 235"/>
+        <p:cNvGrpSpPr/>
+        <p:nvPr/>
+      </p:nvGrpSpPr>
+      <p:grpSpPr>
+        <a:xfrm>
+          <a:off x="0" y="0"/>
+          <a:ext cx="0" cy="0"/>
+          <a:chOff x="0" y="0"/>
+          <a:chExt cx="0" cy="0"/>
+        </a:xfrm>
+      </p:grpSpPr>
+      <p:sp>
+        <p:nvSpPr>
+          <p:cNvPr id="236" name="Google Shape;236;p22"/>
+          <p:cNvSpPr txBox="1"/>
+          <p:nvPr/>
+        </p:nvSpPr>
+        <p:spPr>
+          <a:xfrm>
+            <a:off x="0" y="29600"/>
+            <a:ext cx="6696900" cy="1046700"/>
+          </a:xfrm>
+          <a:prstGeom prst="rect">
+            <a:avLst/>
+          </a:prstGeom>
+          <a:noFill/>
+          <a:ln>
+            <a:noFill/>
+          </a:ln>
+        </p:spPr>
+        <p:txBody>
+          <a:bodyPr anchorCtr="0" anchor="t" bIns="91425" lIns="91425" spcFirstLastPara="1" rIns="91425" wrap="square" tIns="91425">
+            <a:spAutoFit/>
+          </a:bodyPr>
+          <a:lstStyle/>
+          <a:p>
+            <a:pPr indent="0" lvl="0" marL="0" rtl="0" algn="l">
+              <a:spcBef>
+                <a:spcPts val="0"/>
+              </a:spcBef>
+              <a:spcAft>
+                <a:spcPts val="0"/>
+              </a:spcAft>
+              <a:buNone/>
+            </a:pPr>
+            <a:r>
+              <a:rPr b="1" lang="ja">
+                <a:solidFill>
+                  <a:schemeClr val="accent3"/>
+                </a:solidFill>
+                <a:latin typeface="Proxima Nova"/>
+                <a:ea typeface="Proxima Nova"/>
+                <a:cs typeface="Proxima Nova"/>
+                <a:sym typeface="Proxima Nova"/>
+              </a:rPr>
+              <a:t>改良案</a:t>
+            </a:r>
+            <a:endParaRPr b="1">
+              <a:solidFill>
+                <a:schemeClr val="accent3"/>
+              </a:solidFill>
+              <a:latin typeface="Proxima Nova"/>
+              <a:ea typeface="Proxima Nova"/>
+              <a:cs typeface="Proxima Nova"/>
+              <a:sym typeface="Proxima Nova"/>
+            </a:endParaRPr>
+          </a:p>
+          <a:p>
+            <a:pPr indent="0" lvl="0" marL="0" rtl="0" algn="l">
+              <a:spcBef>
+                <a:spcPts val="0"/>
+              </a:spcBef>
+              <a:spcAft>
+                <a:spcPts val="0"/>
+              </a:spcAft>
+              <a:buNone/>
+            </a:pPr>
+            <a:r>
+              <a:rPr b="1" lang="ja">
+                <a:solidFill>
+                  <a:schemeClr val="accent3"/>
+                </a:solidFill>
+                <a:latin typeface="Proxima Nova"/>
+                <a:ea typeface="Proxima Nova"/>
+                <a:cs typeface="Proxima Nova"/>
+                <a:sym typeface="Proxima Nova"/>
+              </a:rPr>
+              <a:t>入力とその検索クエリの類似度を評価または入力を検索クエリとするようにする</a:t>
+            </a:r>
+            <a:endParaRPr b="1">
+              <a:solidFill>
+                <a:schemeClr val="accent3"/>
+              </a:solidFill>
+              <a:latin typeface="Proxima Nova"/>
+              <a:ea typeface="Proxima Nova"/>
+              <a:cs typeface="Proxima Nova"/>
+              <a:sym typeface="Proxima Nova"/>
+            </a:endParaRPr>
+          </a:p>
+          <a:p>
+            <a:pPr indent="0" lvl="0" marL="0" rtl="0" algn="l">
+              <a:spcBef>
+                <a:spcPts val="0"/>
+              </a:spcBef>
+              <a:spcAft>
+                <a:spcPts val="0"/>
+              </a:spcAft>
+              <a:buNone/>
+            </a:pPr>
+            <a:r>
+              <a:rPr b="1" lang="ja">
+                <a:solidFill>
+                  <a:schemeClr val="accent3"/>
+                </a:solidFill>
+                <a:latin typeface="Proxima Nova"/>
+                <a:ea typeface="Proxima Nova"/>
+                <a:cs typeface="Proxima Nova"/>
+                <a:sym typeface="Proxima Nova"/>
+              </a:rPr>
+              <a:t>Bing検索は地域固定しない</a:t>
+            </a:r>
+            <a:endParaRPr b="1">
+              <a:solidFill>
+                <a:schemeClr val="accent3"/>
+              </a:solidFill>
+              <a:latin typeface="Proxima Nova"/>
+              <a:ea typeface="Proxima Nova"/>
+              <a:cs typeface="Proxima Nova"/>
+              <a:sym typeface="Proxima Nova"/>
+            </a:endParaRPr>
+          </a:p>
+          <a:p>
+            <a:pPr indent="0" lvl="0" marL="0" rtl="0" algn="l">
+              <a:spcBef>
+                <a:spcPts val="0"/>
+              </a:spcBef>
+              <a:spcAft>
+                <a:spcPts val="0"/>
+              </a:spcAft>
+              <a:buNone/>
+            </a:pPr>
+            <a:r>
+              <a:rPr b="1" lang="ja">
+                <a:solidFill>
+                  <a:schemeClr val="accent3"/>
+                </a:solidFill>
+                <a:latin typeface="Proxima Nova"/>
+                <a:ea typeface="Proxima Nova"/>
+                <a:cs typeface="Proxima Nova"/>
+                <a:sym typeface="Proxima Nova"/>
+              </a:rPr>
+              <a:t>最終出力は中立の立場で生成するようにする(なんか参考資料あたはず)</a:t>
+            </a:r>
+            <a:endParaRPr b="1">
+              <a:solidFill>
+                <a:schemeClr val="accent3"/>
+              </a:solidFill>
+              <a:latin typeface="Proxima Nova"/>
+              <a:ea typeface="Proxima Nova"/>
+              <a:cs typeface="Proxima Nova"/>
+              <a:sym typeface="Proxima Nova"/>
+            </a:endParaRPr>
+          </a:p>
+        </p:txBody>
+      </p:sp>
+    </p:spTree>
+  </p:cSld>
+  <p:clrMapOvr>
+    <a:masterClrMapping/>
+  </p:clrMapOvr>
+</p:sld>
+</file>
+
 <file path=ppt/slides/slide2.xml><?xml version="1.0" encoding="utf-8"?>
 <p:sld xmlns:a="http://schemas.openxmlformats.org/drawingml/2006/main" xmlns:r="http://schemas.openxmlformats.org/officeDocument/2006/relationships" xmlns:mc="http://schemas.openxmlformats.org/markup-compatibility/2006" xmlns:mv="urn:schemas-microsoft-com:mac:vml" xmlns:p="http://schemas.openxmlformats.org/presentationml/2006/main" xmlns:c="http://schemas.openxmlformats.org/drawingml/2006/chart" xmlns:dgm="http://schemas.openxmlformats.org/drawingml/2006/diagram" xmlns:o="urn:schemas-microsoft-com:office:office" xmlns:v="urn:schemas-microsoft-com:vml" xmlns:pvml="urn:schemas-microsoft-com:office:powerpoint" xmlns:com="http://schemas.openxmlformats.org/drawingml/2006/compatibility" xmlns:p14="http://schemas.microsoft.com/office/powerpoint/2010/main" xmlns:p15="http://schemas.microsoft.com/office/powerpoint/2012/main" xmlns:ahyp="http://schemas.microsoft.com/office/drawing/2018/hyperlinkcolor">
   <p:cSld>
@@ -8131,80 +8610,6 @@
         </p:nvSpPr>
         <p:spPr>
           <a:xfrm>
-            <a:off x="261750" y="4239875"/>
-            <a:ext cx="2178000" cy="585000"/>
-          </a:xfrm>
-          <a:prstGeom prst="rect">
-            <a:avLst/>
-          </a:prstGeom>
-          <a:noFill/>
-          <a:ln>
-            <a:noFill/>
-          </a:ln>
-        </p:spPr>
-        <p:txBody>
-          <a:bodyPr anchorCtr="0" anchor="t" bIns="91425" lIns="91425" spcFirstLastPara="1" rIns="91425" wrap="square" tIns="91425">
-            <a:spAutoFit/>
-          </a:bodyPr>
-          <a:lstStyle/>
-          <a:p>
-            <a:pPr indent="0" lvl="0" marL="0" rtl="0" algn="l">
-              <a:spcBef>
-                <a:spcPts val="0"/>
-              </a:spcBef>
-              <a:spcAft>
-                <a:spcPts val="0"/>
-              </a:spcAft>
-              <a:buNone/>
-            </a:pPr>
-            <a:r>
-              <a:rPr b="1" lang="ja" sz="1300">
-                <a:solidFill>
-                  <a:schemeClr val="accent3"/>
-                </a:solidFill>
-                <a:latin typeface="Proxima Nova"/>
-                <a:ea typeface="Proxima Nova"/>
-                <a:cs typeface="Proxima Nova"/>
-                <a:sym typeface="Proxima Nova"/>
-              </a:rPr>
-              <a:t>検索結果から</a:t>
-            </a:r>
-            <a:r>
-              <a:rPr b="1" lang="ja" sz="1300">
-                <a:solidFill>
-                  <a:schemeClr val="accent3"/>
-                </a:solidFill>
-                <a:latin typeface="Proxima Nova"/>
-                <a:ea typeface="Proxima Nova"/>
-                <a:cs typeface="Proxima Nova"/>
-                <a:sym typeface="Proxima Nova"/>
-              </a:rPr>
-              <a:t>検索クエリの</a:t>
-            </a:r>
-            <a:r>
-              <a:rPr b="1" lang="ja" sz="1300">
-                <a:solidFill>
-                  <a:schemeClr val="accent3"/>
-                </a:solidFill>
-                <a:latin typeface="Proxima Nova"/>
-                <a:ea typeface="Proxima Nova"/>
-                <a:cs typeface="Proxima Nova"/>
-                <a:sym typeface="Proxima Nova"/>
-              </a:rPr>
-              <a:t>説明箇所を抽出</a:t>
-            </a:r>
-            <a:endParaRPr sz="1300"/>
-          </a:p>
-        </p:txBody>
-      </p:sp>
-      <p:sp>
-        <p:nvSpPr>
-          <p:cNvPr id="84" name="Google Shape;84;p15"/>
-          <p:cNvSpPr txBox="1"/>
-          <p:nvPr/>
-        </p:nvSpPr>
-        <p:spPr>
-          <a:xfrm>
             <a:off x="3044725" y="3305775"/>
             <a:ext cx="2317200" cy="384900"/>
           </a:xfrm>
@@ -8261,7 +8666,7 @@
       </p:sp>
       <p:sp>
         <p:nvSpPr>
-          <p:cNvPr id="85" name="Google Shape;85;p15"/>
+          <p:cNvPr id="84" name="Google Shape;84;p15"/>
           <p:cNvSpPr txBox="1"/>
           <p:nvPr/>
         </p:nvSpPr>
@@ -8311,7 +8716,7 @@
       </p:sp>
       <p:sp>
         <p:nvSpPr>
-          <p:cNvPr id="86" name="Google Shape;86;p15"/>
+          <p:cNvPr id="85" name="Google Shape;85;p15"/>
           <p:cNvSpPr/>
           <p:nvPr/>
         </p:nvSpPr>
@@ -8379,10 +8784,10 @@
       </p:sp>
       <p:cxnSp>
         <p:nvCxnSpPr>
-          <p:cNvPr id="87" name="Google Shape;87;p15"/>
+          <p:cNvPr id="86" name="Google Shape;86;p15"/>
           <p:cNvCxnSpPr>
-            <a:stCxn id="86" idx="2"/>
-            <a:endCxn id="88" idx="0"/>
+            <a:stCxn id="85" idx="2"/>
+            <a:endCxn id="87" idx="0"/>
           </p:cNvCxnSpPr>
           <p:nvPr/>
         </p:nvCxnSpPr>
@@ -8408,7 +8813,7 @@
       </p:cxnSp>
       <p:sp>
         <p:nvSpPr>
-          <p:cNvPr id="88" name="Google Shape;88;p15"/>
+          <p:cNvPr id="87" name="Google Shape;87;p15"/>
           <p:cNvSpPr/>
           <p:nvPr/>
         </p:nvSpPr>
@@ -8476,7 +8881,7 @@
       </p:sp>
       <p:sp>
         <p:nvSpPr>
-          <p:cNvPr id="89" name="Google Shape;89;p15"/>
+          <p:cNvPr id="88" name="Google Shape;88;p15"/>
           <p:cNvSpPr txBox="1"/>
           <p:nvPr/>
         </p:nvSpPr>
@@ -8526,7 +8931,7 @@
       </p:sp>
       <p:sp>
         <p:nvSpPr>
-          <p:cNvPr id="90" name="Google Shape;90;p15"/>
+          <p:cNvPr id="89" name="Google Shape;89;p15"/>
           <p:cNvSpPr txBox="1"/>
           <p:nvPr/>
         </p:nvSpPr>
@@ -8576,22 +8981,23 @@
       </p:sp>
       <p:cxnSp>
         <p:nvCxnSpPr>
-          <p:cNvPr id="91" name="Google Shape;91;p15"/>
+          <p:cNvPr id="90" name="Google Shape;90;p15"/>
           <p:cNvCxnSpPr>
-            <a:stCxn id="92" idx="3"/>
-            <a:endCxn id="86" idx="0"/>
+            <a:stCxn id="80" idx="2"/>
+            <a:endCxn id="85" idx="0"/>
           </p:cNvCxnSpPr>
           <p:nvPr/>
         </p:nvCxnSpPr>
         <p:spPr>
-          <a:xfrm flipH="1" rot="10800000">
-            <a:off x="2110050" y="590325"/>
-            <a:ext cx="4353900" cy="3421800"/>
+          <a:xfrm rot="-5400000">
+            <a:off x="2361600" y="-780637"/>
+            <a:ext cx="2731500" cy="5473500"/>
           </a:xfrm>
-          <a:prstGeom prst="bentConnector4">
+          <a:prstGeom prst="bentConnector5">
             <a:avLst>
-              <a:gd fmla="val 69167" name="adj1"/>
-              <a:gd fmla="val 112755" name="adj2"/>
+              <a:gd fmla="val -23236" name="adj1"/>
+              <a:gd fmla="val 75471" name="adj2"/>
+              <a:gd fmla="val 115712" name="adj3"/>
             </a:avLst>
           </a:prstGeom>
           <a:noFill/>
@@ -8608,9 +9014,9 @@
       </p:cxnSp>
       <p:cxnSp>
         <p:nvCxnSpPr>
-          <p:cNvPr id="93" name="Google Shape;93;p15"/>
+          <p:cNvPr id="91" name="Google Shape;91;p15"/>
           <p:cNvCxnSpPr>
-            <a:endCxn id="86" idx="0"/>
+            <a:endCxn id="85" idx="0"/>
           </p:cNvCxnSpPr>
           <p:nvPr/>
         </p:nvCxnSpPr>
@@ -8621,7 +9027,7 @@
           </a:xfrm>
           <a:prstGeom prst="bentConnector4">
             <a:avLst>
-              <a:gd fmla="val 64075" name="adj1"/>
+              <a:gd fmla="val 63878" name="adj1"/>
               <a:gd fmla="val 134913" name="adj2"/>
             </a:avLst>
           </a:prstGeom>
@@ -8639,7 +9045,7 @@
       </p:cxnSp>
       <p:sp>
         <p:nvSpPr>
-          <p:cNvPr id="94" name="Google Shape;94;p15"/>
+          <p:cNvPr id="92" name="Google Shape;92;p15"/>
           <p:cNvSpPr/>
           <p:nvPr/>
         </p:nvSpPr>
@@ -8707,7 +9113,7 @@
       </p:sp>
       <p:sp>
         <p:nvSpPr>
-          <p:cNvPr id="95" name="Google Shape;95;p15"/>
+          <p:cNvPr id="93" name="Google Shape;93;p15"/>
           <p:cNvSpPr txBox="1"/>
           <p:nvPr/>
         </p:nvSpPr>
@@ -8757,10 +9163,10 @@
       </p:sp>
       <p:cxnSp>
         <p:nvCxnSpPr>
-          <p:cNvPr id="96" name="Google Shape;96;p15"/>
+          <p:cNvPr id="94" name="Google Shape;94;p15"/>
           <p:cNvCxnSpPr>
-            <a:stCxn id="88" idx="2"/>
-            <a:endCxn id="94" idx="0"/>
+            <a:stCxn id="87" idx="2"/>
+            <a:endCxn id="92" idx="0"/>
           </p:cNvCxnSpPr>
           <p:nvPr/>
         </p:nvCxnSpPr>
@@ -8786,7 +9192,7 @@
       </p:cxnSp>
       <p:sp>
         <p:nvSpPr>
-          <p:cNvPr id="97" name="Google Shape;97;p15"/>
+          <p:cNvPr id="95" name="Google Shape;95;p15"/>
           <p:cNvSpPr/>
           <p:nvPr/>
         </p:nvSpPr>
@@ -8854,7 +9260,7 @@
       </p:sp>
       <p:sp>
         <p:nvSpPr>
-          <p:cNvPr id="98" name="Google Shape;98;p15"/>
+          <p:cNvPr id="96" name="Google Shape;96;p15"/>
           <p:cNvSpPr/>
           <p:nvPr/>
         </p:nvSpPr>
@@ -8922,7 +9328,7 @@
       </p:sp>
       <p:sp>
         <p:nvSpPr>
-          <p:cNvPr id="99" name="Google Shape;99;p15"/>
+          <p:cNvPr id="97" name="Google Shape;97;p15"/>
           <p:cNvSpPr txBox="1"/>
           <p:nvPr/>
         </p:nvSpPr>
@@ -8972,10 +9378,10 @@
       </p:sp>
       <p:cxnSp>
         <p:nvCxnSpPr>
-          <p:cNvPr id="100" name="Google Shape;100;p15"/>
+          <p:cNvPr id="98" name="Google Shape;98;p15"/>
           <p:cNvCxnSpPr>
-            <a:stCxn id="94" idx="2"/>
-            <a:endCxn id="98" idx="0"/>
+            <a:stCxn id="92" idx="2"/>
+            <a:endCxn id="96" idx="0"/>
           </p:cNvCxnSpPr>
           <p:nvPr/>
         </p:nvCxnSpPr>
@@ -9001,10 +9407,10 @@
       </p:cxnSp>
       <p:cxnSp>
         <p:nvCxnSpPr>
-          <p:cNvPr id="101" name="Google Shape;101;p15"/>
+          <p:cNvPr id="99" name="Google Shape;99;p15"/>
           <p:cNvCxnSpPr>
-            <a:stCxn id="97" idx="2"/>
-            <a:endCxn id="102" idx="0"/>
+            <a:stCxn id="95" idx="2"/>
+            <a:endCxn id="100" idx="0"/>
           </p:cNvCxnSpPr>
           <p:nvPr/>
         </p:nvCxnSpPr>
@@ -9032,7 +9438,7 @@
       </p:cxnSp>
       <p:sp>
         <p:nvSpPr>
-          <p:cNvPr id="103" name="Google Shape;103;p15"/>
+          <p:cNvPr id="101" name="Google Shape;101;p15"/>
           <p:cNvSpPr/>
           <p:nvPr/>
         </p:nvSpPr>
@@ -9098,7 +9504,7 @@
       </p:sp>
       <p:sp>
         <p:nvSpPr>
-          <p:cNvPr id="104" name="Google Shape;104;p15"/>
+          <p:cNvPr id="102" name="Google Shape;102;p15"/>
           <p:cNvSpPr txBox="1"/>
           <p:nvPr/>
         </p:nvSpPr>
@@ -9148,7 +9554,7 @@
       </p:sp>
       <p:sp>
         <p:nvSpPr>
-          <p:cNvPr id="105" name="Google Shape;105;p15"/>
+          <p:cNvPr id="103" name="Google Shape;103;p15"/>
           <p:cNvSpPr/>
           <p:nvPr/>
         </p:nvSpPr>
@@ -9214,7 +9620,7 @@
       </p:sp>
       <p:sp>
         <p:nvSpPr>
-          <p:cNvPr id="106" name="Google Shape;106;p15"/>
+          <p:cNvPr id="104" name="Google Shape;104;p15"/>
           <p:cNvSpPr txBox="1"/>
           <p:nvPr/>
         </p:nvSpPr>
@@ -9296,10 +9702,10 @@
       </p:sp>
       <p:cxnSp>
         <p:nvCxnSpPr>
-          <p:cNvPr id="107" name="Google Shape;107;p15"/>
+          <p:cNvPr id="105" name="Google Shape;105;p15"/>
           <p:cNvCxnSpPr>
-            <a:stCxn id="98" idx="2"/>
-            <a:endCxn id="97" idx="0"/>
+            <a:stCxn id="96" idx="2"/>
+            <a:endCxn id="95" idx="0"/>
           </p:cNvCxnSpPr>
           <p:nvPr/>
         </p:nvCxnSpPr>
@@ -9325,7 +9731,7 @@
       </p:cxnSp>
       <p:sp>
         <p:nvSpPr>
-          <p:cNvPr id="102" name="Google Shape;102;p15"/>
+          <p:cNvPr id="100" name="Google Shape;100;p15"/>
           <p:cNvSpPr/>
           <p:nvPr/>
         </p:nvSpPr>
@@ -9393,10 +9799,10 @@
       </p:sp>
       <p:cxnSp>
         <p:nvCxnSpPr>
-          <p:cNvPr id="108" name="Google Shape;108;p15"/>
+          <p:cNvPr id="106" name="Google Shape;106;p15"/>
           <p:cNvCxnSpPr>
-            <a:stCxn id="104" idx="3"/>
-            <a:endCxn id="102" idx="0"/>
+            <a:stCxn id="102" idx="3"/>
+            <a:endCxn id="100" idx="0"/>
           </p:cNvCxnSpPr>
           <p:nvPr/>
         </p:nvCxnSpPr>
@@ -9425,7 +9831,7 @@
       </p:cxnSp>
       <p:sp>
         <p:nvSpPr>
-          <p:cNvPr id="109" name="Google Shape;109;p15"/>
+          <p:cNvPr id="107" name="Google Shape;107;p15"/>
           <p:cNvSpPr/>
           <p:nvPr/>
         </p:nvSpPr>
@@ -9491,7 +9897,7 @@
       </p:sp>
       <p:sp>
         <p:nvSpPr>
-          <p:cNvPr id="110" name="Google Shape;110;p15"/>
+          <p:cNvPr id="108" name="Google Shape;108;p15"/>
           <p:cNvSpPr/>
           <p:nvPr/>
         </p:nvSpPr>
@@ -9557,7 +9963,7 @@
       </p:sp>
       <p:sp>
         <p:nvSpPr>
-          <p:cNvPr id="111" name="Google Shape;111;p15"/>
+          <p:cNvPr id="109" name="Google Shape;109;p15"/>
           <p:cNvSpPr/>
           <p:nvPr/>
         </p:nvSpPr>
@@ -9621,100 +10027,6 @@
           </a:p>
         </p:txBody>
       </p:sp>
-      <p:sp>
-        <p:nvSpPr>
-          <p:cNvPr id="92" name="Google Shape;92;p15"/>
-          <p:cNvSpPr/>
-          <p:nvPr/>
-        </p:nvSpPr>
-        <p:spPr>
-          <a:xfrm>
-            <a:off x="164550" y="3798975"/>
-            <a:ext cx="1945500" cy="426300"/>
-          </a:xfrm>
-          <a:prstGeom prst="roundRect">
-            <a:avLst>
-              <a:gd fmla="val 16667" name="adj"/>
-            </a:avLst>
-          </a:prstGeom>
-          <a:solidFill>
-            <a:srgbClr val="0000FF"/>
-          </a:solidFill>
-          <a:ln cap="flat" cmpd="sng" w="9525">
-            <a:solidFill>
-              <a:srgbClr val="0000FF"/>
-            </a:solidFill>
-            <a:prstDash val="solid"/>
-            <a:round/>
-            <a:headEnd len="sm" w="sm" type="none"/>
-            <a:tailEnd len="sm" w="sm" type="none"/>
-          </a:ln>
-        </p:spPr>
-        <p:txBody>
-          <a:bodyPr anchorCtr="0" anchor="ctr" bIns="91425" lIns="91425" spcFirstLastPara="1" rIns="91425" wrap="square" tIns="91425">
-            <a:noAutofit/>
-          </a:bodyPr>
-          <a:lstStyle/>
-          <a:p>
-            <a:pPr indent="0" lvl="0" marL="0" rtl="0" algn="ctr">
-              <a:spcBef>
-                <a:spcPts val="0"/>
-              </a:spcBef>
-              <a:spcAft>
-                <a:spcPts val="0"/>
-              </a:spcAft>
-              <a:buNone/>
-            </a:pPr>
-            <a:r>
-              <a:rPr b="1" lang="ja">
-                <a:solidFill>
-                  <a:schemeClr val="lt1"/>
-                </a:solidFill>
-                <a:latin typeface="Proxima Nova"/>
-                <a:ea typeface="Proxima Nova"/>
-                <a:cs typeface="Proxima Nova"/>
-                <a:sym typeface="Proxima Nova"/>
-              </a:rPr>
-              <a:t>generate_search_content_summary</a:t>
-            </a:r>
-            <a:endParaRPr b="1">
-              <a:solidFill>
-                <a:schemeClr val="lt1"/>
-              </a:solidFill>
-              <a:latin typeface="Proxima Nova"/>
-              <a:ea typeface="Proxima Nova"/>
-              <a:cs typeface="Proxima Nova"/>
-              <a:sym typeface="Proxima Nova"/>
-            </a:endParaRPr>
-          </a:p>
-        </p:txBody>
-      </p:sp>
-      <p:cxnSp>
-        <p:nvCxnSpPr>
-          <p:cNvPr id="112" name="Google Shape;112;p15"/>
-          <p:cNvCxnSpPr/>
-          <p:nvPr/>
-        </p:nvCxnSpPr>
-        <p:spPr>
-          <a:xfrm>
-            <a:off x="990600" y="3336475"/>
-            <a:ext cx="0" cy="447900"/>
-          </a:xfrm>
-          <a:prstGeom prst="straightConnector1">
-            <a:avLst/>
-          </a:prstGeom>
-          <a:noFill/>
-          <a:ln cap="flat" cmpd="sng" w="38100">
-            <a:solidFill>
-              <a:srgbClr val="0000FF"/>
-            </a:solidFill>
-            <a:prstDash val="solid"/>
-            <a:round/>
-            <a:headEnd len="med" w="med" type="none"/>
-            <a:tailEnd len="med" w="med" type="triangle"/>
-          </a:ln>
-        </p:spPr>
-      </p:cxnSp>
     </p:spTree>
   </p:cSld>
   <p:clrMapOvr>
@@ -9728,7 +10040,7 @@
   <p:cSld>
     <p:spTree>
       <p:nvGrpSpPr>
-        <p:cNvPr id="116" name="Shape 116"/>
+        <p:cNvPr id="113" name="Shape 113"/>
         <p:cNvGrpSpPr/>
         <p:nvPr/>
       </p:nvGrpSpPr>
@@ -9742,7 +10054,7 @@
       </p:grpSpPr>
       <p:sp>
         <p:nvSpPr>
-          <p:cNvPr id="117" name="Google Shape;117;p16"/>
+          <p:cNvPr id="114" name="Google Shape;114;p16"/>
           <p:cNvSpPr txBox="1"/>
           <p:nvPr/>
         </p:nvSpPr>
@@ -9792,7 +10104,7 @@
       </p:sp>
       <p:sp>
         <p:nvSpPr>
-          <p:cNvPr id="118" name="Google Shape;118;p16"/>
+          <p:cNvPr id="115" name="Google Shape;115;p16"/>
           <p:cNvSpPr txBox="1"/>
           <p:nvPr/>
         </p:nvSpPr>
@@ -10007,7 +10319,7 @@
       </p:sp>
       <p:sp>
         <p:nvSpPr>
-          <p:cNvPr id="119" name="Google Shape;119;p16"/>
+          <p:cNvPr id="116" name="Google Shape;116;p16"/>
           <p:cNvSpPr txBox="1"/>
           <p:nvPr/>
         </p:nvSpPr>
@@ -10069,7 +10381,7 @@
       </p:sp>
       <p:sp>
         <p:nvSpPr>
-          <p:cNvPr id="120" name="Google Shape;120;p16"/>
+          <p:cNvPr id="117" name="Google Shape;117;p16"/>
           <p:cNvSpPr txBox="1"/>
           <p:nvPr/>
         </p:nvSpPr>
@@ -10786,7 +11098,7 @@
       </p:sp>
       <p:sp>
         <p:nvSpPr>
-          <p:cNvPr id="121" name="Google Shape;121;p16"/>
+          <p:cNvPr id="118" name="Google Shape;118;p16"/>
           <p:cNvSpPr/>
           <p:nvPr/>
         </p:nvSpPr>
@@ -10854,7 +11166,7 @@
       </p:sp>
       <p:sp>
         <p:nvSpPr>
-          <p:cNvPr id="122" name="Google Shape;122;p16"/>
+          <p:cNvPr id="119" name="Google Shape;119;p16"/>
           <p:cNvSpPr/>
           <p:nvPr/>
         </p:nvSpPr>
@@ -10920,7 +11232,7 @@
       </p:sp>
       <p:sp>
         <p:nvSpPr>
-          <p:cNvPr id="123" name="Google Shape;123;p16"/>
+          <p:cNvPr id="120" name="Google Shape;120;p16"/>
           <p:cNvSpPr txBox="1"/>
           <p:nvPr/>
         </p:nvSpPr>
@@ -11383,7 +11695,7 @@
       </p:sp>
       <p:sp>
         <p:nvSpPr>
-          <p:cNvPr id="124" name="Google Shape;124;p16"/>
+          <p:cNvPr id="121" name="Google Shape;121;p16"/>
           <p:cNvSpPr/>
           <p:nvPr/>
         </p:nvSpPr>
@@ -11451,7 +11763,7 @@
       </p:sp>
       <p:sp>
         <p:nvSpPr>
-          <p:cNvPr id="125" name="Google Shape;125;p16"/>
+          <p:cNvPr id="122" name="Google Shape;122;p16"/>
           <p:cNvSpPr txBox="1"/>
           <p:nvPr/>
         </p:nvSpPr>
@@ -11501,7 +11813,7 @@
       </p:sp>
       <p:sp>
         <p:nvSpPr>
-          <p:cNvPr id="126" name="Google Shape;126;p16"/>
+          <p:cNvPr id="123" name="Google Shape;123;p16"/>
           <p:cNvSpPr txBox="1"/>
           <p:nvPr/>
         </p:nvSpPr>
@@ -11563,9 +11875,9 @@
       </p:sp>
       <p:cxnSp>
         <p:nvCxnSpPr>
-          <p:cNvPr id="127" name="Google Shape;127;p16"/>
+          <p:cNvPr id="124" name="Google Shape;124;p16"/>
           <p:cNvCxnSpPr>
-            <a:endCxn id="124" idx="1"/>
+            <a:endCxn id="121" idx="1"/>
           </p:cNvCxnSpPr>
           <p:nvPr/>
         </p:nvCxnSpPr>
@@ -11591,7 +11903,7 @@
       </p:cxnSp>
       <p:sp>
         <p:nvSpPr>
-          <p:cNvPr id="128" name="Google Shape;128;p16"/>
+          <p:cNvPr id="125" name="Google Shape;125;p16"/>
           <p:cNvSpPr txBox="1"/>
           <p:nvPr/>
         </p:nvSpPr>
@@ -11660,7 +11972,7 @@
   <p:cSld>
     <p:spTree>
       <p:nvGrpSpPr>
-        <p:cNvPr id="132" name="Shape 132"/>
+        <p:cNvPr id="129" name="Shape 129"/>
         <p:cNvGrpSpPr/>
         <p:nvPr/>
       </p:nvGrpSpPr>
@@ -11674,7 +11986,7 @@
       </p:grpSpPr>
       <p:sp>
         <p:nvSpPr>
-          <p:cNvPr id="133" name="Google Shape;133;p17"/>
+          <p:cNvPr id="130" name="Google Shape;130;p17"/>
           <p:cNvSpPr txBox="1"/>
           <p:nvPr/>
         </p:nvSpPr>
@@ -11970,7 +12282,7 @@
       </p:sp>
       <p:sp>
         <p:nvSpPr>
-          <p:cNvPr id="134" name="Google Shape;134;p17"/>
+          <p:cNvPr id="131" name="Google Shape;131;p17"/>
           <p:cNvSpPr txBox="1"/>
           <p:nvPr/>
         </p:nvSpPr>
@@ -12225,7 +12537,7 @@
       </p:sp>
       <p:sp>
         <p:nvSpPr>
-          <p:cNvPr id="135" name="Google Shape;135;p17"/>
+          <p:cNvPr id="132" name="Google Shape;132;p17"/>
           <p:cNvSpPr/>
           <p:nvPr/>
         </p:nvSpPr>
@@ -12293,7 +12605,7 @@
       </p:sp>
       <p:sp>
         <p:nvSpPr>
-          <p:cNvPr id="136" name="Google Shape;136;p17"/>
+          <p:cNvPr id="133" name="Google Shape;133;p17"/>
           <p:cNvSpPr txBox="1"/>
           <p:nvPr/>
         </p:nvSpPr>
@@ -12343,7 +12655,7 @@
       </p:sp>
       <p:sp>
         <p:nvSpPr>
-          <p:cNvPr id="137" name="Google Shape;137;p17"/>
+          <p:cNvPr id="134" name="Google Shape;134;p17"/>
           <p:cNvSpPr txBox="1"/>
           <p:nvPr/>
         </p:nvSpPr>
@@ -12401,7 +12713,7 @@
       </p:sp>
       <p:pic>
         <p:nvPicPr>
-          <p:cNvPr id="138" name="Google Shape;138;p17"/>
+          <p:cNvPr id="135" name="Google Shape;135;p17"/>
           <p:cNvPicPr preferRelativeResize="0"/>
           <p:nvPr/>
         </p:nvPicPr>
@@ -12429,7 +12741,7 @@
       </p:pic>
       <p:sp>
         <p:nvSpPr>
-          <p:cNvPr id="139" name="Google Shape;139;p17"/>
+          <p:cNvPr id="136" name="Google Shape;136;p17"/>
           <p:cNvSpPr txBox="1"/>
           <p:nvPr/>
         </p:nvSpPr>
@@ -12496,7 +12808,7 @@
             <a:r>
               <a:rPr b="1" lang="ja" sz="964" u="sng">
                 <a:solidFill>
-                  <a:schemeClr val="accent3"/>
+                  <a:srgbClr val="1C4587"/>
                 </a:solidFill>
                 <a:latin typeface="Proxima Nova"/>
                 <a:ea typeface="Proxima Nova"/>
@@ -12508,7 +12820,7 @@
             <a:r>
               <a:rPr b="1" lang="ja" sz="964" u="sng">
                 <a:solidFill>
-                  <a:schemeClr val="accent3"/>
+                  <a:srgbClr val="1C4587"/>
                 </a:solidFill>
                 <a:latin typeface="Proxima Nova"/>
                 <a:ea typeface="Proxima Nova"/>
@@ -12520,7 +12832,7 @@
             <a:r>
               <a:rPr b="1" lang="ja" sz="964" u="sng">
                 <a:solidFill>
-                  <a:schemeClr val="accent3"/>
+                  <a:srgbClr val="1C4587"/>
                 </a:solidFill>
                 <a:latin typeface="Proxima Nova"/>
                 <a:ea typeface="Proxima Nova"/>
@@ -12531,7 +12843,7 @@
             </a:r>
             <a:endParaRPr b="1" sz="964" u="sng">
               <a:solidFill>
-                <a:schemeClr val="accent3"/>
+                <a:srgbClr val="1C4587"/>
               </a:solidFill>
               <a:latin typeface="Proxima Nova"/>
               <a:ea typeface="Proxima Nova"/>
@@ -12564,7 +12876,7 @@
             <a:r>
               <a:rPr b="1" lang="ja" sz="964" u="sng">
                 <a:solidFill>
-                  <a:schemeClr val="accent3"/>
+                  <a:srgbClr val="1C4587"/>
                 </a:solidFill>
                 <a:latin typeface="Proxima Nova"/>
                 <a:ea typeface="Proxima Nova"/>
@@ -12646,7 +12958,7 @@
       </p:sp>
       <p:sp>
         <p:nvSpPr>
-          <p:cNvPr id="140" name="Google Shape;140;p17"/>
+          <p:cNvPr id="137" name="Google Shape;137;p17"/>
           <p:cNvSpPr/>
           <p:nvPr/>
         </p:nvSpPr>
@@ -12703,7 +13015,7 @@
       </p:sp>
       <p:cxnSp>
         <p:nvCxnSpPr>
-          <p:cNvPr id="141" name="Google Shape;141;p17"/>
+          <p:cNvPr id="138" name="Google Shape;138;p17"/>
           <p:cNvCxnSpPr/>
           <p:nvPr/>
         </p:nvCxnSpPr>
@@ -12729,7 +13041,7 @@
       </p:cxnSp>
       <p:cxnSp>
         <p:nvCxnSpPr>
-          <p:cNvPr id="142" name="Google Shape;142;p17"/>
+          <p:cNvPr id="139" name="Google Shape;139;p17"/>
           <p:cNvCxnSpPr/>
           <p:nvPr/>
         </p:nvCxnSpPr>
@@ -12755,7 +13067,7 @@
       </p:cxnSp>
       <p:sp>
         <p:nvSpPr>
-          <p:cNvPr id="143" name="Google Shape;143;p17"/>
+          <p:cNvPr id="140" name="Google Shape;140;p17"/>
           <p:cNvSpPr txBox="1"/>
           <p:nvPr/>
         </p:nvSpPr>
@@ -12813,7 +13125,7 @@
       </p:sp>
       <p:sp>
         <p:nvSpPr>
-          <p:cNvPr id="144" name="Google Shape;144;p17"/>
+          <p:cNvPr id="141" name="Google Shape;141;p17"/>
           <p:cNvSpPr/>
           <p:nvPr/>
         </p:nvSpPr>
@@ -12870,7 +13182,7 @@
       </p:sp>
       <p:sp>
         <p:nvSpPr>
-          <p:cNvPr id="145" name="Google Shape;145;p17"/>
+          <p:cNvPr id="142" name="Google Shape;142;p17"/>
           <p:cNvSpPr txBox="1"/>
           <p:nvPr/>
         </p:nvSpPr>
@@ -12928,7 +13240,7 @@
       </p:sp>
       <p:sp>
         <p:nvSpPr>
-          <p:cNvPr id="146" name="Google Shape;146;p17"/>
+          <p:cNvPr id="143" name="Google Shape;143;p17"/>
           <p:cNvSpPr txBox="1"/>
           <p:nvPr/>
         </p:nvSpPr>
@@ -12986,7 +13298,7 @@
       </p:sp>
       <p:sp>
         <p:nvSpPr>
-          <p:cNvPr id="147" name="Google Shape;147;p17"/>
+          <p:cNvPr id="144" name="Google Shape;144;p17"/>
           <p:cNvSpPr txBox="1"/>
           <p:nvPr/>
         </p:nvSpPr>
@@ -13044,7 +13356,7 @@
       </p:sp>
       <p:sp>
         <p:nvSpPr>
-          <p:cNvPr id="148" name="Google Shape;148;p17"/>
+          <p:cNvPr id="145" name="Google Shape;145;p17"/>
           <p:cNvSpPr txBox="1"/>
           <p:nvPr/>
         </p:nvSpPr>
@@ -13102,7 +13414,7 @@
       </p:sp>
       <p:sp>
         <p:nvSpPr>
-          <p:cNvPr id="149" name="Google Shape;149;p17"/>
+          <p:cNvPr id="146" name="Google Shape;146;p17"/>
           <p:cNvSpPr txBox="1"/>
           <p:nvPr/>
         </p:nvSpPr>
@@ -13160,7 +13472,7 @@
       </p:sp>
       <p:sp>
         <p:nvSpPr>
-          <p:cNvPr id="150" name="Google Shape;150;p17"/>
+          <p:cNvPr id="147" name="Google Shape;147;p17"/>
           <p:cNvSpPr/>
           <p:nvPr/>
         </p:nvSpPr>
@@ -13217,7 +13529,7 @@
       </p:sp>
       <p:sp>
         <p:nvSpPr>
-          <p:cNvPr id="151" name="Google Shape;151;p17"/>
+          <p:cNvPr id="148" name="Google Shape;148;p17"/>
           <p:cNvSpPr txBox="1"/>
           <p:nvPr/>
         </p:nvSpPr>
@@ -13275,7 +13587,7 @@
       </p:sp>
       <p:sp>
         <p:nvSpPr>
-          <p:cNvPr id="152" name="Google Shape;152;p17"/>
+          <p:cNvPr id="149" name="Google Shape;149;p17"/>
           <p:cNvSpPr txBox="1"/>
           <p:nvPr/>
         </p:nvSpPr>
@@ -13333,7 +13645,7 @@
       </p:sp>
       <p:sp>
         <p:nvSpPr>
-          <p:cNvPr id="153" name="Google Shape;153;p17"/>
+          <p:cNvPr id="150" name="Google Shape;150;p17"/>
           <p:cNvSpPr/>
           <p:nvPr/>
         </p:nvSpPr>
@@ -13385,7 +13697,7 @@
       </p:sp>
       <p:sp>
         <p:nvSpPr>
-          <p:cNvPr id="154" name="Google Shape;154;p17"/>
+          <p:cNvPr id="151" name="Google Shape;151;p17"/>
           <p:cNvSpPr/>
           <p:nvPr/>
         </p:nvSpPr>
@@ -13442,7 +13754,7 @@
       </p:sp>
       <p:sp>
         <p:nvSpPr>
-          <p:cNvPr id="155" name="Google Shape;155;p17"/>
+          <p:cNvPr id="152" name="Google Shape;152;p17"/>
           <p:cNvSpPr txBox="1"/>
           <p:nvPr/>
         </p:nvSpPr>
@@ -13500,7 +13812,7 @@
       </p:sp>
       <p:cxnSp>
         <p:nvCxnSpPr>
-          <p:cNvPr id="156" name="Google Shape;156;p17"/>
+          <p:cNvPr id="153" name="Google Shape;153;p17"/>
           <p:cNvCxnSpPr/>
           <p:nvPr/>
         </p:nvCxnSpPr>
@@ -13526,7 +13838,7 @@
       </p:cxnSp>
       <p:sp>
         <p:nvSpPr>
-          <p:cNvPr id="157" name="Google Shape;157;p17"/>
+          <p:cNvPr id="154" name="Google Shape;154;p17"/>
           <p:cNvSpPr txBox="1"/>
           <p:nvPr/>
         </p:nvSpPr>
@@ -13584,7 +13896,7 @@
       </p:sp>
       <p:sp>
         <p:nvSpPr>
-          <p:cNvPr id="158" name="Google Shape;158;p17"/>
+          <p:cNvPr id="155" name="Google Shape;155;p17"/>
           <p:cNvSpPr/>
           <p:nvPr/>
         </p:nvSpPr>
@@ -13641,7 +13953,7 @@
       </p:sp>
       <p:sp>
         <p:nvSpPr>
-          <p:cNvPr id="159" name="Google Shape;159;p17"/>
+          <p:cNvPr id="156" name="Google Shape;156;p17"/>
           <p:cNvSpPr/>
           <p:nvPr/>
         </p:nvSpPr>
@@ -13693,7 +14005,7 @@
       </p:sp>
       <p:sp>
         <p:nvSpPr>
-          <p:cNvPr id="160" name="Google Shape;160;p17"/>
+          <p:cNvPr id="157" name="Google Shape;157;p17"/>
           <p:cNvSpPr/>
           <p:nvPr/>
         </p:nvSpPr>
@@ -13745,7 +14057,7 @@
       </p:sp>
       <p:sp>
         <p:nvSpPr>
-          <p:cNvPr id="161" name="Google Shape;161;p17"/>
+          <p:cNvPr id="158" name="Google Shape;158;p17"/>
           <p:cNvSpPr/>
           <p:nvPr/>
         </p:nvSpPr>
@@ -13797,13 +14109,13 @@
       </p:sp>
       <p:sp>
         <p:nvSpPr>
-          <p:cNvPr id="162" name="Google Shape;162;p17"/>
+          <p:cNvPr id="159" name="Google Shape;159;p17"/>
           <p:cNvSpPr/>
           <p:nvPr/>
         </p:nvSpPr>
         <p:spPr>
           <a:xfrm>
-            <a:off x="5729650" y="1230925"/>
+            <a:off x="5734744" y="1230925"/>
             <a:ext cx="3338100" cy="1723200"/>
           </a:xfrm>
           <a:prstGeom prst="rect">
@@ -13849,7 +14161,7 @@
       </p:sp>
       <p:sp>
         <p:nvSpPr>
-          <p:cNvPr id="163" name="Google Shape;163;p17"/>
+          <p:cNvPr id="160" name="Google Shape;160;p17"/>
           <p:cNvSpPr txBox="1"/>
           <p:nvPr/>
         </p:nvSpPr>
@@ -13907,7 +14219,7 @@
       </p:sp>
       <p:sp>
         <p:nvSpPr>
-          <p:cNvPr id="164" name="Google Shape;164;p17"/>
+          <p:cNvPr id="161" name="Google Shape;161;p17"/>
           <p:cNvSpPr txBox="1"/>
           <p:nvPr/>
         </p:nvSpPr>
@@ -13982,7 +14294,7 @@
   <p:cSld>
     <p:spTree>
       <p:nvGrpSpPr>
-        <p:cNvPr id="168" name="Shape 168"/>
+        <p:cNvPr id="165" name="Shape 165"/>
         <p:cNvGrpSpPr/>
         <p:nvPr/>
       </p:nvGrpSpPr>
@@ -13996,7 +14308,7 @@
       </p:grpSpPr>
       <p:sp>
         <p:nvSpPr>
-          <p:cNvPr id="169" name="Google Shape;169;p18"/>
+          <p:cNvPr id="166" name="Google Shape;166;p18"/>
           <p:cNvSpPr txBox="1"/>
           <p:nvPr/>
         </p:nvSpPr>
@@ -14173,14 +14485,14 @@
       </p:sp>
       <p:sp>
         <p:nvSpPr>
-          <p:cNvPr id="170" name="Google Shape;170;p18"/>
+          <p:cNvPr id="167" name="Google Shape;167;p18"/>
           <p:cNvSpPr txBox="1"/>
           <p:nvPr/>
         </p:nvSpPr>
         <p:spPr>
           <a:xfrm>
             <a:off x="0" y="0"/>
-            <a:ext cx="4022400" cy="1031400"/>
+            <a:ext cx="3561000" cy="1031400"/>
           </a:xfrm>
           <a:prstGeom prst="rect">
             <a:avLst/>
@@ -14342,14 +14654,14 @@
       </p:sp>
       <p:sp>
         <p:nvSpPr>
-          <p:cNvPr id="171" name="Google Shape;171;p18"/>
+          <p:cNvPr id="168" name="Google Shape;168;p18"/>
           <p:cNvSpPr txBox="1"/>
           <p:nvPr/>
         </p:nvSpPr>
         <p:spPr>
           <a:xfrm>
-            <a:off x="7612675" y="0"/>
-            <a:ext cx="3561000" cy="692700"/>
+            <a:off x="6314125" y="0"/>
+            <a:ext cx="2829900" cy="861900"/>
           </a:xfrm>
           <a:prstGeom prst="rect">
             <a:avLst/>
@@ -14474,14 +14786,14 @@
       </p:sp>
       <p:sp>
         <p:nvSpPr>
-          <p:cNvPr id="172" name="Google Shape;172;p18"/>
+          <p:cNvPr id="169" name="Google Shape;169;p18"/>
           <p:cNvSpPr txBox="1"/>
           <p:nvPr/>
         </p:nvSpPr>
         <p:spPr>
           <a:xfrm>
-            <a:off x="3735175" y="0"/>
-            <a:ext cx="4022400" cy="861900"/>
+            <a:off x="3464075" y="0"/>
+            <a:ext cx="2829900" cy="1031400"/>
           </a:xfrm>
           <a:prstGeom prst="rect">
             <a:avLst/>
@@ -14544,7 +14856,53 @@
                 <a:cs typeface="Proxima Nova"/>
                 <a:sym typeface="Proxima Nova"/>
               </a:rPr>
-              <a:t>採用基準が謎、ロクサネ出すならオリュンポスとエウリュディケは必要な気が</a:t>
+              <a:t>採用基準が謎、ロクサネ出すなら</a:t>
+            </a:r>
+            <a:br>
+              <a:rPr b="1" lang="ja" sz="1100" u="sng">
+                <a:solidFill>
+                  <a:srgbClr val="073763"/>
+                </a:solidFill>
+                <a:latin typeface="Proxima Nova"/>
+                <a:ea typeface="Proxima Nova"/>
+                <a:cs typeface="Proxima Nova"/>
+                <a:sym typeface="Proxima Nova"/>
+              </a:rPr>
+            </a:br>
+            <a:r>
+              <a:rPr b="1" lang="ja" sz="1100" u="sng">
+                <a:solidFill>
+                  <a:srgbClr val="073763"/>
+                </a:solidFill>
+                <a:latin typeface="Proxima Nova"/>
+                <a:ea typeface="Proxima Nova"/>
+                <a:cs typeface="Proxima Nova"/>
+                <a:sym typeface="Proxima Nova"/>
+              </a:rPr>
+              <a:t>オリュンポスとエウリュディケ</a:t>
+            </a:r>
+            <a:br>
+              <a:rPr b="1" lang="ja" sz="1100" u="sng">
+                <a:solidFill>
+                  <a:srgbClr val="073763"/>
+                </a:solidFill>
+                <a:latin typeface="Proxima Nova"/>
+                <a:ea typeface="Proxima Nova"/>
+                <a:cs typeface="Proxima Nova"/>
+                <a:sym typeface="Proxima Nova"/>
+              </a:rPr>
+            </a:br>
+            <a:r>
+              <a:rPr b="1" lang="ja" sz="1100" u="sng">
+                <a:solidFill>
+                  <a:srgbClr val="073763"/>
+                </a:solidFill>
+                <a:latin typeface="Proxima Nova"/>
+                <a:ea typeface="Proxima Nova"/>
+                <a:cs typeface="Proxima Nova"/>
+                <a:sym typeface="Proxima Nova"/>
+              </a:rPr>
+              <a:t>は必要な気が</a:t>
             </a:r>
             <a:endParaRPr b="1" sz="1100" u="sng">
               <a:solidFill>
@@ -14599,7 +14957,7 @@
   <p:cSld>
     <p:spTree>
       <p:nvGrpSpPr>
-        <p:cNvPr id="176" name="Shape 176"/>
+        <p:cNvPr id="173" name="Shape 173"/>
         <p:cNvGrpSpPr/>
         <p:nvPr/>
       </p:nvGrpSpPr>
@@ -14613,7 +14971,2179 @@
       </p:grpSpPr>
       <p:sp>
         <p:nvSpPr>
+          <p:cNvPr id="174" name="Google Shape;174;p19"/>
+          <p:cNvSpPr/>
+          <p:nvPr/>
+        </p:nvSpPr>
+        <p:spPr>
+          <a:xfrm>
+            <a:off x="261750" y="76200"/>
+            <a:ext cx="1457700" cy="381000"/>
+          </a:xfrm>
+          <a:prstGeom prst="roundRect">
+            <a:avLst>
+              <a:gd fmla="val 16667" name="adj"/>
+            </a:avLst>
+          </a:prstGeom>
+          <a:solidFill>
+            <a:srgbClr val="EFEFEF"/>
+          </a:solidFill>
+          <a:ln cap="flat" cmpd="sng" w="9525">
+            <a:solidFill>
+              <a:srgbClr val="0000FF"/>
+            </a:solidFill>
+            <a:prstDash val="solid"/>
+            <a:round/>
+            <a:headEnd len="sm" w="sm" type="none"/>
+            <a:tailEnd len="sm" w="sm" type="none"/>
+          </a:ln>
+        </p:spPr>
+        <p:txBody>
+          <a:bodyPr anchorCtr="0" anchor="ctr" bIns="91425" lIns="91425" spcFirstLastPara="1" rIns="91425" wrap="square" tIns="91425">
+            <a:noAutofit/>
+          </a:bodyPr>
+          <a:lstStyle/>
+          <a:p>
+            <a:pPr indent="0" lvl="0" marL="0" rtl="0" algn="ctr">
+              <a:spcBef>
+                <a:spcPts val="0"/>
+              </a:spcBef>
+              <a:spcAft>
+                <a:spcPts val="0"/>
+              </a:spcAft>
+              <a:buNone/>
+            </a:pPr>
+            <a:r>
+              <a:rPr b="1" lang="ja">
+                <a:solidFill>
+                  <a:schemeClr val="accent2"/>
+                </a:solidFill>
+                <a:latin typeface="Proxima Nova"/>
+                <a:ea typeface="Proxima Nova"/>
+                <a:cs typeface="Proxima Nova"/>
+                <a:sym typeface="Proxima Nova"/>
+              </a:rPr>
+              <a:t>Input</a:t>
+            </a:r>
+            <a:endParaRPr b="1">
+              <a:solidFill>
+                <a:schemeClr val="accent2"/>
+              </a:solidFill>
+              <a:latin typeface="Proxima Nova"/>
+              <a:ea typeface="Proxima Nova"/>
+              <a:cs typeface="Proxima Nova"/>
+              <a:sym typeface="Proxima Nova"/>
+            </a:endParaRPr>
+          </a:p>
+        </p:txBody>
+      </p:sp>
+      <p:sp>
+        <p:nvSpPr>
+          <p:cNvPr id="175" name="Google Shape;175;p19"/>
+          <p:cNvSpPr/>
+          <p:nvPr/>
+        </p:nvSpPr>
+        <p:spPr>
+          <a:xfrm>
+            <a:off x="164550" y="1085850"/>
+            <a:ext cx="1652100" cy="426300"/>
+          </a:xfrm>
+          <a:prstGeom prst="roundRect">
+            <a:avLst>
+              <a:gd fmla="val 16667" name="adj"/>
+            </a:avLst>
+          </a:prstGeom>
+          <a:solidFill>
+            <a:srgbClr val="0000FF"/>
+          </a:solidFill>
+          <a:ln cap="flat" cmpd="sng" w="9525">
+            <a:solidFill>
+              <a:srgbClr val="0000FF"/>
+            </a:solidFill>
+            <a:prstDash val="solid"/>
+            <a:round/>
+            <a:headEnd len="sm" w="sm" type="none"/>
+            <a:tailEnd len="sm" w="sm" type="none"/>
+          </a:ln>
+        </p:spPr>
+        <p:txBody>
+          <a:bodyPr anchorCtr="0" anchor="ctr" bIns="91425" lIns="91425" spcFirstLastPara="1" rIns="91425" wrap="square" tIns="91425">
+            <a:noAutofit/>
+          </a:bodyPr>
+          <a:lstStyle/>
+          <a:p>
+            <a:pPr indent="0" lvl="0" marL="0" rtl="0" algn="ctr">
+              <a:spcBef>
+                <a:spcPts val="0"/>
+              </a:spcBef>
+              <a:spcAft>
+                <a:spcPts val="0"/>
+              </a:spcAft>
+              <a:buNone/>
+            </a:pPr>
+            <a:r>
+              <a:rPr b="1" lang="ja">
+                <a:solidFill>
+                  <a:schemeClr val="lt1"/>
+                </a:solidFill>
+                <a:latin typeface="Proxima Nova"/>
+                <a:ea typeface="Proxima Nova"/>
+                <a:cs typeface="Proxima Nova"/>
+                <a:sym typeface="Proxima Nova"/>
+              </a:rPr>
+              <a:t>generate_search_queries</a:t>
+            </a:r>
+            <a:endParaRPr b="1">
+              <a:solidFill>
+                <a:schemeClr val="lt1"/>
+              </a:solidFill>
+              <a:latin typeface="Proxima Nova"/>
+              <a:ea typeface="Proxima Nova"/>
+              <a:cs typeface="Proxima Nova"/>
+              <a:sym typeface="Proxima Nova"/>
+            </a:endParaRPr>
+          </a:p>
+        </p:txBody>
+      </p:sp>
+      <p:cxnSp>
+        <p:nvCxnSpPr>
+          <p:cNvPr id="176" name="Google Shape;176;p19"/>
+          <p:cNvCxnSpPr>
+            <a:stCxn id="174" idx="2"/>
+            <a:endCxn id="175" idx="0"/>
+          </p:cNvCxnSpPr>
+          <p:nvPr/>
+        </p:nvCxnSpPr>
+        <p:spPr>
+          <a:xfrm>
+            <a:off x="990600" y="457200"/>
+            <a:ext cx="0" cy="628800"/>
+          </a:xfrm>
+          <a:prstGeom prst="straightConnector1">
+            <a:avLst/>
+          </a:prstGeom>
+          <a:noFill/>
+          <a:ln cap="flat" cmpd="sng" w="38100">
+            <a:solidFill>
+              <a:srgbClr val="0000FF"/>
+            </a:solidFill>
+            <a:prstDash val="solid"/>
+            <a:round/>
+            <a:headEnd len="med" w="med" type="none"/>
+            <a:tailEnd len="med" w="med" type="triangle"/>
+          </a:ln>
+        </p:spPr>
+      </p:cxnSp>
+      <p:cxnSp>
+        <p:nvCxnSpPr>
           <p:cNvPr id="177" name="Google Shape;177;p19"/>
+          <p:cNvCxnSpPr>
+            <a:stCxn id="175" idx="2"/>
+            <a:endCxn id="178" idx="0"/>
+          </p:cNvCxnSpPr>
+          <p:nvPr/>
+        </p:nvCxnSpPr>
+        <p:spPr>
+          <a:xfrm>
+            <a:off x="990600" y="1512150"/>
+            <a:ext cx="0" cy="509400"/>
+          </a:xfrm>
+          <a:prstGeom prst="straightConnector1">
+            <a:avLst/>
+          </a:prstGeom>
+          <a:noFill/>
+          <a:ln cap="flat" cmpd="sng" w="38100">
+            <a:solidFill>
+              <a:srgbClr val="0000FF"/>
+            </a:solidFill>
+            <a:prstDash val="solid"/>
+            <a:round/>
+            <a:headEnd len="med" w="med" type="none"/>
+            <a:tailEnd len="med" w="med" type="triangle"/>
+          </a:ln>
+        </p:spPr>
+      </p:cxnSp>
+      <p:sp>
+        <p:nvSpPr>
+          <p:cNvPr id="178" name="Google Shape;178;p19"/>
+          <p:cNvSpPr/>
+          <p:nvPr/>
+        </p:nvSpPr>
+        <p:spPr>
+          <a:xfrm>
+            <a:off x="212250" y="2021500"/>
+            <a:ext cx="1556700" cy="426300"/>
+          </a:xfrm>
+          <a:prstGeom prst="roundRect">
+            <a:avLst>
+              <a:gd fmla="val 16667" name="adj"/>
+            </a:avLst>
+          </a:prstGeom>
+          <a:solidFill>
+            <a:srgbClr val="0000FF"/>
+          </a:solidFill>
+          <a:ln cap="flat" cmpd="sng" w="9525">
+            <a:solidFill>
+              <a:srgbClr val="0000FF"/>
+            </a:solidFill>
+            <a:prstDash val="solid"/>
+            <a:round/>
+            <a:headEnd len="sm" w="sm" type="none"/>
+            <a:tailEnd len="sm" w="sm" type="none"/>
+          </a:ln>
+        </p:spPr>
+        <p:txBody>
+          <a:bodyPr anchorCtr="0" anchor="ctr" bIns="91425" lIns="91425" spcFirstLastPara="1" rIns="91425" wrap="square" tIns="91425">
+            <a:noAutofit/>
+          </a:bodyPr>
+          <a:lstStyle/>
+          <a:p>
+            <a:pPr indent="0" lvl="0" marL="0" rtl="0" algn="ctr">
+              <a:spcBef>
+                <a:spcPts val="0"/>
+              </a:spcBef>
+              <a:spcAft>
+                <a:spcPts val="0"/>
+              </a:spcAft>
+              <a:buNone/>
+            </a:pPr>
+            <a:r>
+              <a:rPr b="1" lang="ja">
+                <a:solidFill>
+                  <a:schemeClr val="lt1"/>
+                </a:solidFill>
+                <a:latin typeface="Proxima Nova"/>
+                <a:ea typeface="Proxima Nova"/>
+                <a:cs typeface="Proxima Nova"/>
+                <a:sym typeface="Proxima Nova"/>
+              </a:rPr>
+              <a:t>generate_wiki_questions</a:t>
+            </a:r>
+            <a:endParaRPr b="1">
+              <a:solidFill>
+                <a:schemeClr val="lt1"/>
+              </a:solidFill>
+              <a:latin typeface="Proxima Nova"/>
+              <a:ea typeface="Proxima Nova"/>
+              <a:cs typeface="Proxima Nova"/>
+              <a:sym typeface="Proxima Nova"/>
+            </a:endParaRPr>
+          </a:p>
+        </p:txBody>
+      </p:sp>
+      <p:sp>
+        <p:nvSpPr>
+          <p:cNvPr id="179" name="Google Shape;179;p19"/>
+          <p:cNvSpPr txBox="1"/>
+          <p:nvPr/>
+        </p:nvSpPr>
+        <p:spPr>
+          <a:xfrm>
+            <a:off x="1816650" y="1052000"/>
+            <a:ext cx="3120000" cy="384900"/>
+          </a:xfrm>
+          <a:prstGeom prst="rect">
+            <a:avLst/>
+          </a:prstGeom>
+          <a:noFill/>
+          <a:ln>
+            <a:noFill/>
+          </a:ln>
+        </p:spPr>
+        <p:txBody>
+          <a:bodyPr anchorCtr="0" anchor="t" bIns="91425" lIns="91425" spcFirstLastPara="1" rIns="91425" wrap="square" tIns="91425">
+            <a:spAutoFit/>
+          </a:bodyPr>
+          <a:lstStyle/>
+          <a:p>
+            <a:pPr indent="0" lvl="0" marL="0" rtl="0" algn="l">
+              <a:spcBef>
+                <a:spcPts val="0"/>
+              </a:spcBef>
+              <a:spcAft>
+                <a:spcPts val="0"/>
+              </a:spcAft>
+              <a:buNone/>
+            </a:pPr>
+            <a:r>
+              <a:rPr b="1" lang="ja" sz="1300">
+                <a:solidFill>
+                  <a:schemeClr val="accent3"/>
+                </a:solidFill>
+                <a:latin typeface="Proxima Nova"/>
+                <a:ea typeface="Proxima Nova"/>
+                <a:cs typeface="Proxima Nova"/>
+                <a:sym typeface="Proxima Nova"/>
+              </a:rPr>
+              <a:t>Inputから検索クエリを生成する</a:t>
+            </a:r>
+            <a:endParaRPr sz="1300"/>
+          </a:p>
+        </p:txBody>
+      </p:sp>
+      <p:sp>
+        <p:nvSpPr>
+          <p:cNvPr id="180" name="Google Shape;180;p19"/>
+          <p:cNvSpPr/>
+          <p:nvPr/>
+        </p:nvSpPr>
+        <p:spPr>
+          <a:xfrm>
+            <a:off x="1267350" y="1499025"/>
+            <a:ext cx="1488900" cy="381000"/>
+          </a:xfrm>
+          <a:prstGeom prst="roundRect">
+            <a:avLst>
+              <a:gd fmla="val 16667" name="adj"/>
+            </a:avLst>
+          </a:prstGeom>
+          <a:noFill/>
+          <a:ln cap="flat" cmpd="sng" w="38100">
+            <a:solidFill>
+              <a:srgbClr val="0000FF"/>
+            </a:solidFill>
+            <a:prstDash val="solid"/>
+            <a:round/>
+            <a:headEnd len="sm" w="sm" type="none"/>
+            <a:tailEnd len="sm" w="sm" type="none"/>
+          </a:ln>
+        </p:spPr>
+        <p:txBody>
+          <a:bodyPr anchorCtr="0" anchor="t" bIns="91425" lIns="91425" spcFirstLastPara="1" rIns="91425" wrap="square" tIns="91425">
+            <a:noAutofit/>
+          </a:bodyPr>
+          <a:lstStyle/>
+          <a:p>
+            <a:pPr indent="0" lvl="0" marL="0" rtl="0" algn="l">
+              <a:spcBef>
+                <a:spcPts val="0"/>
+              </a:spcBef>
+              <a:spcAft>
+                <a:spcPts val="0"/>
+              </a:spcAft>
+              <a:buNone/>
+            </a:pPr>
+            <a:r>
+              <a:rPr b="1" lang="ja">
+                <a:solidFill>
+                  <a:schemeClr val="accent3"/>
+                </a:solidFill>
+                <a:latin typeface="Proxima Nova"/>
+                <a:ea typeface="Proxima Nova"/>
+                <a:cs typeface="Proxima Nova"/>
+                <a:sym typeface="Proxima Nova"/>
+              </a:rPr>
+              <a:t>wikipedia検索</a:t>
+            </a:r>
+            <a:endParaRPr b="1">
+              <a:solidFill>
+                <a:schemeClr val="accent3"/>
+              </a:solidFill>
+              <a:latin typeface="Proxima Nova"/>
+              <a:ea typeface="Proxima Nova"/>
+              <a:cs typeface="Proxima Nova"/>
+              <a:sym typeface="Proxima Nova"/>
+            </a:endParaRPr>
+          </a:p>
+        </p:txBody>
+      </p:sp>
+      <p:sp>
+        <p:nvSpPr>
+          <p:cNvPr id="181" name="Google Shape;181;p19"/>
+          <p:cNvSpPr txBox="1"/>
+          <p:nvPr/>
+        </p:nvSpPr>
+        <p:spPr>
+          <a:xfrm>
+            <a:off x="1816650" y="1926850"/>
+            <a:ext cx="2255400" cy="585000"/>
+          </a:xfrm>
+          <a:prstGeom prst="rect">
+            <a:avLst/>
+          </a:prstGeom>
+          <a:noFill/>
+          <a:ln>
+            <a:noFill/>
+          </a:ln>
+        </p:spPr>
+        <p:txBody>
+          <a:bodyPr anchorCtr="0" anchor="t" bIns="91425" lIns="91425" spcFirstLastPara="1" rIns="91425" wrap="square" tIns="91425">
+            <a:spAutoFit/>
+          </a:bodyPr>
+          <a:lstStyle/>
+          <a:p>
+            <a:pPr indent="0" lvl="0" marL="0" rtl="0" algn="l">
+              <a:spcBef>
+                <a:spcPts val="0"/>
+              </a:spcBef>
+              <a:spcAft>
+                <a:spcPts val="0"/>
+              </a:spcAft>
+              <a:buNone/>
+            </a:pPr>
+            <a:r>
+              <a:rPr b="1" lang="ja" sz="1300">
+                <a:solidFill>
+                  <a:schemeClr val="accent3"/>
+                </a:solidFill>
+                <a:latin typeface="Proxima Nova"/>
+                <a:ea typeface="Proxima Nova"/>
+                <a:cs typeface="Proxima Nova"/>
+                <a:sym typeface="Proxima Nova"/>
+              </a:rPr>
+              <a:t>Wikipediaの概要から質問を3つ程度生成する</a:t>
+            </a:r>
+            <a:endParaRPr sz="1300"/>
+          </a:p>
+        </p:txBody>
+      </p:sp>
+      <p:sp>
+        <p:nvSpPr>
+          <p:cNvPr id="182" name="Google Shape;182;p19"/>
+          <p:cNvSpPr/>
+          <p:nvPr/>
+        </p:nvSpPr>
+        <p:spPr>
+          <a:xfrm>
+            <a:off x="164550" y="2895563"/>
+            <a:ext cx="1652100" cy="426300"/>
+          </a:xfrm>
+          <a:prstGeom prst="roundRect">
+            <a:avLst>
+              <a:gd fmla="val 16667" name="adj"/>
+            </a:avLst>
+          </a:prstGeom>
+          <a:solidFill>
+            <a:srgbClr val="0000FF"/>
+          </a:solidFill>
+          <a:ln cap="flat" cmpd="sng" w="9525">
+            <a:solidFill>
+              <a:srgbClr val="0000FF"/>
+            </a:solidFill>
+            <a:prstDash val="solid"/>
+            <a:round/>
+            <a:headEnd len="sm" w="sm" type="none"/>
+            <a:tailEnd len="sm" w="sm" type="none"/>
+          </a:ln>
+        </p:spPr>
+        <p:txBody>
+          <a:bodyPr anchorCtr="0" anchor="ctr" bIns="91425" lIns="91425" spcFirstLastPara="1" rIns="91425" wrap="square" tIns="91425">
+            <a:noAutofit/>
+          </a:bodyPr>
+          <a:lstStyle/>
+          <a:p>
+            <a:pPr indent="0" lvl="0" marL="0" rtl="0" algn="ctr">
+              <a:spcBef>
+                <a:spcPts val="0"/>
+              </a:spcBef>
+              <a:spcAft>
+                <a:spcPts val="0"/>
+              </a:spcAft>
+              <a:buNone/>
+            </a:pPr>
+            <a:r>
+              <a:rPr b="1" lang="ja">
+                <a:solidFill>
+                  <a:schemeClr val="lt1"/>
+                </a:solidFill>
+                <a:latin typeface="Proxima Nova"/>
+                <a:ea typeface="Proxima Nova"/>
+                <a:cs typeface="Proxima Nova"/>
+                <a:sym typeface="Proxima Nova"/>
+              </a:rPr>
+              <a:t>generate_search_queries</a:t>
+            </a:r>
+            <a:endParaRPr b="1">
+              <a:solidFill>
+                <a:schemeClr val="lt1"/>
+              </a:solidFill>
+              <a:latin typeface="Proxima Nova"/>
+              <a:ea typeface="Proxima Nova"/>
+              <a:cs typeface="Proxima Nova"/>
+              <a:sym typeface="Proxima Nova"/>
+            </a:endParaRPr>
+          </a:p>
+        </p:txBody>
+      </p:sp>
+      <p:cxnSp>
+        <p:nvCxnSpPr>
+          <p:cNvPr id="183" name="Google Shape;183;p19"/>
+          <p:cNvCxnSpPr>
+            <a:stCxn id="178" idx="2"/>
+            <a:endCxn id="182" idx="0"/>
+          </p:cNvCxnSpPr>
+          <p:nvPr/>
+        </p:nvCxnSpPr>
+        <p:spPr>
+          <a:xfrm>
+            <a:off x="990600" y="2447800"/>
+            <a:ext cx="0" cy="447900"/>
+          </a:xfrm>
+          <a:prstGeom prst="straightConnector1">
+            <a:avLst/>
+          </a:prstGeom>
+          <a:noFill/>
+          <a:ln cap="flat" cmpd="sng" w="38100">
+            <a:solidFill>
+              <a:srgbClr val="0000FF"/>
+            </a:solidFill>
+            <a:prstDash val="solid"/>
+            <a:round/>
+            <a:headEnd len="med" w="med" type="none"/>
+            <a:tailEnd len="med" w="med" type="triangle"/>
+          </a:ln>
+        </p:spPr>
+      </p:cxnSp>
+      <p:sp>
+        <p:nvSpPr>
+          <p:cNvPr id="184" name="Google Shape;184;p19"/>
+          <p:cNvSpPr/>
+          <p:nvPr/>
+        </p:nvSpPr>
+        <p:spPr>
+          <a:xfrm>
+            <a:off x="1267350" y="3321875"/>
+            <a:ext cx="1752900" cy="381000"/>
+          </a:xfrm>
+          <a:prstGeom prst="roundRect">
+            <a:avLst>
+              <a:gd fmla="val 16667" name="adj"/>
+            </a:avLst>
+          </a:prstGeom>
+          <a:noFill/>
+          <a:ln cap="flat" cmpd="sng" w="38100">
+            <a:solidFill>
+              <a:srgbClr val="0000FF"/>
+            </a:solidFill>
+            <a:prstDash val="solid"/>
+            <a:round/>
+            <a:headEnd len="sm" w="sm" type="none"/>
+            <a:tailEnd len="sm" w="sm" type="none"/>
+          </a:ln>
+        </p:spPr>
+        <p:txBody>
+          <a:bodyPr anchorCtr="0" anchor="t" bIns="91425" lIns="91425" spcFirstLastPara="1" rIns="91425" wrap="square" tIns="91425">
+            <a:noAutofit/>
+          </a:bodyPr>
+          <a:lstStyle/>
+          <a:p>
+            <a:pPr indent="0" lvl="0" marL="0" rtl="0" algn="l">
+              <a:spcBef>
+                <a:spcPts val="0"/>
+              </a:spcBef>
+              <a:spcAft>
+                <a:spcPts val="0"/>
+              </a:spcAft>
+              <a:buNone/>
+            </a:pPr>
+            <a:r>
+              <a:rPr b="1" lang="ja">
+                <a:solidFill>
+                  <a:schemeClr val="accent3"/>
+                </a:solidFill>
+                <a:latin typeface="Proxima Nova"/>
+                <a:ea typeface="Proxima Nova"/>
+                <a:cs typeface="Proxima Nova"/>
+                <a:sym typeface="Proxima Nova"/>
+              </a:rPr>
+              <a:t>Bing検索(wiki除外)</a:t>
+            </a:r>
+            <a:endParaRPr b="1">
+              <a:solidFill>
+                <a:schemeClr val="accent3"/>
+              </a:solidFill>
+              <a:latin typeface="Proxima Nova"/>
+              <a:ea typeface="Proxima Nova"/>
+              <a:cs typeface="Proxima Nova"/>
+              <a:sym typeface="Proxima Nova"/>
+            </a:endParaRPr>
+          </a:p>
+        </p:txBody>
+      </p:sp>
+      <p:sp>
+        <p:nvSpPr>
+          <p:cNvPr id="185" name="Google Shape;185;p19"/>
+          <p:cNvSpPr txBox="1"/>
+          <p:nvPr/>
+        </p:nvSpPr>
+        <p:spPr>
+          <a:xfrm>
+            <a:off x="261750" y="4239875"/>
+            <a:ext cx="2178000" cy="585000"/>
+          </a:xfrm>
+          <a:prstGeom prst="rect">
+            <a:avLst/>
+          </a:prstGeom>
+          <a:noFill/>
+          <a:ln>
+            <a:noFill/>
+          </a:ln>
+        </p:spPr>
+        <p:txBody>
+          <a:bodyPr anchorCtr="0" anchor="t" bIns="91425" lIns="91425" spcFirstLastPara="1" rIns="91425" wrap="square" tIns="91425">
+            <a:spAutoFit/>
+          </a:bodyPr>
+          <a:lstStyle/>
+          <a:p>
+            <a:pPr indent="0" lvl="0" marL="0" rtl="0" algn="l">
+              <a:spcBef>
+                <a:spcPts val="0"/>
+              </a:spcBef>
+              <a:spcAft>
+                <a:spcPts val="0"/>
+              </a:spcAft>
+              <a:buNone/>
+            </a:pPr>
+            <a:r>
+              <a:rPr b="1" lang="ja" sz="1300">
+                <a:solidFill>
+                  <a:schemeClr val="accent3"/>
+                </a:solidFill>
+                <a:latin typeface="Proxima Nova"/>
+                <a:ea typeface="Proxima Nova"/>
+                <a:cs typeface="Proxima Nova"/>
+                <a:sym typeface="Proxima Nova"/>
+              </a:rPr>
+              <a:t>検索結果から検索クエリの説明箇所を抽出</a:t>
+            </a:r>
+            <a:endParaRPr sz="1300"/>
+          </a:p>
+        </p:txBody>
+      </p:sp>
+      <p:sp>
+        <p:nvSpPr>
+          <p:cNvPr id="186" name="Google Shape;186;p19"/>
+          <p:cNvSpPr txBox="1"/>
+          <p:nvPr/>
+        </p:nvSpPr>
+        <p:spPr>
+          <a:xfrm>
+            <a:off x="3044725" y="3305775"/>
+            <a:ext cx="2317200" cy="384900"/>
+          </a:xfrm>
+          <a:prstGeom prst="rect">
+            <a:avLst/>
+          </a:prstGeom>
+          <a:noFill/>
+          <a:ln>
+            <a:noFill/>
+          </a:ln>
+        </p:spPr>
+        <p:txBody>
+          <a:bodyPr anchorCtr="0" anchor="t" bIns="91425" lIns="91425" spcFirstLastPara="1" rIns="91425" wrap="square" tIns="91425">
+            <a:spAutoFit/>
+          </a:bodyPr>
+          <a:lstStyle/>
+          <a:p>
+            <a:pPr indent="0" lvl="0" marL="0" rtl="0" algn="l">
+              <a:spcBef>
+                <a:spcPts val="0"/>
+              </a:spcBef>
+              <a:spcAft>
+                <a:spcPts val="0"/>
+              </a:spcAft>
+              <a:buNone/>
+            </a:pPr>
+            <a:r>
+              <a:rPr b="1" lang="ja" sz="1300">
+                <a:solidFill>
+                  <a:schemeClr val="accent3"/>
+                </a:solidFill>
+                <a:latin typeface="Proxima Nova"/>
+                <a:ea typeface="Proxima Nova"/>
+                <a:cs typeface="Proxima Nova"/>
+                <a:sym typeface="Proxima Nova"/>
+              </a:rPr>
+              <a:t>検索クエリごとに1回検索</a:t>
+            </a:r>
+            <a:endParaRPr sz="1300"/>
+          </a:p>
+        </p:txBody>
+      </p:sp>
+      <p:sp>
+        <p:nvSpPr>
+          <p:cNvPr id="187" name="Google Shape;187;p19"/>
+          <p:cNvSpPr txBox="1"/>
+          <p:nvPr/>
+        </p:nvSpPr>
+        <p:spPr>
+          <a:xfrm>
+            <a:off x="2756250" y="1489425"/>
+            <a:ext cx="2317200" cy="384900"/>
+          </a:xfrm>
+          <a:prstGeom prst="rect">
+            <a:avLst/>
+          </a:prstGeom>
+          <a:noFill/>
+          <a:ln>
+            <a:noFill/>
+          </a:ln>
+        </p:spPr>
+        <p:txBody>
+          <a:bodyPr anchorCtr="0" anchor="t" bIns="91425" lIns="91425" spcFirstLastPara="1" rIns="91425" wrap="square" tIns="91425">
+            <a:spAutoFit/>
+          </a:bodyPr>
+          <a:lstStyle/>
+          <a:p>
+            <a:pPr indent="0" lvl="0" marL="0" rtl="0" algn="l">
+              <a:spcBef>
+                <a:spcPts val="0"/>
+              </a:spcBef>
+              <a:spcAft>
+                <a:spcPts val="0"/>
+              </a:spcAft>
+              <a:buNone/>
+            </a:pPr>
+            <a:r>
+              <a:rPr b="1" lang="ja" sz="1300">
+                <a:solidFill>
+                  <a:schemeClr val="accent3"/>
+                </a:solidFill>
+                <a:latin typeface="Proxima Nova"/>
+                <a:ea typeface="Proxima Nova"/>
+                <a:cs typeface="Proxima Nova"/>
+                <a:sym typeface="Proxima Nova"/>
+              </a:rPr>
+              <a:t>検索クエリごとに1回検索</a:t>
+            </a:r>
+            <a:endParaRPr sz="1300"/>
+          </a:p>
+        </p:txBody>
+      </p:sp>
+      <p:sp>
+        <p:nvSpPr>
+          <p:cNvPr id="188" name="Google Shape;188;p19"/>
+          <p:cNvSpPr/>
+          <p:nvPr/>
+        </p:nvSpPr>
+        <p:spPr>
+          <a:xfrm>
+            <a:off x="5685625" y="590325"/>
+            <a:ext cx="1556700" cy="426300"/>
+          </a:xfrm>
+          <a:prstGeom prst="roundRect">
+            <a:avLst>
+              <a:gd fmla="val 16667" name="adj"/>
+            </a:avLst>
+          </a:prstGeom>
+          <a:solidFill>
+            <a:srgbClr val="0000FF"/>
+          </a:solidFill>
+          <a:ln cap="flat" cmpd="sng" w="9525">
+            <a:solidFill>
+              <a:srgbClr val="0000FF"/>
+            </a:solidFill>
+            <a:prstDash val="solid"/>
+            <a:round/>
+            <a:headEnd len="sm" w="sm" type="none"/>
+            <a:tailEnd len="sm" w="sm" type="none"/>
+          </a:ln>
+        </p:spPr>
+        <p:txBody>
+          <a:bodyPr anchorCtr="0" anchor="ctr" bIns="91425" lIns="91425" spcFirstLastPara="1" rIns="91425" wrap="square" tIns="91425">
+            <a:noAutofit/>
+          </a:bodyPr>
+          <a:lstStyle/>
+          <a:p>
+            <a:pPr indent="0" lvl="0" marL="0" rtl="0" algn="ctr">
+              <a:spcBef>
+                <a:spcPts val="0"/>
+              </a:spcBef>
+              <a:spcAft>
+                <a:spcPts val="0"/>
+              </a:spcAft>
+              <a:buNone/>
+            </a:pPr>
+            <a:r>
+              <a:rPr b="1" lang="ja">
+                <a:solidFill>
+                  <a:schemeClr val="lt1"/>
+                </a:solidFill>
+                <a:latin typeface="Proxima Nova"/>
+                <a:ea typeface="Proxima Nova"/>
+                <a:cs typeface="Proxima Nova"/>
+                <a:sym typeface="Proxima Nova"/>
+              </a:rPr>
+              <a:t>generate_wiki_outline</a:t>
+            </a:r>
+            <a:endParaRPr b="1">
+              <a:solidFill>
+                <a:schemeClr val="lt1"/>
+              </a:solidFill>
+              <a:latin typeface="Proxima Nova"/>
+              <a:ea typeface="Proxima Nova"/>
+              <a:cs typeface="Proxima Nova"/>
+              <a:sym typeface="Proxima Nova"/>
+            </a:endParaRPr>
+          </a:p>
+        </p:txBody>
+      </p:sp>
+      <p:cxnSp>
+        <p:nvCxnSpPr>
+          <p:cNvPr id="189" name="Google Shape;189;p19"/>
+          <p:cNvCxnSpPr>
+            <a:stCxn id="188" idx="2"/>
+            <a:endCxn id="190" idx="0"/>
+          </p:cNvCxnSpPr>
+          <p:nvPr/>
+        </p:nvCxnSpPr>
+        <p:spPr>
+          <a:xfrm>
+            <a:off x="6463975" y="1016625"/>
+            <a:ext cx="0" cy="357000"/>
+          </a:xfrm>
+          <a:prstGeom prst="straightConnector1">
+            <a:avLst/>
+          </a:prstGeom>
+          <a:noFill/>
+          <a:ln cap="flat" cmpd="sng" w="38100">
+            <a:solidFill>
+              <a:srgbClr val="0000FF"/>
+            </a:solidFill>
+            <a:prstDash val="solid"/>
+            <a:round/>
+            <a:headEnd len="med" w="med" type="none"/>
+            <a:tailEnd len="med" w="med" type="triangle"/>
+          </a:ln>
+        </p:spPr>
+      </p:cxnSp>
+      <p:sp>
+        <p:nvSpPr>
+          <p:cNvPr id="190" name="Google Shape;190;p19"/>
+          <p:cNvSpPr/>
+          <p:nvPr/>
+        </p:nvSpPr>
+        <p:spPr>
+          <a:xfrm>
+            <a:off x="5561125" y="1373575"/>
+            <a:ext cx="1805700" cy="426300"/>
+          </a:xfrm>
+          <a:prstGeom prst="roundRect">
+            <a:avLst>
+              <a:gd fmla="val 16667" name="adj"/>
+            </a:avLst>
+          </a:prstGeom>
+          <a:solidFill>
+            <a:srgbClr val="0000FF"/>
+          </a:solidFill>
+          <a:ln cap="flat" cmpd="sng" w="9525">
+            <a:solidFill>
+              <a:srgbClr val="0000FF"/>
+            </a:solidFill>
+            <a:prstDash val="solid"/>
+            <a:round/>
+            <a:headEnd len="sm" w="sm" type="none"/>
+            <a:tailEnd len="sm" w="sm" type="none"/>
+          </a:ln>
+        </p:spPr>
+        <p:txBody>
+          <a:bodyPr anchorCtr="0" anchor="ctr" bIns="91425" lIns="91425" spcFirstLastPara="1" rIns="91425" wrap="square" tIns="91425">
+            <a:noAutofit/>
+          </a:bodyPr>
+          <a:lstStyle/>
+          <a:p>
+            <a:pPr indent="0" lvl="0" marL="0" rtl="0" algn="ctr">
+              <a:spcBef>
+                <a:spcPts val="0"/>
+              </a:spcBef>
+              <a:spcAft>
+                <a:spcPts val="0"/>
+              </a:spcAft>
+              <a:buNone/>
+            </a:pPr>
+            <a:r>
+              <a:rPr b="1" lang="ja">
+                <a:solidFill>
+                  <a:schemeClr val="lt1"/>
+                </a:solidFill>
+                <a:latin typeface="Proxima Nova"/>
+                <a:ea typeface="Proxima Nova"/>
+                <a:cs typeface="Proxima Nova"/>
+                <a:sym typeface="Proxima Nova"/>
+              </a:rPr>
+              <a:t>generate_detailed_outline</a:t>
+            </a:r>
+            <a:endParaRPr b="1">
+              <a:solidFill>
+                <a:schemeClr val="lt1"/>
+              </a:solidFill>
+              <a:latin typeface="Proxima Nova"/>
+              <a:ea typeface="Proxima Nova"/>
+              <a:cs typeface="Proxima Nova"/>
+              <a:sym typeface="Proxima Nova"/>
+            </a:endParaRPr>
+          </a:p>
+        </p:txBody>
+      </p:sp>
+      <p:sp>
+        <p:nvSpPr>
+          <p:cNvPr id="191" name="Google Shape;191;p19"/>
+          <p:cNvSpPr txBox="1"/>
+          <p:nvPr/>
+        </p:nvSpPr>
+        <p:spPr>
+          <a:xfrm>
+            <a:off x="7290025" y="480275"/>
+            <a:ext cx="1854000" cy="585000"/>
+          </a:xfrm>
+          <a:prstGeom prst="rect">
+            <a:avLst/>
+          </a:prstGeom>
+          <a:noFill/>
+          <a:ln>
+            <a:noFill/>
+          </a:ln>
+        </p:spPr>
+        <p:txBody>
+          <a:bodyPr anchorCtr="0" anchor="t" bIns="91425" lIns="91425" spcFirstLastPara="1" rIns="91425" wrap="square" tIns="91425">
+            <a:spAutoFit/>
+          </a:bodyPr>
+          <a:lstStyle/>
+          <a:p>
+            <a:pPr indent="0" lvl="0" marL="0" rtl="0" algn="l">
+              <a:spcBef>
+                <a:spcPts val="0"/>
+              </a:spcBef>
+              <a:spcAft>
+                <a:spcPts val="0"/>
+              </a:spcAft>
+              <a:buNone/>
+            </a:pPr>
+            <a:r>
+              <a:rPr b="1" lang="ja" sz="1300">
+                <a:solidFill>
+                  <a:schemeClr val="accent3"/>
+                </a:solidFill>
+                <a:latin typeface="Proxima Nova"/>
+                <a:ea typeface="Proxima Nova"/>
+                <a:cs typeface="Proxima Nova"/>
+                <a:sym typeface="Proxima Nova"/>
+              </a:rPr>
+              <a:t>Wikipedia風のアウトラインを生成する</a:t>
+            </a:r>
+            <a:endParaRPr sz="1300"/>
+          </a:p>
+        </p:txBody>
+      </p:sp>
+      <p:sp>
+        <p:nvSpPr>
+          <p:cNvPr id="192" name="Google Shape;192;p19"/>
+          <p:cNvSpPr txBox="1"/>
+          <p:nvPr/>
+        </p:nvSpPr>
+        <p:spPr>
+          <a:xfrm>
+            <a:off x="7366825" y="1324225"/>
+            <a:ext cx="1752900" cy="585000"/>
+          </a:xfrm>
+          <a:prstGeom prst="rect">
+            <a:avLst/>
+          </a:prstGeom>
+          <a:noFill/>
+          <a:ln>
+            <a:noFill/>
+          </a:ln>
+        </p:spPr>
+        <p:txBody>
+          <a:bodyPr anchorCtr="0" anchor="t" bIns="91425" lIns="91425" spcFirstLastPara="1" rIns="91425" wrap="square" tIns="91425">
+            <a:spAutoFit/>
+          </a:bodyPr>
+          <a:lstStyle/>
+          <a:p>
+            <a:pPr indent="0" lvl="0" marL="0" rtl="0" algn="l">
+              <a:spcBef>
+                <a:spcPts val="0"/>
+              </a:spcBef>
+              <a:spcAft>
+                <a:spcPts val="0"/>
+              </a:spcAft>
+              <a:buNone/>
+            </a:pPr>
+            <a:r>
+              <a:rPr b="1" lang="ja" sz="1300">
+                <a:solidFill>
+                  <a:schemeClr val="accent3"/>
+                </a:solidFill>
+                <a:latin typeface="Proxima Nova"/>
+                <a:ea typeface="Proxima Nova"/>
+                <a:cs typeface="Proxima Nova"/>
+                <a:sym typeface="Proxima Nova"/>
+              </a:rPr>
+              <a:t>アウトラインに詳細な説明を加える</a:t>
+            </a:r>
+            <a:endParaRPr sz="1300"/>
+          </a:p>
+        </p:txBody>
+      </p:sp>
+      <p:cxnSp>
+        <p:nvCxnSpPr>
+          <p:cNvPr id="193" name="Google Shape;193;p19"/>
+          <p:cNvCxnSpPr>
+            <a:stCxn id="194" idx="3"/>
+            <a:endCxn id="188" idx="0"/>
+          </p:cNvCxnSpPr>
+          <p:nvPr/>
+        </p:nvCxnSpPr>
+        <p:spPr>
+          <a:xfrm flipH="1" rot="10800000">
+            <a:off x="2110050" y="590325"/>
+            <a:ext cx="4353900" cy="3421800"/>
+          </a:xfrm>
+          <a:prstGeom prst="bentConnector4">
+            <a:avLst>
+              <a:gd fmla="val 69167" name="adj1"/>
+              <a:gd fmla="val 112755" name="adj2"/>
+            </a:avLst>
+          </a:prstGeom>
+          <a:noFill/>
+          <a:ln cap="flat" cmpd="sng" w="38100">
+            <a:solidFill>
+              <a:srgbClr val="0000FF"/>
+            </a:solidFill>
+            <a:prstDash val="solid"/>
+            <a:round/>
+            <a:headEnd len="med" w="med" type="none"/>
+            <a:tailEnd len="med" w="med" type="triangle"/>
+          </a:ln>
+        </p:spPr>
+      </p:cxnSp>
+      <p:cxnSp>
+        <p:nvCxnSpPr>
+          <p:cNvPr id="195" name="Google Shape;195;p19"/>
+          <p:cNvCxnSpPr>
+            <a:endCxn id="188" idx="0"/>
+          </p:cNvCxnSpPr>
+          <p:nvPr/>
+        </p:nvCxnSpPr>
+        <p:spPr>
+          <a:xfrm flipH="1" rot="10800000">
+            <a:off x="2747575" y="590325"/>
+            <a:ext cx="3716400" cy="1250100"/>
+          </a:xfrm>
+          <a:prstGeom prst="bentConnector4">
+            <a:avLst>
+              <a:gd fmla="val 63878" name="adj1"/>
+              <a:gd fmla="val 134913" name="adj2"/>
+            </a:avLst>
+          </a:prstGeom>
+          <a:noFill/>
+          <a:ln cap="flat" cmpd="sng" w="38100">
+            <a:solidFill>
+              <a:srgbClr val="0000FF"/>
+            </a:solidFill>
+            <a:prstDash val="solid"/>
+            <a:round/>
+            <a:headEnd len="med" w="med" type="none"/>
+            <a:tailEnd len="med" w="med" type="triangle"/>
+          </a:ln>
+        </p:spPr>
+      </p:cxnSp>
+      <p:sp>
+        <p:nvSpPr>
+          <p:cNvPr id="196" name="Google Shape;196;p19"/>
+          <p:cNvSpPr/>
+          <p:nvPr/>
+        </p:nvSpPr>
+        <p:spPr>
+          <a:xfrm>
+            <a:off x="5561125" y="2160925"/>
+            <a:ext cx="1805700" cy="426300"/>
+          </a:xfrm>
+          <a:prstGeom prst="roundRect">
+            <a:avLst>
+              <a:gd fmla="val 16667" name="adj"/>
+            </a:avLst>
+          </a:prstGeom>
+          <a:solidFill>
+            <a:srgbClr val="0000FF"/>
+          </a:solidFill>
+          <a:ln cap="flat" cmpd="sng" w="9525">
+            <a:solidFill>
+              <a:srgbClr val="0000FF"/>
+            </a:solidFill>
+            <a:prstDash val="solid"/>
+            <a:round/>
+            <a:headEnd len="sm" w="sm" type="none"/>
+            <a:tailEnd len="sm" w="sm" type="none"/>
+          </a:ln>
+        </p:spPr>
+        <p:txBody>
+          <a:bodyPr anchorCtr="0" anchor="ctr" bIns="91425" lIns="91425" spcFirstLastPara="1" rIns="91425" wrap="square" tIns="91425">
+            <a:noAutofit/>
+          </a:bodyPr>
+          <a:lstStyle/>
+          <a:p>
+            <a:pPr indent="0" lvl="0" marL="0" rtl="0" algn="ctr">
+              <a:spcBef>
+                <a:spcPts val="0"/>
+              </a:spcBef>
+              <a:spcAft>
+                <a:spcPts val="0"/>
+              </a:spcAft>
+              <a:buNone/>
+            </a:pPr>
+            <a:r>
+              <a:rPr b="1" lang="ja">
+                <a:solidFill>
+                  <a:schemeClr val="lt1"/>
+                </a:solidFill>
+                <a:latin typeface="Proxima Nova"/>
+                <a:ea typeface="Proxima Nova"/>
+                <a:cs typeface="Proxima Nova"/>
+                <a:sym typeface="Proxima Nova"/>
+              </a:rPr>
+              <a:t>translate_to_japanese</a:t>
+            </a:r>
+            <a:endParaRPr b="1">
+              <a:solidFill>
+                <a:schemeClr val="lt1"/>
+              </a:solidFill>
+              <a:latin typeface="Proxima Nova"/>
+              <a:ea typeface="Proxima Nova"/>
+              <a:cs typeface="Proxima Nova"/>
+              <a:sym typeface="Proxima Nova"/>
+            </a:endParaRPr>
+          </a:p>
+        </p:txBody>
+      </p:sp>
+      <p:sp>
+        <p:nvSpPr>
+          <p:cNvPr id="197" name="Google Shape;197;p19"/>
+          <p:cNvSpPr txBox="1"/>
+          <p:nvPr/>
+        </p:nvSpPr>
+        <p:spPr>
+          <a:xfrm>
+            <a:off x="7366825" y="2181625"/>
+            <a:ext cx="1752900" cy="384900"/>
+          </a:xfrm>
+          <a:prstGeom prst="rect">
+            <a:avLst/>
+          </a:prstGeom>
+          <a:noFill/>
+          <a:ln>
+            <a:noFill/>
+          </a:ln>
+        </p:spPr>
+        <p:txBody>
+          <a:bodyPr anchorCtr="0" anchor="t" bIns="91425" lIns="91425" spcFirstLastPara="1" rIns="91425" wrap="square" tIns="91425">
+            <a:spAutoFit/>
+          </a:bodyPr>
+          <a:lstStyle/>
+          <a:p>
+            <a:pPr indent="0" lvl="0" marL="0" rtl="0" algn="l">
+              <a:spcBef>
+                <a:spcPts val="0"/>
+              </a:spcBef>
+              <a:spcAft>
+                <a:spcPts val="0"/>
+              </a:spcAft>
+              <a:buNone/>
+            </a:pPr>
+            <a:r>
+              <a:rPr b="1" lang="ja" sz="1300">
+                <a:solidFill>
+                  <a:schemeClr val="accent3"/>
+                </a:solidFill>
+                <a:latin typeface="Proxima Nova"/>
+                <a:ea typeface="Proxima Nova"/>
+                <a:cs typeface="Proxima Nova"/>
+                <a:sym typeface="Proxima Nova"/>
+              </a:rPr>
+              <a:t>文章を日本語に翻訳</a:t>
+            </a:r>
+            <a:endParaRPr sz="1300"/>
+          </a:p>
+        </p:txBody>
+      </p:sp>
+      <p:cxnSp>
+        <p:nvCxnSpPr>
+          <p:cNvPr id="198" name="Google Shape;198;p19"/>
+          <p:cNvCxnSpPr>
+            <a:stCxn id="190" idx="2"/>
+            <a:endCxn id="196" idx="0"/>
+          </p:cNvCxnSpPr>
+          <p:nvPr/>
+        </p:nvCxnSpPr>
+        <p:spPr>
+          <a:xfrm>
+            <a:off x="6463975" y="1799875"/>
+            <a:ext cx="0" cy="361200"/>
+          </a:xfrm>
+          <a:prstGeom prst="straightConnector1">
+            <a:avLst/>
+          </a:prstGeom>
+          <a:noFill/>
+          <a:ln cap="flat" cmpd="sng" w="38100">
+            <a:solidFill>
+              <a:srgbClr val="0000FF"/>
+            </a:solidFill>
+            <a:prstDash val="solid"/>
+            <a:round/>
+            <a:headEnd len="med" w="med" type="none"/>
+            <a:tailEnd len="med" w="med" type="triangle"/>
+          </a:ln>
+        </p:spPr>
+      </p:cxnSp>
+      <p:sp>
+        <p:nvSpPr>
+          <p:cNvPr id="199" name="Google Shape;199;p19"/>
+          <p:cNvSpPr/>
+          <p:nvPr/>
+        </p:nvSpPr>
+        <p:spPr>
+          <a:xfrm>
+            <a:off x="5736900" y="3669313"/>
+            <a:ext cx="1457700" cy="381000"/>
+          </a:xfrm>
+          <a:prstGeom prst="roundRect">
+            <a:avLst>
+              <a:gd fmla="val 16667" name="adj"/>
+            </a:avLst>
+          </a:prstGeom>
+          <a:solidFill>
+            <a:srgbClr val="EFEFEF"/>
+          </a:solidFill>
+          <a:ln cap="flat" cmpd="sng" w="9525">
+            <a:solidFill>
+              <a:srgbClr val="0000FF"/>
+            </a:solidFill>
+            <a:prstDash val="solid"/>
+            <a:round/>
+            <a:headEnd len="sm" w="sm" type="none"/>
+            <a:tailEnd len="sm" w="sm" type="none"/>
+          </a:ln>
+        </p:spPr>
+        <p:txBody>
+          <a:bodyPr anchorCtr="0" anchor="ctr" bIns="91425" lIns="91425" spcFirstLastPara="1" rIns="91425" wrap="square" tIns="91425">
+            <a:noAutofit/>
+          </a:bodyPr>
+          <a:lstStyle/>
+          <a:p>
+            <a:pPr indent="0" lvl="0" marL="0" rtl="0" algn="ctr">
+              <a:spcBef>
+                <a:spcPts val="0"/>
+              </a:spcBef>
+              <a:spcAft>
+                <a:spcPts val="0"/>
+              </a:spcAft>
+              <a:buNone/>
+            </a:pPr>
+            <a:r>
+              <a:rPr b="1" lang="ja">
+                <a:solidFill>
+                  <a:schemeClr val="accent2"/>
+                </a:solidFill>
+                <a:latin typeface="Proxima Nova"/>
+                <a:ea typeface="Proxima Nova"/>
+                <a:cs typeface="Proxima Nova"/>
+                <a:sym typeface="Proxima Nova"/>
+              </a:rPr>
+              <a:t>Output</a:t>
+            </a:r>
+            <a:endParaRPr b="1">
+              <a:solidFill>
+                <a:schemeClr val="accent2"/>
+              </a:solidFill>
+              <a:latin typeface="Proxima Nova"/>
+              <a:ea typeface="Proxima Nova"/>
+              <a:cs typeface="Proxima Nova"/>
+              <a:sym typeface="Proxima Nova"/>
+            </a:endParaRPr>
+          </a:p>
+        </p:txBody>
+      </p:sp>
+      <p:sp>
+        <p:nvSpPr>
+          <p:cNvPr id="200" name="Google Shape;200;p19"/>
+          <p:cNvSpPr/>
+          <p:nvPr/>
+        </p:nvSpPr>
+        <p:spPr>
+          <a:xfrm>
+            <a:off x="5561125" y="2915125"/>
+            <a:ext cx="1805700" cy="426300"/>
+          </a:xfrm>
+          <a:prstGeom prst="roundRect">
+            <a:avLst>
+              <a:gd fmla="val 16667" name="adj"/>
+            </a:avLst>
+          </a:prstGeom>
+          <a:solidFill>
+            <a:srgbClr val="0000FF"/>
+          </a:solidFill>
+          <a:ln cap="flat" cmpd="sng" w="9525">
+            <a:solidFill>
+              <a:srgbClr val="0000FF"/>
+            </a:solidFill>
+            <a:prstDash val="solid"/>
+            <a:round/>
+            <a:headEnd len="sm" w="sm" type="none"/>
+            <a:tailEnd len="sm" w="sm" type="none"/>
+          </a:ln>
+        </p:spPr>
+        <p:txBody>
+          <a:bodyPr anchorCtr="0" anchor="ctr" bIns="91425" lIns="91425" spcFirstLastPara="1" rIns="91425" wrap="square" tIns="91425">
+            <a:noAutofit/>
+          </a:bodyPr>
+          <a:lstStyle/>
+          <a:p>
+            <a:pPr indent="0" lvl="0" marL="0" rtl="0" algn="ctr">
+              <a:spcBef>
+                <a:spcPts val="0"/>
+              </a:spcBef>
+              <a:spcAft>
+                <a:spcPts val="0"/>
+              </a:spcAft>
+              <a:buNone/>
+            </a:pPr>
+            <a:r>
+              <a:rPr b="1" lang="ja">
+                <a:solidFill>
+                  <a:schemeClr val="lt1"/>
+                </a:solidFill>
+                <a:latin typeface="Proxima Nova"/>
+                <a:ea typeface="Proxima Nova"/>
+                <a:cs typeface="Proxima Nova"/>
+                <a:sym typeface="Proxima Nova"/>
+              </a:rPr>
+              <a:t>remove_duplicates_keep_order</a:t>
+            </a:r>
+            <a:endParaRPr b="1">
+              <a:solidFill>
+                <a:schemeClr val="lt1"/>
+              </a:solidFill>
+              <a:latin typeface="Proxima Nova"/>
+              <a:ea typeface="Proxima Nova"/>
+              <a:cs typeface="Proxima Nova"/>
+              <a:sym typeface="Proxima Nova"/>
+            </a:endParaRPr>
+          </a:p>
+        </p:txBody>
+      </p:sp>
+      <p:sp>
+        <p:nvSpPr>
+          <p:cNvPr id="201" name="Google Shape;201;p19"/>
+          <p:cNvSpPr txBox="1"/>
+          <p:nvPr/>
+        </p:nvSpPr>
+        <p:spPr>
+          <a:xfrm>
+            <a:off x="7366825" y="2838925"/>
+            <a:ext cx="1752900" cy="585000"/>
+          </a:xfrm>
+          <a:prstGeom prst="rect">
+            <a:avLst/>
+          </a:prstGeom>
+          <a:noFill/>
+          <a:ln>
+            <a:noFill/>
+          </a:ln>
+        </p:spPr>
+        <p:txBody>
+          <a:bodyPr anchorCtr="0" anchor="t" bIns="91425" lIns="91425" spcFirstLastPara="1" rIns="91425" wrap="square" tIns="91425">
+            <a:spAutoFit/>
+          </a:bodyPr>
+          <a:lstStyle/>
+          <a:p>
+            <a:pPr indent="0" lvl="0" marL="0" rtl="0" algn="l">
+              <a:spcBef>
+                <a:spcPts val="0"/>
+              </a:spcBef>
+              <a:spcAft>
+                <a:spcPts val="0"/>
+              </a:spcAft>
+              <a:buNone/>
+            </a:pPr>
+            <a:r>
+              <a:rPr b="1" lang="ja" sz="1300">
+                <a:solidFill>
+                  <a:schemeClr val="accent3"/>
+                </a:solidFill>
+                <a:latin typeface="Proxima Nova"/>
+                <a:ea typeface="Proxima Nova"/>
+                <a:cs typeface="Proxima Nova"/>
+                <a:sym typeface="Proxima Nova"/>
+              </a:rPr>
+              <a:t>使用した検索リンクの追加</a:t>
+            </a:r>
+            <a:endParaRPr sz="1300"/>
+          </a:p>
+        </p:txBody>
+      </p:sp>
+      <p:cxnSp>
+        <p:nvCxnSpPr>
+          <p:cNvPr id="202" name="Google Shape;202;p19"/>
+          <p:cNvCxnSpPr>
+            <a:stCxn id="196" idx="2"/>
+            <a:endCxn id="200" idx="0"/>
+          </p:cNvCxnSpPr>
+          <p:nvPr/>
+        </p:nvCxnSpPr>
+        <p:spPr>
+          <a:xfrm>
+            <a:off x="6463975" y="2587225"/>
+            <a:ext cx="0" cy="327900"/>
+          </a:xfrm>
+          <a:prstGeom prst="straightConnector1">
+            <a:avLst/>
+          </a:prstGeom>
+          <a:noFill/>
+          <a:ln cap="flat" cmpd="sng" w="38100">
+            <a:solidFill>
+              <a:srgbClr val="0000FF"/>
+            </a:solidFill>
+            <a:prstDash val="solid"/>
+            <a:round/>
+            <a:headEnd len="med" w="med" type="none"/>
+            <a:tailEnd len="med" w="med" type="triangle"/>
+          </a:ln>
+        </p:spPr>
+      </p:cxnSp>
+      <p:cxnSp>
+        <p:nvCxnSpPr>
+          <p:cNvPr id="203" name="Google Shape;203;p19"/>
+          <p:cNvCxnSpPr>
+            <a:stCxn id="199" idx="2"/>
+            <a:endCxn id="204" idx="0"/>
+          </p:cNvCxnSpPr>
+          <p:nvPr/>
+        </p:nvCxnSpPr>
+        <p:spPr>
+          <a:xfrm rot="5400000">
+            <a:off x="4886100" y="2918863"/>
+            <a:ext cx="448200" cy="2711100"/>
+          </a:xfrm>
+          <a:prstGeom prst="bentConnector3">
+            <a:avLst>
+              <a:gd fmla="val 19944" name="adj1"/>
+            </a:avLst>
+          </a:prstGeom>
+          <a:noFill/>
+          <a:ln cap="flat" cmpd="sng" w="38100">
+            <a:solidFill>
+              <a:srgbClr val="0000FF"/>
+            </a:solidFill>
+            <a:prstDash val="solid"/>
+            <a:round/>
+            <a:headEnd len="med" w="med" type="none"/>
+            <a:tailEnd len="med" w="med" type="triangle"/>
+          </a:ln>
+        </p:spPr>
+      </p:cxnSp>
+      <p:sp>
+        <p:nvSpPr>
+          <p:cNvPr id="205" name="Google Shape;205;p19"/>
+          <p:cNvSpPr/>
+          <p:nvPr/>
+        </p:nvSpPr>
+        <p:spPr>
+          <a:xfrm>
+            <a:off x="1267350" y="457200"/>
+            <a:ext cx="1556700" cy="381000"/>
+          </a:xfrm>
+          <a:prstGeom prst="roundRect">
+            <a:avLst>
+              <a:gd fmla="val 16667" name="adj"/>
+            </a:avLst>
+          </a:prstGeom>
+          <a:noFill/>
+          <a:ln cap="flat" cmpd="sng" w="38100">
+            <a:solidFill>
+              <a:srgbClr val="0000FF"/>
+            </a:solidFill>
+            <a:prstDash val="solid"/>
+            <a:round/>
+            <a:headEnd len="sm" w="sm" type="none"/>
+            <a:tailEnd len="sm" w="sm" type="none"/>
+          </a:ln>
+        </p:spPr>
+        <p:txBody>
+          <a:bodyPr anchorCtr="0" anchor="t" bIns="91425" lIns="91425" spcFirstLastPara="1" rIns="91425" wrap="square" tIns="91425">
+            <a:noAutofit/>
+          </a:bodyPr>
+          <a:lstStyle/>
+          <a:p>
+            <a:pPr indent="0" lvl="0" marL="0" rtl="0" algn="l">
+              <a:spcBef>
+                <a:spcPts val="0"/>
+              </a:spcBef>
+              <a:spcAft>
+                <a:spcPts val="0"/>
+              </a:spcAft>
+              <a:buNone/>
+            </a:pPr>
+            <a:r>
+              <a:rPr b="1" lang="ja">
+                <a:solidFill>
+                  <a:schemeClr val="accent3"/>
+                </a:solidFill>
+                <a:latin typeface="Proxima Nova"/>
+                <a:ea typeface="Proxima Nova"/>
+                <a:cs typeface="Proxima Nova"/>
+                <a:sym typeface="Proxima Nova"/>
+              </a:rPr>
+              <a:t>get_embedding</a:t>
+            </a:r>
+            <a:endParaRPr b="1">
+              <a:solidFill>
+                <a:schemeClr val="accent3"/>
+              </a:solidFill>
+              <a:latin typeface="Proxima Nova"/>
+              <a:ea typeface="Proxima Nova"/>
+              <a:cs typeface="Proxima Nova"/>
+              <a:sym typeface="Proxima Nova"/>
+            </a:endParaRPr>
+          </a:p>
+        </p:txBody>
+      </p:sp>
+      <p:sp>
+        <p:nvSpPr>
+          <p:cNvPr id="206" name="Google Shape;206;p19"/>
+          <p:cNvSpPr txBox="1"/>
+          <p:nvPr/>
+        </p:nvSpPr>
+        <p:spPr>
+          <a:xfrm>
+            <a:off x="2756250" y="455250"/>
+            <a:ext cx="1752900" cy="384900"/>
+          </a:xfrm>
+          <a:prstGeom prst="rect">
+            <a:avLst/>
+          </a:prstGeom>
+          <a:noFill/>
+          <a:ln>
+            <a:noFill/>
+          </a:ln>
+        </p:spPr>
+        <p:txBody>
+          <a:bodyPr anchorCtr="0" anchor="t" bIns="91425" lIns="91425" spcFirstLastPara="1" rIns="91425" wrap="square" tIns="91425">
+            <a:spAutoFit/>
+          </a:bodyPr>
+          <a:lstStyle/>
+          <a:p>
+            <a:pPr indent="0" lvl="0" marL="0" rtl="0" algn="l">
+              <a:spcBef>
+                <a:spcPts val="0"/>
+              </a:spcBef>
+              <a:spcAft>
+                <a:spcPts val="0"/>
+              </a:spcAft>
+              <a:buNone/>
+            </a:pPr>
+            <a:r>
+              <a:rPr b="1" lang="ja" sz="1300">
+                <a:solidFill>
+                  <a:schemeClr val="accent3"/>
+                </a:solidFill>
+                <a:latin typeface="Proxima Nova"/>
+                <a:ea typeface="Proxima Nova"/>
+                <a:cs typeface="Proxima Nova"/>
+                <a:sym typeface="Proxima Nova"/>
+              </a:rPr>
+              <a:t>埋め込みベクトル化</a:t>
+            </a:r>
+            <a:endParaRPr sz="1300"/>
+          </a:p>
+        </p:txBody>
+      </p:sp>
+      <p:sp>
+        <p:nvSpPr>
+          <p:cNvPr id="207" name="Google Shape;207;p19"/>
+          <p:cNvSpPr/>
+          <p:nvPr/>
+        </p:nvSpPr>
+        <p:spPr>
+          <a:xfrm>
+            <a:off x="6522375" y="4052275"/>
+            <a:ext cx="1556700" cy="381000"/>
+          </a:xfrm>
+          <a:prstGeom prst="roundRect">
+            <a:avLst>
+              <a:gd fmla="val 16667" name="adj"/>
+            </a:avLst>
+          </a:prstGeom>
+          <a:noFill/>
+          <a:ln cap="flat" cmpd="sng" w="38100">
+            <a:solidFill>
+              <a:srgbClr val="0000FF"/>
+            </a:solidFill>
+            <a:prstDash val="solid"/>
+            <a:round/>
+            <a:headEnd len="sm" w="sm" type="none"/>
+            <a:tailEnd len="sm" w="sm" type="none"/>
+          </a:ln>
+        </p:spPr>
+        <p:txBody>
+          <a:bodyPr anchorCtr="0" anchor="t" bIns="91425" lIns="91425" spcFirstLastPara="1" rIns="91425" wrap="square" tIns="91425">
+            <a:noAutofit/>
+          </a:bodyPr>
+          <a:lstStyle/>
+          <a:p>
+            <a:pPr indent="0" lvl="0" marL="0" rtl="0" algn="l">
+              <a:spcBef>
+                <a:spcPts val="0"/>
+              </a:spcBef>
+              <a:spcAft>
+                <a:spcPts val="0"/>
+              </a:spcAft>
+              <a:buNone/>
+            </a:pPr>
+            <a:r>
+              <a:rPr b="1" lang="ja">
+                <a:solidFill>
+                  <a:schemeClr val="accent3"/>
+                </a:solidFill>
+                <a:latin typeface="Proxima Nova"/>
+                <a:ea typeface="Proxima Nova"/>
+                <a:cs typeface="Proxima Nova"/>
+                <a:sym typeface="Proxima Nova"/>
+              </a:rPr>
+              <a:t>get_embedding</a:t>
+            </a:r>
+            <a:endParaRPr b="1">
+              <a:solidFill>
+                <a:schemeClr val="accent3"/>
+              </a:solidFill>
+              <a:latin typeface="Proxima Nova"/>
+              <a:ea typeface="Proxima Nova"/>
+              <a:cs typeface="Proxima Nova"/>
+              <a:sym typeface="Proxima Nova"/>
+            </a:endParaRPr>
+          </a:p>
+        </p:txBody>
+      </p:sp>
+      <p:sp>
+        <p:nvSpPr>
+          <p:cNvPr id="208" name="Google Shape;208;p19"/>
+          <p:cNvSpPr txBox="1"/>
+          <p:nvPr/>
+        </p:nvSpPr>
+        <p:spPr>
+          <a:xfrm>
+            <a:off x="8079075" y="3989775"/>
+            <a:ext cx="1065000" cy="585000"/>
+          </a:xfrm>
+          <a:prstGeom prst="rect">
+            <a:avLst/>
+          </a:prstGeom>
+          <a:noFill/>
+          <a:ln>
+            <a:noFill/>
+          </a:ln>
+        </p:spPr>
+        <p:txBody>
+          <a:bodyPr anchorCtr="0" anchor="t" bIns="91425" lIns="91425" spcFirstLastPara="1" rIns="91425" wrap="square" tIns="91425">
+            <a:spAutoFit/>
+          </a:bodyPr>
+          <a:lstStyle/>
+          <a:p>
+            <a:pPr indent="0" lvl="0" marL="0" rtl="0" algn="l">
+              <a:spcBef>
+                <a:spcPts val="0"/>
+              </a:spcBef>
+              <a:spcAft>
+                <a:spcPts val="0"/>
+              </a:spcAft>
+              <a:buNone/>
+            </a:pPr>
+            <a:r>
+              <a:rPr b="1" lang="ja" sz="1300">
+                <a:solidFill>
+                  <a:schemeClr val="accent3"/>
+                </a:solidFill>
+                <a:latin typeface="Proxima Nova"/>
+                <a:ea typeface="Proxima Nova"/>
+                <a:cs typeface="Proxima Nova"/>
+                <a:sym typeface="Proxima Nova"/>
+              </a:rPr>
+              <a:t>埋め込み</a:t>
+            </a:r>
+            <a:endParaRPr b="1" sz="1300">
+              <a:solidFill>
+                <a:schemeClr val="accent3"/>
+              </a:solidFill>
+              <a:latin typeface="Proxima Nova"/>
+              <a:ea typeface="Proxima Nova"/>
+              <a:cs typeface="Proxima Nova"/>
+              <a:sym typeface="Proxima Nova"/>
+            </a:endParaRPr>
+          </a:p>
+          <a:p>
+            <a:pPr indent="0" lvl="0" marL="0" rtl="0" algn="l">
+              <a:spcBef>
+                <a:spcPts val="0"/>
+              </a:spcBef>
+              <a:spcAft>
+                <a:spcPts val="0"/>
+              </a:spcAft>
+              <a:buNone/>
+            </a:pPr>
+            <a:r>
+              <a:rPr b="1" lang="ja" sz="1300">
+                <a:solidFill>
+                  <a:schemeClr val="accent3"/>
+                </a:solidFill>
+                <a:latin typeface="Proxima Nova"/>
+                <a:ea typeface="Proxima Nova"/>
+                <a:cs typeface="Proxima Nova"/>
+                <a:sym typeface="Proxima Nova"/>
+              </a:rPr>
+              <a:t>ベクトル化</a:t>
+            </a:r>
+            <a:endParaRPr sz="1300"/>
+          </a:p>
+        </p:txBody>
+      </p:sp>
+      <p:cxnSp>
+        <p:nvCxnSpPr>
+          <p:cNvPr id="209" name="Google Shape;209;p19"/>
+          <p:cNvCxnSpPr>
+            <a:stCxn id="200" idx="2"/>
+            <a:endCxn id="199" idx="0"/>
+          </p:cNvCxnSpPr>
+          <p:nvPr/>
+        </p:nvCxnSpPr>
+        <p:spPr>
+          <a:xfrm>
+            <a:off x="6463975" y="3341425"/>
+            <a:ext cx="1800" cy="327900"/>
+          </a:xfrm>
+          <a:prstGeom prst="straightConnector1">
+            <a:avLst/>
+          </a:prstGeom>
+          <a:noFill/>
+          <a:ln cap="flat" cmpd="sng" w="38100">
+            <a:solidFill>
+              <a:srgbClr val="0000FF"/>
+            </a:solidFill>
+            <a:prstDash val="solid"/>
+            <a:round/>
+            <a:headEnd len="med" w="med" type="none"/>
+            <a:tailEnd len="med" w="med" type="triangle"/>
+          </a:ln>
+        </p:spPr>
+      </p:cxnSp>
+      <p:sp>
+        <p:nvSpPr>
+          <p:cNvPr id="204" name="Google Shape;204;p19"/>
+          <p:cNvSpPr/>
+          <p:nvPr/>
+        </p:nvSpPr>
+        <p:spPr>
+          <a:xfrm>
+            <a:off x="2976425" y="4498575"/>
+            <a:ext cx="1556700" cy="426300"/>
+          </a:xfrm>
+          <a:prstGeom prst="roundRect">
+            <a:avLst>
+              <a:gd fmla="val 16667" name="adj"/>
+            </a:avLst>
+          </a:prstGeom>
+          <a:solidFill>
+            <a:srgbClr val="0000FF"/>
+          </a:solidFill>
+          <a:ln cap="flat" cmpd="sng" w="9525">
+            <a:solidFill>
+              <a:srgbClr val="0000FF"/>
+            </a:solidFill>
+            <a:prstDash val="solid"/>
+            <a:round/>
+            <a:headEnd len="sm" w="sm" type="none"/>
+            <a:tailEnd len="sm" w="sm" type="none"/>
+          </a:ln>
+        </p:spPr>
+        <p:txBody>
+          <a:bodyPr anchorCtr="0" anchor="ctr" bIns="91425" lIns="91425" spcFirstLastPara="1" rIns="91425" wrap="square" tIns="91425">
+            <a:noAutofit/>
+          </a:bodyPr>
+          <a:lstStyle/>
+          <a:p>
+            <a:pPr indent="0" lvl="0" marL="0" rtl="0" algn="ctr">
+              <a:spcBef>
+                <a:spcPts val="0"/>
+              </a:spcBef>
+              <a:spcAft>
+                <a:spcPts val="0"/>
+              </a:spcAft>
+              <a:buNone/>
+            </a:pPr>
+            <a:r>
+              <a:rPr b="1" lang="ja">
+                <a:solidFill>
+                  <a:schemeClr val="lt1"/>
+                </a:solidFill>
+                <a:latin typeface="Proxima Nova"/>
+                <a:ea typeface="Proxima Nova"/>
+                <a:cs typeface="Proxima Nova"/>
+                <a:sym typeface="Proxima Nova"/>
+              </a:rPr>
+              <a:t>evaluation</a:t>
+            </a:r>
+            <a:endParaRPr b="1">
+              <a:solidFill>
+                <a:schemeClr val="lt1"/>
+              </a:solidFill>
+              <a:latin typeface="Proxima Nova"/>
+              <a:ea typeface="Proxima Nova"/>
+              <a:cs typeface="Proxima Nova"/>
+              <a:sym typeface="Proxima Nova"/>
+            </a:endParaRPr>
+          </a:p>
+        </p:txBody>
+      </p:sp>
+      <p:cxnSp>
+        <p:nvCxnSpPr>
+          <p:cNvPr id="210" name="Google Shape;210;p19"/>
+          <p:cNvCxnSpPr>
+            <a:stCxn id="206" idx="3"/>
+            <a:endCxn id="204" idx="0"/>
+          </p:cNvCxnSpPr>
+          <p:nvPr/>
+        </p:nvCxnSpPr>
+        <p:spPr>
+          <a:xfrm flipH="1">
+            <a:off x="3754650" y="647700"/>
+            <a:ext cx="754500" cy="3850800"/>
+          </a:xfrm>
+          <a:prstGeom prst="bentConnector4">
+            <a:avLst>
+              <a:gd fmla="val -113207" name="adj1"/>
+              <a:gd fmla="val 90682" name="adj2"/>
+            </a:avLst>
+          </a:prstGeom>
+          <a:noFill/>
+          <a:ln cap="flat" cmpd="sng" w="38100">
+            <a:solidFill>
+              <a:srgbClr val="0000FF"/>
+            </a:solidFill>
+            <a:prstDash val="solid"/>
+            <a:round/>
+            <a:headEnd len="med" w="med" type="none"/>
+            <a:tailEnd len="med" w="med" type="triangle"/>
+          </a:ln>
+        </p:spPr>
+      </p:cxnSp>
+      <p:sp>
+        <p:nvSpPr>
+          <p:cNvPr id="211" name="Google Shape;211;p19"/>
+          <p:cNvSpPr/>
+          <p:nvPr/>
+        </p:nvSpPr>
+        <p:spPr>
+          <a:xfrm>
+            <a:off x="4533125" y="4638425"/>
+            <a:ext cx="1652100" cy="381000"/>
+          </a:xfrm>
+          <a:prstGeom prst="roundRect">
+            <a:avLst>
+              <a:gd fmla="val 16667" name="adj"/>
+            </a:avLst>
+          </a:prstGeom>
+          <a:noFill/>
+          <a:ln cap="flat" cmpd="sng" w="38100">
+            <a:solidFill>
+              <a:srgbClr val="0000FF"/>
+            </a:solidFill>
+            <a:prstDash val="solid"/>
+            <a:round/>
+            <a:headEnd len="sm" w="sm" type="none"/>
+            <a:tailEnd len="sm" w="sm" type="none"/>
+          </a:ln>
+        </p:spPr>
+        <p:txBody>
+          <a:bodyPr anchorCtr="0" anchor="t" bIns="91425" lIns="91425" spcFirstLastPara="1" rIns="91425" wrap="square" tIns="91425">
+            <a:noAutofit/>
+          </a:bodyPr>
+          <a:lstStyle/>
+          <a:p>
+            <a:pPr indent="0" lvl="0" marL="0" rtl="0" algn="l">
+              <a:spcBef>
+                <a:spcPts val="0"/>
+              </a:spcBef>
+              <a:spcAft>
+                <a:spcPts val="0"/>
+              </a:spcAft>
+              <a:buNone/>
+            </a:pPr>
+            <a:r>
+              <a:rPr b="1" lang="ja">
+                <a:solidFill>
+                  <a:schemeClr val="accent3"/>
+                </a:solidFill>
+                <a:latin typeface="Proxima Nova"/>
+                <a:ea typeface="Proxima Nova"/>
+                <a:cs typeface="Proxima Nova"/>
+                <a:sym typeface="Proxima Nova"/>
+              </a:rPr>
+              <a:t>cosine_similarity</a:t>
+            </a:r>
+            <a:endParaRPr b="1">
+              <a:solidFill>
+                <a:schemeClr val="accent3"/>
+              </a:solidFill>
+              <a:latin typeface="Proxima Nova"/>
+              <a:ea typeface="Proxima Nova"/>
+              <a:cs typeface="Proxima Nova"/>
+              <a:sym typeface="Proxima Nova"/>
+            </a:endParaRPr>
+          </a:p>
+        </p:txBody>
+      </p:sp>
+      <p:sp>
+        <p:nvSpPr>
+          <p:cNvPr id="212" name="Google Shape;212;p19"/>
+          <p:cNvSpPr/>
+          <p:nvPr/>
+        </p:nvSpPr>
+        <p:spPr>
+          <a:xfrm>
+            <a:off x="6259550" y="4638425"/>
+            <a:ext cx="1375200" cy="381000"/>
+          </a:xfrm>
+          <a:prstGeom prst="roundRect">
+            <a:avLst>
+              <a:gd fmla="val 16667" name="adj"/>
+            </a:avLst>
+          </a:prstGeom>
+          <a:noFill/>
+          <a:ln cap="flat" cmpd="sng" w="38100">
+            <a:solidFill>
+              <a:srgbClr val="0000FF"/>
+            </a:solidFill>
+            <a:prstDash val="solid"/>
+            <a:round/>
+            <a:headEnd len="sm" w="sm" type="none"/>
+            <a:tailEnd len="sm" w="sm" type="none"/>
+          </a:ln>
+        </p:spPr>
+        <p:txBody>
+          <a:bodyPr anchorCtr="0" anchor="t" bIns="91425" lIns="91425" spcFirstLastPara="1" rIns="91425" wrap="square" tIns="91425">
+            <a:noAutofit/>
+          </a:bodyPr>
+          <a:lstStyle/>
+          <a:p>
+            <a:pPr indent="0" lvl="0" marL="0" rtl="0" algn="l">
+              <a:spcBef>
+                <a:spcPts val="0"/>
+              </a:spcBef>
+              <a:spcAft>
+                <a:spcPts val="0"/>
+              </a:spcAft>
+              <a:buNone/>
+            </a:pPr>
+            <a:r>
+              <a:rPr b="1" lang="ja">
+                <a:solidFill>
+                  <a:schemeClr val="accent3"/>
+                </a:solidFill>
+                <a:latin typeface="Proxima Nova"/>
+                <a:ea typeface="Proxima Nova"/>
+                <a:cs typeface="Proxima Nova"/>
+                <a:sym typeface="Proxima Nova"/>
+              </a:rPr>
+              <a:t>soft_precision</a:t>
+            </a:r>
+            <a:endParaRPr b="1">
+              <a:solidFill>
+                <a:schemeClr val="accent3"/>
+              </a:solidFill>
+              <a:latin typeface="Proxima Nova"/>
+              <a:ea typeface="Proxima Nova"/>
+              <a:cs typeface="Proxima Nova"/>
+              <a:sym typeface="Proxima Nova"/>
+            </a:endParaRPr>
+          </a:p>
+        </p:txBody>
+      </p:sp>
+      <p:sp>
+        <p:nvSpPr>
+          <p:cNvPr id="213" name="Google Shape;213;p19"/>
+          <p:cNvSpPr/>
+          <p:nvPr/>
+        </p:nvSpPr>
+        <p:spPr>
+          <a:xfrm>
+            <a:off x="7700025" y="4638425"/>
+            <a:ext cx="1065000" cy="381000"/>
+          </a:xfrm>
+          <a:prstGeom prst="roundRect">
+            <a:avLst>
+              <a:gd fmla="val 16667" name="adj"/>
+            </a:avLst>
+          </a:prstGeom>
+          <a:noFill/>
+          <a:ln cap="flat" cmpd="sng" w="38100">
+            <a:solidFill>
+              <a:srgbClr val="0000FF"/>
+            </a:solidFill>
+            <a:prstDash val="solid"/>
+            <a:round/>
+            <a:headEnd len="sm" w="sm" type="none"/>
+            <a:tailEnd len="sm" w="sm" type="none"/>
+          </a:ln>
+        </p:spPr>
+        <p:txBody>
+          <a:bodyPr anchorCtr="0" anchor="t" bIns="91425" lIns="91425" spcFirstLastPara="1" rIns="91425" wrap="square" tIns="91425">
+            <a:noAutofit/>
+          </a:bodyPr>
+          <a:lstStyle/>
+          <a:p>
+            <a:pPr indent="0" lvl="0" marL="0" rtl="0" algn="l">
+              <a:spcBef>
+                <a:spcPts val="0"/>
+              </a:spcBef>
+              <a:spcAft>
+                <a:spcPts val="0"/>
+              </a:spcAft>
+              <a:buNone/>
+            </a:pPr>
+            <a:r>
+              <a:rPr b="1" lang="ja">
+                <a:solidFill>
+                  <a:schemeClr val="accent3"/>
+                </a:solidFill>
+                <a:latin typeface="Proxima Nova"/>
+                <a:ea typeface="Proxima Nova"/>
+                <a:cs typeface="Proxima Nova"/>
+                <a:sym typeface="Proxima Nova"/>
+              </a:rPr>
+              <a:t>soft_recall</a:t>
+            </a:r>
+            <a:endParaRPr b="1">
+              <a:solidFill>
+                <a:schemeClr val="accent3"/>
+              </a:solidFill>
+              <a:latin typeface="Proxima Nova"/>
+              <a:ea typeface="Proxima Nova"/>
+              <a:cs typeface="Proxima Nova"/>
+              <a:sym typeface="Proxima Nova"/>
+            </a:endParaRPr>
+          </a:p>
+        </p:txBody>
+      </p:sp>
+      <p:sp>
+        <p:nvSpPr>
+          <p:cNvPr id="194" name="Google Shape;194;p19"/>
+          <p:cNvSpPr/>
+          <p:nvPr/>
+        </p:nvSpPr>
+        <p:spPr>
+          <a:xfrm>
+            <a:off x="164550" y="3798975"/>
+            <a:ext cx="1945500" cy="426300"/>
+          </a:xfrm>
+          <a:prstGeom prst="roundRect">
+            <a:avLst>
+              <a:gd fmla="val 16667" name="adj"/>
+            </a:avLst>
+          </a:prstGeom>
+          <a:solidFill>
+            <a:srgbClr val="0000FF"/>
+          </a:solidFill>
+          <a:ln cap="flat" cmpd="sng" w="9525">
+            <a:solidFill>
+              <a:srgbClr val="0000FF"/>
+            </a:solidFill>
+            <a:prstDash val="solid"/>
+            <a:round/>
+            <a:headEnd len="sm" w="sm" type="none"/>
+            <a:tailEnd len="sm" w="sm" type="none"/>
+          </a:ln>
+        </p:spPr>
+        <p:txBody>
+          <a:bodyPr anchorCtr="0" anchor="ctr" bIns="91425" lIns="91425" spcFirstLastPara="1" rIns="91425" wrap="square" tIns="91425">
+            <a:noAutofit/>
+          </a:bodyPr>
+          <a:lstStyle/>
+          <a:p>
+            <a:pPr indent="0" lvl="0" marL="0" rtl="0" algn="ctr">
+              <a:spcBef>
+                <a:spcPts val="0"/>
+              </a:spcBef>
+              <a:spcAft>
+                <a:spcPts val="0"/>
+              </a:spcAft>
+              <a:buNone/>
+            </a:pPr>
+            <a:r>
+              <a:rPr b="1" lang="ja">
+                <a:solidFill>
+                  <a:schemeClr val="lt1"/>
+                </a:solidFill>
+                <a:latin typeface="Proxima Nova"/>
+                <a:ea typeface="Proxima Nova"/>
+                <a:cs typeface="Proxima Nova"/>
+                <a:sym typeface="Proxima Nova"/>
+              </a:rPr>
+              <a:t>generate_search_content_summary</a:t>
+            </a:r>
+            <a:endParaRPr b="1">
+              <a:solidFill>
+                <a:schemeClr val="lt1"/>
+              </a:solidFill>
+              <a:latin typeface="Proxima Nova"/>
+              <a:ea typeface="Proxima Nova"/>
+              <a:cs typeface="Proxima Nova"/>
+              <a:sym typeface="Proxima Nova"/>
+            </a:endParaRPr>
+          </a:p>
+        </p:txBody>
+      </p:sp>
+      <p:cxnSp>
+        <p:nvCxnSpPr>
+          <p:cNvPr id="214" name="Google Shape;214;p19"/>
+          <p:cNvCxnSpPr/>
+          <p:nvPr/>
+        </p:nvCxnSpPr>
+        <p:spPr>
+          <a:xfrm>
+            <a:off x="990600" y="3336475"/>
+            <a:ext cx="0" cy="447900"/>
+          </a:xfrm>
+          <a:prstGeom prst="straightConnector1">
+            <a:avLst/>
+          </a:prstGeom>
+          <a:noFill/>
+          <a:ln cap="flat" cmpd="sng" w="38100">
+            <a:solidFill>
+              <a:srgbClr val="0000FF"/>
+            </a:solidFill>
+            <a:prstDash val="solid"/>
+            <a:round/>
+            <a:headEnd len="med" w="med" type="none"/>
+            <a:tailEnd len="med" w="med" type="triangle"/>
+          </a:ln>
+        </p:spPr>
+      </p:cxnSp>
+    </p:spTree>
+  </p:cSld>
+  <p:clrMapOvr>
+    <a:masterClrMapping/>
+  </p:clrMapOvr>
+</p:sld>
+</file>
+
+<file path=ppt/slides/slide8.xml><?xml version="1.0" encoding="utf-8"?>
+<p:sld xmlns:a="http://schemas.openxmlformats.org/drawingml/2006/main" xmlns:r="http://schemas.openxmlformats.org/officeDocument/2006/relationships" xmlns:mc="http://schemas.openxmlformats.org/markup-compatibility/2006" xmlns:mv="urn:schemas-microsoft-com:mac:vml" xmlns:p="http://schemas.openxmlformats.org/presentationml/2006/main" xmlns:c="http://schemas.openxmlformats.org/drawingml/2006/chart" xmlns:dgm="http://schemas.openxmlformats.org/drawingml/2006/diagram" xmlns:o="urn:schemas-microsoft-com:office:office" xmlns:v="urn:schemas-microsoft-com:vml" xmlns:pvml="urn:schemas-microsoft-com:office:powerpoint" xmlns:com="http://schemas.openxmlformats.org/drawingml/2006/compatibility" xmlns:p14="http://schemas.microsoft.com/office/powerpoint/2010/main" xmlns:p15="http://schemas.microsoft.com/office/powerpoint/2012/main" xmlns:ahyp="http://schemas.microsoft.com/office/drawing/2018/hyperlinkcolor">
+  <p:cSld>
+    <p:spTree>
+      <p:nvGrpSpPr>
+        <p:cNvPr id="218" name="Shape 218"/>
+        <p:cNvGrpSpPr/>
+        <p:nvPr/>
+      </p:nvGrpSpPr>
+      <p:grpSpPr>
+        <a:xfrm>
+          <a:off x="0" y="0"/>
+          <a:ext cx="0" cy="0"/>
+          <a:chOff x="0" y="0"/>
+          <a:chExt cx="0" cy="0"/>
+        </a:xfrm>
+      </p:grpSpPr>
+      <p:sp>
+        <p:nvSpPr>
+          <p:cNvPr id="219" name="Google Shape;219;p20"/>
           <p:cNvSpPr txBox="1"/>
           <p:nvPr/>
         </p:nvSpPr>
@@ -14655,7 +17185,7 @@
                 <a:cs typeface="Proxima Nova"/>
                 <a:sym typeface="Proxima Nova"/>
               </a:rPr>
-              <a:t>14日にgpt-4o-2024-05-13が出てたので試したくなった</a:t>
+              <a:t>14日にgpt-4o-2024-05-13が出てたので試してみる</a:t>
             </a:r>
             <a:endParaRPr b="1">
               <a:solidFill>
@@ -14703,14 +17233,14 @@
       </p:sp>
       <p:sp>
         <p:nvSpPr>
-          <p:cNvPr id="178" name="Google Shape;178;p19"/>
+          <p:cNvPr id="220" name="Google Shape;220;p20"/>
           <p:cNvSpPr txBox="1"/>
           <p:nvPr/>
         </p:nvSpPr>
         <p:spPr>
           <a:xfrm>
             <a:off x="261750" y="1125925"/>
-            <a:ext cx="2178000" cy="585000"/>
+            <a:ext cx="7981200" cy="985200"/>
           </a:xfrm>
           <a:prstGeom prst="rect">
             <a:avLst/>
@@ -14745,15 +17275,131 @@
                 <a:cs typeface="Proxima Nova"/>
                 <a:sym typeface="Proxima Nova"/>
               </a:rPr>
+              <a:t>変更</a:t>
+            </a:r>
+            <a:endParaRPr b="1" sz="1300">
+              <a:solidFill>
+                <a:schemeClr val="accent3"/>
+              </a:solidFill>
+              <a:latin typeface="Proxima Nova"/>
+              <a:ea typeface="Proxima Nova"/>
+              <a:cs typeface="Proxima Nova"/>
+              <a:sym typeface="Proxima Nova"/>
+            </a:endParaRPr>
+          </a:p>
+          <a:p>
+            <a:pPr indent="0" lvl="0" marL="0" rtl="0" algn="l">
+              <a:spcBef>
+                <a:spcPts val="0"/>
+              </a:spcBef>
+              <a:spcAft>
+                <a:spcPts val="0"/>
+              </a:spcAft>
+              <a:buNone/>
+            </a:pPr>
+            <a:r>
+              <a:rPr b="1" lang="ja" sz="1300">
+                <a:solidFill>
+                  <a:schemeClr val="accent3"/>
+                </a:solidFill>
+                <a:latin typeface="Proxima Nova"/>
+                <a:ea typeface="Proxima Nova"/>
+                <a:cs typeface="Proxima Nova"/>
+                <a:sym typeface="Proxima Nova"/>
+              </a:rPr>
+              <a:t>検索結果を検索APIの概要から、検索APIで取得したリンク先の全文に変更</a:t>
+            </a:r>
+            <a:endParaRPr b="1" sz="1300">
+              <a:solidFill>
+                <a:schemeClr val="accent3"/>
+              </a:solidFill>
+              <a:latin typeface="Proxima Nova"/>
+              <a:ea typeface="Proxima Nova"/>
+              <a:cs typeface="Proxima Nova"/>
+              <a:sym typeface="Proxima Nova"/>
+            </a:endParaRPr>
+          </a:p>
+          <a:p>
+            <a:pPr indent="0" lvl="0" marL="0" rtl="0" algn="l">
+              <a:spcBef>
+                <a:spcPts val="0"/>
+              </a:spcBef>
+              <a:spcAft>
+                <a:spcPts val="0"/>
+              </a:spcAft>
+              <a:buNone/>
+            </a:pPr>
+            <a:r>
+              <a:rPr b="1" lang="ja" sz="1300">
+                <a:solidFill>
+                  <a:schemeClr val="accent3"/>
+                </a:solidFill>
+                <a:latin typeface="Proxima Nova"/>
+                <a:ea typeface="Proxima Nova"/>
+                <a:cs typeface="Proxima Nova"/>
+                <a:sym typeface="Proxima Nova"/>
+              </a:rPr>
               <a:t>検索結果から検索クエリの説明箇所を抽出</a:t>
             </a:r>
-            <a:endParaRPr sz="1300"/>
+            <a:r>
+              <a:rPr b="1" lang="ja" sz="1300">
+                <a:solidFill>
+                  <a:schemeClr val="accent3"/>
+                </a:solidFill>
+                <a:latin typeface="Proxima Nova"/>
+                <a:ea typeface="Proxima Nova"/>
+                <a:cs typeface="Proxima Nova"/>
+                <a:sym typeface="Proxima Nova"/>
+              </a:rPr>
+              <a:t>するのに加え、その説明部分も追加するようにする</a:t>
+            </a:r>
+            <a:endParaRPr b="1" sz="1300">
+              <a:solidFill>
+                <a:schemeClr val="accent3"/>
+              </a:solidFill>
+              <a:latin typeface="Proxima Nova"/>
+              <a:ea typeface="Proxima Nova"/>
+              <a:cs typeface="Proxima Nova"/>
+              <a:sym typeface="Proxima Nova"/>
+            </a:endParaRPr>
+          </a:p>
+          <a:p>
+            <a:pPr indent="0" lvl="0" marL="0" rtl="0" algn="l">
+              <a:spcBef>
+                <a:spcPts val="0"/>
+              </a:spcBef>
+              <a:spcAft>
+                <a:spcPts val="0"/>
+              </a:spcAft>
+              <a:buNone/>
+            </a:pPr>
+            <a:r>
+              <a:rPr b="1" lang="ja" sz="1300">
+                <a:solidFill>
+                  <a:schemeClr val="accent3"/>
+                </a:solidFill>
+                <a:latin typeface="Proxima Nova"/>
+                <a:ea typeface="Proxima Nova"/>
+                <a:cs typeface="Proxima Nova"/>
+                <a:sym typeface="Proxima Nova"/>
+              </a:rPr>
+              <a:t>また検索数を1から3に変更し、情報全部一つにまとめるようにする</a:t>
+            </a:r>
+            <a:endParaRPr b="1" sz="1300">
+              <a:solidFill>
+                <a:schemeClr val="accent3"/>
+              </a:solidFill>
+              <a:latin typeface="Proxima Nova"/>
+              <a:ea typeface="Proxima Nova"/>
+              <a:cs typeface="Proxima Nova"/>
+              <a:sym typeface="Proxima Nova"/>
+            </a:endParaRPr>
           </a:p>
         </p:txBody>
       </p:sp>
       <p:sp>
         <p:nvSpPr>
-          <p:cNvPr id="179" name="Google Shape;179;p19"/>
+          <p:cNvPr id="221" name="Google Shape;221;p20"/>
           <p:cNvSpPr/>
           <p:nvPr/>
         </p:nvSpPr>
@@ -14819,6 +17465,4054 @@
           </a:p>
         </p:txBody>
       </p:sp>
+      <p:sp>
+        <p:nvSpPr>
+          <p:cNvPr id="222" name="Google Shape;222;p20"/>
+          <p:cNvSpPr/>
+          <p:nvPr/>
+        </p:nvSpPr>
+        <p:spPr>
+          <a:xfrm>
+            <a:off x="164550" y="2111125"/>
+            <a:ext cx="1556700" cy="426300"/>
+          </a:xfrm>
+          <a:prstGeom prst="roundRect">
+            <a:avLst>
+              <a:gd fmla="val 16667" name="adj"/>
+            </a:avLst>
+          </a:prstGeom>
+          <a:solidFill>
+            <a:srgbClr val="0000FF"/>
+          </a:solidFill>
+          <a:ln cap="flat" cmpd="sng" w="9525">
+            <a:solidFill>
+              <a:srgbClr val="0000FF"/>
+            </a:solidFill>
+            <a:prstDash val="solid"/>
+            <a:round/>
+            <a:headEnd len="sm" w="sm" type="none"/>
+            <a:tailEnd len="sm" w="sm" type="none"/>
+          </a:ln>
+        </p:spPr>
+        <p:txBody>
+          <a:bodyPr anchorCtr="0" anchor="ctr" bIns="91425" lIns="91425" spcFirstLastPara="1" rIns="91425" wrap="square" tIns="91425">
+            <a:noAutofit/>
+          </a:bodyPr>
+          <a:lstStyle/>
+          <a:p>
+            <a:pPr indent="0" lvl="0" marL="0" rtl="0" algn="ctr">
+              <a:spcBef>
+                <a:spcPts val="0"/>
+              </a:spcBef>
+              <a:spcAft>
+                <a:spcPts val="0"/>
+              </a:spcAft>
+              <a:buNone/>
+            </a:pPr>
+            <a:r>
+              <a:rPr b="1" lang="ja">
+                <a:solidFill>
+                  <a:schemeClr val="lt1"/>
+                </a:solidFill>
+                <a:latin typeface="Proxima Nova"/>
+                <a:ea typeface="Proxima Nova"/>
+                <a:cs typeface="Proxima Nova"/>
+                <a:sym typeface="Proxima Nova"/>
+              </a:rPr>
+              <a:t>generate_wiki_outline</a:t>
+            </a:r>
+            <a:endParaRPr b="1">
+              <a:solidFill>
+                <a:schemeClr val="lt1"/>
+              </a:solidFill>
+              <a:latin typeface="Proxima Nova"/>
+              <a:ea typeface="Proxima Nova"/>
+              <a:cs typeface="Proxima Nova"/>
+              <a:sym typeface="Proxima Nova"/>
+            </a:endParaRPr>
+          </a:p>
+        </p:txBody>
+      </p:sp>
+      <p:sp>
+        <p:nvSpPr>
+          <p:cNvPr id="223" name="Google Shape;223;p20"/>
+          <p:cNvSpPr/>
+          <p:nvPr/>
+        </p:nvSpPr>
+        <p:spPr>
+          <a:xfrm>
+            <a:off x="164550" y="2537425"/>
+            <a:ext cx="1805700" cy="426300"/>
+          </a:xfrm>
+          <a:prstGeom prst="roundRect">
+            <a:avLst>
+              <a:gd fmla="val 16667" name="adj"/>
+            </a:avLst>
+          </a:prstGeom>
+          <a:solidFill>
+            <a:srgbClr val="0000FF"/>
+          </a:solidFill>
+          <a:ln cap="flat" cmpd="sng" w="9525">
+            <a:solidFill>
+              <a:srgbClr val="0000FF"/>
+            </a:solidFill>
+            <a:prstDash val="solid"/>
+            <a:round/>
+            <a:headEnd len="sm" w="sm" type="none"/>
+            <a:tailEnd len="sm" w="sm" type="none"/>
+          </a:ln>
+        </p:spPr>
+        <p:txBody>
+          <a:bodyPr anchorCtr="0" anchor="ctr" bIns="91425" lIns="91425" spcFirstLastPara="1" rIns="91425" wrap="square" tIns="91425">
+            <a:noAutofit/>
+          </a:bodyPr>
+          <a:lstStyle/>
+          <a:p>
+            <a:pPr indent="0" lvl="0" marL="0" rtl="0" algn="ctr">
+              <a:spcBef>
+                <a:spcPts val="0"/>
+              </a:spcBef>
+              <a:spcAft>
+                <a:spcPts val="0"/>
+              </a:spcAft>
+              <a:buNone/>
+            </a:pPr>
+            <a:r>
+              <a:rPr b="1" lang="ja">
+                <a:solidFill>
+                  <a:schemeClr val="lt1"/>
+                </a:solidFill>
+                <a:latin typeface="Proxima Nova"/>
+                <a:ea typeface="Proxima Nova"/>
+                <a:cs typeface="Proxima Nova"/>
+                <a:sym typeface="Proxima Nova"/>
+              </a:rPr>
+              <a:t>generate_detailed_outline</a:t>
+            </a:r>
+            <a:endParaRPr b="1">
+              <a:solidFill>
+                <a:schemeClr val="lt1"/>
+              </a:solidFill>
+              <a:latin typeface="Proxima Nova"/>
+              <a:ea typeface="Proxima Nova"/>
+              <a:cs typeface="Proxima Nova"/>
+              <a:sym typeface="Proxima Nova"/>
+            </a:endParaRPr>
+          </a:p>
+        </p:txBody>
+      </p:sp>
+      <p:sp>
+        <p:nvSpPr>
+          <p:cNvPr id="224" name="Google Shape;224;p20"/>
+          <p:cNvSpPr txBox="1"/>
+          <p:nvPr/>
+        </p:nvSpPr>
+        <p:spPr>
+          <a:xfrm>
+            <a:off x="261750" y="2963725"/>
+            <a:ext cx="7981200" cy="585000"/>
+          </a:xfrm>
+          <a:prstGeom prst="rect">
+            <a:avLst/>
+          </a:prstGeom>
+          <a:noFill/>
+          <a:ln>
+            <a:noFill/>
+          </a:ln>
+        </p:spPr>
+        <p:txBody>
+          <a:bodyPr anchorCtr="0" anchor="t" bIns="91425" lIns="91425" spcFirstLastPara="1" rIns="91425" wrap="square" tIns="91425">
+            <a:spAutoFit/>
+          </a:bodyPr>
+          <a:lstStyle/>
+          <a:p>
+            <a:pPr indent="0" lvl="0" marL="0" rtl="0" algn="l">
+              <a:spcBef>
+                <a:spcPts val="0"/>
+              </a:spcBef>
+              <a:spcAft>
+                <a:spcPts val="0"/>
+              </a:spcAft>
+              <a:buNone/>
+            </a:pPr>
+            <a:r>
+              <a:rPr b="1" lang="ja" sz="1300">
+                <a:solidFill>
+                  <a:schemeClr val="accent3"/>
+                </a:solidFill>
+                <a:latin typeface="Proxima Nova"/>
+                <a:ea typeface="Proxima Nova"/>
+                <a:cs typeface="Proxima Nova"/>
+                <a:sym typeface="Proxima Nova"/>
+              </a:rPr>
+              <a:t>変更</a:t>
+            </a:r>
+            <a:endParaRPr b="1" sz="1300">
+              <a:solidFill>
+                <a:schemeClr val="accent3"/>
+              </a:solidFill>
+              <a:latin typeface="Proxima Nova"/>
+              <a:ea typeface="Proxima Nova"/>
+              <a:cs typeface="Proxima Nova"/>
+              <a:sym typeface="Proxima Nova"/>
+            </a:endParaRPr>
+          </a:p>
+          <a:p>
+            <a:pPr indent="0" lvl="0" marL="0" rtl="0" algn="l">
+              <a:spcBef>
+                <a:spcPts val="0"/>
+              </a:spcBef>
+              <a:spcAft>
+                <a:spcPts val="0"/>
+              </a:spcAft>
+              <a:buNone/>
+            </a:pPr>
+            <a:r>
+              <a:rPr b="1" lang="ja" sz="1300">
+                <a:solidFill>
+                  <a:schemeClr val="accent3"/>
+                </a:solidFill>
+                <a:latin typeface="Proxima Nova"/>
+                <a:ea typeface="Proxima Nova"/>
+                <a:cs typeface="Proxima Nova"/>
+                <a:sym typeface="Proxima Nova"/>
+              </a:rPr>
+              <a:t>使用するモデルを`gpt-3.5-turbo-0125`から`gpt-4o-2024-05-13`に変更</a:t>
+            </a:r>
+            <a:endParaRPr b="1" sz="1300">
+              <a:solidFill>
+                <a:schemeClr val="accent3"/>
+              </a:solidFill>
+              <a:latin typeface="Proxima Nova"/>
+              <a:ea typeface="Proxima Nova"/>
+              <a:cs typeface="Proxima Nova"/>
+              <a:sym typeface="Proxima Nova"/>
+            </a:endParaRPr>
+          </a:p>
+        </p:txBody>
+      </p:sp>
+    </p:spTree>
+  </p:cSld>
+  <p:clrMapOvr>
+    <a:masterClrMapping/>
+  </p:clrMapOvr>
+</p:sld>
+</file>
+
+<file path=ppt/slides/slide9.xml><?xml version="1.0" encoding="utf-8"?>
+<p:sld xmlns:a="http://schemas.openxmlformats.org/drawingml/2006/main" xmlns:r="http://schemas.openxmlformats.org/officeDocument/2006/relationships" xmlns:mc="http://schemas.openxmlformats.org/markup-compatibility/2006" xmlns:mv="urn:schemas-microsoft-com:mac:vml" xmlns:p="http://schemas.openxmlformats.org/presentationml/2006/main" xmlns:c="http://schemas.openxmlformats.org/drawingml/2006/chart" xmlns:dgm="http://schemas.openxmlformats.org/drawingml/2006/diagram" xmlns:o="urn:schemas-microsoft-com:office:office" xmlns:v="urn:schemas-microsoft-com:vml" xmlns:pvml="urn:schemas-microsoft-com:office:powerpoint" xmlns:com="http://schemas.openxmlformats.org/drawingml/2006/compatibility" xmlns:p14="http://schemas.microsoft.com/office/powerpoint/2010/main" xmlns:p15="http://schemas.microsoft.com/office/powerpoint/2012/main" xmlns:ahyp="http://schemas.microsoft.com/office/drawing/2018/hyperlinkcolor">
+  <p:cSld>
+    <p:spTree>
+      <p:nvGrpSpPr>
+        <p:cNvPr id="228" name="Shape 228"/>
+        <p:cNvGrpSpPr/>
+        <p:nvPr/>
+      </p:nvGrpSpPr>
+      <p:grpSpPr>
+        <a:xfrm>
+          <a:off x="0" y="0"/>
+          <a:ext cx="0" cy="0"/>
+          <a:chOff x="0" y="0"/>
+          <a:chExt cx="0" cy="0"/>
+        </a:xfrm>
+      </p:grpSpPr>
+      <p:sp>
+        <p:nvSpPr>
+          <p:cNvPr id="229" name="Google Shape;229;p21"/>
+          <p:cNvSpPr txBox="1"/>
+          <p:nvPr/>
+        </p:nvSpPr>
+        <p:spPr>
+          <a:xfrm>
+            <a:off x="0" y="0"/>
+            <a:ext cx="3561000" cy="861900"/>
+          </a:xfrm>
+          <a:prstGeom prst="rect">
+            <a:avLst/>
+          </a:prstGeom>
+          <a:noFill/>
+          <a:ln>
+            <a:noFill/>
+          </a:ln>
+        </p:spPr>
+        <p:txBody>
+          <a:bodyPr anchorCtr="0" anchor="t" bIns="91425" lIns="91425" spcFirstLastPara="1" rIns="91425" wrap="square" tIns="91425">
+            <a:spAutoFit/>
+          </a:bodyPr>
+          <a:lstStyle/>
+          <a:p>
+            <a:pPr indent="0" lvl="0" marL="0" rtl="0" algn="l">
+              <a:spcBef>
+                <a:spcPts val="0"/>
+              </a:spcBef>
+              <a:spcAft>
+                <a:spcPts val="0"/>
+              </a:spcAft>
+              <a:buNone/>
+            </a:pPr>
+            <a:r>
+              <a:rPr b="1" lang="ja" sz="1100" u="sng">
+                <a:solidFill>
+                  <a:schemeClr val="accent3"/>
+                </a:solidFill>
+                <a:latin typeface="Proxima Nova"/>
+                <a:ea typeface="Proxima Nova"/>
+                <a:cs typeface="Proxima Nova"/>
+                <a:sym typeface="Proxima Nova"/>
+              </a:rPr>
+              <a:t>前との比較</a:t>
+            </a:r>
+            <a:endParaRPr b="1" sz="1100" u="sng">
+              <a:solidFill>
+                <a:schemeClr val="accent3"/>
+              </a:solidFill>
+              <a:latin typeface="Proxima Nova"/>
+              <a:ea typeface="Proxima Nova"/>
+              <a:cs typeface="Proxima Nova"/>
+              <a:sym typeface="Proxima Nova"/>
+            </a:endParaRPr>
+          </a:p>
+          <a:p>
+            <a:pPr indent="-298450" lvl="0" marL="457200" rtl="0" algn="l">
+              <a:spcBef>
+                <a:spcPts val="0"/>
+              </a:spcBef>
+              <a:spcAft>
+                <a:spcPts val="0"/>
+              </a:spcAft>
+              <a:buClr>
+                <a:schemeClr val="accent3"/>
+              </a:buClr>
+              <a:buSzPts val="1100"/>
+              <a:buFont typeface="Proxima Nova"/>
+              <a:buChar char="●"/>
+            </a:pPr>
+            <a:r>
+              <a:rPr b="1" lang="ja" sz="1100" u="sng">
+                <a:solidFill>
+                  <a:srgbClr val="073763"/>
+                </a:solidFill>
+                <a:latin typeface="Proxima Nova"/>
+                <a:ea typeface="Proxima Nova"/>
+                <a:cs typeface="Proxima Nova"/>
+                <a:sym typeface="Proxima Nova"/>
+              </a:rPr>
+              <a:t>生成結果は大体2500～4000</a:t>
+            </a:r>
+            <a:r>
+              <a:rPr b="1" lang="ja" sz="1100" u="sng">
+                <a:solidFill>
+                  <a:srgbClr val="073763"/>
+                </a:solidFill>
+                <a:latin typeface="Proxima Nova"/>
+                <a:ea typeface="Proxima Nova"/>
+                <a:cs typeface="Proxima Nova"/>
+                <a:sym typeface="Proxima Nova"/>
+              </a:rPr>
+              <a:t>文字で</a:t>
+            </a:r>
+            <a:r>
+              <a:rPr b="1" lang="ja" sz="1100" u="sng">
+                <a:solidFill>
+                  <a:srgbClr val="073763"/>
+                </a:solidFill>
+                <a:latin typeface="Proxima Nova"/>
+                <a:ea typeface="Proxima Nova"/>
+                <a:cs typeface="Proxima Nova"/>
+                <a:sym typeface="Proxima Nova"/>
+              </a:rPr>
+              <a:t>1/5に削減</a:t>
+            </a:r>
+            <a:endParaRPr b="1" sz="1100" u="sng">
+              <a:solidFill>
+                <a:srgbClr val="073763"/>
+              </a:solidFill>
+              <a:latin typeface="Proxima Nova"/>
+              <a:ea typeface="Proxima Nova"/>
+              <a:cs typeface="Proxima Nova"/>
+              <a:sym typeface="Proxima Nova"/>
+            </a:endParaRPr>
+          </a:p>
+          <a:p>
+            <a:pPr indent="-298450" lvl="0" marL="457200" rtl="0" algn="l">
+              <a:spcBef>
+                <a:spcPts val="0"/>
+              </a:spcBef>
+              <a:spcAft>
+                <a:spcPts val="0"/>
+              </a:spcAft>
+              <a:buClr>
+                <a:srgbClr val="073763"/>
+              </a:buClr>
+              <a:buSzPts val="1100"/>
+              <a:buFont typeface="Proxima Nova"/>
+              <a:buChar char="●"/>
+            </a:pPr>
+            <a:r>
+              <a:rPr b="1" lang="ja" sz="1100" u="sng">
+                <a:solidFill>
+                  <a:srgbClr val="073763"/>
+                </a:solidFill>
+                <a:latin typeface="Proxima Nova"/>
+                <a:ea typeface="Proxima Nova"/>
+                <a:cs typeface="Proxima Nova"/>
+                <a:sym typeface="Proxima Nova"/>
+              </a:rPr>
+              <a:t>総処理時間は5分以内</a:t>
+            </a:r>
+            <a:endParaRPr b="1" sz="1100" u="sng">
+              <a:solidFill>
+                <a:srgbClr val="073763"/>
+              </a:solidFill>
+              <a:latin typeface="Proxima Nova"/>
+              <a:ea typeface="Proxima Nova"/>
+              <a:cs typeface="Proxima Nova"/>
+              <a:sym typeface="Proxima Nova"/>
+            </a:endParaRPr>
+          </a:p>
+          <a:p>
+            <a:pPr indent="-298450" lvl="0" marL="457200" rtl="0" algn="l">
+              <a:spcBef>
+                <a:spcPts val="0"/>
+              </a:spcBef>
+              <a:spcAft>
+                <a:spcPts val="0"/>
+              </a:spcAft>
+              <a:buClr>
+                <a:srgbClr val="073763"/>
+              </a:buClr>
+              <a:buSzPts val="1100"/>
+              <a:buFont typeface="Proxima Nova"/>
+              <a:buChar char="●"/>
+            </a:pPr>
+            <a:r>
+              <a:rPr b="1" lang="ja" sz="1100" u="sng">
+                <a:solidFill>
+                  <a:srgbClr val="073763"/>
+                </a:solidFill>
+                <a:latin typeface="Proxima Nova"/>
+                <a:ea typeface="Proxima Nova"/>
+                <a:cs typeface="Proxima Nova"/>
+                <a:sym typeface="Proxima Nova"/>
+              </a:rPr>
+              <a:t>時系列で事象を説明できている</a:t>
+            </a:r>
+            <a:endParaRPr b="1" sz="1100" u="sng">
+              <a:solidFill>
+                <a:srgbClr val="073763"/>
+              </a:solidFill>
+              <a:latin typeface="Proxima Nova"/>
+              <a:ea typeface="Proxima Nova"/>
+              <a:cs typeface="Proxima Nova"/>
+              <a:sym typeface="Proxima Nova"/>
+            </a:endParaRPr>
+          </a:p>
+        </p:txBody>
+      </p:sp>
+      <p:sp>
+        <p:nvSpPr>
+          <p:cNvPr id="230" name="Google Shape;230;p21"/>
+          <p:cNvSpPr txBox="1"/>
+          <p:nvPr/>
+        </p:nvSpPr>
+        <p:spPr>
+          <a:xfrm>
+            <a:off x="3374775" y="0"/>
+            <a:ext cx="5693100" cy="861900"/>
+          </a:xfrm>
+          <a:prstGeom prst="rect">
+            <a:avLst/>
+          </a:prstGeom>
+          <a:noFill/>
+          <a:ln>
+            <a:noFill/>
+          </a:ln>
+        </p:spPr>
+        <p:txBody>
+          <a:bodyPr anchorCtr="0" anchor="t" bIns="91425" lIns="91425" spcFirstLastPara="1" rIns="91425" wrap="square" tIns="91425">
+            <a:spAutoFit/>
+          </a:bodyPr>
+          <a:lstStyle/>
+          <a:p>
+            <a:pPr indent="0" lvl="0" marL="0" rtl="0" algn="l">
+              <a:spcBef>
+                <a:spcPts val="0"/>
+              </a:spcBef>
+              <a:spcAft>
+                <a:spcPts val="0"/>
+              </a:spcAft>
+              <a:buNone/>
+            </a:pPr>
+            <a:r>
+              <a:rPr b="1" lang="ja" sz="1100" u="sng">
+                <a:solidFill>
+                  <a:schemeClr val="accent3"/>
+                </a:solidFill>
+                <a:latin typeface="Proxima Nova"/>
+                <a:ea typeface="Proxima Nova"/>
+                <a:cs typeface="Proxima Nova"/>
+                <a:sym typeface="Proxima Nova"/>
+              </a:rPr>
+              <a:t>悪い点</a:t>
+            </a:r>
+            <a:endParaRPr b="1" sz="1100" u="sng">
+              <a:solidFill>
+                <a:schemeClr val="accent3"/>
+              </a:solidFill>
+              <a:latin typeface="Proxima Nova"/>
+              <a:ea typeface="Proxima Nova"/>
+              <a:cs typeface="Proxima Nova"/>
+              <a:sym typeface="Proxima Nova"/>
+            </a:endParaRPr>
+          </a:p>
+          <a:p>
+            <a:pPr indent="-298450" lvl="0" marL="457200" rtl="0" algn="l">
+              <a:spcBef>
+                <a:spcPts val="0"/>
+              </a:spcBef>
+              <a:spcAft>
+                <a:spcPts val="0"/>
+              </a:spcAft>
+              <a:buClr>
+                <a:srgbClr val="073763"/>
+              </a:buClr>
+              <a:buSzPts val="1100"/>
+              <a:buFont typeface="Proxima Nova"/>
+              <a:buChar char="●"/>
+            </a:pPr>
+            <a:r>
+              <a:rPr b="1" lang="ja" sz="1100" u="sng">
+                <a:solidFill>
+                  <a:srgbClr val="073763"/>
+                </a:solidFill>
+                <a:latin typeface="Proxima Nova"/>
+                <a:ea typeface="Proxima Nova"/>
+                <a:cs typeface="Proxima Nova"/>
+                <a:sym typeface="Proxima Nova"/>
+              </a:rPr>
+              <a:t>入力から検索クエリを生成した結果がおかしいと最終出力結果がごみ</a:t>
+            </a:r>
+            <a:endParaRPr b="1" sz="1100" u="sng">
+              <a:solidFill>
+                <a:srgbClr val="073763"/>
+              </a:solidFill>
+              <a:latin typeface="Proxima Nova"/>
+              <a:ea typeface="Proxima Nova"/>
+              <a:cs typeface="Proxima Nova"/>
+              <a:sym typeface="Proxima Nova"/>
+            </a:endParaRPr>
+          </a:p>
+          <a:p>
+            <a:pPr indent="-298450" lvl="0" marL="457200" rtl="0" algn="l">
+              <a:spcBef>
+                <a:spcPts val="0"/>
+              </a:spcBef>
+              <a:spcAft>
+                <a:spcPts val="0"/>
+              </a:spcAft>
+              <a:buClr>
+                <a:srgbClr val="073763"/>
+              </a:buClr>
+              <a:buSzPts val="1100"/>
+              <a:buFont typeface="Proxima Nova"/>
+              <a:buChar char="●"/>
+            </a:pPr>
+            <a:r>
+              <a:rPr b="1" lang="ja" sz="1100" u="sng">
+                <a:solidFill>
+                  <a:srgbClr val="073763"/>
+                </a:solidFill>
+                <a:latin typeface="Proxima Nova"/>
+                <a:ea typeface="Proxima Nova"/>
+                <a:cs typeface="Proxima Nova"/>
+                <a:sym typeface="Proxima Nova"/>
+              </a:rPr>
+              <a:t>Bing検索を英語にしているので日本についての推論能力が低い</a:t>
+            </a:r>
+            <a:endParaRPr b="1" sz="1100" u="sng">
+              <a:solidFill>
+                <a:srgbClr val="073763"/>
+              </a:solidFill>
+              <a:latin typeface="Proxima Nova"/>
+              <a:ea typeface="Proxima Nova"/>
+              <a:cs typeface="Proxima Nova"/>
+              <a:sym typeface="Proxima Nova"/>
+            </a:endParaRPr>
+          </a:p>
+          <a:p>
+            <a:pPr indent="-298450" lvl="0" marL="457200" rtl="0" algn="l">
+              <a:spcBef>
+                <a:spcPts val="0"/>
+              </a:spcBef>
+              <a:spcAft>
+                <a:spcPts val="0"/>
+              </a:spcAft>
+              <a:buClr>
+                <a:srgbClr val="073763"/>
+              </a:buClr>
+              <a:buSzPts val="1100"/>
+              <a:buFont typeface="Proxima Nova"/>
+              <a:buChar char="●"/>
+            </a:pPr>
+            <a:r>
+              <a:rPr b="1" lang="ja" sz="1100" u="sng">
+                <a:solidFill>
+                  <a:srgbClr val="073763"/>
+                </a:solidFill>
+                <a:latin typeface="Proxima Nova"/>
+                <a:ea typeface="Proxima Nova"/>
+                <a:cs typeface="Proxima Nova"/>
+                <a:sym typeface="Proxima Nova"/>
+              </a:rPr>
+              <a:t>検索結果の思想と文章に影響受けすぎ、エウメネスの裏切り？見方で変わるかと</a:t>
+            </a:r>
+            <a:endParaRPr b="1" sz="1100" u="sng">
+              <a:solidFill>
+                <a:srgbClr val="073763"/>
+              </a:solidFill>
+              <a:latin typeface="Proxima Nova"/>
+              <a:ea typeface="Proxima Nova"/>
+              <a:cs typeface="Proxima Nova"/>
+              <a:sym typeface="Proxima Nova"/>
+            </a:endParaRPr>
+          </a:p>
+        </p:txBody>
+      </p:sp>
+      <p:sp>
+        <p:nvSpPr>
+          <p:cNvPr id="231" name="Google Shape;231;p21"/>
+          <p:cNvSpPr txBox="1"/>
+          <p:nvPr/>
+        </p:nvSpPr>
+        <p:spPr>
+          <a:xfrm>
+            <a:off x="0" y="866375"/>
+            <a:ext cx="9144000" cy="20548800"/>
+          </a:xfrm>
+          <a:prstGeom prst="rect">
+            <a:avLst/>
+          </a:prstGeom>
+          <a:solidFill>
+            <a:schemeClr val="lt1"/>
+          </a:solidFill>
+          <a:ln>
+            <a:noFill/>
+          </a:ln>
+        </p:spPr>
+        <p:txBody>
+          <a:bodyPr anchorCtr="0" anchor="t" bIns="91425" lIns="91425" spcFirstLastPara="1" rIns="91425" wrap="square" tIns="91425">
+            <a:spAutoFit/>
+          </a:bodyPr>
+          <a:lstStyle/>
+          <a:p>
+            <a:pPr indent="0" lvl="0" marL="0" rtl="0" algn="l">
+              <a:spcBef>
+                <a:spcPts val="0"/>
+              </a:spcBef>
+              <a:spcAft>
+                <a:spcPts val="0"/>
+              </a:spcAft>
+              <a:buNone/>
+            </a:pPr>
+            <a:r>
+              <a:rPr b="1" lang="ja" sz="900">
+                <a:solidFill>
+                  <a:schemeClr val="accent3"/>
+                </a:solidFill>
+                <a:latin typeface="Proxima Nova"/>
+                <a:ea typeface="Proxima Nova"/>
+                <a:cs typeface="Proxima Nova"/>
+                <a:sym typeface="Proxima Nova"/>
+              </a:rPr>
+              <a:t>出力結果例: 入力: 後継者戦争とも言われているディアドコイ戦争について教えてください</a:t>
+            </a:r>
+            <a:endParaRPr b="1" sz="900">
+              <a:solidFill>
+                <a:schemeClr val="accent3"/>
+              </a:solidFill>
+              <a:latin typeface="Proxima Nova"/>
+              <a:ea typeface="Proxima Nova"/>
+              <a:cs typeface="Proxima Nova"/>
+              <a:sym typeface="Proxima Nova"/>
+            </a:endParaRPr>
+          </a:p>
+          <a:p>
+            <a:pPr indent="0" lvl="0" marL="0" rtl="0" algn="l">
+              <a:spcBef>
+                <a:spcPts val="0"/>
+              </a:spcBef>
+              <a:spcAft>
+                <a:spcPts val="0"/>
+              </a:spcAft>
+              <a:buNone/>
+            </a:pPr>
+            <a:r>
+              <a:t/>
+            </a:r>
+            <a:endParaRPr b="1" sz="900">
+              <a:solidFill>
+                <a:schemeClr val="accent3"/>
+              </a:solidFill>
+              <a:latin typeface="Proxima Nova"/>
+              <a:ea typeface="Proxima Nova"/>
+              <a:cs typeface="Proxima Nova"/>
+              <a:sym typeface="Proxima Nova"/>
+            </a:endParaRPr>
+          </a:p>
+          <a:p>
+            <a:pPr indent="0" lvl="0" marL="0" rtl="0" algn="l">
+              <a:spcBef>
+                <a:spcPts val="0"/>
+              </a:spcBef>
+              <a:spcAft>
+                <a:spcPts val="0"/>
+              </a:spcAft>
+              <a:buNone/>
+            </a:pPr>
+            <a:r>
+              <a:rPr b="1" lang="ja" sz="900">
+                <a:solidFill>
+                  <a:schemeClr val="accent3"/>
+                </a:solidFill>
+                <a:latin typeface="Proxima Nova"/>
+                <a:ea typeface="Proxima Nova"/>
+                <a:cs typeface="Proxima Nova"/>
+                <a:sym typeface="Proxima Nova"/>
+              </a:rPr>
+              <a:t>＃ディアドコイの戦争</a:t>
+            </a:r>
+            <a:endParaRPr b="1" sz="900">
+              <a:solidFill>
+                <a:schemeClr val="accent3"/>
+              </a:solidFill>
+              <a:latin typeface="Proxima Nova"/>
+              <a:ea typeface="Proxima Nova"/>
+              <a:cs typeface="Proxima Nova"/>
+              <a:sym typeface="Proxima Nova"/>
+            </a:endParaRPr>
+          </a:p>
+          <a:p>
+            <a:pPr indent="0" lvl="0" marL="0" rtl="0" algn="l">
+              <a:spcBef>
+                <a:spcPts val="0"/>
+              </a:spcBef>
+              <a:spcAft>
+                <a:spcPts val="0"/>
+              </a:spcAft>
+              <a:buNone/>
+            </a:pPr>
+            <a:r>
+              <a:t/>
+            </a:r>
+            <a:endParaRPr b="1" sz="900">
+              <a:solidFill>
+                <a:schemeClr val="accent3"/>
+              </a:solidFill>
+              <a:latin typeface="Proxima Nova"/>
+              <a:ea typeface="Proxima Nova"/>
+              <a:cs typeface="Proxima Nova"/>
+              <a:sym typeface="Proxima Nova"/>
+            </a:endParaRPr>
+          </a:p>
+          <a:p>
+            <a:pPr indent="0" lvl="0" marL="0" rtl="0" algn="l">
+              <a:spcBef>
+                <a:spcPts val="0"/>
+              </a:spcBef>
+              <a:spcAft>
+                <a:spcPts val="0"/>
+              </a:spcAft>
+              <a:buNone/>
+            </a:pPr>
+            <a:r>
+              <a:rPr b="1" lang="ja" sz="900">
+                <a:solidFill>
+                  <a:schemeClr val="accent3"/>
+                </a:solidFill>
+                <a:latin typeface="Proxima Nova"/>
+                <a:ea typeface="Proxima Nova"/>
+                <a:cs typeface="Proxima Nova"/>
+                <a:sym typeface="Proxima Nova"/>
+              </a:rPr>
+              <a:t>## 序文</a:t>
+            </a:r>
+            <a:endParaRPr b="1" sz="900">
+              <a:solidFill>
+                <a:schemeClr val="accent3"/>
+              </a:solidFill>
+              <a:latin typeface="Proxima Nova"/>
+              <a:ea typeface="Proxima Nova"/>
+              <a:cs typeface="Proxima Nova"/>
+              <a:sym typeface="Proxima Nova"/>
+            </a:endParaRPr>
+          </a:p>
+          <a:p>
+            <a:pPr indent="0" lvl="0" marL="0" rtl="0" algn="l">
+              <a:spcBef>
+                <a:spcPts val="0"/>
+              </a:spcBef>
+              <a:spcAft>
+                <a:spcPts val="0"/>
+              </a:spcAft>
+              <a:buNone/>
+            </a:pPr>
+            <a:r>
+              <a:t/>
+            </a:r>
+            <a:endParaRPr b="1" sz="900">
+              <a:solidFill>
+                <a:schemeClr val="accent3"/>
+              </a:solidFill>
+              <a:latin typeface="Proxima Nova"/>
+              <a:ea typeface="Proxima Nova"/>
+              <a:cs typeface="Proxima Nova"/>
+              <a:sym typeface="Proxima Nova"/>
+            </a:endParaRPr>
+          </a:p>
+          <a:p>
+            <a:pPr indent="0" lvl="0" marL="0" rtl="0" algn="l">
+              <a:spcBef>
+                <a:spcPts val="0"/>
+              </a:spcBef>
+              <a:spcAft>
+                <a:spcPts val="0"/>
+              </a:spcAft>
+              <a:buNone/>
+            </a:pPr>
+            <a:r>
+              <a:rPr b="1" lang="ja" sz="900">
+                <a:solidFill>
+                  <a:schemeClr val="accent3"/>
+                </a:solidFill>
+                <a:latin typeface="Proxima Nova"/>
+                <a:ea typeface="Proxima Nova"/>
+                <a:cs typeface="Proxima Nova"/>
+                <a:sym typeface="Proxima Nova"/>
+              </a:rPr>
+              <a:t>### 定義と用語</a:t>
+            </a:r>
+            <a:endParaRPr b="1" sz="900">
+              <a:solidFill>
+                <a:schemeClr val="accent3"/>
+              </a:solidFill>
+              <a:latin typeface="Proxima Nova"/>
+              <a:ea typeface="Proxima Nova"/>
+              <a:cs typeface="Proxima Nova"/>
+              <a:sym typeface="Proxima Nova"/>
+            </a:endParaRPr>
+          </a:p>
+          <a:p>
+            <a:pPr indent="0" lvl="0" marL="0" rtl="0" algn="l">
+              <a:spcBef>
+                <a:spcPts val="0"/>
+              </a:spcBef>
+              <a:spcAft>
+                <a:spcPts val="0"/>
+              </a:spcAft>
+              <a:buNone/>
+            </a:pPr>
+            <a:r>
+              <a:rPr b="1" lang="ja" sz="900">
+                <a:solidFill>
+                  <a:schemeClr val="accent3"/>
+                </a:solidFill>
+                <a:latin typeface="Proxima Nova"/>
+                <a:ea typeface="Proxima Nova"/>
+                <a:cs typeface="Proxima Nova"/>
+                <a:sym typeface="Proxima Nova"/>
+              </a:rPr>
+              <a:t>ディアドコイの戦争は、古代ギリシャ語の「Πόλεμοι τῶν Διαδόχων」（Pólemoi tōn Diadóchōn）に由来し、文字通りアレクサンダー大王の後継者たちの戦争を意味します。これらの紛争は紀元前322年から紀元前281年まで続き、アレクサンダー大王の死後、彼の広大な帝国の支配権を巡って主にアレクサンダーの将軍たちとその子孫の間で戦われました。</a:t>
+            </a:r>
+            <a:endParaRPr b="1" sz="900">
+              <a:solidFill>
+                <a:schemeClr val="accent3"/>
+              </a:solidFill>
+              <a:latin typeface="Proxima Nova"/>
+              <a:ea typeface="Proxima Nova"/>
+              <a:cs typeface="Proxima Nova"/>
+              <a:sym typeface="Proxima Nova"/>
+            </a:endParaRPr>
+          </a:p>
+          <a:p>
+            <a:pPr indent="0" lvl="0" marL="0" rtl="0" algn="l">
+              <a:spcBef>
+                <a:spcPts val="0"/>
+              </a:spcBef>
+              <a:spcAft>
+                <a:spcPts val="0"/>
+              </a:spcAft>
+              <a:buNone/>
+            </a:pPr>
+            <a:r>
+              <a:t/>
+            </a:r>
+            <a:endParaRPr b="1" sz="900">
+              <a:solidFill>
+                <a:schemeClr val="accent3"/>
+              </a:solidFill>
+              <a:latin typeface="Proxima Nova"/>
+              <a:ea typeface="Proxima Nova"/>
+              <a:cs typeface="Proxima Nova"/>
+              <a:sym typeface="Proxima Nova"/>
+            </a:endParaRPr>
+          </a:p>
+          <a:p>
+            <a:pPr indent="0" lvl="0" marL="0" rtl="0" algn="l">
+              <a:spcBef>
+                <a:spcPts val="0"/>
+              </a:spcBef>
+              <a:spcAft>
+                <a:spcPts val="0"/>
+              </a:spcAft>
+              <a:buNone/>
+            </a:pPr>
+            <a:r>
+              <a:rPr b="1" lang="ja" sz="900">
+                <a:solidFill>
+                  <a:schemeClr val="accent3"/>
+                </a:solidFill>
+                <a:latin typeface="Proxima Nova"/>
+                <a:ea typeface="Proxima Nova"/>
+                <a:cs typeface="Proxima Nova"/>
+                <a:sym typeface="Proxima Nova"/>
+              </a:rPr>
+              <a:t>### 歴史的背景</a:t>
+            </a:r>
+            <a:endParaRPr b="1" sz="900">
+              <a:solidFill>
+                <a:schemeClr val="accent3"/>
+              </a:solidFill>
+              <a:latin typeface="Proxima Nova"/>
+              <a:ea typeface="Proxima Nova"/>
+              <a:cs typeface="Proxima Nova"/>
+              <a:sym typeface="Proxima Nova"/>
+            </a:endParaRPr>
+          </a:p>
+          <a:p>
+            <a:pPr indent="0" lvl="0" marL="0" rtl="0" algn="l">
+              <a:spcBef>
+                <a:spcPts val="0"/>
+              </a:spcBef>
+              <a:spcAft>
+                <a:spcPts val="0"/>
+              </a:spcAft>
+              <a:buNone/>
+            </a:pPr>
+            <a:r>
+              <a:rPr b="1" lang="ja" sz="900">
+                <a:solidFill>
+                  <a:schemeClr val="accent3"/>
+                </a:solidFill>
+                <a:latin typeface="Proxima Nova"/>
+                <a:ea typeface="Proxima Nova"/>
+                <a:cs typeface="Proxima Nova"/>
+                <a:sym typeface="Proxima Nova"/>
+              </a:rPr>
+              <a:t>アレクサンダー大王の帝国はアドリア海からインダス川まで広がり、多様な文化と領土を包含していました。彼の突然の死（紀元前323年）は、彼の将軍たちであるディアドコイがその帝国の支配権を巡って競い合う機会を残しました。その結果、ヘレニズム世界の政治的景観が大きく変化し、いくつかの持続的な王朝が確立されました。</a:t>
+            </a:r>
+            <a:endParaRPr b="1" sz="900">
+              <a:solidFill>
+                <a:schemeClr val="accent3"/>
+              </a:solidFill>
+              <a:latin typeface="Proxima Nova"/>
+              <a:ea typeface="Proxima Nova"/>
+              <a:cs typeface="Proxima Nova"/>
+              <a:sym typeface="Proxima Nova"/>
+            </a:endParaRPr>
+          </a:p>
+          <a:p>
+            <a:pPr indent="0" lvl="0" marL="0" rtl="0" algn="l">
+              <a:spcBef>
+                <a:spcPts val="0"/>
+              </a:spcBef>
+              <a:spcAft>
+                <a:spcPts val="0"/>
+              </a:spcAft>
+              <a:buNone/>
+            </a:pPr>
+            <a:r>
+              <a:t/>
+            </a:r>
+            <a:endParaRPr b="1" sz="900">
+              <a:solidFill>
+                <a:schemeClr val="accent3"/>
+              </a:solidFill>
+              <a:latin typeface="Proxima Nova"/>
+              <a:ea typeface="Proxima Nova"/>
+              <a:cs typeface="Proxima Nova"/>
+              <a:sym typeface="Proxima Nova"/>
+            </a:endParaRPr>
+          </a:p>
+          <a:p>
+            <a:pPr indent="0" lvl="0" marL="0" rtl="0" algn="l">
+              <a:spcBef>
+                <a:spcPts val="0"/>
+              </a:spcBef>
+              <a:spcAft>
+                <a:spcPts val="0"/>
+              </a:spcAft>
+              <a:buNone/>
+            </a:pPr>
+            <a:r>
+              <a:rPr b="1" lang="ja" sz="900">
+                <a:solidFill>
+                  <a:schemeClr val="accent3"/>
+                </a:solidFill>
+                <a:latin typeface="Proxima Nova"/>
+                <a:ea typeface="Proxima Nova"/>
+                <a:cs typeface="Proxima Nova"/>
+                <a:sym typeface="Proxima Nova"/>
+              </a:rPr>
+              <a:t>## アレクサンダー大王の死（紀元前323年）</a:t>
+            </a:r>
+            <a:endParaRPr b="1" sz="900">
+              <a:solidFill>
+                <a:schemeClr val="accent3"/>
+              </a:solidFill>
+              <a:latin typeface="Proxima Nova"/>
+              <a:ea typeface="Proxima Nova"/>
+              <a:cs typeface="Proxima Nova"/>
+              <a:sym typeface="Proxima Nova"/>
+            </a:endParaRPr>
+          </a:p>
+          <a:p>
+            <a:pPr indent="0" lvl="0" marL="0" rtl="0" algn="l">
+              <a:spcBef>
+                <a:spcPts val="0"/>
+              </a:spcBef>
+              <a:spcAft>
+                <a:spcPts val="0"/>
+              </a:spcAft>
+              <a:buNone/>
+            </a:pPr>
+            <a:r>
+              <a:t/>
+            </a:r>
+            <a:endParaRPr b="1" sz="900">
+              <a:solidFill>
+                <a:schemeClr val="accent3"/>
+              </a:solidFill>
+              <a:latin typeface="Proxima Nova"/>
+              <a:ea typeface="Proxima Nova"/>
+              <a:cs typeface="Proxima Nova"/>
+              <a:sym typeface="Proxima Nova"/>
+            </a:endParaRPr>
+          </a:p>
+          <a:p>
+            <a:pPr indent="0" lvl="0" marL="0" rtl="0" algn="l">
+              <a:spcBef>
+                <a:spcPts val="0"/>
+              </a:spcBef>
+              <a:spcAft>
+                <a:spcPts val="0"/>
+              </a:spcAft>
+              <a:buNone/>
+            </a:pPr>
+            <a:r>
+              <a:rPr b="1" lang="ja" sz="900">
+                <a:solidFill>
+                  <a:schemeClr val="accent3"/>
+                </a:solidFill>
+                <a:latin typeface="Proxima Nova"/>
+                <a:ea typeface="Proxima Nova"/>
+                <a:cs typeface="Proxima Nova"/>
+                <a:sym typeface="Proxima Nova"/>
+              </a:rPr>
+              <a:t>### アレクサンダーの死の状況</a:t>
+            </a:r>
+            <a:endParaRPr b="1" sz="900">
+              <a:solidFill>
+                <a:schemeClr val="accent3"/>
+              </a:solidFill>
+              <a:latin typeface="Proxima Nova"/>
+              <a:ea typeface="Proxima Nova"/>
+              <a:cs typeface="Proxima Nova"/>
+              <a:sym typeface="Proxima Nova"/>
+            </a:endParaRPr>
+          </a:p>
+          <a:p>
+            <a:pPr indent="0" lvl="0" marL="0" rtl="0" algn="l">
+              <a:spcBef>
+                <a:spcPts val="0"/>
+              </a:spcBef>
+              <a:spcAft>
+                <a:spcPts val="0"/>
+              </a:spcAft>
+              <a:buNone/>
+            </a:pPr>
+            <a:r>
+              <a:rPr b="1" lang="ja" sz="900">
+                <a:solidFill>
+                  <a:schemeClr val="accent3"/>
+                </a:solidFill>
+                <a:latin typeface="Proxima Nova"/>
+                <a:ea typeface="Proxima Nova"/>
+                <a:cs typeface="Proxima Nova"/>
+                <a:sym typeface="Proxima Nova"/>
+              </a:rPr>
+              <a:t>紀元前323年6月10日、アレクサンダー大王はバビロンのネブカドネザル2世の宮殿で32歳で亡くなりました。彼の死因は不明で、熱病や毒殺から暗殺などの諸説があります。彼の死は彼の前例のない征服の終わりを告げ、彼の帝国には明確な後継者がいませんでした。</a:t>
+            </a:r>
+            <a:endParaRPr b="1" sz="900">
+              <a:solidFill>
+                <a:schemeClr val="accent3"/>
+              </a:solidFill>
+              <a:latin typeface="Proxima Nova"/>
+              <a:ea typeface="Proxima Nova"/>
+              <a:cs typeface="Proxima Nova"/>
+              <a:sym typeface="Proxima Nova"/>
+            </a:endParaRPr>
+          </a:p>
+          <a:p>
+            <a:pPr indent="0" lvl="0" marL="0" rtl="0" algn="l">
+              <a:spcBef>
+                <a:spcPts val="0"/>
+              </a:spcBef>
+              <a:spcAft>
+                <a:spcPts val="0"/>
+              </a:spcAft>
+              <a:buNone/>
+            </a:pPr>
+            <a:r>
+              <a:t/>
+            </a:r>
+            <a:endParaRPr b="1" sz="900">
+              <a:solidFill>
+                <a:schemeClr val="accent3"/>
+              </a:solidFill>
+              <a:latin typeface="Proxima Nova"/>
+              <a:ea typeface="Proxima Nova"/>
+              <a:cs typeface="Proxima Nova"/>
+              <a:sym typeface="Proxima Nova"/>
+            </a:endParaRPr>
+          </a:p>
+          <a:p>
+            <a:pPr indent="0" lvl="0" marL="0" rtl="0" algn="l">
+              <a:spcBef>
+                <a:spcPts val="0"/>
+              </a:spcBef>
+              <a:spcAft>
+                <a:spcPts val="0"/>
+              </a:spcAft>
+              <a:buNone/>
+            </a:pPr>
+            <a:r>
+              <a:rPr b="1" lang="ja" sz="900">
+                <a:solidFill>
+                  <a:schemeClr val="accent3"/>
+                </a:solidFill>
+                <a:latin typeface="Proxima Nova"/>
+                <a:ea typeface="Proxima Nova"/>
+                <a:cs typeface="Proxima Nova"/>
+                <a:sym typeface="Proxima Nova"/>
+              </a:rPr>
+              <a:t>### 直後の混乱と指導者不在</a:t>
+            </a:r>
+            <a:endParaRPr b="1" sz="900">
+              <a:solidFill>
+                <a:schemeClr val="accent3"/>
+              </a:solidFill>
+              <a:latin typeface="Proxima Nova"/>
+              <a:ea typeface="Proxima Nova"/>
+              <a:cs typeface="Proxima Nova"/>
+              <a:sym typeface="Proxima Nova"/>
+            </a:endParaRPr>
+          </a:p>
+          <a:p>
+            <a:pPr indent="0" lvl="0" marL="0" rtl="0" algn="l">
+              <a:spcBef>
+                <a:spcPts val="0"/>
+              </a:spcBef>
+              <a:spcAft>
+                <a:spcPts val="0"/>
+              </a:spcAft>
+              <a:buNone/>
+            </a:pPr>
+            <a:r>
+              <a:rPr b="1" lang="ja" sz="900">
+                <a:solidFill>
+                  <a:schemeClr val="accent3"/>
+                </a:solidFill>
+                <a:latin typeface="Proxima Nova"/>
+                <a:ea typeface="Proxima Nova"/>
+                <a:cs typeface="Proxima Nova"/>
+                <a:sym typeface="Proxima Nova"/>
+              </a:rPr>
+              <a:t>アレクサンダーの死は直ちに混乱と不確実性を引き起こしました。彼の将軍たち、またはディアドコイたちは、彼の広大な帝国の運命を決定することになりました。明確な後継計画がなかったことから、激しいライバル関係と紛争が生じました。アレクサンダーの最期の言葉、「最強なる者に」と伝えられたのは、彼のトップ指揮官たちの権力争いを火に油を注ぎました。</a:t>
+            </a:r>
+            <a:endParaRPr b="1" sz="900">
+              <a:solidFill>
+                <a:schemeClr val="accent3"/>
+              </a:solidFill>
+              <a:latin typeface="Proxima Nova"/>
+              <a:ea typeface="Proxima Nova"/>
+              <a:cs typeface="Proxima Nova"/>
+              <a:sym typeface="Proxima Nova"/>
+            </a:endParaRPr>
+          </a:p>
+          <a:p>
+            <a:pPr indent="0" lvl="0" marL="0" rtl="0" algn="l">
+              <a:spcBef>
+                <a:spcPts val="0"/>
+              </a:spcBef>
+              <a:spcAft>
+                <a:spcPts val="0"/>
+              </a:spcAft>
+              <a:buNone/>
+            </a:pPr>
+            <a:r>
+              <a:t/>
+            </a:r>
+            <a:endParaRPr b="1" sz="900">
+              <a:solidFill>
+                <a:schemeClr val="accent3"/>
+              </a:solidFill>
+              <a:latin typeface="Proxima Nova"/>
+              <a:ea typeface="Proxima Nova"/>
+              <a:cs typeface="Proxima Nova"/>
+              <a:sym typeface="Proxima Nova"/>
+            </a:endParaRPr>
+          </a:p>
+          <a:p>
+            <a:pPr indent="0" lvl="0" marL="0" rtl="0" algn="l">
+              <a:spcBef>
+                <a:spcPts val="0"/>
+              </a:spcBef>
+              <a:spcAft>
+                <a:spcPts val="0"/>
+              </a:spcAft>
+              <a:buNone/>
+            </a:pPr>
+            <a:r>
+              <a:rPr b="1" lang="ja" sz="900">
+                <a:solidFill>
+                  <a:schemeClr val="accent3"/>
+                </a:solidFill>
+                <a:latin typeface="Proxima Nova"/>
+                <a:ea typeface="Proxima Nova"/>
+                <a:cs typeface="Proxima Nova"/>
+                <a:sym typeface="Proxima Nova"/>
+              </a:rPr>
+              <a:t>## 最初の後継計画</a:t>
+            </a:r>
+            <a:endParaRPr b="1" sz="900">
+              <a:solidFill>
+                <a:schemeClr val="accent3"/>
+              </a:solidFill>
+              <a:latin typeface="Proxima Nova"/>
+              <a:ea typeface="Proxima Nova"/>
+              <a:cs typeface="Proxima Nova"/>
+              <a:sym typeface="Proxima Nova"/>
+            </a:endParaRPr>
+          </a:p>
+          <a:p>
+            <a:pPr indent="0" lvl="0" marL="0" rtl="0" algn="l">
+              <a:spcBef>
+                <a:spcPts val="0"/>
+              </a:spcBef>
+              <a:spcAft>
+                <a:spcPts val="0"/>
+              </a:spcAft>
+              <a:buNone/>
+            </a:pPr>
+            <a:r>
+              <a:t/>
+            </a:r>
+            <a:endParaRPr b="1" sz="900">
+              <a:solidFill>
+                <a:schemeClr val="accent3"/>
+              </a:solidFill>
+              <a:latin typeface="Proxima Nova"/>
+              <a:ea typeface="Proxima Nova"/>
+              <a:cs typeface="Proxima Nova"/>
+              <a:sym typeface="Proxima Nova"/>
+            </a:endParaRPr>
+          </a:p>
+          <a:p>
+            <a:pPr indent="0" lvl="0" marL="0" rtl="0" algn="l">
+              <a:spcBef>
+                <a:spcPts val="0"/>
+              </a:spcBef>
+              <a:spcAft>
+                <a:spcPts val="0"/>
+              </a:spcAft>
+              <a:buNone/>
+            </a:pPr>
+            <a:r>
+              <a:rPr b="1" lang="ja" sz="900">
+                <a:solidFill>
+                  <a:schemeClr val="accent3"/>
+                </a:solidFill>
+                <a:latin typeface="Proxima Nova"/>
+                <a:ea typeface="Proxima Nova"/>
+                <a:cs typeface="Proxima Nova"/>
+                <a:sym typeface="Proxima Nova"/>
+              </a:rPr>
+              <a:t>### アレクサンダーの追放令と反乱</a:t>
+            </a:r>
+            <a:endParaRPr b="1" sz="900">
+              <a:solidFill>
+                <a:schemeClr val="accent3"/>
+              </a:solidFill>
+              <a:latin typeface="Proxima Nova"/>
+              <a:ea typeface="Proxima Nova"/>
+              <a:cs typeface="Proxima Nova"/>
+              <a:sym typeface="Proxima Nova"/>
+            </a:endParaRPr>
+          </a:p>
+          <a:p>
+            <a:pPr indent="0" lvl="0" marL="0" rtl="0" algn="l">
+              <a:spcBef>
+                <a:spcPts val="0"/>
+              </a:spcBef>
+              <a:spcAft>
+                <a:spcPts val="0"/>
+              </a:spcAft>
+              <a:buNone/>
+            </a:pPr>
+            <a:r>
+              <a:rPr b="1" lang="ja" sz="900">
+                <a:solidFill>
+                  <a:schemeClr val="accent3"/>
+                </a:solidFill>
+                <a:latin typeface="Proxima Nova"/>
+                <a:ea typeface="Proxima Nova"/>
+                <a:cs typeface="Proxima Nova"/>
+                <a:sym typeface="Proxima Nova"/>
+              </a:rPr>
+              <a:t>死の直前にアレクサンダーは、ギリシャ人亡命者を故国に戻すことを目的とした追放令を提案していました。この令が原因で、多くの兵士が抗議し、いくつかのサトラップが裏切りの罪で処刑されました。アレクサンダーの死前からすでに緊張と潜在的な不安定性が浮き彫りにされていました。</a:t>
+            </a:r>
+            <a:endParaRPr b="1" sz="900">
+              <a:solidFill>
+                <a:schemeClr val="accent3"/>
+              </a:solidFill>
+              <a:latin typeface="Proxima Nova"/>
+              <a:ea typeface="Proxima Nova"/>
+              <a:cs typeface="Proxima Nova"/>
+              <a:sym typeface="Proxima Nova"/>
+            </a:endParaRPr>
+          </a:p>
+          <a:p>
+            <a:pPr indent="0" lvl="0" marL="0" rtl="0" algn="l">
+              <a:spcBef>
+                <a:spcPts val="0"/>
+              </a:spcBef>
+              <a:spcAft>
+                <a:spcPts val="0"/>
+              </a:spcAft>
+              <a:buNone/>
+            </a:pPr>
+            <a:r>
+              <a:t/>
+            </a:r>
+            <a:endParaRPr b="1" sz="900">
+              <a:solidFill>
+                <a:schemeClr val="accent3"/>
+              </a:solidFill>
+              <a:latin typeface="Proxima Nova"/>
+              <a:ea typeface="Proxima Nova"/>
+              <a:cs typeface="Proxima Nova"/>
+              <a:sym typeface="Proxima Nova"/>
+            </a:endParaRPr>
+          </a:p>
+          <a:p>
+            <a:pPr indent="0" lvl="0" marL="0" rtl="0" algn="l">
+              <a:spcBef>
+                <a:spcPts val="0"/>
+              </a:spcBef>
+              <a:spcAft>
+                <a:spcPts val="0"/>
+              </a:spcAft>
+              <a:buNone/>
+            </a:pPr>
+            <a:r>
+              <a:rPr b="1" lang="ja" sz="900">
+                <a:solidFill>
+                  <a:schemeClr val="accent3"/>
+                </a:solidFill>
+                <a:latin typeface="Proxima Nova"/>
+                <a:ea typeface="Proxima Nova"/>
+                <a:cs typeface="Proxima Nova"/>
+                <a:sym typeface="Proxima Nova"/>
+              </a:rPr>
+              <a:t>### ペルディッカスと指輪</a:t>
+            </a:r>
+            <a:endParaRPr b="1" sz="900">
+              <a:solidFill>
+                <a:schemeClr val="accent3"/>
+              </a:solidFill>
+              <a:latin typeface="Proxima Nova"/>
+              <a:ea typeface="Proxima Nova"/>
+              <a:cs typeface="Proxima Nova"/>
+              <a:sym typeface="Proxima Nova"/>
+            </a:endParaRPr>
+          </a:p>
+          <a:p>
+            <a:pPr indent="0" lvl="0" marL="0" rtl="0" algn="l">
+              <a:spcBef>
+                <a:spcPts val="0"/>
+              </a:spcBef>
+              <a:spcAft>
+                <a:spcPts val="0"/>
+              </a:spcAft>
+              <a:buNone/>
+            </a:pPr>
+            <a:r>
+              <a:rPr b="1" lang="ja" sz="900">
+                <a:solidFill>
+                  <a:schemeClr val="accent3"/>
+                </a:solidFill>
+                <a:latin typeface="Proxima Nova"/>
+                <a:ea typeface="Proxima Nova"/>
+                <a:cs typeface="Proxima Nova"/>
+                <a:sym typeface="Proxima Nova"/>
+              </a:rPr>
+              <a:t>アレクサンダーは死の床で、彼の信頼する将軍の一人であるペルディッカスに指輪を手渡ししました。多くの人がこれをアレクサンダーによるペルディッカスの後継者という認識したが、それでも指導権をめぐる争いは収まりませんでした。ペルディッカスは摂政の役割を引き受けましたが、直ちに他の将軍たちからその権威が挑戦されました。</a:t>
+            </a:r>
+            <a:endParaRPr b="1" sz="900">
+              <a:solidFill>
+                <a:schemeClr val="accent3"/>
+              </a:solidFill>
+              <a:latin typeface="Proxima Nova"/>
+              <a:ea typeface="Proxima Nova"/>
+              <a:cs typeface="Proxima Nova"/>
+              <a:sym typeface="Proxima Nova"/>
+            </a:endParaRPr>
+          </a:p>
+          <a:p>
+            <a:pPr indent="0" lvl="0" marL="0" rtl="0" algn="l">
+              <a:spcBef>
+                <a:spcPts val="0"/>
+              </a:spcBef>
+              <a:spcAft>
+                <a:spcPts val="0"/>
+              </a:spcAft>
+              <a:buNone/>
+            </a:pPr>
+            <a:r>
+              <a:t/>
+            </a:r>
+            <a:endParaRPr b="1" sz="900">
+              <a:solidFill>
+                <a:schemeClr val="accent3"/>
+              </a:solidFill>
+              <a:latin typeface="Proxima Nova"/>
+              <a:ea typeface="Proxima Nova"/>
+              <a:cs typeface="Proxima Nova"/>
+              <a:sym typeface="Proxima Nova"/>
+            </a:endParaRPr>
+          </a:p>
+          <a:p>
+            <a:pPr indent="0" lvl="0" marL="0" rtl="0" algn="l">
+              <a:spcBef>
+                <a:spcPts val="0"/>
+              </a:spcBef>
+              <a:spcAft>
+                <a:spcPts val="0"/>
+              </a:spcAft>
+              <a:buNone/>
+            </a:pPr>
+            <a:r>
+              <a:rPr b="1" lang="ja" sz="900">
+                <a:solidFill>
+                  <a:schemeClr val="accent3"/>
+                </a:solidFill>
+                <a:latin typeface="Proxima Nova"/>
+                <a:ea typeface="Proxima Nova"/>
+                <a:cs typeface="Proxima Nova"/>
+                <a:sym typeface="Proxima Nova"/>
+              </a:rPr>
+              <a:t>### 将軍たちの分裂</a:t>
+            </a:r>
+            <a:endParaRPr b="1" sz="900">
+              <a:solidFill>
+                <a:schemeClr val="accent3"/>
+              </a:solidFill>
+              <a:latin typeface="Proxima Nova"/>
+              <a:ea typeface="Proxima Nova"/>
+              <a:cs typeface="Proxima Nova"/>
+              <a:sym typeface="Proxima Nova"/>
+            </a:endParaRPr>
+          </a:p>
+          <a:p>
+            <a:pPr indent="0" lvl="0" marL="0" rtl="0" algn="l">
+              <a:spcBef>
+                <a:spcPts val="0"/>
+              </a:spcBef>
+              <a:spcAft>
+                <a:spcPts val="0"/>
+              </a:spcAft>
+              <a:buNone/>
+            </a:pPr>
+            <a:r>
+              <a:rPr b="1" lang="ja" sz="900">
+                <a:solidFill>
+                  <a:schemeClr val="accent3"/>
+                </a:solidFill>
+                <a:latin typeface="Proxima Nova"/>
+                <a:ea typeface="Proxima Nova"/>
+                <a:cs typeface="Proxima Nova"/>
+                <a:sym typeface="Proxima Nova"/>
+              </a:rPr>
+              <a:t>最初の後継争いでは、指揮官たちは王位継承者候補に対する支持で分かれました。主要な人物には、アレクサンダーの異母兄弟であるアリダイオス（フィリッポス3世）や、まだ胎児であったアレクサンダー4世などが含まれていました。将軍たちの間の意見の不一致が、長期にわたるディアドコイの戦争の舞台を築き上げました。</a:t>
+            </a:r>
+            <a:endParaRPr b="1" sz="900">
+              <a:solidFill>
+                <a:schemeClr val="accent3"/>
+              </a:solidFill>
+              <a:latin typeface="Proxima Nova"/>
+              <a:ea typeface="Proxima Nova"/>
+              <a:cs typeface="Proxima Nova"/>
+              <a:sym typeface="Proxima Nova"/>
+            </a:endParaRPr>
+          </a:p>
+          <a:p>
+            <a:pPr indent="0" lvl="0" marL="0" rtl="0" algn="l">
+              <a:spcBef>
+                <a:spcPts val="0"/>
+              </a:spcBef>
+              <a:spcAft>
+                <a:spcPts val="0"/>
+              </a:spcAft>
+              <a:buNone/>
+            </a:pPr>
+            <a:r>
+              <a:t/>
+            </a:r>
+            <a:endParaRPr b="1" sz="900">
+              <a:solidFill>
+                <a:schemeClr val="accent3"/>
+              </a:solidFill>
+              <a:latin typeface="Proxima Nova"/>
+              <a:ea typeface="Proxima Nova"/>
+              <a:cs typeface="Proxima Nova"/>
+              <a:sym typeface="Proxima Nova"/>
+            </a:endParaRPr>
+          </a:p>
+          <a:p>
+            <a:pPr indent="0" lvl="0" marL="0" rtl="0" algn="l">
+              <a:spcBef>
+                <a:spcPts val="0"/>
+              </a:spcBef>
+              <a:spcAft>
+                <a:spcPts val="0"/>
+              </a:spcAft>
+              <a:buNone/>
+            </a:pPr>
+            <a:r>
+              <a:rPr b="1" lang="ja" sz="900">
+                <a:solidFill>
+                  <a:schemeClr val="accent3"/>
+                </a:solidFill>
+                <a:latin typeface="Proxima Nova"/>
+                <a:ea typeface="Proxima Nova"/>
+                <a:cs typeface="Proxima Nova"/>
+                <a:sym typeface="Proxima Nova"/>
+              </a:rPr>
+              <a:t>## ラミア戦争（紀元前323-322年）</a:t>
+            </a:r>
+            <a:endParaRPr b="1" sz="900">
+              <a:solidFill>
+                <a:schemeClr val="accent3"/>
+              </a:solidFill>
+              <a:latin typeface="Proxima Nova"/>
+              <a:ea typeface="Proxima Nova"/>
+              <a:cs typeface="Proxima Nova"/>
+              <a:sym typeface="Proxima Nova"/>
+            </a:endParaRPr>
+          </a:p>
+          <a:p>
+            <a:pPr indent="0" lvl="0" marL="0" rtl="0" algn="l">
+              <a:spcBef>
+                <a:spcPts val="0"/>
+              </a:spcBef>
+              <a:spcAft>
+                <a:spcPts val="0"/>
+              </a:spcAft>
+              <a:buNone/>
+            </a:pPr>
+            <a:r>
+              <a:t/>
+            </a:r>
+            <a:endParaRPr b="1" sz="900">
+              <a:solidFill>
+                <a:schemeClr val="accent3"/>
+              </a:solidFill>
+              <a:latin typeface="Proxima Nova"/>
+              <a:ea typeface="Proxima Nova"/>
+              <a:cs typeface="Proxima Nova"/>
+              <a:sym typeface="Proxima Nova"/>
+            </a:endParaRPr>
+          </a:p>
+          <a:p>
+            <a:pPr indent="0" lvl="0" marL="0" rtl="0" algn="l">
+              <a:spcBef>
+                <a:spcPts val="0"/>
+              </a:spcBef>
+              <a:spcAft>
+                <a:spcPts val="0"/>
+              </a:spcAft>
+              <a:buNone/>
+            </a:pPr>
+            <a:r>
+              <a:rPr b="1" lang="ja" sz="900">
+                <a:solidFill>
+                  <a:schemeClr val="accent3"/>
+                </a:solidFill>
+                <a:latin typeface="Proxima Nova"/>
+                <a:ea typeface="Proxima Nova"/>
+                <a:cs typeface="Proxima Nova"/>
+                <a:sym typeface="Proxima Nova"/>
+              </a:rPr>
+              <a:t>### 起因と主要な出来事</a:t>
+            </a:r>
+            <a:endParaRPr b="1" sz="900">
+              <a:solidFill>
+                <a:schemeClr val="accent3"/>
+              </a:solidFill>
+              <a:latin typeface="Proxima Nova"/>
+              <a:ea typeface="Proxima Nova"/>
+              <a:cs typeface="Proxima Nova"/>
+              <a:sym typeface="Proxima Nova"/>
+            </a:endParaRPr>
+          </a:p>
+          <a:p>
+            <a:pPr indent="0" lvl="0" marL="0" rtl="0" algn="l">
+              <a:spcBef>
+                <a:spcPts val="0"/>
+              </a:spcBef>
+              <a:spcAft>
+                <a:spcPts val="0"/>
+              </a:spcAft>
+              <a:buNone/>
+            </a:pPr>
+            <a:r>
+              <a:rPr b="1" lang="ja" sz="900">
+                <a:solidFill>
+                  <a:schemeClr val="accent3"/>
+                </a:solidFill>
+                <a:latin typeface="Proxima Nova"/>
+                <a:ea typeface="Proxima Nova"/>
+                <a:cs typeface="Proxima Nova"/>
+                <a:sym typeface="Proxima Nova"/>
+              </a:rPr>
+              <a:t>ラミア戦争は、アレクサンダーの死の直後に起こった紛争の一つでした。アテナとアイトリアは、マケドニアの支配に反抗し、自治を回復することを目指しました。この戦争は、マケドニアの覇権を拒否し、権力の空白を利用しようとした欲望によって引き起こされました。</a:t>
+            </a:r>
+            <a:endParaRPr b="1" sz="900">
+              <a:solidFill>
+                <a:schemeClr val="accent3"/>
+              </a:solidFill>
+              <a:latin typeface="Proxima Nova"/>
+              <a:ea typeface="Proxima Nova"/>
+              <a:cs typeface="Proxima Nova"/>
+              <a:sym typeface="Proxima Nova"/>
+            </a:endParaRPr>
+          </a:p>
+          <a:p>
+            <a:pPr indent="0" lvl="0" marL="0" rtl="0" algn="l">
+              <a:spcBef>
+                <a:spcPts val="0"/>
+              </a:spcBef>
+              <a:spcAft>
+                <a:spcPts val="0"/>
+              </a:spcAft>
+              <a:buNone/>
+            </a:pPr>
+            <a:r>
+              <a:t/>
+            </a:r>
+            <a:endParaRPr b="1" sz="900">
+              <a:solidFill>
+                <a:schemeClr val="accent3"/>
+              </a:solidFill>
+              <a:latin typeface="Proxima Nova"/>
+              <a:ea typeface="Proxima Nova"/>
+              <a:cs typeface="Proxima Nova"/>
+              <a:sym typeface="Proxima Nova"/>
+            </a:endParaRPr>
+          </a:p>
+          <a:p>
+            <a:pPr indent="0" lvl="0" marL="0" rtl="0" algn="l">
+              <a:spcBef>
+                <a:spcPts val="0"/>
+              </a:spcBef>
+              <a:spcAft>
+                <a:spcPts val="0"/>
+              </a:spcAft>
+              <a:buNone/>
+            </a:pPr>
+            <a:r>
+              <a:rPr b="1" lang="ja" sz="900">
+                <a:solidFill>
+                  <a:schemeClr val="accent3"/>
+                </a:solidFill>
+                <a:latin typeface="Proxima Nova"/>
+                <a:ea typeface="Proxima Nova"/>
+                <a:cs typeface="Proxima Nova"/>
+                <a:sym typeface="Proxima Nova"/>
+              </a:rPr>
+              <a:t>### アテナとアイトリアの反乱</a:t>
+            </a:r>
+            <a:endParaRPr b="1" sz="900">
+              <a:solidFill>
+                <a:schemeClr val="accent3"/>
+              </a:solidFill>
+              <a:latin typeface="Proxima Nova"/>
+              <a:ea typeface="Proxima Nova"/>
+              <a:cs typeface="Proxima Nova"/>
+              <a:sym typeface="Proxima Nova"/>
+            </a:endParaRPr>
+          </a:p>
+          <a:p>
+            <a:pPr indent="0" lvl="0" marL="0" rtl="0" algn="l">
+              <a:spcBef>
+                <a:spcPts val="0"/>
+              </a:spcBef>
+              <a:spcAft>
+                <a:spcPts val="0"/>
+              </a:spcAft>
+              <a:buNone/>
+            </a:pPr>
+            <a:r>
+              <a:rPr b="1" lang="ja" sz="900">
+                <a:solidFill>
+                  <a:schemeClr val="accent3"/>
+                </a:solidFill>
+                <a:latin typeface="Proxima Nova"/>
+                <a:ea typeface="Proxima Nova"/>
+                <a:cs typeface="Proxima Nova"/>
+                <a:sym typeface="Proxima Nova"/>
+              </a:rPr>
+              <a:t>反乱では、ギリシャ軍が初期に優位を占めたラミア包囲戦など、重要な戦闘が繰り広げられました。しかし、統一された指導者不在や資源の不足が最終的に彼らの努力を阻害しました。</a:t>
+            </a:r>
+            <a:endParaRPr b="1" sz="900">
+              <a:solidFill>
+                <a:schemeClr val="accent3"/>
+              </a:solidFill>
+              <a:latin typeface="Proxima Nova"/>
+              <a:ea typeface="Proxima Nova"/>
+              <a:cs typeface="Proxima Nova"/>
+              <a:sym typeface="Proxima Nova"/>
+            </a:endParaRPr>
+          </a:p>
+          <a:p>
+            <a:pPr indent="0" lvl="0" marL="0" rtl="0" algn="l">
+              <a:spcBef>
+                <a:spcPts val="0"/>
+              </a:spcBef>
+              <a:spcAft>
+                <a:spcPts val="0"/>
+              </a:spcAft>
+              <a:buNone/>
+            </a:pPr>
+            <a:r>
+              <a:t/>
+            </a:r>
+            <a:endParaRPr b="1" sz="900">
+              <a:solidFill>
+                <a:schemeClr val="accent3"/>
+              </a:solidFill>
+              <a:latin typeface="Proxima Nova"/>
+              <a:ea typeface="Proxima Nova"/>
+              <a:cs typeface="Proxima Nova"/>
+              <a:sym typeface="Proxima Nova"/>
+            </a:endParaRPr>
+          </a:p>
+          <a:p>
+            <a:pPr indent="0" lvl="0" marL="0" rtl="0" algn="l">
+              <a:spcBef>
+                <a:spcPts val="0"/>
+              </a:spcBef>
+              <a:spcAft>
+                <a:spcPts val="0"/>
+              </a:spcAft>
+              <a:buNone/>
+            </a:pPr>
+            <a:r>
+              <a:rPr b="1" lang="ja" sz="900">
+                <a:solidFill>
+                  <a:schemeClr val="accent3"/>
+                </a:solidFill>
+                <a:latin typeface="Proxima Nova"/>
+                <a:ea typeface="Proxima Nova"/>
+                <a:cs typeface="Proxima Nova"/>
+                <a:sym typeface="Proxima Nova"/>
+              </a:rPr>
+              <a:t>### アンティパトロスとクラテロスの介入</a:t>
+            </a:r>
+            <a:endParaRPr b="1" sz="900">
+              <a:solidFill>
+                <a:schemeClr val="accent3"/>
+              </a:solidFill>
+              <a:latin typeface="Proxima Nova"/>
+              <a:ea typeface="Proxima Nova"/>
+              <a:cs typeface="Proxima Nova"/>
+              <a:sym typeface="Proxima Nova"/>
+            </a:endParaRPr>
+          </a:p>
+          <a:p>
+            <a:pPr indent="0" lvl="0" marL="0" rtl="0" algn="l">
+              <a:spcBef>
+                <a:spcPts val="0"/>
+              </a:spcBef>
+              <a:spcAft>
+                <a:spcPts val="0"/>
+              </a:spcAft>
+              <a:buNone/>
+            </a:pPr>
+            <a:r>
+              <a:rPr b="1" lang="ja" sz="900">
+                <a:solidFill>
+                  <a:schemeClr val="accent3"/>
+                </a:solidFill>
+                <a:latin typeface="Proxima Nova"/>
+                <a:ea typeface="Proxima Nova"/>
+                <a:cs typeface="Proxima Nova"/>
+                <a:sym typeface="Proxima Nova"/>
+              </a:rPr>
+              <a:t>マケドニアの摂政であるアンティパトロスとアレクサンダーの主要な将軍の一人であるクラテロスが反乱を鎮圧するために介入しました。紀元前322年のクラノンの戦いでは、ギリシャ軍の敗北により、マケドニアに対する支配がしっかりと再確立されました。</a:t>
+            </a:r>
+            <a:endParaRPr b="1" sz="900">
+              <a:solidFill>
+                <a:schemeClr val="accent3"/>
+              </a:solidFill>
+              <a:latin typeface="Proxima Nova"/>
+              <a:ea typeface="Proxima Nova"/>
+              <a:cs typeface="Proxima Nova"/>
+              <a:sym typeface="Proxima Nova"/>
+            </a:endParaRPr>
+          </a:p>
+          <a:p>
+            <a:pPr indent="0" lvl="0" marL="0" rtl="0" algn="l">
+              <a:spcBef>
+                <a:spcPts val="0"/>
+              </a:spcBef>
+              <a:spcAft>
+                <a:spcPts val="0"/>
+              </a:spcAft>
+              <a:buNone/>
+            </a:pPr>
+            <a:r>
+              <a:t/>
+            </a:r>
+            <a:endParaRPr b="1" sz="900">
+              <a:solidFill>
+                <a:schemeClr val="accent3"/>
+              </a:solidFill>
+              <a:latin typeface="Proxima Nova"/>
+              <a:ea typeface="Proxima Nova"/>
+              <a:cs typeface="Proxima Nova"/>
+              <a:sym typeface="Proxima Nova"/>
+            </a:endParaRPr>
+          </a:p>
+          <a:p>
+            <a:pPr indent="0" lvl="0" marL="0" rtl="0" algn="l">
+              <a:spcBef>
+                <a:spcPts val="0"/>
+              </a:spcBef>
+              <a:spcAft>
+                <a:spcPts val="0"/>
+              </a:spcAft>
+              <a:buNone/>
+            </a:pPr>
+            <a:r>
+              <a:rPr b="1" lang="ja" sz="900">
+                <a:solidFill>
+                  <a:schemeClr val="accent3"/>
+                </a:solidFill>
+                <a:latin typeface="Proxima Nova"/>
+                <a:ea typeface="Proxima Nova"/>
+                <a:cs typeface="Proxima Nova"/>
+                <a:sym typeface="Proxima Nova"/>
+              </a:rPr>
+              <a:t>## バビロンの分割（紀元前322年）</a:t>
+            </a:r>
+            <a:endParaRPr b="1" sz="900">
+              <a:solidFill>
+                <a:schemeClr val="accent3"/>
+              </a:solidFill>
+              <a:latin typeface="Proxima Nova"/>
+              <a:ea typeface="Proxima Nova"/>
+              <a:cs typeface="Proxima Nova"/>
+              <a:sym typeface="Proxima Nova"/>
+            </a:endParaRPr>
+          </a:p>
+          <a:p>
+            <a:pPr indent="0" lvl="0" marL="0" rtl="0" algn="l">
+              <a:spcBef>
+                <a:spcPts val="0"/>
+              </a:spcBef>
+              <a:spcAft>
+                <a:spcPts val="0"/>
+              </a:spcAft>
+              <a:buNone/>
+            </a:pPr>
+            <a:r>
+              <a:t/>
+            </a:r>
+            <a:endParaRPr b="1" sz="900">
+              <a:solidFill>
+                <a:schemeClr val="accent3"/>
+              </a:solidFill>
+              <a:latin typeface="Proxima Nova"/>
+              <a:ea typeface="Proxima Nova"/>
+              <a:cs typeface="Proxima Nova"/>
+              <a:sym typeface="Proxima Nova"/>
+            </a:endParaRPr>
+          </a:p>
+          <a:p>
+            <a:pPr indent="0" lvl="0" marL="0" rtl="0" algn="l">
+              <a:spcBef>
+                <a:spcPts val="0"/>
+              </a:spcBef>
+              <a:spcAft>
+                <a:spcPts val="0"/>
+              </a:spcAft>
+              <a:buNone/>
+            </a:pPr>
+            <a:r>
+              <a:rPr b="1" lang="ja" sz="900">
+                <a:solidFill>
+                  <a:schemeClr val="accent3"/>
+                </a:solidFill>
+                <a:latin typeface="Proxima Nova"/>
+                <a:ea typeface="Proxima Nova"/>
+                <a:cs typeface="Proxima Nova"/>
+                <a:sym typeface="Proxima Nova"/>
+              </a:rPr>
+              <a:t>### 地域の分割</a:t>
+            </a:r>
+            <a:endParaRPr b="1" sz="900">
+              <a:solidFill>
+                <a:schemeClr val="accent3"/>
+              </a:solidFill>
+              <a:latin typeface="Proxima Nova"/>
+              <a:ea typeface="Proxima Nova"/>
+              <a:cs typeface="Proxima Nova"/>
+              <a:sym typeface="Proxima Nova"/>
+            </a:endParaRPr>
+          </a:p>
+          <a:p>
+            <a:pPr indent="0" lvl="0" marL="0" rtl="0" algn="l">
+              <a:spcBef>
+                <a:spcPts val="0"/>
+              </a:spcBef>
+              <a:spcAft>
+                <a:spcPts val="0"/>
+              </a:spcAft>
+              <a:buNone/>
+            </a:pPr>
+            <a:r>
+              <a:rPr b="1" lang="ja" sz="900">
+                <a:solidFill>
+                  <a:schemeClr val="accent3"/>
+                </a:solidFill>
+                <a:latin typeface="Proxima Nova"/>
+                <a:ea typeface="Proxima Nova"/>
+                <a:cs typeface="Proxima Nova"/>
+                <a:sym typeface="Proxima Nova"/>
+              </a:rPr>
+              <a:t>紀元前322年、アレクサンダーの将軍たちによって彼の帝国を管理可能な地域に分割するためのバビロンの分割が合意されました。この合意は、統一の様相を保ちつつ、統治の実際的な側面を認識することを目的としていました。</a:t>
+            </a:r>
+            <a:endParaRPr b="1" sz="900">
+              <a:solidFill>
+                <a:schemeClr val="accent3"/>
+              </a:solidFill>
+              <a:latin typeface="Proxima Nova"/>
+              <a:ea typeface="Proxima Nova"/>
+              <a:cs typeface="Proxima Nova"/>
+              <a:sym typeface="Proxima Nova"/>
+            </a:endParaRPr>
+          </a:p>
+          <a:p>
+            <a:pPr indent="0" lvl="0" marL="0" rtl="0" algn="l">
+              <a:spcBef>
+                <a:spcPts val="0"/>
+              </a:spcBef>
+              <a:spcAft>
+                <a:spcPts val="0"/>
+              </a:spcAft>
+              <a:buNone/>
+            </a:pPr>
+            <a:r>
+              <a:t/>
+            </a:r>
+            <a:endParaRPr b="1" sz="900">
+              <a:solidFill>
+                <a:schemeClr val="accent3"/>
+              </a:solidFill>
+              <a:latin typeface="Proxima Nova"/>
+              <a:ea typeface="Proxima Nova"/>
+              <a:cs typeface="Proxima Nova"/>
+              <a:sym typeface="Proxima Nova"/>
+            </a:endParaRPr>
+          </a:p>
+          <a:p>
+            <a:pPr indent="0" lvl="0" marL="0" rtl="0" algn="l">
+              <a:spcBef>
+                <a:spcPts val="0"/>
+              </a:spcBef>
+              <a:spcAft>
+                <a:spcPts val="0"/>
+              </a:spcAft>
+              <a:buNone/>
+            </a:pPr>
+            <a:r>
+              <a:rPr b="1" lang="ja" sz="900">
+                <a:solidFill>
+                  <a:schemeClr val="accent3"/>
+                </a:solidFill>
+                <a:latin typeface="Proxima Nova"/>
+                <a:ea typeface="Proxima Nova"/>
+                <a:cs typeface="Proxima Nova"/>
+                <a:sym typeface="Proxima Nova"/>
+              </a:rPr>
+              <a:t>### 主要人物と彼らの任務</a:t>
+            </a:r>
+            <a:endParaRPr b="1" sz="900">
+              <a:solidFill>
+                <a:schemeClr val="accent3"/>
+              </a:solidFill>
+              <a:latin typeface="Proxima Nova"/>
+              <a:ea typeface="Proxima Nova"/>
+              <a:cs typeface="Proxima Nova"/>
+              <a:sym typeface="Proxima Nova"/>
+            </a:endParaRPr>
+          </a:p>
+          <a:p>
+            <a:pPr indent="0" lvl="0" marL="0" rtl="0" algn="l">
+              <a:spcBef>
+                <a:spcPts val="0"/>
+              </a:spcBef>
+              <a:spcAft>
+                <a:spcPts val="0"/>
+              </a:spcAft>
+              <a:buNone/>
+            </a:pPr>
+            <a:r>
+              <a:rPr b="1" lang="ja" sz="900">
+                <a:solidFill>
+                  <a:schemeClr val="accent3"/>
+                </a:solidFill>
+                <a:latin typeface="Proxima Nova"/>
+                <a:ea typeface="Proxima Nova"/>
+                <a:cs typeface="Proxima Nova"/>
+                <a:sym typeface="Proxima Nova"/>
+              </a:rPr>
+              <a:t>分割により、さまざまな指揮官に地域が割り当てられました。アンティパトロスとクラテロスがマケドンとギリシャを受け取り、プトレマイオスがエジプトを確保し、リュシマコスがトラキアを、エウメネスがカッパドキアを、アンティゴノスがフリギアを担当しました。この分割は、各将軍が影響を拡大しようとする中で将来の紛争の基盤を築きました。</a:t>
+            </a:r>
+            <a:endParaRPr b="1" sz="900">
+              <a:solidFill>
+                <a:schemeClr val="accent3"/>
+              </a:solidFill>
+              <a:latin typeface="Proxima Nova"/>
+              <a:ea typeface="Proxima Nova"/>
+              <a:cs typeface="Proxima Nova"/>
+              <a:sym typeface="Proxima Nova"/>
+            </a:endParaRPr>
+          </a:p>
+          <a:p>
+            <a:pPr indent="0" lvl="0" marL="0" rtl="0" algn="l">
+              <a:spcBef>
+                <a:spcPts val="0"/>
+              </a:spcBef>
+              <a:spcAft>
+                <a:spcPts val="0"/>
+              </a:spcAft>
+              <a:buNone/>
+            </a:pPr>
+            <a:r>
+              <a:t/>
+            </a:r>
+            <a:endParaRPr b="1" sz="900">
+              <a:solidFill>
+                <a:schemeClr val="accent3"/>
+              </a:solidFill>
+              <a:latin typeface="Proxima Nova"/>
+              <a:ea typeface="Proxima Nova"/>
+              <a:cs typeface="Proxima Nova"/>
+              <a:sym typeface="Proxima Nova"/>
+            </a:endParaRPr>
+          </a:p>
+          <a:p>
+            <a:pPr indent="0" lvl="0" marL="0" rtl="0" algn="l">
+              <a:spcBef>
+                <a:spcPts val="0"/>
+              </a:spcBef>
+              <a:spcAft>
+                <a:spcPts val="0"/>
+              </a:spcAft>
+              <a:buNone/>
+            </a:pPr>
+            <a:r>
+              <a:rPr b="1" lang="ja" sz="900">
+                <a:solidFill>
+                  <a:schemeClr val="accent3"/>
+                </a:solidFill>
+                <a:latin typeface="Proxima Nova"/>
+                <a:ea typeface="Proxima Nova"/>
+                <a:cs typeface="Proxima Nova"/>
+                <a:sym typeface="Proxima Nova"/>
+              </a:rPr>
+              <a:t>## 初期の後継戦争（紀元前322-320年）</a:t>
+            </a:r>
+            <a:endParaRPr b="1" sz="900">
+              <a:solidFill>
+                <a:schemeClr val="accent3"/>
+              </a:solidFill>
+              <a:latin typeface="Proxima Nova"/>
+              <a:ea typeface="Proxima Nova"/>
+              <a:cs typeface="Proxima Nova"/>
+              <a:sym typeface="Proxima Nova"/>
+            </a:endParaRPr>
+          </a:p>
+          <a:p>
+            <a:pPr indent="0" lvl="0" marL="0" rtl="0" algn="l">
+              <a:spcBef>
+                <a:spcPts val="0"/>
+              </a:spcBef>
+              <a:spcAft>
+                <a:spcPts val="0"/>
+              </a:spcAft>
+              <a:buNone/>
+            </a:pPr>
+            <a:r>
+              <a:t/>
+            </a:r>
+            <a:endParaRPr b="1" sz="900">
+              <a:solidFill>
+                <a:schemeClr val="accent3"/>
+              </a:solidFill>
+              <a:latin typeface="Proxima Nova"/>
+              <a:ea typeface="Proxima Nova"/>
+              <a:cs typeface="Proxima Nova"/>
+              <a:sym typeface="Proxima Nova"/>
+            </a:endParaRPr>
+          </a:p>
+          <a:p>
+            <a:pPr indent="0" lvl="0" marL="0" rtl="0" algn="l">
+              <a:spcBef>
+                <a:spcPts val="0"/>
+              </a:spcBef>
+              <a:spcAft>
+                <a:spcPts val="0"/>
+              </a:spcAft>
+              <a:buNone/>
+            </a:pPr>
+            <a:r>
+              <a:rPr b="1" lang="ja" sz="900">
+                <a:solidFill>
+                  <a:schemeClr val="accent3"/>
+                </a:solidFill>
+                <a:latin typeface="Proxima Nova"/>
+                <a:ea typeface="Proxima Nova"/>
+                <a:cs typeface="Proxima Nova"/>
+                <a:sym typeface="Proxima Nova"/>
+              </a:rPr>
+              <a:t>### 領土紛争</a:t>
+            </a:r>
+            <a:endParaRPr b="1" sz="900">
+              <a:solidFill>
+                <a:schemeClr val="accent3"/>
+              </a:solidFill>
+              <a:latin typeface="Proxima Nova"/>
+              <a:ea typeface="Proxima Nova"/>
+              <a:cs typeface="Proxima Nova"/>
+              <a:sym typeface="Proxima Nova"/>
+            </a:endParaRPr>
+          </a:p>
+          <a:p>
+            <a:pPr indent="0" lvl="0" marL="0" rtl="0" algn="l">
+              <a:spcBef>
+                <a:spcPts val="0"/>
+              </a:spcBef>
+              <a:spcAft>
+                <a:spcPts val="0"/>
+              </a:spcAft>
+              <a:buNone/>
+            </a:pPr>
+            <a:r>
+              <a:rPr b="1" lang="ja" sz="900">
+                <a:solidFill>
+                  <a:schemeClr val="accent3"/>
+                </a:solidFill>
+                <a:latin typeface="Proxima Nova"/>
+                <a:ea typeface="Proxima Nova"/>
+                <a:cs typeface="Proxima Nova"/>
+                <a:sym typeface="Proxima Nova"/>
+              </a:rPr>
+              <a:t>初期の後継戦争は、領土紛争と野心によって勃発しました。摂政であるペルディッカスは、他の将軍たちからの不満を抱え、彼らの割り当てに不満を持ち大きな権力を求められました。</a:t>
+            </a:r>
+            <a:endParaRPr b="1" sz="900">
+              <a:solidFill>
+                <a:schemeClr val="accent3"/>
+              </a:solidFill>
+              <a:latin typeface="Proxima Nova"/>
+              <a:ea typeface="Proxima Nova"/>
+              <a:cs typeface="Proxima Nova"/>
+              <a:sym typeface="Proxima Nova"/>
+            </a:endParaRPr>
+          </a:p>
+          <a:p>
+            <a:pPr indent="0" lvl="0" marL="0" rtl="0" algn="l">
+              <a:spcBef>
+                <a:spcPts val="0"/>
+              </a:spcBef>
+              <a:spcAft>
+                <a:spcPts val="0"/>
+              </a:spcAft>
+              <a:buNone/>
+            </a:pPr>
+            <a:r>
+              <a:t/>
+            </a:r>
+            <a:endParaRPr b="1" sz="900">
+              <a:solidFill>
+                <a:schemeClr val="accent3"/>
+              </a:solidFill>
+              <a:latin typeface="Proxima Nova"/>
+              <a:ea typeface="Proxima Nova"/>
+              <a:cs typeface="Proxima Nova"/>
+              <a:sym typeface="Proxima Nova"/>
+            </a:endParaRPr>
+          </a:p>
+          <a:p>
+            <a:pPr indent="0" lvl="0" marL="0" rtl="0" algn="l">
+              <a:spcBef>
+                <a:spcPts val="0"/>
+              </a:spcBef>
+              <a:spcAft>
+                <a:spcPts val="0"/>
+              </a:spcAft>
+              <a:buNone/>
+            </a:pPr>
+            <a:r>
+              <a:rPr b="1" lang="ja" sz="900">
+                <a:solidFill>
+                  <a:schemeClr val="accent3"/>
+                </a:solidFill>
+                <a:latin typeface="Proxima Nova"/>
+                <a:ea typeface="Proxima Nova"/>
+                <a:cs typeface="Proxima Nova"/>
+                <a:sym typeface="Proxima Nova"/>
+              </a:rPr>
+              <a:t>### ペルディッカス対プトレマイオス</a:t>
+            </a:r>
+            <a:endParaRPr b="1" sz="900">
+              <a:solidFill>
+                <a:schemeClr val="accent3"/>
+              </a:solidFill>
+              <a:latin typeface="Proxima Nova"/>
+              <a:ea typeface="Proxima Nova"/>
+              <a:cs typeface="Proxima Nova"/>
+              <a:sym typeface="Proxima Nova"/>
+            </a:endParaRPr>
+          </a:p>
+          <a:p>
+            <a:pPr indent="0" lvl="0" marL="0" rtl="0" algn="l">
+              <a:spcBef>
+                <a:spcPts val="0"/>
+              </a:spcBef>
+              <a:spcAft>
+                <a:spcPts val="0"/>
+              </a:spcAft>
+              <a:buNone/>
+            </a:pPr>
+            <a:r>
+              <a:rPr b="1" lang="ja" sz="900">
+                <a:solidFill>
+                  <a:schemeClr val="accent3"/>
+                </a:solidFill>
+                <a:latin typeface="Proxima Nova"/>
+                <a:ea typeface="Proxima Nova"/>
+                <a:cs typeface="Proxima Nova"/>
+                <a:sym typeface="Proxima Nova"/>
+              </a:rPr>
+              <a:t>ペルディッカスがエジプトに侵攻してプトレマイオスを打倒しようとした試みは失敗に終わりました。彼の兵士たちが暴動を起こし、結果的に彼は紀元前321年に暗殺されました。この出来事は同盟関係の脆弱性と権力争いの不安定性を浮き彫りにしました。</a:t>
+            </a:r>
+            <a:endParaRPr b="1" sz="900">
+              <a:solidFill>
+                <a:schemeClr val="accent3"/>
+              </a:solidFill>
+              <a:latin typeface="Proxima Nova"/>
+              <a:ea typeface="Proxima Nova"/>
+              <a:cs typeface="Proxima Nova"/>
+              <a:sym typeface="Proxima Nova"/>
+            </a:endParaRPr>
+          </a:p>
+          <a:p>
+            <a:pPr indent="0" lvl="0" marL="0" rtl="0" algn="l">
+              <a:spcBef>
+                <a:spcPts val="0"/>
+              </a:spcBef>
+              <a:spcAft>
+                <a:spcPts val="0"/>
+              </a:spcAft>
+              <a:buNone/>
+            </a:pPr>
+            <a:r>
+              <a:t/>
+            </a:r>
+            <a:endParaRPr b="1" sz="900">
+              <a:solidFill>
+                <a:schemeClr val="accent3"/>
+              </a:solidFill>
+              <a:latin typeface="Proxima Nova"/>
+              <a:ea typeface="Proxima Nova"/>
+              <a:cs typeface="Proxima Nova"/>
+              <a:sym typeface="Proxima Nova"/>
+            </a:endParaRPr>
+          </a:p>
+          <a:p>
+            <a:pPr indent="0" lvl="0" marL="0" rtl="0" algn="l">
+              <a:spcBef>
+                <a:spcPts val="0"/>
+              </a:spcBef>
+              <a:spcAft>
+                <a:spcPts val="0"/>
+              </a:spcAft>
+              <a:buNone/>
+            </a:pPr>
+            <a:r>
+              <a:rPr b="1" lang="ja" sz="900">
+                <a:solidFill>
+                  <a:schemeClr val="accent3"/>
+                </a:solidFill>
+                <a:latin typeface="Proxima Nova"/>
+                <a:ea typeface="Proxima Nova"/>
+                <a:cs typeface="Proxima Nova"/>
+                <a:sym typeface="Proxima Nova"/>
+              </a:rPr>
+              <a:t>### トリパラデイソスの条約</a:t>
+            </a:r>
+            <a:endParaRPr b="1" sz="900">
+              <a:solidFill>
+                <a:schemeClr val="accent3"/>
+              </a:solidFill>
+              <a:latin typeface="Proxima Nova"/>
+              <a:ea typeface="Proxima Nova"/>
+              <a:cs typeface="Proxima Nova"/>
+              <a:sym typeface="Proxima Nova"/>
+            </a:endParaRPr>
+          </a:p>
+          <a:p>
+            <a:pPr indent="0" lvl="0" marL="0" rtl="0" algn="l">
+              <a:spcBef>
+                <a:spcPts val="0"/>
+              </a:spcBef>
+              <a:spcAft>
+                <a:spcPts val="0"/>
+              </a:spcAft>
+              <a:buNone/>
+            </a:pPr>
+            <a:r>
+              <a:rPr b="1" lang="ja" sz="900">
+                <a:solidFill>
+                  <a:schemeClr val="accent3"/>
+                </a:solidFill>
+                <a:latin typeface="Proxima Nova"/>
+                <a:ea typeface="Proxima Nova"/>
+                <a:cs typeface="Proxima Nova"/>
+                <a:sym typeface="Proxima Nova"/>
+              </a:rPr>
+              <a:t>ペルディッカスの死後、紀元前321年にトリパラデイソスの条約が締結され、領土が再分配され、新たな摂政が任命されました。この条約は一時的に状況を安定させましたが、根本的な紛争を解決することはありませんでした。</a:t>
+            </a:r>
+            <a:endParaRPr b="1" sz="900">
+              <a:solidFill>
+                <a:schemeClr val="accent3"/>
+              </a:solidFill>
+              <a:latin typeface="Proxima Nova"/>
+              <a:ea typeface="Proxima Nova"/>
+              <a:cs typeface="Proxima Nova"/>
+              <a:sym typeface="Proxima Nova"/>
+            </a:endParaRPr>
+          </a:p>
+          <a:p>
+            <a:pPr indent="0" lvl="0" marL="0" rtl="0" algn="l">
+              <a:spcBef>
+                <a:spcPts val="0"/>
+              </a:spcBef>
+              <a:spcAft>
+                <a:spcPts val="0"/>
+              </a:spcAft>
+              <a:buNone/>
+            </a:pPr>
+            <a:r>
+              <a:t/>
+            </a:r>
+            <a:endParaRPr b="1" sz="900">
+              <a:solidFill>
+                <a:schemeClr val="accent3"/>
+              </a:solidFill>
+              <a:latin typeface="Proxima Nova"/>
+              <a:ea typeface="Proxima Nova"/>
+              <a:cs typeface="Proxima Nova"/>
+              <a:sym typeface="Proxima Nova"/>
+            </a:endParaRPr>
+          </a:p>
+          <a:p>
+            <a:pPr indent="0" lvl="0" marL="0" rtl="0" algn="l">
+              <a:spcBef>
+                <a:spcPts val="0"/>
+              </a:spcBef>
+              <a:spcAft>
+                <a:spcPts val="0"/>
+              </a:spcAft>
+              <a:buNone/>
+            </a:pPr>
+            <a:r>
+              <a:rPr b="1" lang="ja" sz="900">
+                <a:solidFill>
+                  <a:schemeClr val="accent3"/>
+                </a:solidFill>
+                <a:latin typeface="Proxima Nova"/>
+                <a:ea typeface="Proxima Nova"/>
+                <a:cs typeface="Proxima Nova"/>
+                <a:sym typeface="Proxima Nova"/>
+              </a:rPr>
+              <a:t>## 第二次後継戦争（紀元前319-315年）</a:t>
+            </a:r>
+            <a:endParaRPr b="1" sz="900">
+              <a:solidFill>
+                <a:schemeClr val="accent3"/>
+              </a:solidFill>
+              <a:latin typeface="Proxima Nova"/>
+              <a:ea typeface="Proxima Nova"/>
+              <a:cs typeface="Proxima Nova"/>
+              <a:sym typeface="Proxima Nova"/>
+            </a:endParaRPr>
+          </a:p>
+          <a:p>
+            <a:pPr indent="0" lvl="0" marL="0" rtl="0" algn="l">
+              <a:spcBef>
+                <a:spcPts val="0"/>
+              </a:spcBef>
+              <a:spcAft>
+                <a:spcPts val="0"/>
+              </a:spcAft>
+              <a:buNone/>
+            </a:pPr>
+            <a:r>
+              <a:t/>
+            </a:r>
+            <a:endParaRPr b="1" sz="900">
+              <a:solidFill>
+                <a:schemeClr val="accent3"/>
+              </a:solidFill>
+              <a:latin typeface="Proxima Nova"/>
+              <a:ea typeface="Proxima Nova"/>
+              <a:cs typeface="Proxima Nova"/>
+              <a:sym typeface="Proxima Nova"/>
+            </a:endParaRPr>
+          </a:p>
+          <a:p>
+            <a:pPr indent="0" lvl="0" marL="0" rtl="0" algn="l">
+              <a:spcBef>
+                <a:spcPts val="0"/>
+              </a:spcBef>
+              <a:spcAft>
+                <a:spcPts val="0"/>
+              </a:spcAft>
+              <a:buNone/>
+            </a:pPr>
+            <a:r>
+              <a:rPr b="1" lang="ja" sz="900">
+                <a:solidFill>
+                  <a:schemeClr val="accent3"/>
+                </a:solidFill>
+                <a:latin typeface="Proxima Nova"/>
+                <a:ea typeface="Proxima Nova"/>
+                <a:cs typeface="Proxima Nova"/>
+                <a:sym typeface="Proxima Nova"/>
+              </a:rPr>
+              <a:t>### カッサンドロス対ポリペルコン</a:t>
+            </a:r>
+            <a:endParaRPr b="1" sz="900">
+              <a:solidFill>
+                <a:schemeClr val="accent3"/>
+              </a:solidFill>
+              <a:latin typeface="Proxima Nova"/>
+              <a:ea typeface="Proxima Nova"/>
+              <a:cs typeface="Proxima Nova"/>
+              <a:sym typeface="Proxima Nova"/>
+            </a:endParaRPr>
+          </a:p>
+          <a:p>
+            <a:pPr indent="0" lvl="0" marL="0" rtl="0" algn="l">
+              <a:spcBef>
+                <a:spcPts val="0"/>
+              </a:spcBef>
+              <a:spcAft>
+                <a:spcPts val="0"/>
+              </a:spcAft>
+              <a:buNone/>
+            </a:pPr>
+            <a:r>
+              <a:rPr b="1" lang="ja" sz="900">
+                <a:solidFill>
+                  <a:schemeClr val="accent3"/>
+                </a:solidFill>
+                <a:latin typeface="Proxima Nova"/>
+                <a:ea typeface="Proxima Nova"/>
+                <a:cs typeface="Proxima Nova"/>
+                <a:sym typeface="Proxima Nova"/>
+              </a:rPr>
+              <a:t>第二次後継戦争では、カッサンドロスとポリペルコンがマケドンとギリシャの支配権を巡って争いました。最初は摂政として任命されたポリペルコンは、カッサンドロスからの反対に直面し、自らの権威を確立しようとしました。</a:t>
+            </a:r>
+            <a:endParaRPr b="1" sz="900">
+              <a:solidFill>
+                <a:schemeClr val="accent3"/>
+              </a:solidFill>
+              <a:latin typeface="Proxima Nova"/>
+              <a:ea typeface="Proxima Nova"/>
+              <a:cs typeface="Proxima Nova"/>
+              <a:sym typeface="Proxima Nova"/>
+            </a:endParaRPr>
+          </a:p>
+          <a:p>
+            <a:pPr indent="0" lvl="0" marL="0" rtl="0" algn="l">
+              <a:spcBef>
+                <a:spcPts val="0"/>
+              </a:spcBef>
+              <a:spcAft>
+                <a:spcPts val="0"/>
+              </a:spcAft>
+              <a:buNone/>
+            </a:pPr>
+            <a:r>
+              <a:t/>
+            </a:r>
+            <a:endParaRPr b="1" sz="900">
+              <a:solidFill>
+                <a:schemeClr val="accent3"/>
+              </a:solidFill>
+              <a:latin typeface="Proxima Nova"/>
+              <a:ea typeface="Proxima Nova"/>
+              <a:cs typeface="Proxima Nova"/>
+              <a:sym typeface="Proxima Nova"/>
+            </a:endParaRPr>
+          </a:p>
+          <a:p>
+            <a:pPr indent="0" lvl="0" marL="0" rtl="0" algn="l">
+              <a:spcBef>
+                <a:spcPts val="0"/>
+              </a:spcBef>
+              <a:spcAft>
+                <a:spcPts val="0"/>
+              </a:spcAft>
+              <a:buNone/>
+            </a:pPr>
+            <a:r>
+              <a:rPr b="1" lang="ja" sz="900">
+                <a:solidFill>
+                  <a:schemeClr val="accent3"/>
+                </a:solidFill>
+                <a:latin typeface="Proxima Nova"/>
+                <a:ea typeface="Proxima Nova"/>
+                <a:cs typeface="Proxima Nova"/>
+                <a:sym typeface="Proxima Nova"/>
+              </a:rPr>
+              <a:t>### 変動する同盟関係</a:t>
+            </a:r>
+            <a:endParaRPr b="1" sz="900">
+              <a:solidFill>
+                <a:schemeClr val="accent3"/>
+              </a:solidFill>
+              <a:latin typeface="Proxima Nova"/>
+              <a:ea typeface="Proxima Nova"/>
+              <a:cs typeface="Proxima Nova"/>
+              <a:sym typeface="Proxima Nova"/>
+            </a:endParaRPr>
+          </a:p>
+          <a:p>
+            <a:pPr indent="0" lvl="0" marL="0" rtl="0" algn="l">
+              <a:spcBef>
+                <a:spcPts val="0"/>
+              </a:spcBef>
+              <a:spcAft>
+                <a:spcPts val="0"/>
+              </a:spcAft>
+              <a:buNone/>
+            </a:pPr>
+            <a:r>
+              <a:rPr b="1" lang="ja" sz="900">
+                <a:solidFill>
+                  <a:schemeClr val="accent3"/>
+                </a:solidFill>
+                <a:latin typeface="Proxima Nova"/>
+                <a:ea typeface="Proxima Nova"/>
+                <a:cs typeface="Proxima Nova"/>
+                <a:sym typeface="Proxima Nova"/>
+              </a:rPr>
+              <a:t>この時期の同盟関係は流動的で、さまざまな指揮官が戦略的な利点を得るために陣営を変えました。戦争はカッサンドロスが権力を固めることで終結しましたが、この紛争は地域を政治的に分断し、不安定にしました。</a:t>
+            </a:r>
+            <a:endParaRPr b="1" sz="900">
+              <a:solidFill>
+                <a:schemeClr val="accent3"/>
+              </a:solidFill>
+              <a:latin typeface="Proxima Nova"/>
+              <a:ea typeface="Proxima Nova"/>
+              <a:cs typeface="Proxima Nova"/>
+              <a:sym typeface="Proxima Nova"/>
+            </a:endParaRPr>
+          </a:p>
+          <a:p>
+            <a:pPr indent="0" lvl="0" marL="0" rtl="0" algn="l">
+              <a:spcBef>
+                <a:spcPts val="0"/>
+              </a:spcBef>
+              <a:spcAft>
+                <a:spcPts val="0"/>
+              </a:spcAft>
+              <a:buNone/>
+            </a:pPr>
+            <a:r>
+              <a:t/>
+            </a:r>
+            <a:endParaRPr b="1" sz="900">
+              <a:solidFill>
+                <a:schemeClr val="accent3"/>
+              </a:solidFill>
+              <a:latin typeface="Proxima Nova"/>
+              <a:ea typeface="Proxima Nova"/>
+              <a:cs typeface="Proxima Nova"/>
+              <a:sym typeface="Proxima Nova"/>
+            </a:endParaRPr>
+          </a:p>
+          <a:p>
+            <a:pPr indent="0" lvl="0" marL="0" rtl="0" algn="l">
+              <a:spcBef>
+                <a:spcPts val="0"/>
+              </a:spcBef>
+              <a:spcAft>
+                <a:spcPts val="0"/>
+              </a:spcAft>
+              <a:buNone/>
+            </a:pPr>
+            <a:r>
+              <a:rPr b="1" lang="ja" sz="900">
+                <a:solidFill>
+                  <a:schemeClr val="accent3"/>
+                </a:solidFill>
+                <a:latin typeface="Proxima Nova"/>
+                <a:ea typeface="Proxima Nova"/>
+                <a:cs typeface="Proxima Nova"/>
+                <a:sym typeface="Proxima Nova"/>
+              </a:rPr>
+              <a:t>## 第三次後継戦争（紀元前314-311年）</a:t>
+            </a:r>
+            <a:endParaRPr b="1" sz="900">
+              <a:solidFill>
+                <a:schemeClr val="accent3"/>
+              </a:solidFill>
+              <a:latin typeface="Proxima Nova"/>
+              <a:ea typeface="Proxima Nova"/>
+              <a:cs typeface="Proxima Nova"/>
+              <a:sym typeface="Proxima Nova"/>
+            </a:endParaRPr>
+          </a:p>
+          <a:p>
+            <a:pPr indent="0" lvl="0" marL="0" rtl="0" algn="l">
+              <a:spcBef>
+                <a:spcPts val="0"/>
+              </a:spcBef>
+              <a:spcAft>
+                <a:spcPts val="0"/>
+              </a:spcAft>
+              <a:buNone/>
+            </a:pPr>
+            <a:r>
+              <a:t/>
+            </a:r>
+            <a:endParaRPr b="1" sz="900">
+              <a:solidFill>
+                <a:schemeClr val="accent3"/>
+              </a:solidFill>
+              <a:latin typeface="Proxima Nova"/>
+              <a:ea typeface="Proxima Nova"/>
+              <a:cs typeface="Proxima Nova"/>
+              <a:sym typeface="Proxima Nova"/>
+            </a:endParaRPr>
+          </a:p>
+          <a:p>
+            <a:pPr indent="0" lvl="0" marL="0" rtl="0" algn="l">
+              <a:spcBef>
+                <a:spcPts val="0"/>
+              </a:spcBef>
+              <a:spcAft>
+                <a:spcPts val="0"/>
+              </a:spcAft>
+              <a:buNone/>
+            </a:pPr>
+            <a:r>
+              <a:rPr b="1" lang="ja" sz="900">
+                <a:solidFill>
+                  <a:schemeClr val="accent3"/>
+                </a:solidFill>
+                <a:latin typeface="Proxima Nova"/>
+                <a:ea typeface="Proxima Nova"/>
+                <a:cs typeface="Proxima Nova"/>
+                <a:sym typeface="Proxima Nova"/>
+              </a:rPr>
+              <a:t>### アンティゴノスの野望</a:t>
+            </a:r>
+            <a:endParaRPr b="1" sz="900">
+              <a:solidFill>
+                <a:schemeClr val="accent3"/>
+              </a:solidFill>
+              <a:latin typeface="Proxima Nova"/>
+              <a:ea typeface="Proxima Nova"/>
+              <a:cs typeface="Proxima Nova"/>
+              <a:sym typeface="Proxima Nova"/>
+            </a:endParaRPr>
+          </a:p>
+          <a:p>
+            <a:pPr indent="0" lvl="0" marL="0" rtl="0" algn="l">
+              <a:spcBef>
+                <a:spcPts val="0"/>
+              </a:spcBef>
+              <a:spcAft>
+                <a:spcPts val="0"/>
+              </a:spcAft>
+              <a:buNone/>
+            </a:pPr>
+            <a:r>
+              <a:rPr b="1" lang="ja" sz="900">
+                <a:solidFill>
+                  <a:schemeClr val="accent3"/>
+                </a:solidFill>
+                <a:latin typeface="Proxima Nova"/>
+                <a:ea typeface="Proxima Nova"/>
+                <a:cs typeface="Proxima Nova"/>
+                <a:sym typeface="Proxima Nova"/>
+              </a:rPr>
+              <a:t>アンティゴノスは、最も手ごわいディアドコイの一人としてアレクサンダーの帝国を再統一しようとしました。彼の野望は、他の将軍たちにとって自らの権力に対する脅威と見なされ、対立を引き起こしました。</a:t>
+            </a:r>
+            <a:endParaRPr b="1" sz="900">
+              <a:solidFill>
+                <a:schemeClr val="accent3"/>
+              </a:solidFill>
+              <a:latin typeface="Proxima Nova"/>
+              <a:ea typeface="Proxima Nova"/>
+              <a:cs typeface="Proxima Nova"/>
+              <a:sym typeface="Proxima Nova"/>
+            </a:endParaRPr>
+          </a:p>
+          <a:p>
+            <a:pPr indent="0" lvl="0" marL="0" rtl="0" algn="l">
+              <a:spcBef>
+                <a:spcPts val="0"/>
+              </a:spcBef>
+              <a:spcAft>
+                <a:spcPts val="0"/>
+              </a:spcAft>
+              <a:buNone/>
+            </a:pPr>
+            <a:r>
+              <a:t/>
+            </a:r>
+            <a:endParaRPr b="1" sz="900">
+              <a:solidFill>
+                <a:schemeClr val="accent3"/>
+              </a:solidFill>
+              <a:latin typeface="Proxima Nova"/>
+              <a:ea typeface="Proxima Nova"/>
+              <a:cs typeface="Proxima Nova"/>
+              <a:sym typeface="Proxima Nova"/>
+            </a:endParaRPr>
+          </a:p>
+          <a:p>
+            <a:pPr indent="0" lvl="0" marL="0" rtl="0" algn="l">
+              <a:spcBef>
+                <a:spcPts val="0"/>
+              </a:spcBef>
+              <a:spcAft>
+                <a:spcPts val="0"/>
+              </a:spcAft>
+              <a:buNone/>
+            </a:pPr>
+            <a:r>
+              <a:rPr b="1" lang="ja" sz="900">
+                <a:solidFill>
+                  <a:schemeClr val="accent3"/>
+                </a:solidFill>
+                <a:latin typeface="Proxima Nova"/>
+                <a:ea typeface="Proxima Nova"/>
+                <a:cs typeface="Proxima Nova"/>
+                <a:sym typeface="Proxima Nova"/>
+              </a:rPr>
+              <a:t>### エウメネスとの対立</a:t>
+            </a:r>
+            <a:endParaRPr b="1" sz="900">
+              <a:solidFill>
+                <a:schemeClr val="accent3"/>
+              </a:solidFill>
+              <a:latin typeface="Proxima Nova"/>
+              <a:ea typeface="Proxima Nova"/>
+              <a:cs typeface="Proxima Nova"/>
+              <a:sym typeface="Proxima Nova"/>
+            </a:endParaRPr>
+          </a:p>
+          <a:p>
+            <a:pPr indent="0" lvl="0" marL="0" rtl="0" algn="l">
+              <a:spcBef>
+                <a:spcPts val="0"/>
+              </a:spcBef>
+              <a:spcAft>
+                <a:spcPts val="0"/>
+              </a:spcAft>
+              <a:buNone/>
+            </a:pPr>
+            <a:r>
+              <a:rPr b="1" lang="ja" sz="900">
+                <a:solidFill>
+                  <a:schemeClr val="accent3"/>
+                </a:solidFill>
+                <a:latin typeface="Proxima Nova"/>
+                <a:ea typeface="Proxima Nova"/>
+                <a:cs typeface="Proxima Nova"/>
+                <a:sym typeface="Proxima Nova"/>
+              </a:rPr>
+              <a:t>アレクサンダーの家族の忠実な支持者であるエウメネスは、アンティゴノスにとっての主要なライバルとして浮上しました。初期の成功にもかかわらず、エウメネスは最終的に自らの部下に裏切られ、紀元前316年に処刑されました。これによりアンティゴノスの地位が固定されました。</a:t>
+            </a:r>
+            <a:endParaRPr b="1" sz="900">
+              <a:solidFill>
+                <a:schemeClr val="accent3"/>
+              </a:solidFill>
+              <a:latin typeface="Proxima Nova"/>
+              <a:ea typeface="Proxima Nova"/>
+              <a:cs typeface="Proxima Nova"/>
+              <a:sym typeface="Proxima Nova"/>
+            </a:endParaRPr>
+          </a:p>
+          <a:p>
+            <a:pPr indent="0" lvl="0" marL="0" rtl="0" algn="l">
+              <a:spcBef>
+                <a:spcPts val="0"/>
+              </a:spcBef>
+              <a:spcAft>
+                <a:spcPts val="0"/>
+              </a:spcAft>
+              <a:buNone/>
+            </a:pPr>
+            <a:r>
+              <a:t/>
+            </a:r>
+            <a:endParaRPr b="1" sz="900">
+              <a:solidFill>
+                <a:schemeClr val="accent3"/>
+              </a:solidFill>
+              <a:latin typeface="Proxima Nova"/>
+              <a:ea typeface="Proxima Nova"/>
+              <a:cs typeface="Proxima Nova"/>
+              <a:sym typeface="Proxima Nova"/>
+            </a:endParaRPr>
+          </a:p>
+          <a:p>
+            <a:pPr indent="0" lvl="0" marL="0" rtl="0" algn="l">
+              <a:spcBef>
+                <a:spcPts val="0"/>
+              </a:spcBef>
+              <a:spcAft>
+                <a:spcPts val="0"/>
+              </a:spcAft>
+              <a:buNone/>
+            </a:pPr>
+            <a:r>
+              <a:rPr b="1" lang="ja" sz="900">
+                <a:solidFill>
+                  <a:schemeClr val="accent3"/>
+                </a:solidFill>
+                <a:latin typeface="Proxima Nova"/>
+                <a:ea typeface="Proxima Nova"/>
+                <a:cs typeface="Proxima Nova"/>
+                <a:sym typeface="Proxima Nova"/>
+              </a:rPr>
+              <a:t>### エウメネスの裏切りと処刑</a:t>
+            </a:r>
+            <a:endParaRPr b="1" sz="900">
+              <a:solidFill>
+                <a:schemeClr val="accent3"/>
+              </a:solidFill>
+              <a:latin typeface="Proxima Nova"/>
+              <a:ea typeface="Proxima Nova"/>
+              <a:cs typeface="Proxima Nova"/>
+              <a:sym typeface="Proxima Nova"/>
+            </a:endParaRPr>
+          </a:p>
+          <a:p>
+            <a:pPr indent="0" lvl="0" marL="0" rtl="0" algn="l">
+              <a:spcBef>
+                <a:spcPts val="0"/>
+              </a:spcBef>
+              <a:spcAft>
+                <a:spcPts val="0"/>
+              </a:spcAft>
+              <a:buNone/>
+            </a:pPr>
+            <a:r>
+              <a:rPr b="1" lang="ja" sz="900">
+                <a:solidFill>
+                  <a:schemeClr val="accent3"/>
+                </a:solidFill>
+                <a:latin typeface="Proxima Nova"/>
+                <a:ea typeface="Proxima Nova"/>
+                <a:cs typeface="Proxima Nova"/>
+                <a:sym typeface="Proxima Nova"/>
+              </a:rPr>
+              <a:t>エウメネスの裏切りは、ディアドコイの間の忠誠心の不確かさを示しました。彼の処刑はアンティゴノスにとって重要な勝利をもたらしましたが、他の将軍たちの間の対立を激化させました。</a:t>
+            </a:r>
+            <a:endParaRPr b="1" sz="900">
+              <a:solidFill>
+                <a:schemeClr val="accent3"/>
+              </a:solidFill>
+              <a:latin typeface="Proxima Nova"/>
+              <a:ea typeface="Proxima Nova"/>
+              <a:cs typeface="Proxima Nova"/>
+              <a:sym typeface="Proxima Nova"/>
+            </a:endParaRPr>
+          </a:p>
+          <a:p>
+            <a:pPr indent="0" lvl="0" marL="0" rtl="0" algn="l">
+              <a:spcBef>
+                <a:spcPts val="0"/>
+              </a:spcBef>
+              <a:spcAft>
+                <a:spcPts val="0"/>
+              </a:spcAft>
+              <a:buNone/>
+            </a:pPr>
+            <a:r>
+              <a:t/>
+            </a:r>
+            <a:endParaRPr b="1" sz="900">
+              <a:solidFill>
+                <a:schemeClr val="accent3"/>
+              </a:solidFill>
+              <a:latin typeface="Proxima Nova"/>
+              <a:ea typeface="Proxima Nova"/>
+              <a:cs typeface="Proxima Nova"/>
+              <a:sym typeface="Proxima Nova"/>
+            </a:endParaRPr>
+          </a:p>
+          <a:p>
+            <a:pPr indent="0" lvl="0" marL="0" rtl="0" algn="l">
+              <a:spcBef>
+                <a:spcPts val="0"/>
+              </a:spcBef>
+              <a:spcAft>
+                <a:spcPts val="0"/>
+              </a:spcAft>
+              <a:buNone/>
+            </a:pPr>
+            <a:r>
+              <a:rPr b="1" lang="ja" sz="900">
+                <a:solidFill>
+                  <a:schemeClr val="accent3"/>
+                </a:solidFill>
+                <a:latin typeface="Proxima Nova"/>
+                <a:ea typeface="Proxima Nova"/>
+                <a:cs typeface="Proxima Nova"/>
+                <a:sym typeface="Proxima Nova"/>
+              </a:rPr>
+              <a:t>## バビロニア戦争（紀元前311-309年）</a:t>
+            </a:r>
+            <a:endParaRPr b="1" sz="900">
+              <a:solidFill>
+                <a:schemeClr val="accent3"/>
+              </a:solidFill>
+              <a:latin typeface="Proxima Nova"/>
+              <a:ea typeface="Proxima Nova"/>
+              <a:cs typeface="Proxima Nova"/>
+              <a:sym typeface="Proxima Nova"/>
+            </a:endParaRPr>
+          </a:p>
+          <a:p>
+            <a:pPr indent="0" lvl="0" marL="0" rtl="0" algn="l">
+              <a:spcBef>
+                <a:spcPts val="0"/>
+              </a:spcBef>
+              <a:spcAft>
+                <a:spcPts val="0"/>
+              </a:spcAft>
+              <a:buNone/>
+            </a:pPr>
+            <a:r>
+              <a:t/>
+            </a:r>
+            <a:endParaRPr b="1" sz="900">
+              <a:solidFill>
+                <a:schemeClr val="accent3"/>
+              </a:solidFill>
+              <a:latin typeface="Proxima Nova"/>
+              <a:ea typeface="Proxima Nova"/>
+              <a:cs typeface="Proxima Nova"/>
+              <a:sym typeface="Proxima Nova"/>
+            </a:endParaRPr>
+          </a:p>
+          <a:p>
+            <a:pPr indent="0" lvl="0" marL="0" rtl="0" algn="l">
+              <a:spcBef>
+                <a:spcPts val="0"/>
+              </a:spcBef>
+              <a:spcAft>
+                <a:spcPts val="0"/>
+              </a:spcAft>
+              <a:buNone/>
+            </a:pPr>
+            <a:r>
+              <a:rPr b="1" lang="ja" sz="900">
+                <a:solidFill>
+                  <a:schemeClr val="accent3"/>
+                </a:solidFill>
+                <a:latin typeface="Proxima Nova"/>
+                <a:ea typeface="Proxima Nova"/>
+                <a:cs typeface="Proxima Nova"/>
+                <a:sym typeface="Proxima Nova"/>
+              </a:rPr>
+              <a:t>### セレウコスの権力回復</a:t>
+            </a:r>
+            <a:endParaRPr b="1" sz="900">
+              <a:solidFill>
+                <a:schemeClr val="accent3"/>
+              </a:solidFill>
+              <a:latin typeface="Proxima Nova"/>
+              <a:ea typeface="Proxima Nova"/>
+              <a:cs typeface="Proxima Nova"/>
+              <a:sym typeface="Proxima Nova"/>
+            </a:endParaRPr>
+          </a:p>
+          <a:p>
+            <a:pPr indent="0" lvl="0" marL="0" rtl="0" algn="l">
+              <a:spcBef>
+                <a:spcPts val="0"/>
+              </a:spcBef>
+              <a:spcAft>
+                <a:spcPts val="0"/>
+              </a:spcAft>
+              <a:buNone/>
+            </a:pPr>
+            <a:r>
+              <a:rPr b="1" lang="ja" sz="900">
+                <a:solidFill>
+                  <a:schemeClr val="accent3"/>
+                </a:solidFill>
+                <a:latin typeface="Proxima Nova"/>
+                <a:ea typeface="Proxima Nova"/>
+                <a:cs typeface="Proxima Nova"/>
+                <a:sym typeface="Proxima Nova"/>
+              </a:rPr>
+              <a:t>最初は脇に置かれていたセレウコスは、プトレマイオスの支援を受けてバビロニアの支配権を回復しました。これはセレウコスの隆盛とセレウコス朝の確立の始まりでした。</a:t>
+            </a:r>
+            <a:endParaRPr b="1" sz="900">
+              <a:solidFill>
+                <a:schemeClr val="accent3"/>
+              </a:solidFill>
+              <a:latin typeface="Proxima Nova"/>
+              <a:ea typeface="Proxima Nova"/>
+              <a:cs typeface="Proxima Nova"/>
+              <a:sym typeface="Proxima Nova"/>
+            </a:endParaRPr>
+          </a:p>
+          <a:p>
+            <a:pPr indent="0" lvl="0" marL="0" rtl="0" algn="l">
+              <a:spcBef>
+                <a:spcPts val="0"/>
+              </a:spcBef>
+              <a:spcAft>
+                <a:spcPts val="0"/>
+              </a:spcAft>
+              <a:buNone/>
+            </a:pPr>
+            <a:r>
+              <a:t/>
+            </a:r>
+            <a:endParaRPr b="1" sz="900">
+              <a:solidFill>
+                <a:schemeClr val="accent3"/>
+              </a:solidFill>
+              <a:latin typeface="Proxima Nova"/>
+              <a:ea typeface="Proxima Nova"/>
+              <a:cs typeface="Proxima Nova"/>
+              <a:sym typeface="Proxima Nova"/>
+            </a:endParaRPr>
+          </a:p>
+          <a:p>
+            <a:pPr indent="0" lvl="0" marL="0" rtl="0" algn="l">
+              <a:spcBef>
+                <a:spcPts val="0"/>
+              </a:spcBef>
+              <a:spcAft>
+                <a:spcPts val="0"/>
+              </a:spcAft>
+              <a:buNone/>
+            </a:pPr>
+            <a:r>
+              <a:rPr b="1" lang="ja" sz="900">
+                <a:solidFill>
+                  <a:schemeClr val="accent3"/>
+                </a:solidFill>
+                <a:latin typeface="Proxima Nova"/>
+                <a:ea typeface="Proxima Nova"/>
+                <a:cs typeface="Proxima Nova"/>
+                <a:sym typeface="Proxima Nova"/>
+              </a:rPr>
+              <a:t>### プトレマイオスとアンティゴノスの役割</a:t>
+            </a:r>
+            <a:endParaRPr b="1" sz="900">
+              <a:solidFill>
+                <a:schemeClr val="accent3"/>
+              </a:solidFill>
+              <a:latin typeface="Proxima Nova"/>
+              <a:ea typeface="Proxima Nova"/>
+              <a:cs typeface="Proxima Nova"/>
+              <a:sym typeface="Proxima Nova"/>
+            </a:endParaRPr>
+          </a:p>
+          <a:p>
+            <a:pPr indent="0" lvl="0" marL="0" rtl="0" algn="l">
+              <a:spcBef>
+                <a:spcPts val="0"/>
+              </a:spcBef>
+              <a:spcAft>
+                <a:spcPts val="0"/>
+              </a:spcAft>
+              <a:buNone/>
+            </a:pPr>
+            <a:r>
+              <a:rPr b="1" lang="ja" sz="900">
+                <a:solidFill>
+                  <a:schemeClr val="accent3"/>
+                </a:solidFill>
+                <a:latin typeface="Proxima Nova"/>
+                <a:ea typeface="Proxima Nova"/>
+                <a:cs typeface="Proxima Nova"/>
+                <a:sym typeface="Proxima Nova"/>
+              </a:rPr>
+              <a:t>バビロニア戦争では、セレウコスとプトレマイオスがアンティゴノスと彼の息子デメトリオスに対抗して同盟を組みました。この紛争はアレクサンダーの帝国をさらに分裂させ、将来の戦争の舞台を設定しました。</a:t>
+            </a:r>
+            <a:endParaRPr b="1" sz="900">
+              <a:solidFill>
+                <a:schemeClr val="accent3"/>
+              </a:solidFill>
+              <a:latin typeface="Proxima Nova"/>
+              <a:ea typeface="Proxima Nova"/>
+              <a:cs typeface="Proxima Nova"/>
+              <a:sym typeface="Proxima Nova"/>
+            </a:endParaRPr>
+          </a:p>
+          <a:p>
+            <a:pPr indent="0" lvl="0" marL="0" rtl="0" algn="l">
+              <a:spcBef>
+                <a:spcPts val="0"/>
+              </a:spcBef>
+              <a:spcAft>
+                <a:spcPts val="0"/>
+              </a:spcAft>
+              <a:buNone/>
+            </a:pPr>
+            <a:r>
+              <a:t/>
+            </a:r>
+            <a:endParaRPr b="1" sz="900">
+              <a:solidFill>
+                <a:schemeClr val="accent3"/>
+              </a:solidFill>
+              <a:latin typeface="Proxima Nova"/>
+              <a:ea typeface="Proxima Nova"/>
+              <a:cs typeface="Proxima Nova"/>
+              <a:sym typeface="Proxima Nova"/>
+            </a:endParaRPr>
+          </a:p>
+          <a:p>
+            <a:pPr indent="0" lvl="0" marL="0" rtl="0" algn="l">
+              <a:spcBef>
+                <a:spcPts val="0"/>
+              </a:spcBef>
+              <a:spcAft>
+                <a:spcPts val="0"/>
+              </a:spcAft>
+              <a:buNone/>
+            </a:pPr>
+            <a:r>
+              <a:rPr b="1" lang="ja" sz="900">
+                <a:solidFill>
+                  <a:schemeClr val="accent3"/>
+                </a:solidFill>
+                <a:latin typeface="Proxima Nova"/>
+                <a:ea typeface="Proxima Nova"/>
+                <a:cs typeface="Proxima Nova"/>
+                <a:sym typeface="Proxima Nova"/>
+              </a:rPr>
+              <a:t>## 第四次後継戦争（紀元前308-301年）</a:t>
+            </a:r>
+            <a:endParaRPr b="1" sz="900">
+              <a:solidFill>
+                <a:schemeClr val="accent3"/>
+              </a:solidFill>
+              <a:latin typeface="Proxima Nova"/>
+              <a:ea typeface="Proxima Nova"/>
+              <a:cs typeface="Proxima Nova"/>
+              <a:sym typeface="Proxima Nova"/>
+            </a:endParaRPr>
+          </a:p>
+          <a:p>
+            <a:pPr indent="0" lvl="0" marL="0" rtl="0" algn="l">
+              <a:spcBef>
+                <a:spcPts val="0"/>
+              </a:spcBef>
+              <a:spcAft>
+                <a:spcPts val="0"/>
+              </a:spcAft>
+              <a:buNone/>
+            </a:pPr>
+            <a:r>
+              <a:t/>
+            </a:r>
+            <a:endParaRPr b="1" sz="900">
+              <a:solidFill>
+                <a:schemeClr val="accent3"/>
+              </a:solidFill>
+              <a:latin typeface="Proxima Nova"/>
+              <a:ea typeface="Proxima Nova"/>
+              <a:cs typeface="Proxima Nova"/>
+              <a:sym typeface="Proxima Nova"/>
+            </a:endParaRPr>
+          </a:p>
+          <a:p>
+            <a:pPr indent="0" lvl="0" marL="0" rtl="0" algn="l">
+              <a:spcBef>
+                <a:spcPts val="0"/>
+              </a:spcBef>
+              <a:spcAft>
+                <a:spcPts val="0"/>
+              </a:spcAft>
+              <a:buNone/>
+            </a:pPr>
+            <a:r>
+              <a:rPr b="1" lang="ja" sz="900">
+                <a:solidFill>
+                  <a:schemeClr val="accent3"/>
+                </a:solidFill>
+                <a:latin typeface="Proxima Nova"/>
+                <a:ea typeface="Proxima Nova"/>
+                <a:cs typeface="Proxima Nova"/>
+                <a:sym typeface="Proxima Nova"/>
+              </a:rPr>
+              <a:t>### アンティゴノスとデメトリオスに対する連合</a:t>
+            </a:r>
+            <a:endParaRPr b="1" sz="900">
+              <a:solidFill>
+                <a:schemeClr val="accent3"/>
+              </a:solidFill>
+              <a:latin typeface="Proxima Nova"/>
+              <a:ea typeface="Proxima Nova"/>
+              <a:cs typeface="Proxima Nova"/>
+              <a:sym typeface="Proxima Nova"/>
+            </a:endParaRPr>
+          </a:p>
+          <a:p>
+            <a:pPr indent="0" lvl="0" marL="0" rtl="0" algn="l">
+              <a:spcBef>
+                <a:spcPts val="0"/>
+              </a:spcBef>
+              <a:spcAft>
+                <a:spcPts val="0"/>
+              </a:spcAft>
+              <a:buNone/>
+            </a:pPr>
+            <a:r>
+              <a:rPr b="1" lang="ja" sz="900">
+                <a:solidFill>
+                  <a:schemeClr val="accent3"/>
+                </a:solidFill>
+                <a:latin typeface="Proxima Nova"/>
+                <a:ea typeface="Proxima Nova"/>
+                <a:cs typeface="Proxima Nova"/>
+                <a:sym typeface="Proxima Nova"/>
+              </a:rPr>
+              <a:t>第四次後継戦争では、カッサンドロス、プトレマイオス、リュシマコス、セレウコスからなる連合がアンティゴノスとデメトリオスに対抗しました。この連合は、アンティゴノスの権力拡大を抑制し、帝国を再統一させないようにすることを目指しました。</a:t>
+            </a:r>
+            <a:endParaRPr b="1" sz="900">
+              <a:solidFill>
+                <a:schemeClr val="accent3"/>
+              </a:solidFill>
+              <a:latin typeface="Proxima Nova"/>
+              <a:ea typeface="Proxima Nova"/>
+              <a:cs typeface="Proxima Nova"/>
+              <a:sym typeface="Proxima Nova"/>
+            </a:endParaRPr>
+          </a:p>
+          <a:p>
+            <a:pPr indent="0" lvl="0" marL="0" rtl="0" algn="l">
+              <a:spcBef>
+                <a:spcPts val="0"/>
+              </a:spcBef>
+              <a:spcAft>
+                <a:spcPts val="0"/>
+              </a:spcAft>
+              <a:buNone/>
+            </a:pPr>
+            <a:r>
+              <a:t/>
+            </a:r>
+            <a:endParaRPr b="1" sz="900">
+              <a:solidFill>
+                <a:schemeClr val="accent3"/>
+              </a:solidFill>
+              <a:latin typeface="Proxima Nova"/>
+              <a:ea typeface="Proxima Nova"/>
+              <a:cs typeface="Proxima Nova"/>
+              <a:sym typeface="Proxima Nova"/>
+            </a:endParaRPr>
+          </a:p>
+          <a:p>
+            <a:pPr indent="0" lvl="0" marL="0" rtl="0" algn="l">
+              <a:spcBef>
+                <a:spcPts val="0"/>
+              </a:spcBef>
+              <a:spcAft>
+                <a:spcPts val="0"/>
+              </a:spcAft>
+              <a:buNone/>
+            </a:pPr>
+            <a:r>
+              <a:rPr b="1" lang="ja" sz="900">
+                <a:solidFill>
+                  <a:schemeClr val="accent3"/>
+                </a:solidFill>
+                <a:latin typeface="Proxima Nova"/>
+                <a:ea typeface="Proxima Nova"/>
+                <a:cs typeface="Proxima Nova"/>
+                <a:sym typeface="Proxima Nova"/>
+              </a:rPr>
+              <a:t>### イプソスの戦い</a:t>
+            </a:r>
+            <a:endParaRPr b="1" sz="900">
+              <a:solidFill>
+                <a:schemeClr val="accent3"/>
+              </a:solidFill>
+              <a:latin typeface="Proxima Nova"/>
+              <a:ea typeface="Proxima Nova"/>
+              <a:cs typeface="Proxima Nova"/>
+              <a:sym typeface="Proxima Nova"/>
+            </a:endParaRPr>
+          </a:p>
+          <a:p>
+            <a:pPr indent="0" lvl="0" marL="0" rtl="0" algn="l">
+              <a:spcBef>
+                <a:spcPts val="0"/>
+              </a:spcBef>
+              <a:spcAft>
+                <a:spcPts val="0"/>
+              </a:spcAft>
+              <a:buNone/>
+            </a:pPr>
+            <a:r>
+              <a:rPr b="1" lang="ja" sz="900">
+                <a:solidFill>
+                  <a:schemeClr val="accent3"/>
+                </a:solidFill>
+                <a:latin typeface="Proxima Nova"/>
+                <a:ea typeface="Proxima Nova"/>
+                <a:cs typeface="Proxima Nova"/>
+                <a:sym typeface="Proxima Nova"/>
+              </a:rPr>
+              <a:t>紀元前301年のイプソスの戦いは、アンティゴノスの敗北と死をもたらしました。彼の領土は勝者たちに分割され、彼の野望の終わりとヘレニズム諸王国の確立を示すものでした。</a:t>
+            </a:r>
+            <a:endParaRPr b="1" sz="900">
+              <a:solidFill>
+                <a:schemeClr val="accent3"/>
+              </a:solidFill>
+              <a:latin typeface="Proxima Nova"/>
+              <a:ea typeface="Proxima Nova"/>
+              <a:cs typeface="Proxima Nova"/>
+              <a:sym typeface="Proxima Nova"/>
+            </a:endParaRPr>
+          </a:p>
+          <a:p>
+            <a:pPr indent="0" lvl="0" marL="0" rtl="0" algn="l">
+              <a:spcBef>
+                <a:spcPts val="0"/>
+              </a:spcBef>
+              <a:spcAft>
+                <a:spcPts val="0"/>
+              </a:spcAft>
+              <a:buNone/>
+            </a:pPr>
+            <a:r>
+              <a:t/>
+            </a:r>
+            <a:endParaRPr b="1" sz="900">
+              <a:solidFill>
+                <a:schemeClr val="accent3"/>
+              </a:solidFill>
+              <a:latin typeface="Proxima Nova"/>
+              <a:ea typeface="Proxima Nova"/>
+              <a:cs typeface="Proxima Nova"/>
+              <a:sym typeface="Proxima Nova"/>
+            </a:endParaRPr>
+          </a:p>
+          <a:p>
+            <a:pPr indent="0" lvl="0" marL="0" rtl="0" algn="l">
+              <a:spcBef>
+                <a:spcPts val="0"/>
+              </a:spcBef>
+              <a:spcAft>
+                <a:spcPts val="0"/>
+              </a:spcAft>
+              <a:buNone/>
+            </a:pPr>
+            <a:r>
+              <a:rPr b="1" lang="ja" sz="900">
+                <a:solidFill>
+                  <a:schemeClr val="accent3"/>
+                </a:solidFill>
+                <a:latin typeface="Proxima Nova"/>
+                <a:ea typeface="Proxima Nova"/>
+                <a:cs typeface="Proxima Nova"/>
+                <a:sym typeface="Proxima Nova"/>
+              </a:rPr>
+              <a:t>### アンティゴノスの死</a:t>
+            </a:r>
+            <a:endParaRPr b="1" sz="900">
+              <a:solidFill>
+                <a:schemeClr val="accent3"/>
+              </a:solidFill>
+              <a:latin typeface="Proxima Nova"/>
+              <a:ea typeface="Proxima Nova"/>
+              <a:cs typeface="Proxima Nova"/>
+              <a:sym typeface="Proxima Nova"/>
+            </a:endParaRPr>
+          </a:p>
+          <a:p>
+            <a:pPr indent="0" lvl="0" marL="0" rtl="0" algn="l">
+              <a:spcBef>
+                <a:spcPts val="0"/>
+              </a:spcBef>
+              <a:spcAft>
+                <a:spcPts val="0"/>
+              </a:spcAft>
+              <a:buNone/>
+            </a:pPr>
+            <a:r>
+              <a:rPr b="1" lang="ja" sz="900">
+                <a:solidFill>
+                  <a:schemeClr val="accent3"/>
+                </a:solidFill>
+                <a:latin typeface="Proxima Nova"/>
+                <a:ea typeface="Proxima Nova"/>
+                <a:cs typeface="Proxima Nova"/>
+                <a:sym typeface="Proxima Nova"/>
+              </a:rPr>
+              <a:t>イプソスでのアンティゴノスの死は、ディアドコイの戦争の転換点となりました。これはアレクサンダーの帝国の最終的な分割と、三つの主要なヘレニズム王朝の台頭をもたらしました。</a:t>
+            </a:r>
+            <a:endParaRPr b="1" sz="900">
+              <a:solidFill>
+                <a:schemeClr val="accent3"/>
+              </a:solidFill>
+              <a:latin typeface="Proxima Nova"/>
+              <a:ea typeface="Proxima Nova"/>
+              <a:cs typeface="Proxima Nova"/>
+              <a:sym typeface="Proxima Nova"/>
+            </a:endParaRPr>
+          </a:p>
+          <a:p>
+            <a:pPr indent="0" lvl="0" marL="0" rtl="0" algn="l">
+              <a:spcBef>
+                <a:spcPts val="0"/>
+              </a:spcBef>
+              <a:spcAft>
+                <a:spcPts val="0"/>
+              </a:spcAft>
+              <a:buNone/>
+            </a:pPr>
+            <a:r>
+              <a:t/>
+            </a:r>
+            <a:endParaRPr b="1" sz="900">
+              <a:solidFill>
+                <a:schemeClr val="accent3"/>
+              </a:solidFill>
+              <a:latin typeface="Proxima Nova"/>
+              <a:ea typeface="Proxima Nova"/>
+              <a:cs typeface="Proxima Nova"/>
+              <a:sym typeface="Proxima Nova"/>
+            </a:endParaRPr>
+          </a:p>
+          <a:p>
+            <a:pPr indent="0" lvl="0" marL="0" rtl="0" algn="l">
+              <a:spcBef>
+                <a:spcPts val="0"/>
+              </a:spcBef>
+              <a:spcAft>
+                <a:spcPts val="0"/>
+              </a:spcAft>
+              <a:buNone/>
+            </a:pPr>
+            <a:r>
+              <a:rPr b="1" lang="ja" sz="900">
+                <a:solidFill>
+                  <a:schemeClr val="accent3"/>
+                </a:solidFill>
+                <a:latin typeface="Proxima Nova"/>
+                <a:ea typeface="Proxima Nova"/>
+                <a:cs typeface="Proxima Nova"/>
+                <a:sym typeface="Proxima Nova"/>
+              </a:rPr>
+              <a:t>## 王朝の確立</a:t>
+            </a:r>
+            <a:endParaRPr b="1" sz="900">
+              <a:solidFill>
+                <a:schemeClr val="accent3"/>
+              </a:solidFill>
+              <a:latin typeface="Proxima Nova"/>
+              <a:ea typeface="Proxima Nova"/>
+              <a:cs typeface="Proxima Nova"/>
+              <a:sym typeface="Proxima Nova"/>
+            </a:endParaRPr>
+          </a:p>
+          <a:p>
+            <a:pPr indent="0" lvl="0" marL="0" rtl="0" algn="l">
+              <a:spcBef>
+                <a:spcPts val="0"/>
+              </a:spcBef>
+              <a:spcAft>
+                <a:spcPts val="0"/>
+              </a:spcAft>
+              <a:buNone/>
+            </a:pPr>
+            <a:r>
+              <a:t/>
+            </a:r>
+            <a:endParaRPr b="1" sz="900">
+              <a:solidFill>
+                <a:schemeClr val="accent3"/>
+              </a:solidFill>
+              <a:latin typeface="Proxima Nova"/>
+              <a:ea typeface="Proxima Nova"/>
+              <a:cs typeface="Proxima Nova"/>
+              <a:sym typeface="Proxima Nova"/>
+            </a:endParaRPr>
+          </a:p>
+          <a:p>
+            <a:pPr indent="0" lvl="0" marL="0" rtl="0" algn="l">
+              <a:spcBef>
+                <a:spcPts val="0"/>
+              </a:spcBef>
+              <a:spcAft>
+                <a:spcPts val="0"/>
+              </a:spcAft>
+              <a:buNone/>
+            </a:pPr>
+            <a:r>
+              <a:rPr b="1" lang="ja" sz="900">
+                <a:solidFill>
+                  <a:schemeClr val="accent3"/>
+                </a:solidFill>
+                <a:latin typeface="Proxima Nova"/>
+                <a:ea typeface="Proxima Nova"/>
+                <a:cs typeface="Proxima Nova"/>
+                <a:sym typeface="Proxima Nova"/>
+              </a:rPr>
+              <a:t>### アンティゴノス朝</a:t>
+            </a:r>
+            <a:endParaRPr b="1" sz="900">
+              <a:solidFill>
+                <a:schemeClr val="accent3"/>
+              </a:solidFill>
+              <a:latin typeface="Proxima Nova"/>
+              <a:ea typeface="Proxima Nova"/>
+              <a:cs typeface="Proxima Nova"/>
+              <a:sym typeface="Proxima Nova"/>
+            </a:endParaRPr>
+          </a:p>
+          <a:p>
+            <a:pPr indent="0" lvl="0" marL="0" rtl="0" algn="l">
+              <a:spcBef>
+                <a:spcPts val="0"/>
+              </a:spcBef>
+              <a:spcAft>
+                <a:spcPts val="0"/>
+              </a:spcAft>
+              <a:buNone/>
+            </a:pPr>
+            <a:r>
+              <a:rPr b="1" lang="ja" sz="900">
+                <a:solidFill>
+                  <a:schemeClr val="accent3"/>
+                </a:solidFill>
+                <a:latin typeface="Proxima Nova"/>
+                <a:ea typeface="Proxima Nova"/>
+                <a:cs typeface="Proxima Nova"/>
+                <a:sym typeface="Proxima Nova"/>
+              </a:rPr>
+              <a:t>アンティゴノス朝は、アンティゴノスの子孫によって建てられ、マケドンとギリシャの一部を支配しました。初期の挫折にもかかわらず、彼らはローマの征服まで支配を維持しました。</a:t>
+            </a:r>
+            <a:endParaRPr b="1" sz="900">
+              <a:solidFill>
+                <a:schemeClr val="accent3"/>
+              </a:solidFill>
+              <a:latin typeface="Proxima Nova"/>
+              <a:ea typeface="Proxima Nova"/>
+              <a:cs typeface="Proxima Nova"/>
+              <a:sym typeface="Proxima Nova"/>
+            </a:endParaRPr>
+          </a:p>
+          <a:p>
+            <a:pPr indent="0" lvl="0" marL="0" rtl="0" algn="l">
+              <a:spcBef>
+                <a:spcPts val="0"/>
+              </a:spcBef>
+              <a:spcAft>
+                <a:spcPts val="0"/>
+              </a:spcAft>
+              <a:buNone/>
+            </a:pPr>
+            <a:r>
+              <a:t/>
+            </a:r>
+            <a:endParaRPr b="1" sz="900">
+              <a:solidFill>
+                <a:schemeClr val="accent3"/>
+              </a:solidFill>
+              <a:latin typeface="Proxima Nova"/>
+              <a:ea typeface="Proxima Nova"/>
+              <a:cs typeface="Proxima Nova"/>
+              <a:sym typeface="Proxima Nova"/>
+            </a:endParaRPr>
+          </a:p>
+          <a:p>
+            <a:pPr indent="0" lvl="0" marL="0" rtl="0" algn="l">
+              <a:spcBef>
+                <a:spcPts val="0"/>
+              </a:spcBef>
+              <a:spcAft>
+                <a:spcPts val="0"/>
+              </a:spcAft>
+              <a:buNone/>
+            </a:pPr>
+            <a:r>
+              <a:rPr b="1" lang="ja" sz="900">
+                <a:solidFill>
+                  <a:schemeClr val="accent3"/>
+                </a:solidFill>
+                <a:latin typeface="Proxima Nova"/>
+                <a:ea typeface="Proxima Nova"/>
+                <a:cs typeface="Proxima Nova"/>
+                <a:sym typeface="Proxima Nova"/>
+              </a:rPr>
+              <a:t>### トレマー朝</a:t>
+            </a:r>
+            <a:endParaRPr b="1" sz="900">
+              <a:solidFill>
+                <a:schemeClr val="accent3"/>
+              </a:solidFill>
+              <a:latin typeface="Proxima Nova"/>
+              <a:ea typeface="Proxima Nova"/>
+              <a:cs typeface="Proxima Nova"/>
+              <a:sym typeface="Proxima Nova"/>
+            </a:endParaRPr>
+          </a:p>
+          <a:p>
+            <a:pPr indent="0" lvl="0" marL="0" rtl="0" algn="l">
+              <a:spcBef>
+                <a:spcPts val="0"/>
+              </a:spcBef>
+              <a:spcAft>
+                <a:spcPts val="0"/>
+              </a:spcAft>
+              <a:buNone/>
+            </a:pPr>
+            <a:r>
+              <a:rPr b="1" lang="ja" sz="900">
+                <a:solidFill>
+                  <a:schemeClr val="accent3"/>
+                </a:solidFill>
+                <a:latin typeface="Proxima Nova"/>
+                <a:ea typeface="Proxima Nova"/>
+                <a:cs typeface="Proxima Nova"/>
+                <a:sym typeface="Proxima Nova"/>
+              </a:rPr>
+              <a:t>プトレマイオス1世ソテルによって創設されたプトレマイオス朝は、エジプトを支配し、アレクサンドリアを主要な文化・知的中心地として確立しました。この王朝は紀元前30年のエジプト併合まで続きました。</a:t>
+            </a:r>
+            <a:endParaRPr b="1" sz="900">
+              <a:solidFill>
+                <a:schemeClr val="accent3"/>
+              </a:solidFill>
+              <a:latin typeface="Proxima Nova"/>
+              <a:ea typeface="Proxima Nova"/>
+              <a:cs typeface="Proxima Nova"/>
+              <a:sym typeface="Proxima Nova"/>
+            </a:endParaRPr>
+          </a:p>
+          <a:p>
+            <a:pPr indent="0" lvl="0" marL="0" rtl="0" algn="l">
+              <a:spcBef>
+                <a:spcPts val="0"/>
+              </a:spcBef>
+              <a:spcAft>
+                <a:spcPts val="0"/>
+              </a:spcAft>
+              <a:buNone/>
+            </a:pPr>
+            <a:r>
+              <a:t/>
+            </a:r>
+            <a:endParaRPr b="1" sz="900">
+              <a:solidFill>
+                <a:schemeClr val="accent3"/>
+              </a:solidFill>
+              <a:latin typeface="Proxima Nova"/>
+              <a:ea typeface="Proxima Nova"/>
+              <a:cs typeface="Proxima Nova"/>
+              <a:sym typeface="Proxima Nova"/>
+            </a:endParaRPr>
+          </a:p>
+          <a:p>
+            <a:pPr indent="0" lvl="0" marL="0" rtl="0" algn="l">
+              <a:spcBef>
+                <a:spcPts val="0"/>
+              </a:spcBef>
+              <a:spcAft>
+                <a:spcPts val="0"/>
+              </a:spcAft>
+              <a:buNone/>
+            </a:pPr>
+            <a:r>
+              <a:rPr b="1" lang="ja" sz="900">
+                <a:solidFill>
+                  <a:schemeClr val="accent3"/>
+                </a:solidFill>
+                <a:latin typeface="Proxima Nova"/>
+                <a:ea typeface="Proxima Nova"/>
+                <a:cs typeface="Proxima Nova"/>
+                <a:sym typeface="Proxima Nova"/>
+              </a:rPr>
+              <a:t>### セレウコス朝</a:t>
+            </a:r>
+            <a:endParaRPr b="1" sz="900">
+              <a:solidFill>
+                <a:schemeClr val="accent3"/>
+              </a:solidFill>
+              <a:latin typeface="Proxima Nova"/>
+              <a:ea typeface="Proxima Nova"/>
+              <a:cs typeface="Proxima Nova"/>
+              <a:sym typeface="Proxima Nova"/>
+            </a:endParaRPr>
+          </a:p>
+          <a:p>
+            <a:pPr indent="0" lvl="0" marL="0" rtl="0" algn="l">
+              <a:spcBef>
+                <a:spcPts val="0"/>
+              </a:spcBef>
+              <a:spcAft>
+                <a:spcPts val="0"/>
+              </a:spcAft>
+              <a:buNone/>
+            </a:pPr>
+            <a:r>
+              <a:rPr b="1" lang="ja" sz="900">
+                <a:solidFill>
+                  <a:schemeClr val="accent3"/>
+                </a:solidFill>
+                <a:latin typeface="Proxima Nova"/>
+                <a:ea typeface="Proxima Nova"/>
+                <a:cs typeface="Proxima Nova"/>
+                <a:sym typeface="Proxima Nova"/>
+              </a:rPr>
+              <a:t>セレウコス1世ニカトルによって創設されたセレウコス朝は、アジア小アジアからインダス川流域まで広がる広大な領土を支配しました。</a:t>
+            </a:r>
+            <a:endParaRPr b="1" sz="900">
+              <a:solidFill>
+                <a:schemeClr val="accent3"/>
+              </a:solidFill>
+              <a:latin typeface="Proxima Nova"/>
+              <a:ea typeface="Proxima Nova"/>
+              <a:cs typeface="Proxima Nova"/>
+              <a:sym typeface="Proxima Nova"/>
+            </a:endParaRPr>
+          </a:p>
+          <a:p>
+            <a:pPr indent="0" lvl="0" marL="0" rtl="0" algn="l">
+              <a:spcBef>
+                <a:spcPts val="0"/>
+              </a:spcBef>
+              <a:spcAft>
+                <a:spcPts val="0"/>
+              </a:spcAft>
+              <a:buNone/>
+            </a:pPr>
+            <a:r>
+              <a:t/>
+            </a:r>
+            <a:endParaRPr b="1" sz="900">
+              <a:solidFill>
+                <a:schemeClr val="accent3"/>
+              </a:solidFill>
+              <a:latin typeface="Proxima Nova"/>
+              <a:ea typeface="Proxima Nova"/>
+              <a:cs typeface="Proxima Nova"/>
+              <a:sym typeface="Proxima Nova"/>
+            </a:endParaRPr>
+          </a:p>
+          <a:p>
+            <a:pPr indent="0" lvl="0" marL="0" rtl="0" algn="l">
+              <a:spcBef>
+                <a:spcPts val="0"/>
+              </a:spcBef>
+              <a:spcAft>
+                <a:spcPts val="0"/>
+              </a:spcAft>
+              <a:buNone/>
+            </a:pPr>
+            <a:r>
+              <a:rPr b="1" lang="ja" sz="900">
+                <a:solidFill>
+                  <a:schemeClr val="accent3"/>
+                </a:solidFill>
+                <a:latin typeface="Proxima Nova"/>
+                <a:ea typeface="Proxima Nova"/>
+                <a:cs typeface="Proxima Nova"/>
+                <a:sym typeface="Proxima Nova"/>
+              </a:rPr>
+              <a:t>## 参考リンク</a:t>
+            </a:r>
+            <a:endParaRPr b="1" sz="900">
+              <a:solidFill>
+                <a:schemeClr val="accent3"/>
+              </a:solidFill>
+              <a:latin typeface="Proxima Nova"/>
+              <a:ea typeface="Proxima Nova"/>
+              <a:cs typeface="Proxima Nova"/>
+              <a:sym typeface="Proxima Nova"/>
+            </a:endParaRPr>
+          </a:p>
+          <a:p>
+            <a:pPr indent="0" lvl="0" marL="0" rtl="0" algn="l">
+              <a:spcBef>
+                <a:spcPts val="0"/>
+              </a:spcBef>
+              <a:spcAft>
+                <a:spcPts val="0"/>
+              </a:spcAft>
+              <a:buNone/>
+            </a:pPr>
+            <a:r>
+              <a:rPr b="1" lang="ja" sz="900">
+                <a:solidFill>
+                  <a:schemeClr val="accent3"/>
+                </a:solidFill>
+                <a:latin typeface="Proxima Nova"/>
+                <a:ea typeface="Proxima Nova"/>
+                <a:cs typeface="Proxima Nova"/>
+                <a:sym typeface="Proxima Nova"/>
+              </a:rPr>
+              <a:t>- https://en.wikipedia.org/wiki/Wars_of_the_Diadochi</a:t>
+            </a:r>
+            <a:endParaRPr b="1" sz="900">
+              <a:solidFill>
+                <a:schemeClr val="accent3"/>
+              </a:solidFill>
+              <a:latin typeface="Proxima Nova"/>
+              <a:ea typeface="Proxima Nova"/>
+              <a:cs typeface="Proxima Nova"/>
+              <a:sym typeface="Proxima Nova"/>
+            </a:endParaRPr>
+          </a:p>
+          <a:p>
+            <a:pPr indent="0" lvl="0" marL="0" rtl="0" algn="l">
+              <a:spcBef>
+                <a:spcPts val="0"/>
+              </a:spcBef>
+              <a:spcAft>
+                <a:spcPts val="0"/>
+              </a:spcAft>
+              <a:buNone/>
+            </a:pPr>
+            <a:r>
+              <a:rPr b="1" lang="ja" sz="900">
+                <a:solidFill>
+                  <a:schemeClr val="accent3"/>
+                </a:solidFill>
+                <a:latin typeface="Proxima Nova"/>
+                <a:ea typeface="Proxima Nova"/>
+                <a:cs typeface="Proxima Nova"/>
+                <a:sym typeface="Proxima Nova"/>
+              </a:rPr>
+              <a:t>- https://www.worldhistory.org/Wars_of_the_Diadochi/</a:t>
+            </a:r>
+            <a:endParaRPr b="1" sz="900">
+              <a:solidFill>
+                <a:schemeClr val="accent3"/>
+              </a:solidFill>
+              <a:latin typeface="Proxima Nova"/>
+              <a:ea typeface="Proxima Nova"/>
+              <a:cs typeface="Proxima Nova"/>
+              <a:sym typeface="Proxima Nova"/>
+            </a:endParaRPr>
+          </a:p>
+          <a:p>
+            <a:pPr indent="0" lvl="0" marL="0" rtl="0" algn="l">
+              <a:spcBef>
+                <a:spcPts val="0"/>
+              </a:spcBef>
+              <a:spcAft>
+                <a:spcPts val="0"/>
+              </a:spcAft>
+              <a:buNone/>
+            </a:pPr>
+            <a:r>
+              <a:rPr b="1" lang="ja" sz="900">
+                <a:solidFill>
+                  <a:schemeClr val="accent3"/>
+                </a:solidFill>
+                <a:latin typeface="Proxima Nova"/>
+                <a:ea typeface="Proxima Nova"/>
+                <a:cs typeface="Proxima Nova"/>
+                <a:sym typeface="Proxima Nova"/>
+              </a:rPr>
+              <a:t>- https://www.thecollector.com/who-were-the-diadochi-of-alexander-the-great/</a:t>
+            </a:r>
+            <a:endParaRPr b="1" sz="900">
+              <a:solidFill>
+                <a:schemeClr val="accent3"/>
+              </a:solidFill>
+              <a:latin typeface="Proxima Nova"/>
+              <a:ea typeface="Proxima Nova"/>
+              <a:cs typeface="Proxima Nova"/>
+              <a:sym typeface="Proxima Nova"/>
+            </a:endParaRPr>
+          </a:p>
+          <a:p>
+            <a:pPr indent="0" lvl="0" marL="0" rtl="0" algn="l">
+              <a:spcBef>
+                <a:spcPts val="0"/>
+              </a:spcBef>
+              <a:spcAft>
+                <a:spcPts val="0"/>
+              </a:spcAft>
+              <a:buNone/>
+            </a:pPr>
+            <a:r>
+              <a:rPr b="1" lang="ja" sz="900">
+                <a:solidFill>
+                  <a:schemeClr val="accent3"/>
+                </a:solidFill>
+                <a:latin typeface="Proxima Nova"/>
+                <a:ea typeface="Proxima Nova"/>
+                <a:cs typeface="Proxima Nova"/>
+                <a:sym typeface="Proxima Nova"/>
+              </a:rPr>
+              <a:t>- https://www.livius.org/articles/concept/diadochi/</a:t>
+            </a:r>
+            <a:endParaRPr b="1" sz="900">
+              <a:solidFill>
+                <a:schemeClr val="accent3"/>
+              </a:solidFill>
+              <a:latin typeface="Proxima Nova"/>
+              <a:ea typeface="Proxima Nova"/>
+              <a:cs typeface="Proxima Nova"/>
+              <a:sym typeface="Proxima Nova"/>
+            </a:endParaRPr>
+          </a:p>
+          <a:p>
+            <a:pPr indent="0" lvl="0" marL="0" rtl="0" algn="l">
+              <a:spcBef>
+                <a:spcPts val="0"/>
+              </a:spcBef>
+              <a:spcAft>
+                <a:spcPts val="0"/>
+              </a:spcAft>
+              <a:buNone/>
+            </a:pPr>
+            <a:r>
+              <a:rPr b="1" lang="ja" sz="900">
+                <a:solidFill>
+                  <a:schemeClr val="accent3"/>
+                </a:solidFill>
+                <a:latin typeface="Proxima Nova"/>
+                <a:ea typeface="Proxima Nova"/>
+                <a:cs typeface="Proxima Nova"/>
+                <a:sym typeface="Proxima Nova"/>
+              </a:rPr>
+              <a:t>- https://www.ancient-origins.net/history-important-events/diadochi-0016823</a:t>
+            </a:r>
+            <a:endParaRPr b="1" sz="900">
+              <a:solidFill>
+                <a:schemeClr val="accent3"/>
+              </a:solidFill>
+              <a:latin typeface="Proxima Nova"/>
+              <a:ea typeface="Proxima Nova"/>
+              <a:cs typeface="Proxima Nova"/>
+              <a:sym typeface="Proxima Nova"/>
+            </a:endParaRPr>
+          </a:p>
+          <a:p>
+            <a:pPr indent="0" lvl="0" marL="0" rtl="0" algn="l">
+              <a:spcBef>
+                <a:spcPts val="0"/>
+              </a:spcBef>
+              <a:spcAft>
+                <a:spcPts val="0"/>
+              </a:spcAft>
+              <a:buNone/>
+            </a:pPr>
+            <a:r>
+              <a:rPr b="1" lang="ja" sz="900">
+                <a:solidFill>
+                  <a:schemeClr val="accent3"/>
+                </a:solidFill>
+                <a:latin typeface="Proxima Nova"/>
+                <a:ea typeface="Proxima Nova"/>
+                <a:cs typeface="Proxima Nova"/>
+                <a:sym typeface="Proxima Nova"/>
+              </a:rPr>
+              <a:t>- https://www.worldhistory.org/timeline/Wars_of_the_Diadochi/</a:t>
+            </a:r>
+            <a:endParaRPr b="1" sz="900">
+              <a:solidFill>
+                <a:schemeClr val="accent3"/>
+              </a:solidFill>
+              <a:latin typeface="Proxima Nova"/>
+              <a:ea typeface="Proxima Nova"/>
+              <a:cs typeface="Proxima Nova"/>
+              <a:sym typeface="Proxima Nova"/>
+            </a:endParaRPr>
+          </a:p>
+          <a:p>
+            <a:pPr indent="0" lvl="0" marL="0" rtl="0" algn="l">
+              <a:spcBef>
+                <a:spcPts val="0"/>
+              </a:spcBef>
+              <a:spcAft>
+                <a:spcPts val="0"/>
+              </a:spcAft>
+              <a:buNone/>
+            </a:pPr>
+            <a:r>
+              <a:rPr b="1" lang="ja" sz="900">
+                <a:solidFill>
+                  <a:schemeClr val="accent3"/>
+                </a:solidFill>
+                <a:latin typeface="Proxima Nova"/>
+                <a:ea typeface="Proxima Nova"/>
+                <a:cs typeface="Proxima Nova"/>
+                <a:sym typeface="Proxima Nova"/>
+              </a:rPr>
+              <a:t>- https://history-maps.com/story/Seleucid-Empire/event/Wars-of-the-Diadochi</a:t>
+            </a:r>
+            <a:endParaRPr b="1" sz="900">
+              <a:solidFill>
+                <a:schemeClr val="accent3"/>
+              </a:solidFill>
+              <a:latin typeface="Proxima Nova"/>
+              <a:ea typeface="Proxima Nova"/>
+              <a:cs typeface="Proxima Nova"/>
+              <a:sym typeface="Proxima Nova"/>
+            </a:endParaRPr>
+          </a:p>
+        </p:txBody>
+      </p:sp>
     </p:spTree>
   </p:cSld>
   <p:clrMapOvr>
@@ -14828,6 +21522,285 @@
 </file>
 
 <file path=ppt/theme/theme1.xml><?xml version="1.0" encoding="utf-8"?>
+<a:theme xmlns:a="http://schemas.openxmlformats.org/drawingml/2006/main" xmlns:r="http://schemas.openxmlformats.org/officeDocument/2006/relationships" name="Spearmint">
+  <a:themeElements>
+    <a:clrScheme name="Spearmint">
+      <a:dk1>
+        <a:srgbClr val="202729"/>
+      </a:dk1>
+      <a:lt1>
+        <a:srgbClr val="FFFFFF"/>
+      </a:lt1>
+      <a:dk2>
+        <a:srgbClr val="4BA173"/>
+      </a:dk2>
+      <a:lt2>
+        <a:srgbClr val="63D297"/>
+      </a:lt2>
+      <a:accent1>
+        <a:srgbClr val="353744"/>
+      </a:accent1>
+      <a:accent2>
+        <a:srgbClr val="424242"/>
+      </a:accent2>
+      <a:accent3>
+        <a:srgbClr val="616161"/>
+      </a:accent3>
+      <a:accent4>
+        <a:srgbClr val="F0F0F0"/>
+      </a:accent4>
+      <a:accent5>
+        <a:srgbClr val="FF5252"/>
+      </a:accent5>
+      <a:accent6>
+        <a:srgbClr val="FFF176"/>
+      </a:accent6>
+      <a:hlink>
+        <a:srgbClr val="FF5252"/>
+      </a:hlink>
+      <a:folHlink>
+        <a:srgbClr val="FF5252"/>
+      </a:folHlink>
+    </a:clrScheme>
+    <a:fontScheme name="Office">
+      <a:majorFont>
+        <a:latin typeface="Arial"/>
+        <a:ea typeface=""/>
+        <a:cs typeface=""/>
+        <a:font script="Jpan" typeface="ＭＳ Ｐゴシック"/>
+        <a:font script="Hang" typeface="맑은 고딕"/>
+        <a:font script="Hans" typeface="宋体"/>
+        <a:font script="Hant" typeface="新細明體"/>
+        <a:font script="Arab" typeface="Times New Roman"/>
+        <a:font script="Hebr" typeface="Times New Roman"/>
+        <a:font script="Thai" typeface="Angsana New"/>
+        <a:font script="Ethi" typeface="Nyala"/>
+        <a:font script="Beng" typeface="Vrinda"/>
+        <a:font script="Gujr" typeface="Shruti"/>
+        <a:font script="Khmr" typeface="MoolBoran"/>
+        <a:font script="Knda" typeface="Tunga"/>
+        <a:font script="Guru" typeface="Raavi"/>
+        <a:font script="Cans" typeface="Euphemia"/>
+        <a:font script="Cher" typeface="Plantagenet Cherokee"/>
+        <a:font script="Yiii" typeface="Microsoft Yi Baiti"/>
+        <a:font script="Tibt" typeface="Microsoft Himalaya"/>
+        <a:font script="Thaa" typeface="MV Boli"/>
+        <a:font script="Deva" typeface="Mangal"/>
+        <a:font script="Telu" typeface="Gautami"/>
+        <a:font script="Taml" typeface="Latha"/>
+        <a:font script="Syrc" typeface="Estrangelo Edessa"/>
+        <a:font script="Orya" typeface="Kalinga"/>
+        <a:font script="Mlym" typeface="Kartika"/>
+        <a:font script="Laoo" typeface="DokChampa"/>
+        <a:font script="Sinh" typeface="Iskoola Pota"/>
+        <a:font script="Mong" typeface="Mongolian Baiti"/>
+        <a:font script="Viet" typeface="Times New Roman"/>
+        <a:font script="Uigh" typeface="Microsoft Uighur"/>
+        <a:font script="Geor" typeface="Sylfaen"/>
+      </a:majorFont>
+      <a:minorFont>
+        <a:latin typeface="Arial"/>
+        <a:ea typeface=""/>
+        <a:cs typeface=""/>
+        <a:font script="Jpan" typeface="ＭＳ Ｐゴシック"/>
+        <a:font script="Hang" typeface="맑은 고딕"/>
+        <a:font script="Hans" typeface="宋体"/>
+        <a:font script="Hant" typeface="新細明體"/>
+        <a:font script="Arab" typeface="Arial"/>
+        <a:font script="Hebr" typeface="Arial"/>
+        <a:font script="Thai" typeface="Cordia New"/>
+        <a:font script="Ethi" typeface="Nyala"/>
+        <a:font script="Beng" typeface="Vrinda"/>
+        <a:font script="Gujr" typeface="Shruti"/>
+        <a:font script="Khmr" typeface="DaunPenh"/>
+        <a:font script="Knda" typeface="Tunga"/>
+        <a:font script="Guru" typeface="Raavi"/>
+        <a:font script="Cans" typeface="Euphemia"/>
+        <a:font script="Cher" typeface="Plantagenet Cherokee"/>
+        <a:font script="Yiii" typeface="Microsoft Yi Baiti"/>
+        <a:font script="Tibt" typeface="Microsoft Himalaya"/>
+        <a:font script="Thaa" typeface="MV Boli"/>
+        <a:font script="Deva" typeface="Mangal"/>
+        <a:font script="Telu" typeface="Gautami"/>
+        <a:font script="Taml" typeface="Latha"/>
+        <a:font script="Syrc" typeface="Estrangelo Edessa"/>
+        <a:font script="Orya" typeface="Kalinga"/>
+        <a:font script="Mlym" typeface="Kartika"/>
+        <a:font script="Laoo" typeface="DokChampa"/>
+        <a:font script="Sinh" typeface="Iskoola Pota"/>
+        <a:font script="Mong" typeface="Mongolian Baiti"/>
+        <a:font script="Viet" typeface="Arial"/>
+        <a:font script="Uigh" typeface="Microsoft Uighur"/>
+        <a:font script="Geor" typeface="Sylfaen"/>
+      </a:minorFont>
+    </a:fontScheme>
+    <a:fmtScheme name="Office">
+      <a:fillStyleLst>
+        <a:solidFill>
+          <a:schemeClr val="phClr"/>
+        </a:solidFill>
+        <a:gradFill rotWithShape="1">
+          <a:gsLst>
+            <a:gs pos="0">
+              <a:schemeClr val="phClr">
+                <a:tint val="50000"/>
+                <a:satMod val="300000"/>
+              </a:schemeClr>
+            </a:gs>
+            <a:gs pos="35000">
+              <a:schemeClr val="phClr">
+                <a:tint val="37000"/>
+                <a:satMod val="300000"/>
+              </a:schemeClr>
+            </a:gs>
+            <a:gs pos="100000">
+              <a:schemeClr val="phClr">
+                <a:tint val="15000"/>
+                <a:satMod val="350000"/>
+              </a:schemeClr>
+            </a:gs>
+          </a:gsLst>
+          <a:lin ang="16200000" scaled="1"/>
+        </a:gradFill>
+        <a:gradFill rotWithShape="1">
+          <a:gsLst>
+            <a:gs pos="0">
+              <a:schemeClr val="phClr">
+                <a:tint val="100000"/>
+                <a:shade val="100000"/>
+                <a:satMod val="130000"/>
+              </a:schemeClr>
+            </a:gs>
+            <a:gs pos="100000">
+              <a:schemeClr val="phClr">
+                <a:tint val="50000"/>
+                <a:shade val="100000"/>
+                <a:satMod val="350000"/>
+              </a:schemeClr>
+            </a:gs>
+          </a:gsLst>
+          <a:lin ang="16200000" scaled="0"/>
+        </a:gradFill>
+      </a:fillStyleLst>
+      <a:lnStyleLst>
+        <a:ln w="9525" cap="flat" cmpd="sng" algn="ctr">
+          <a:solidFill>
+            <a:schemeClr val="phClr">
+              <a:shade val="95000"/>
+              <a:satMod val="105000"/>
+            </a:schemeClr>
+          </a:solidFill>
+          <a:prstDash val="solid"/>
+        </a:ln>
+        <a:ln w="25400" cap="flat" cmpd="sng" algn="ctr">
+          <a:solidFill>
+            <a:schemeClr val="phClr"/>
+          </a:solidFill>
+          <a:prstDash val="solid"/>
+        </a:ln>
+        <a:ln w="38100" cap="flat" cmpd="sng" algn="ctr">
+          <a:solidFill>
+            <a:schemeClr val="phClr"/>
+          </a:solidFill>
+          <a:prstDash val="solid"/>
+        </a:ln>
+      </a:lnStyleLst>
+      <a:effectStyleLst>
+        <a:effectStyle>
+          <a:effectLst>
+            <a:outerShdw blurRad="40000" dist="20000" dir="5400000" rotWithShape="0">
+              <a:srgbClr val="000000">
+                <a:alpha val="38000"/>
+              </a:srgbClr>
+            </a:outerShdw>
+          </a:effectLst>
+        </a:effectStyle>
+        <a:effectStyle>
+          <a:effectLst>
+            <a:outerShdw blurRad="40000" dist="23000" dir="5400000" rotWithShape="0">
+              <a:srgbClr val="000000">
+                <a:alpha val="35000"/>
+              </a:srgbClr>
+            </a:outerShdw>
+          </a:effectLst>
+        </a:effectStyle>
+        <a:effectStyle>
+          <a:effectLst>
+            <a:outerShdw blurRad="40000" dist="23000" dir="5400000" rotWithShape="0">
+              <a:srgbClr val="000000">
+                <a:alpha val="35000"/>
+              </a:srgbClr>
+            </a:outerShdw>
+          </a:effectLst>
+          <a:scene3d>
+            <a:camera prst="orthographicFront">
+              <a:rot lat="0" lon="0" rev="0"/>
+            </a:camera>
+            <a:lightRig rig="threePt" dir="t">
+              <a:rot lat="0" lon="0" rev="1200000"/>
+            </a:lightRig>
+          </a:scene3d>
+          <a:sp3d>
+            <a:bevelT w="63500" h="25400"/>
+          </a:sp3d>
+        </a:effectStyle>
+      </a:effectStyleLst>
+      <a:bgFillStyleLst>
+        <a:solidFill>
+          <a:schemeClr val="phClr"/>
+        </a:solidFill>
+        <a:gradFill rotWithShape="1">
+          <a:gsLst>
+            <a:gs pos="0">
+              <a:schemeClr val="phClr">
+                <a:tint val="40000"/>
+                <a:satMod val="350000"/>
+              </a:schemeClr>
+            </a:gs>
+            <a:gs pos="40000">
+              <a:schemeClr val="phClr">
+                <a:tint val="45000"/>
+                <a:shade val="99000"/>
+                <a:satMod val="350000"/>
+              </a:schemeClr>
+            </a:gs>
+            <a:gs pos="100000">
+              <a:schemeClr val="phClr">
+                <a:shade val="20000"/>
+                <a:satMod val="255000"/>
+              </a:schemeClr>
+            </a:gs>
+          </a:gsLst>
+          <a:path path="circle">
+            <a:fillToRect l="50000" t="-80000" r="50000" b="180000"/>
+          </a:path>
+        </a:gradFill>
+        <a:gradFill rotWithShape="1">
+          <a:gsLst>
+            <a:gs pos="0">
+              <a:schemeClr val="phClr">
+                <a:tint val="80000"/>
+                <a:satMod val="300000"/>
+              </a:schemeClr>
+            </a:gs>
+            <a:gs pos="100000">
+              <a:schemeClr val="phClr">
+                <a:shade val="30000"/>
+                <a:satMod val="200000"/>
+              </a:schemeClr>
+            </a:gs>
+          </a:gsLst>
+          <a:path path="circle">
+            <a:fillToRect l="50000" t="50000" r="50000" b="50000"/>
+          </a:path>
+        </a:gradFill>
+      </a:bgFillStyleLst>
+    </a:fmtScheme>
+  </a:themeElements>
+</a:theme>
+</file>
+
+<file path=ppt/theme/theme2.xml><?xml version="1.0" encoding="utf-8"?>
 <a:theme xmlns:a="http://schemas.openxmlformats.org/drawingml/2006/main" xmlns:r="http://schemas.openxmlformats.org/officeDocument/2006/relationships">
   <a:themeElements>
     <a:clrScheme name="Default">
@@ -15104,283 +22077,4 @@
     </a:fmtScheme>
   </a:themeElements>
 </a:theme>
-</file>
-
-<file path=ppt/theme/theme2.xml><?xml version="1.0" encoding="utf-8"?>
-<a:theme xmlns:a="http://schemas.openxmlformats.org/drawingml/2006/main" xmlns:r="http://schemas.openxmlformats.org/officeDocument/2006/relationships" name="Spearmint">
-  <a:themeElements>
-    <a:clrScheme name="Spearmint">
-      <a:dk1>
-        <a:srgbClr val="202729"/>
-      </a:dk1>
-      <a:lt1>
-        <a:srgbClr val="FFFFFF"/>
-      </a:lt1>
-      <a:dk2>
-        <a:srgbClr val="4BA173"/>
-      </a:dk2>
-      <a:lt2>
-        <a:srgbClr val="63D297"/>
-      </a:lt2>
-      <a:accent1>
-        <a:srgbClr val="353744"/>
-      </a:accent1>
-      <a:accent2>
-        <a:srgbClr val="424242"/>
-      </a:accent2>
-      <a:accent3>
-        <a:srgbClr val="616161"/>
-      </a:accent3>
-      <a:accent4>
-        <a:srgbClr val="F0F0F0"/>
-      </a:accent4>
-      <a:accent5>
-        <a:srgbClr val="FF5252"/>
-      </a:accent5>
-      <a:accent6>
-        <a:srgbClr val="FFF176"/>
-      </a:accent6>
-      <a:hlink>
-        <a:srgbClr val="FF5252"/>
-      </a:hlink>
-      <a:folHlink>
-        <a:srgbClr val="FF5252"/>
-      </a:folHlink>
-    </a:clrScheme>
-    <a:fontScheme name="Office">
-      <a:majorFont>
-        <a:latin typeface="Arial"/>
-        <a:ea typeface=""/>
-        <a:cs typeface=""/>
-        <a:font script="Jpan" typeface="ＭＳ Ｐゴシック"/>
-        <a:font script="Hang" typeface="맑은 고딕"/>
-        <a:font script="Hans" typeface="宋体"/>
-        <a:font script="Hant" typeface="新細明體"/>
-        <a:font script="Arab" typeface="Times New Roman"/>
-        <a:font script="Hebr" typeface="Times New Roman"/>
-        <a:font script="Thai" typeface="Angsana New"/>
-        <a:font script="Ethi" typeface="Nyala"/>
-        <a:font script="Beng" typeface="Vrinda"/>
-        <a:font script="Gujr" typeface="Shruti"/>
-        <a:font script="Khmr" typeface="MoolBoran"/>
-        <a:font script="Knda" typeface="Tunga"/>
-        <a:font script="Guru" typeface="Raavi"/>
-        <a:font script="Cans" typeface="Euphemia"/>
-        <a:font script="Cher" typeface="Plantagenet Cherokee"/>
-        <a:font script="Yiii" typeface="Microsoft Yi Baiti"/>
-        <a:font script="Tibt" typeface="Microsoft Himalaya"/>
-        <a:font script="Thaa" typeface="MV Boli"/>
-        <a:font script="Deva" typeface="Mangal"/>
-        <a:font script="Telu" typeface="Gautami"/>
-        <a:font script="Taml" typeface="Latha"/>
-        <a:font script="Syrc" typeface="Estrangelo Edessa"/>
-        <a:font script="Orya" typeface="Kalinga"/>
-        <a:font script="Mlym" typeface="Kartika"/>
-        <a:font script="Laoo" typeface="DokChampa"/>
-        <a:font script="Sinh" typeface="Iskoola Pota"/>
-        <a:font script="Mong" typeface="Mongolian Baiti"/>
-        <a:font script="Viet" typeface="Times New Roman"/>
-        <a:font script="Uigh" typeface="Microsoft Uighur"/>
-        <a:font script="Geor" typeface="Sylfaen"/>
-      </a:majorFont>
-      <a:minorFont>
-        <a:latin typeface="Arial"/>
-        <a:ea typeface=""/>
-        <a:cs typeface=""/>
-        <a:font script="Jpan" typeface="ＭＳ Ｐゴシック"/>
-        <a:font script="Hang" typeface="맑은 고딕"/>
-        <a:font script="Hans" typeface="宋体"/>
-        <a:font script="Hant" typeface="新細明體"/>
-        <a:font script="Arab" typeface="Arial"/>
-        <a:font script="Hebr" typeface="Arial"/>
-        <a:font script="Thai" typeface="Cordia New"/>
-        <a:font script="Ethi" typeface="Nyala"/>
-        <a:font script="Beng" typeface="Vrinda"/>
-        <a:font script="Gujr" typeface="Shruti"/>
-        <a:font script="Khmr" typeface="DaunPenh"/>
-        <a:font script="Knda" typeface="Tunga"/>
-        <a:font script="Guru" typeface="Raavi"/>
-        <a:font script="Cans" typeface="Euphemia"/>
-        <a:font script="Cher" typeface="Plantagenet Cherokee"/>
-        <a:font script="Yiii" typeface="Microsoft Yi Baiti"/>
-        <a:font script="Tibt" typeface="Microsoft Himalaya"/>
-        <a:font script="Thaa" typeface="MV Boli"/>
-        <a:font script="Deva" typeface="Mangal"/>
-        <a:font script="Telu" typeface="Gautami"/>
-        <a:font script="Taml" typeface="Latha"/>
-        <a:font script="Syrc" typeface="Estrangelo Edessa"/>
-        <a:font script="Orya" typeface="Kalinga"/>
-        <a:font script="Mlym" typeface="Kartika"/>
-        <a:font script="Laoo" typeface="DokChampa"/>
-        <a:font script="Sinh" typeface="Iskoola Pota"/>
-        <a:font script="Mong" typeface="Mongolian Baiti"/>
-        <a:font script="Viet" typeface="Arial"/>
-        <a:font script="Uigh" typeface="Microsoft Uighur"/>
-        <a:font script="Geor" typeface="Sylfaen"/>
-      </a:minorFont>
-    </a:fontScheme>
-    <a:fmtScheme name="Office">
-      <a:fillStyleLst>
-        <a:solidFill>
-          <a:schemeClr val="phClr"/>
-        </a:solidFill>
-        <a:gradFill rotWithShape="1">
-          <a:gsLst>
-            <a:gs pos="0">
-              <a:schemeClr val="phClr">
-                <a:tint val="50000"/>
-                <a:satMod val="300000"/>
-              </a:schemeClr>
-            </a:gs>
-            <a:gs pos="35000">
-              <a:schemeClr val="phClr">
-                <a:tint val="37000"/>
-                <a:satMod val="300000"/>
-              </a:schemeClr>
-            </a:gs>
-            <a:gs pos="100000">
-              <a:schemeClr val="phClr">
-                <a:tint val="15000"/>
-                <a:satMod val="350000"/>
-              </a:schemeClr>
-            </a:gs>
-          </a:gsLst>
-          <a:lin ang="16200000" scaled="1"/>
-        </a:gradFill>
-        <a:gradFill rotWithShape="1">
-          <a:gsLst>
-            <a:gs pos="0">
-              <a:schemeClr val="phClr">
-                <a:tint val="100000"/>
-                <a:shade val="100000"/>
-                <a:satMod val="130000"/>
-              </a:schemeClr>
-            </a:gs>
-            <a:gs pos="100000">
-              <a:schemeClr val="phClr">
-                <a:tint val="50000"/>
-                <a:shade val="100000"/>
-                <a:satMod val="350000"/>
-              </a:schemeClr>
-            </a:gs>
-          </a:gsLst>
-          <a:lin ang="16200000" scaled="0"/>
-        </a:gradFill>
-      </a:fillStyleLst>
-      <a:lnStyleLst>
-        <a:ln w="9525" cap="flat" cmpd="sng" algn="ctr">
-          <a:solidFill>
-            <a:schemeClr val="phClr">
-              <a:shade val="95000"/>
-              <a:satMod val="105000"/>
-            </a:schemeClr>
-          </a:solidFill>
-          <a:prstDash val="solid"/>
-        </a:ln>
-        <a:ln w="25400" cap="flat" cmpd="sng" algn="ctr">
-          <a:solidFill>
-            <a:schemeClr val="phClr"/>
-          </a:solidFill>
-          <a:prstDash val="solid"/>
-        </a:ln>
-        <a:ln w="38100" cap="flat" cmpd="sng" algn="ctr">
-          <a:solidFill>
-            <a:schemeClr val="phClr"/>
-          </a:solidFill>
-          <a:prstDash val="solid"/>
-        </a:ln>
-      </a:lnStyleLst>
-      <a:effectStyleLst>
-        <a:effectStyle>
-          <a:effectLst>
-            <a:outerShdw blurRad="40000" dist="20000" dir="5400000" rotWithShape="0">
-              <a:srgbClr val="000000">
-                <a:alpha val="38000"/>
-              </a:srgbClr>
-            </a:outerShdw>
-          </a:effectLst>
-        </a:effectStyle>
-        <a:effectStyle>
-          <a:effectLst>
-            <a:outerShdw blurRad="40000" dist="23000" dir="5400000" rotWithShape="0">
-              <a:srgbClr val="000000">
-                <a:alpha val="35000"/>
-              </a:srgbClr>
-            </a:outerShdw>
-          </a:effectLst>
-        </a:effectStyle>
-        <a:effectStyle>
-          <a:effectLst>
-            <a:outerShdw blurRad="40000" dist="23000" dir="5400000" rotWithShape="0">
-              <a:srgbClr val="000000">
-                <a:alpha val="35000"/>
-              </a:srgbClr>
-            </a:outerShdw>
-          </a:effectLst>
-          <a:scene3d>
-            <a:camera prst="orthographicFront">
-              <a:rot lat="0" lon="0" rev="0"/>
-            </a:camera>
-            <a:lightRig rig="threePt" dir="t">
-              <a:rot lat="0" lon="0" rev="1200000"/>
-            </a:lightRig>
-          </a:scene3d>
-          <a:sp3d>
-            <a:bevelT w="63500" h="25400"/>
-          </a:sp3d>
-        </a:effectStyle>
-      </a:effectStyleLst>
-      <a:bgFillStyleLst>
-        <a:solidFill>
-          <a:schemeClr val="phClr"/>
-        </a:solidFill>
-        <a:gradFill rotWithShape="1">
-          <a:gsLst>
-            <a:gs pos="0">
-              <a:schemeClr val="phClr">
-                <a:tint val="40000"/>
-                <a:satMod val="350000"/>
-              </a:schemeClr>
-            </a:gs>
-            <a:gs pos="40000">
-              <a:schemeClr val="phClr">
-                <a:tint val="45000"/>
-                <a:shade val="99000"/>
-                <a:satMod val="350000"/>
-              </a:schemeClr>
-            </a:gs>
-            <a:gs pos="100000">
-              <a:schemeClr val="phClr">
-                <a:shade val="20000"/>
-                <a:satMod val="255000"/>
-              </a:schemeClr>
-            </a:gs>
-          </a:gsLst>
-          <a:path path="circle">
-            <a:fillToRect l="50000" t="-80000" r="50000" b="180000"/>
-          </a:path>
-        </a:gradFill>
-        <a:gradFill rotWithShape="1">
-          <a:gsLst>
-            <a:gs pos="0">
-              <a:schemeClr val="phClr">
-                <a:tint val="80000"/>
-                <a:satMod val="300000"/>
-              </a:schemeClr>
-            </a:gs>
-            <a:gs pos="100000">
-              <a:schemeClr val="phClr">
-                <a:shade val="30000"/>
-                <a:satMod val="200000"/>
-              </a:schemeClr>
-            </a:gs>
-          </a:gsLst>
-          <a:path path="circle">
-            <a:fillToRect l="50000" t="50000" r="50000" b="50000"/>
-          </a:path>
-        </a:gradFill>
-      </a:bgFillStyleLst>
-    </a:fmtScheme>
-  </a:themeElements>
-</a:theme>
 </file>
--- a/WikiLikeSearchLLMAgent.pptx
+++ b/WikiLikeSearchLLMAgent.pptx
@@ -18,16 +18,19 @@
     <p:sldId id="263" r:id="rId13"/>
     <p:sldId id="264" r:id="rId14"/>
     <p:sldId id="265" r:id="rId15"/>
+    <p:sldId id="266" r:id="rId16"/>
+    <p:sldId id="267" r:id="rId17"/>
+    <p:sldId id="268" r:id="rId18"/>
   </p:sldIdLst>
   <p:sldSz cy="5143500" cx="9144000"/>
   <p:notesSz cx="6858000" cy="9144000"/>
   <p:embeddedFontLst>
     <p:embeddedFont>
       <p:font typeface="Proxima Nova"/>
-      <p:regular r:id="rId16"/>
-      <p:bold r:id="rId17"/>
-      <p:italic r:id="rId18"/>
-      <p:boldItalic r:id="rId19"/>
+      <p:regular r:id="rId19"/>
+      <p:bold r:id="rId20"/>
+      <p:italic r:id="rId21"/>
+      <p:boldItalic r:id="rId22"/>
     </p:embeddedFont>
   </p:embeddedFontLst>
   <p:defaultTextStyle>
@@ -902,6 +905,303 @@
 </p:notes>
 </file>
 
+<file path=ppt/notesSlides/notesSlide11.xml><?xml version="1.0" encoding="utf-8"?>
+<p:notes xmlns:a="http://schemas.openxmlformats.org/drawingml/2006/main" xmlns:r="http://schemas.openxmlformats.org/officeDocument/2006/relationships" xmlns:mc="http://schemas.openxmlformats.org/markup-compatibility/2006" xmlns:mv="urn:schemas-microsoft-com:mac:vml" xmlns:p="http://schemas.openxmlformats.org/presentationml/2006/main" xmlns:c="http://schemas.openxmlformats.org/drawingml/2006/chart" xmlns:dgm="http://schemas.openxmlformats.org/drawingml/2006/diagram" xmlns:o="urn:schemas-microsoft-com:office:office" xmlns:v="urn:schemas-microsoft-com:vml" xmlns:pvml="urn:schemas-microsoft-com:office:powerpoint" xmlns:com="http://schemas.openxmlformats.org/drawingml/2006/compatibility" xmlns:p14="http://schemas.microsoft.com/office/powerpoint/2010/main" xmlns:p15="http://schemas.microsoft.com/office/powerpoint/2012/main" xmlns:ahyp="http://schemas.microsoft.com/office/drawing/2018/hyperlinkcolor" showMasterPhAnim="0" showMasterSp="0">
+  <p:cSld>
+    <p:spTree>
+      <p:nvGrpSpPr>
+        <p:cNvPr id="237" name="Shape 237"/>
+        <p:cNvGrpSpPr/>
+        <p:nvPr/>
+      </p:nvGrpSpPr>
+      <p:grpSpPr>
+        <a:xfrm>
+          <a:off x="0" y="0"/>
+          <a:ext cx="0" cy="0"/>
+          <a:chOff x="0" y="0"/>
+          <a:chExt cx="0" cy="0"/>
+        </a:xfrm>
+      </p:grpSpPr>
+      <p:sp>
+        <p:nvSpPr>
+          <p:cNvPr id="238" name="Google Shape;238;g2de02396084_0_5:notes"/>
+          <p:cNvSpPr/>
+          <p:nvPr>
+            <p:ph idx="2" type="sldImg"/>
+          </p:nvPr>
+        </p:nvSpPr>
+        <p:spPr>
+          <a:xfrm>
+            <a:off x="381300" y="685800"/>
+            <a:ext cx="6096000" cy="3429000"/>
+          </a:xfrm>
+          <a:custGeom>
+            <a:rect b="b" l="l" r="r" t="t"/>
+            <a:pathLst>
+              <a:path extrusionOk="0" h="120000" w="120000">
+                <a:moveTo>
+                  <a:pt x="0" y="0"/>
+                </a:moveTo>
+                <a:lnTo>
+                  <a:pt x="120000" y="0"/>
+                </a:lnTo>
+                <a:lnTo>
+                  <a:pt x="120000" y="120000"/>
+                </a:lnTo>
+                <a:lnTo>
+                  <a:pt x="0" y="120000"/>
+                </a:lnTo>
+                <a:close/>
+              </a:path>
+            </a:pathLst>
+          </a:custGeom>
+        </p:spPr>
+      </p:sp>
+      <p:sp>
+        <p:nvSpPr>
+          <p:cNvPr id="239" name="Google Shape;239;g2de02396084_0_5:notes"/>
+          <p:cNvSpPr txBox="1"/>
+          <p:nvPr>
+            <p:ph idx="1" type="body"/>
+          </p:nvPr>
+        </p:nvSpPr>
+        <p:spPr>
+          <a:xfrm>
+            <a:off x="685800" y="4343400"/>
+            <a:ext cx="5486400" cy="4114800"/>
+          </a:xfrm>
+          <a:prstGeom prst="rect">
+            <a:avLst/>
+          </a:prstGeom>
+        </p:spPr>
+        <p:txBody>
+          <a:bodyPr anchorCtr="0" anchor="t" bIns="91425" lIns="91425" spcFirstLastPara="1" rIns="91425" wrap="square" tIns="91425">
+            <a:noAutofit/>
+          </a:bodyPr>
+          <a:lstStyle/>
+          <a:p>
+            <a:pPr indent="0" lvl="0" marL="0" rtl="0" algn="l">
+              <a:spcBef>
+                <a:spcPts val="0"/>
+              </a:spcBef>
+              <a:spcAft>
+                <a:spcPts val="0"/>
+              </a:spcAft>
+              <a:buNone/>
+            </a:pPr>
+            <a:r>
+              <a:t/>
+            </a:r>
+            <a:endParaRPr/>
+          </a:p>
+        </p:txBody>
+      </p:sp>
+    </p:spTree>
+  </p:cSld>
+  <p:clrMapOvr>
+    <a:masterClrMapping/>
+  </p:clrMapOvr>
+</p:notes>
+</file>
+
+<file path=ppt/notesSlides/notesSlide12.xml><?xml version="1.0" encoding="utf-8"?>
+<p:notes xmlns:a="http://schemas.openxmlformats.org/drawingml/2006/main" xmlns:r="http://schemas.openxmlformats.org/officeDocument/2006/relationships" xmlns:mc="http://schemas.openxmlformats.org/markup-compatibility/2006" xmlns:mv="urn:schemas-microsoft-com:mac:vml" xmlns:p="http://schemas.openxmlformats.org/presentationml/2006/main" xmlns:c="http://schemas.openxmlformats.org/drawingml/2006/chart" xmlns:dgm="http://schemas.openxmlformats.org/drawingml/2006/diagram" xmlns:o="urn:schemas-microsoft-com:office:office" xmlns:v="urn:schemas-microsoft-com:vml" xmlns:pvml="urn:schemas-microsoft-com:office:powerpoint" xmlns:com="http://schemas.openxmlformats.org/drawingml/2006/compatibility" xmlns:p14="http://schemas.microsoft.com/office/powerpoint/2010/main" xmlns:p15="http://schemas.microsoft.com/office/powerpoint/2012/main" xmlns:ahyp="http://schemas.microsoft.com/office/drawing/2018/hyperlinkcolor" showMasterPhAnim="0" showMasterSp="0">
+  <p:cSld>
+    <p:spTree>
+      <p:nvGrpSpPr>
+        <p:cNvPr id="242" name="Shape 242"/>
+        <p:cNvGrpSpPr/>
+        <p:nvPr/>
+      </p:nvGrpSpPr>
+      <p:grpSpPr>
+        <a:xfrm>
+          <a:off x="0" y="0"/>
+          <a:ext cx="0" cy="0"/>
+          <a:chOff x="0" y="0"/>
+          <a:chExt cx="0" cy="0"/>
+        </a:xfrm>
+      </p:grpSpPr>
+      <p:sp>
+        <p:nvSpPr>
+          <p:cNvPr id="243" name="Google Shape;243;g2de02396084_0_47:notes"/>
+          <p:cNvSpPr/>
+          <p:nvPr>
+            <p:ph idx="2" type="sldImg"/>
+          </p:nvPr>
+        </p:nvSpPr>
+        <p:spPr>
+          <a:xfrm>
+            <a:off x="381300" y="685800"/>
+            <a:ext cx="6096000" cy="3429000"/>
+          </a:xfrm>
+          <a:custGeom>
+            <a:rect b="b" l="l" r="r" t="t"/>
+            <a:pathLst>
+              <a:path extrusionOk="0" h="120000" w="120000">
+                <a:moveTo>
+                  <a:pt x="0" y="0"/>
+                </a:moveTo>
+                <a:lnTo>
+                  <a:pt x="120000" y="0"/>
+                </a:lnTo>
+                <a:lnTo>
+                  <a:pt x="120000" y="120000"/>
+                </a:lnTo>
+                <a:lnTo>
+                  <a:pt x="0" y="120000"/>
+                </a:lnTo>
+                <a:close/>
+              </a:path>
+            </a:pathLst>
+          </a:custGeom>
+        </p:spPr>
+      </p:sp>
+      <p:sp>
+        <p:nvSpPr>
+          <p:cNvPr id="244" name="Google Shape;244;g2de02396084_0_47:notes"/>
+          <p:cNvSpPr txBox="1"/>
+          <p:nvPr>
+            <p:ph idx="1" type="body"/>
+          </p:nvPr>
+        </p:nvSpPr>
+        <p:spPr>
+          <a:xfrm>
+            <a:off x="685800" y="4343400"/>
+            <a:ext cx="5486400" cy="4114800"/>
+          </a:xfrm>
+          <a:prstGeom prst="rect">
+            <a:avLst/>
+          </a:prstGeom>
+        </p:spPr>
+        <p:txBody>
+          <a:bodyPr anchorCtr="0" anchor="t" bIns="91425" lIns="91425" spcFirstLastPara="1" rIns="91425" wrap="square" tIns="91425">
+            <a:noAutofit/>
+          </a:bodyPr>
+          <a:lstStyle/>
+          <a:p>
+            <a:pPr indent="0" lvl="0" marL="0" rtl="0" algn="l">
+              <a:spcBef>
+                <a:spcPts val="0"/>
+              </a:spcBef>
+              <a:spcAft>
+                <a:spcPts val="0"/>
+              </a:spcAft>
+              <a:buNone/>
+            </a:pPr>
+            <a:r>
+              <a:t/>
+            </a:r>
+            <a:endParaRPr/>
+          </a:p>
+        </p:txBody>
+      </p:sp>
+    </p:spTree>
+  </p:cSld>
+  <p:clrMapOvr>
+    <a:masterClrMapping/>
+  </p:clrMapOvr>
+</p:notes>
+</file>
+
+<file path=ppt/notesSlides/notesSlide13.xml><?xml version="1.0" encoding="utf-8"?>
+<p:notes xmlns:a="http://schemas.openxmlformats.org/drawingml/2006/main" xmlns:r="http://schemas.openxmlformats.org/officeDocument/2006/relationships" xmlns:mc="http://schemas.openxmlformats.org/markup-compatibility/2006" xmlns:mv="urn:schemas-microsoft-com:mac:vml" xmlns:p="http://schemas.openxmlformats.org/presentationml/2006/main" xmlns:c="http://schemas.openxmlformats.org/drawingml/2006/chart" xmlns:dgm="http://schemas.openxmlformats.org/drawingml/2006/diagram" xmlns:o="urn:schemas-microsoft-com:office:office" xmlns:v="urn:schemas-microsoft-com:vml" xmlns:pvml="urn:schemas-microsoft-com:office:powerpoint" xmlns:com="http://schemas.openxmlformats.org/drawingml/2006/compatibility" xmlns:p14="http://schemas.microsoft.com/office/powerpoint/2010/main" xmlns:p15="http://schemas.microsoft.com/office/powerpoint/2012/main" xmlns:ahyp="http://schemas.microsoft.com/office/drawing/2018/hyperlinkcolor" showMasterPhAnim="0" showMasterSp="0">
+  <p:cSld>
+    <p:spTree>
+      <p:nvGrpSpPr>
+        <p:cNvPr id="247" name="Shape 247"/>
+        <p:cNvGrpSpPr/>
+        <p:nvPr/>
+      </p:nvGrpSpPr>
+      <p:grpSpPr>
+        <a:xfrm>
+          <a:off x="0" y="0"/>
+          <a:ext cx="0" cy="0"/>
+          <a:chOff x="0" y="0"/>
+          <a:chExt cx="0" cy="0"/>
+        </a:xfrm>
+      </p:grpSpPr>
+      <p:sp>
+        <p:nvSpPr>
+          <p:cNvPr id="248" name="Google Shape;248;g2de02396084_0_14:notes"/>
+          <p:cNvSpPr/>
+          <p:nvPr>
+            <p:ph idx="2" type="sldImg"/>
+          </p:nvPr>
+        </p:nvSpPr>
+        <p:spPr>
+          <a:xfrm>
+            <a:off x="381300" y="685800"/>
+            <a:ext cx="6096000" cy="3429000"/>
+          </a:xfrm>
+          <a:custGeom>
+            <a:rect b="b" l="l" r="r" t="t"/>
+            <a:pathLst>
+              <a:path extrusionOk="0" h="120000" w="120000">
+                <a:moveTo>
+                  <a:pt x="0" y="0"/>
+                </a:moveTo>
+                <a:lnTo>
+                  <a:pt x="120000" y="0"/>
+                </a:lnTo>
+                <a:lnTo>
+                  <a:pt x="120000" y="120000"/>
+                </a:lnTo>
+                <a:lnTo>
+                  <a:pt x="0" y="120000"/>
+                </a:lnTo>
+                <a:close/>
+              </a:path>
+            </a:pathLst>
+          </a:custGeom>
+        </p:spPr>
+      </p:sp>
+      <p:sp>
+        <p:nvSpPr>
+          <p:cNvPr id="249" name="Google Shape;249;g2de02396084_0_14:notes"/>
+          <p:cNvSpPr txBox="1"/>
+          <p:nvPr>
+            <p:ph idx="1" type="body"/>
+          </p:nvPr>
+        </p:nvSpPr>
+        <p:spPr>
+          <a:xfrm>
+            <a:off x="685800" y="4343400"/>
+            <a:ext cx="5486400" cy="4114800"/>
+          </a:xfrm>
+          <a:prstGeom prst="rect">
+            <a:avLst/>
+          </a:prstGeom>
+        </p:spPr>
+        <p:txBody>
+          <a:bodyPr anchorCtr="0" anchor="t" bIns="91425" lIns="91425" spcFirstLastPara="1" rIns="91425" wrap="square" tIns="91425">
+            <a:noAutofit/>
+          </a:bodyPr>
+          <a:lstStyle/>
+          <a:p>
+            <a:pPr indent="0" lvl="0" marL="0" rtl="0" algn="l">
+              <a:spcBef>
+                <a:spcPts val="0"/>
+              </a:spcBef>
+              <a:spcAft>
+                <a:spcPts val="0"/>
+              </a:spcAft>
+              <a:buNone/>
+            </a:pPr>
+            <a:r>
+              <a:t/>
+            </a:r>
+            <a:endParaRPr/>
+          </a:p>
+        </p:txBody>
+      </p:sp>
+    </p:spTree>
+  </p:cSld>
+  <p:clrMapOvr>
+    <a:masterClrMapping/>
+  </p:clrMapOvr>
+</p:notes>
+</file>
+
 <file path=ppt/notesSlides/notesSlide2.xml><?xml version="1.0" encoding="utf-8"?>
 <p:notes xmlns:a="http://schemas.openxmlformats.org/drawingml/2006/main" xmlns:r="http://schemas.openxmlformats.org/officeDocument/2006/relationships" xmlns:mc="http://schemas.openxmlformats.org/markup-compatibility/2006" xmlns:mv="urn:schemas-microsoft-com:mac:vml" xmlns:p="http://schemas.openxmlformats.org/presentationml/2006/main" xmlns:c="http://schemas.openxmlformats.org/drawingml/2006/chart" xmlns:dgm="http://schemas.openxmlformats.org/drawingml/2006/diagram" xmlns:o="urn:schemas-microsoft-com:office:office" xmlns:v="urn:schemas-microsoft-com:vml" xmlns:pvml="urn:schemas-microsoft-com:office:powerpoint" xmlns:com="http://schemas.openxmlformats.org/drawingml/2006/compatibility" xmlns:p14="http://schemas.microsoft.com/office/powerpoint/2010/main" xmlns:p15="http://schemas.microsoft.com/office/powerpoint/2012/main" xmlns:ahyp="http://schemas.microsoft.com/office/drawing/2018/hyperlinkcolor" showMasterPhAnim="0" showMasterSp="0">
   <p:cSld>
@@ -1416,7 +1716,7 @@
       </p:grpSpPr>
       <p:sp>
         <p:nvSpPr>
-          <p:cNvPr id="171" name="Google Shape;171;g2715e736ff3_0_0:notes"/>
+          <p:cNvPr id="171" name="Google Shape;171;g2dc279922bb_0_179:notes"/>
           <p:cNvSpPr/>
           <p:nvPr>
             <p:ph idx="2" type="sldImg"/>
@@ -1451,7 +1751,7 @@
       </p:sp>
       <p:sp>
         <p:nvSpPr>
-          <p:cNvPr id="172" name="Google Shape;172;g2715e736ff3_0_0:notes"/>
+          <p:cNvPr id="172" name="Google Shape;172;g2dc279922bb_0_179:notes"/>
           <p:cNvSpPr txBox="1"/>
           <p:nvPr>
             <p:ph idx="1" type="body"/>
@@ -1501,7 +1801,7 @@
   <p:cSld>
     <p:spTree>
       <p:nvGrpSpPr>
-        <p:cNvPr id="215" name="Shape 215"/>
+        <p:cNvPr id="180" name="Shape 180"/>
         <p:cNvGrpSpPr/>
         <p:nvPr/>
       </p:nvGrpSpPr>
@@ -1515,7 +1815,7 @@
       </p:grpSpPr>
       <p:sp>
         <p:nvSpPr>
-          <p:cNvPr id="216" name="Google Shape;216;g2dc279922bb_0_179:notes"/>
+          <p:cNvPr id="181" name="Google Shape;181;g2715e736ff3_0_0:notes"/>
           <p:cNvSpPr/>
           <p:nvPr>
             <p:ph idx="2" type="sldImg"/>
@@ -1550,7 +1850,7 @@
       </p:sp>
       <p:sp>
         <p:nvSpPr>
-          <p:cNvPr id="217" name="Google Shape;217;g2dc279922bb_0_179:notes"/>
+          <p:cNvPr id="182" name="Google Shape;182;g2715e736ff3_0_0:notes"/>
           <p:cNvSpPr txBox="1"/>
           <p:nvPr>
             <p:ph idx="1" type="body"/>
@@ -7495,8 +7795,8 @@
         </p:nvSpPr>
         <p:spPr>
           <a:xfrm>
-            <a:off x="0" y="29600"/>
-            <a:ext cx="6696900" cy="1046700"/>
+            <a:off x="0" y="0"/>
+            <a:ext cx="9144000" cy="4802400"/>
           </a:xfrm>
           <a:prstGeom prst="rect">
             <a:avLst/>
@@ -7522,7 +7822,7 @@
               <a:buNone/>
             </a:pPr>
             <a:r>
-              <a:rPr b="1" lang="ja">
+              <a:rPr b="1" lang="ja" sz="1200">
                 <a:solidFill>
                   <a:schemeClr val="accent3"/>
                 </a:solidFill>
@@ -7533,28 +7833,40 @@
               </a:rPr>
               <a:t>改良案</a:t>
             </a:r>
-            <a:endParaRPr b="1">
-              <a:solidFill>
-                <a:schemeClr val="accent3"/>
-              </a:solidFill>
-              <a:latin typeface="Proxima Nova"/>
-              <a:ea typeface="Proxima Nova"/>
-              <a:cs typeface="Proxima Nova"/>
-              <a:sym typeface="Proxima Nova"/>
-            </a:endParaRPr>
-          </a:p>
-          <a:p>
-            <a:pPr indent="0" lvl="0" marL="0" rtl="0" algn="l">
-              <a:spcBef>
-                <a:spcPts val="0"/>
-              </a:spcBef>
-              <a:spcAft>
-                <a:spcPts val="0"/>
-              </a:spcAft>
-              <a:buNone/>
-            </a:pPr>
-            <a:r>
-              <a:rPr b="1" lang="ja">
+            <a:endParaRPr b="1" sz="1200">
+              <a:solidFill>
+                <a:schemeClr val="accent3"/>
+              </a:solidFill>
+              <a:latin typeface="Proxima Nova"/>
+              <a:ea typeface="Proxima Nova"/>
+              <a:cs typeface="Proxima Nova"/>
+              <a:sym typeface="Proxima Nova"/>
+            </a:endParaRPr>
+          </a:p>
+          <a:p>
+            <a:pPr indent="0" lvl="0" marL="0" rtl="0" algn="l">
+              <a:spcBef>
+                <a:spcPts val="0"/>
+              </a:spcBef>
+              <a:spcAft>
+                <a:spcPts val="0"/>
+              </a:spcAft>
+              <a:buNone/>
+            </a:pPr>
+            <a:r>
+              <a:rPr b="1" lang="ja" sz="1200">
+                <a:solidFill>
+                  <a:schemeClr val="accent3"/>
+                </a:solidFill>
+                <a:latin typeface="Proxima Nova"/>
+                <a:ea typeface="Proxima Nova"/>
+                <a:cs typeface="Proxima Nova"/>
+                <a:sym typeface="Proxima Nova"/>
+              </a:rPr>
+              <a:t>1. </a:t>
+            </a:r>
+            <a:r>
+              <a:rPr b="1" lang="ja" sz="1200">
                 <a:solidFill>
                   <a:schemeClr val="accent3"/>
                 </a:solidFill>
@@ -7565,71 +7877,4778 @@
               </a:rPr>
               <a:t>入力とその検索クエリの類似度を評価または入力を検索クエリとするようにする</a:t>
             </a:r>
-            <a:endParaRPr b="1">
-              <a:solidFill>
-                <a:schemeClr val="accent3"/>
-              </a:solidFill>
-              <a:latin typeface="Proxima Nova"/>
-              <a:ea typeface="Proxima Nova"/>
-              <a:cs typeface="Proxima Nova"/>
-              <a:sym typeface="Proxima Nova"/>
-            </a:endParaRPr>
-          </a:p>
-          <a:p>
-            <a:pPr indent="0" lvl="0" marL="0" rtl="0" algn="l">
-              <a:spcBef>
-                <a:spcPts val="0"/>
-              </a:spcBef>
-              <a:spcAft>
-                <a:spcPts val="0"/>
-              </a:spcAft>
-              <a:buNone/>
-            </a:pPr>
-            <a:r>
-              <a:rPr b="1" lang="ja">
-                <a:solidFill>
-                  <a:schemeClr val="accent3"/>
-                </a:solidFill>
-                <a:latin typeface="Proxima Nova"/>
-                <a:ea typeface="Proxima Nova"/>
-                <a:cs typeface="Proxima Nova"/>
-                <a:sym typeface="Proxima Nova"/>
-              </a:rPr>
-              <a:t>Bing検索は地域固定しない</a:t>
-            </a:r>
-            <a:endParaRPr b="1">
-              <a:solidFill>
-                <a:schemeClr val="accent3"/>
-              </a:solidFill>
-              <a:latin typeface="Proxima Nova"/>
-              <a:ea typeface="Proxima Nova"/>
-              <a:cs typeface="Proxima Nova"/>
-              <a:sym typeface="Proxima Nova"/>
-            </a:endParaRPr>
-          </a:p>
-          <a:p>
-            <a:pPr indent="0" lvl="0" marL="0" rtl="0" algn="l">
-              <a:spcBef>
-                <a:spcPts val="0"/>
-              </a:spcBef>
-              <a:spcAft>
-                <a:spcPts val="0"/>
-              </a:spcAft>
-              <a:buNone/>
-            </a:pPr>
-            <a:r>
-              <a:rPr b="1" lang="ja">
-                <a:solidFill>
-                  <a:schemeClr val="accent3"/>
-                </a:solidFill>
-                <a:latin typeface="Proxima Nova"/>
-                <a:ea typeface="Proxima Nova"/>
-                <a:cs typeface="Proxima Nova"/>
-                <a:sym typeface="Proxima Nova"/>
-              </a:rPr>
-              <a:t>最終出力は中立の立場で生成するようにする(なんか参考資料あたはず)</a:t>
-            </a:r>
-            <a:endParaRPr b="1">
+            <a:endParaRPr b="1" sz="1200">
+              <a:solidFill>
+                <a:schemeClr val="accent3"/>
+              </a:solidFill>
+              <a:latin typeface="Proxima Nova"/>
+              <a:ea typeface="Proxima Nova"/>
+              <a:cs typeface="Proxima Nova"/>
+              <a:sym typeface="Proxima Nova"/>
+            </a:endParaRPr>
+          </a:p>
+          <a:p>
+            <a:pPr indent="0" lvl="0" marL="0" rtl="0" algn="l">
+              <a:spcBef>
+                <a:spcPts val="0"/>
+              </a:spcBef>
+              <a:spcAft>
+                <a:spcPts val="0"/>
+              </a:spcAft>
+              <a:buNone/>
+            </a:pPr>
+            <a:r>
+              <a:rPr b="1" lang="ja" sz="1200">
+                <a:solidFill>
+                  <a:schemeClr val="accent3"/>
+                </a:solidFill>
+                <a:latin typeface="Proxima Nova"/>
+                <a:ea typeface="Proxima Nova"/>
+                <a:cs typeface="Proxima Nova"/>
+                <a:sym typeface="Proxima Nova"/>
+              </a:rPr>
+              <a:t>2. Bing検索で地域固定する(en固定にしない)</a:t>
+            </a:r>
+            <a:endParaRPr b="1" sz="1200">
+              <a:solidFill>
+                <a:schemeClr val="accent3"/>
+              </a:solidFill>
+              <a:latin typeface="Proxima Nova"/>
+              <a:ea typeface="Proxima Nova"/>
+              <a:cs typeface="Proxima Nova"/>
+              <a:sym typeface="Proxima Nova"/>
+            </a:endParaRPr>
+          </a:p>
+          <a:p>
+            <a:pPr indent="0" lvl="0" marL="0" rtl="0" algn="l">
+              <a:spcBef>
+                <a:spcPts val="0"/>
+              </a:spcBef>
+              <a:spcAft>
+                <a:spcPts val="0"/>
+              </a:spcAft>
+              <a:buNone/>
+            </a:pPr>
+            <a:r>
+              <a:rPr b="1" lang="ja" sz="1200">
+                <a:solidFill>
+                  <a:schemeClr val="accent3"/>
+                </a:solidFill>
+                <a:latin typeface="Proxima Nova"/>
+                <a:ea typeface="Proxima Nova"/>
+                <a:cs typeface="Proxima Nova"/>
+                <a:sym typeface="Proxima Nova"/>
+              </a:rPr>
+              <a:t>クエリ抽出自体の結果はそんなに悪くない(GPTって学習が単語予測型だからか単語抽出うまくない？)、</a:t>
+            </a:r>
+            <a:br>
+              <a:rPr b="1" lang="ja" sz="1200">
+                <a:solidFill>
+                  <a:schemeClr val="accent3"/>
+                </a:solidFill>
+                <a:latin typeface="Proxima Nova"/>
+                <a:ea typeface="Proxima Nova"/>
+                <a:cs typeface="Proxima Nova"/>
+                <a:sym typeface="Proxima Nova"/>
+              </a:rPr>
+            </a:br>
+            <a:r>
+              <a:rPr b="1" lang="ja" sz="1200">
+                <a:solidFill>
+                  <a:schemeClr val="accent3"/>
+                </a:solidFill>
+                <a:latin typeface="Proxima Nova"/>
+                <a:ea typeface="Proxima Nova"/>
+                <a:cs typeface="Proxima Nova"/>
+                <a:sym typeface="Proxima Nova"/>
+              </a:rPr>
+              <a:t>検索クエリの言語判定結果の国で検索すれば良くなりそう。</a:t>
+            </a:r>
+            <a:endParaRPr b="1" sz="1200">
+              <a:solidFill>
+                <a:schemeClr val="accent3"/>
+              </a:solidFill>
+              <a:latin typeface="Proxima Nova"/>
+              <a:ea typeface="Proxima Nova"/>
+              <a:cs typeface="Proxima Nova"/>
+              <a:sym typeface="Proxima Nova"/>
+            </a:endParaRPr>
+          </a:p>
+          <a:p>
+            <a:pPr indent="0" lvl="0" marL="0" rtl="0" algn="l">
+              <a:spcBef>
+                <a:spcPts val="0"/>
+              </a:spcBef>
+              <a:spcAft>
+                <a:spcPts val="0"/>
+              </a:spcAft>
+              <a:buNone/>
+            </a:pPr>
+            <a:r>
+              <a:rPr b="1" lang="ja" sz="1200">
+                <a:solidFill>
+                  <a:schemeClr val="accent3"/>
+                </a:solidFill>
+                <a:latin typeface="Proxima Nova"/>
+                <a:ea typeface="Proxima Nova"/>
+                <a:cs typeface="Proxima Nova"/>
+                <a:sym typeface="Proxima Nova"/>
+              </a:rPr>
+              <a:t>ナイーブベイズ言語判定ライブラリ見つけた 類似度ベースの方が好きだけど処理速度と精度的に良さげ</a:t>
+            </a:r>
+            <a:endParaRPr b="1" sz="1200">
+              <a:solidFill>
+                <a:schemeClr val="accent3"/>
+              </a:solidFill>
+              <a:latin typeface="Proxima Nova"/>
+              <a:ea typeface="Proxima Nova"/>
+              <a:cs typeface="Proxima Nova"/>
+              <a:sym typeface="Proxima Nova"/>
+            </a:endParaRPr>
+          </a:p>
+          <a:p>
+            <a:pPr indent="0" lvl="0" marL="0" rtl="0" algn="l">
+              <a:spcBef>
+                <a:spcPts val="0"/>
+              </a:spcBef>
+              <a:spcAft>
+                <a:spcPts val="0"/>
+              </a:spcAft>
+              <a:buNone/>
+            </a:pPr>
+            <a:r>
+              <a:rPr b="1" lang="ja" sz="1200">
+                <a:solidFill>
+                  <a:schemeClr val="accent3"/>
+                </a:solidFill>
+                <a:latin typeface="Proxima Nova"/>
+                <a:ea typeface="Proxima Nova"/>
+                <a:cs typeface="Proxima Nova"/>
+                <a:sym typeface="Proxima Nova"/>
+              </a:rPr>
+              <a:t>カテゴリごとの単語の出現確率を独立と仮定しているのがいやいやって感じだけどケチはそれくらいしか付けれない、ただし文字n-gramの最尤推定だから</a:t>
+            </a:r>
+            <a:r>
+              <a:rPr b="1" lang="ja" sz="1200">
+                <a:solidFill>
+                  <a:schemeClr val="accent3"/>
+                </a:solidFill>
+                <a:latin typeface="Proxima Nova"/>
+                <a:ea typeface="Proxima Nova"/>
+                <a:cs typeface="Proxima Nova"/>
+                <a:sym typeface="Proxima Nova"/>
+              </a:rPr>
+              <a:t>使う</a:t>
+            </a:r>
+            <a:r>
+              <a:rPr b="1" lang="ja" sz="1200">
+                <a:solidFill>
+                  <a:schemeClr val="accent3"/>
+                </a:solidFill>
+                <a:latin typeface="Proxima Nova"/>
+                <a:ea typeface="Proxima Nova"/>
+                <a:cs typeface="Proxima Nova"/>
+                <a:sym typeface="Proxima Nova"/>
+              </a:rPr>
+              <a:t>テキストは文章でないとあまり良くないかも</a:t>
+            </a:r>
+            <a:endParaRPr b="1" sz="1200">
+              <a:solidFill>
+                <a:schemeClr val="accent3"/>
+              </a:solidFill>
+              <a:latin typeface="Proxima Nova"/>
+              <a:ea typeface="Proxima Nova"/>
+              <a:cs typeface="Proxima Nova"/>
+              <a:sym typeface="Proxima Nova"/>
+            </a:endParaRPr>
+          </a:p>
+          <a:p>
+            <a:pPr indent="0" lvl="0" marL="0" rtl="0" algn="l">
+              <a:spcBef>
+                <a:spcPts val="0"/>
+              </a:spcBef>
+              <a:spcAft>
+                <a:spcPts val="0"/>
+              </a:spcAft>
+              <a:buNone/>
+            </a:pPr>
+            <a:r>
+              <a:rPr b="1" lang="ja" sz="1200" u="sng">
+                <a:solidFill>
+                  <a:schemeClr val="hlink"/>
+                </a:solidFill>
+                <a:latin typeface="Proxima Nova"/>
+                <a:ea typeface="Proxima Nova"/>
+                <a:cs typeface="Proxima Nova"/>
+                <a:sym typeface="Proxima Nova"/>
+                <a:hlinkClick r:id="rId3"/>
+              </a:rPr>
+              <a:t>https://www.slideshare.net/shuyo/language-detection-library-for-java</a:t>
+            </a:r>
+            <a:endParaRPr b="1" sz="1200">
+              <a:solidFill>
+                <a:schemeClr val="accent3"/>
+              </a:solidFill>
+              <a:latin typeface="Proxima Nova"/>
+              <a:ea typeface="Proxima Nova"/>
+              <a:cs typeface="Proxima Nova"/>
+              <a:sym typeface="Proxima Nova"/>
+            </a:endParaRPr>
+          </a:p>
+          <a:p>
+            <a:pPr indent="0" lvl="0" marL="0" rtl="0" algn="l">
+              <a:spcBef>
+                <a:spcPts val="0"/>
+              </a:spcBef>
+              <a:spcAft>
+                <a:spcPts val="0"/>
+              </a:spcAft>
+              <a:buNone/>
+            </a:pPr>
+            <a:r>
+              <a:rPr b="1" lang="ja" sz="1200" u="sng">
+                <a:solidFill>
+                  <a:schemeClr val="hlink"/>
+                </a:solidFill>
+                <a:latin typeface="Proxima Nova"/>
+                <a:ea typeface="Proxima Nova"/>
+                <a:cs typeface="Proxima Nova"/>
+                <a:sym typeface="Proxima Nova"/>
+                <a:hlinkClick r:id="rId4"/>
+              </a:rPr>
+              <a:t>https://pypi.org/project/langdetect/</a:t>
+            </a:r>
+            <a:endParaRPr b="1" sz="1200">
+              <a:solidFill>
+                <a:schemeClr val="accent3"/>
+              </a:solidFill>
+              <a:latin typeface="Proxima Nova"/>
+              <a:ea typeface="Proxima Nova"/>
+              <a:cs typeface="Proxima Nova"/>
+              <a:sym typeface="Proxima Nova"/>
+            </a:endParaRPr>
+          </a:p>
+          <a:p>
+            <a:pPr indent="0" lvl="0" marL="0" rtl="0" algn="l">
+              <a:spcBef>
+                <a:spcPts val="0"/>
+              </a:spcBef>
+              <a:spcAft>
+                <a:spcPts val="0"/>
+              </a:spcAft>
+              <a:buNone/>
+            </a:pPr>
+            <a:r>
+              <a:rPr b="1" lang="ja" sz="1200">
+                <a:solidFill>
+                  <a:schemeClr val="accent3"/>
+                </a:solidFill>
+                <a:latin typeface="Proxima Nova"/>
+                <a:ea typeface="Proxima Nova"/>
+                <a:cs typeface="Proxima Nova"/>
+                <a:sym typeface="Proxima Nova"/>
+              </a:rPr>
+              <a:t>代わりになりそうなlinguaはn-gramだけでなくルールベースも採用してtwitter等での短文の言語判別に対応してました</a:t>
+            </a:r>
+            <a:endParaRPr b="1" sz="1200">
+              <a:solidFill>
+                <a:schemeClr val="accent3"/>
+              </a:solidFill>
+              <a:latin typeface="Proxima Nova"/>
+              <a:ea typeface="Proxima Nova"/>
+              <a:cs typeface="Proxima Nova"/>
+              <a:sym typeface="Proxima Nova"/>
+            </a:endParaRPr>
+          </a:p>
+          <a:p>
+            <a:pPr indent="0" lvl="0" marL="0" rtl="0" algn="l">
+              <a:spcBef>
+                <a:spcPts val="0"/>
+              </a:spcBef>
+              <a:spcAft>
+                <a:spcPts val="0"/>
+              </a:spcAft>
+              <a:buNone/>
+            </a:pPr>
+            <a:r>
+              <a:rPr b="1" lang="ja" sz="1200" u="sng">
+                <a:solidFill>
+                  <a:schemeClr val="hlink"/>
+                </a:solidFill>
+                <a:latin typeface="Proxima Nova"/>
+                <a:ea typeface="Proxima Nova"/>
+                <a:cs typeface="Proxima Nova"/>
+                <a:sym typeface="Proxima Nova"/>
+                <a:hlinkClick r:id="rId5"/>
+              </a:rPr>
+              <a:t>https://github.com/pemistahl/lingua</a:t>
+            </a:r>
+            <a:endParaRPr b="1" sz="1200">
+              <a:solidFill>
+                <a:schemeClr val="accent3"/>
+              </a:solidFill>
+              <a:latin typeface="Proxima Nova"/>
+              <a:ea typeface="Proxima Nova"/>
+              <a:cs typeface="Proxima Nova"/>
+              <a:sym typeface="Proxima Nova"/>
+            </a:endParaRPr>
+          </a:p>
+          <a:p>
+            <a:pPr indent="0" lvl="0" marL="0" rtl="0" algn="l">
+              <a:spcBef>
+                <a:spcPts val="0"/>
+              </a:spcBef>
+              <a:spcAft>
+                <a:spcPts val="0"/>
+              </a:spcAft>
+              <a:buNone/>
+            </a:pPr>
+            <a:r>
+              <a:t/>
+            </a:r>
+            <a:endParaRPr b="1" sz="1200">
+              <a:solidFill>
+                <a:schemeClr val="accent3"/>
+              </a:solidFill>
+              <a:latin typeface="Proxima Nova"/>
+              <a:ea typeface="Proxima Nova"/>
+              <a:cs typeface="Proxima Nova"/>
+              <a:sym typeface="Proxima Nova"/>
+            </a:endParaRPr>
+          </a:p>
+          <a:p>
+            <a:pPr indent="0" lvl="0" marL="0" rtl="0" algn="l">
+              <a:spcBef>
+                <a:spcPts val="0"/>
+              </a:spcBef>
+              <a:spcAft>
+                <a:spcPts val="0"/>
+              </a:spcAft>
+              <a:buNone/>
+            </a:pPr>
+            <a:r>
+              <a:rPr b="1" lang="ja" sz="1200">
+                <a:solidFill>
+                  <a:schemeClr val="accent3"/>
+                </a:solidFill>
+                <a:latin typeface="Proxima Nova"/>
+                <a:ea typeface="Proxima Nova"/>
+                <a:cs typeface="Proxima Nova"/>
+                <a:sym typeface="Proxima Nova"/>
+              </a:rPr>
+              <a:t>検索クエリと合う検索地域の選定には</a:t>
+            </a:r>
+            <a:r>
+              <a:rPr b="1" lang="ja" sz="1200">
+                <a:solidFill>
+                  <a:schemeClr val="accent3"/>
+                </a:solidFill>
+                <a:latin typeface="Proxima Nova"/>
+                <a:ea typeface="Proxima Nova"/>
+                <a:cs typeface="Proxima Nova"/>
+                <a:sym typeface="Proxima Nova"/>
+              </a:rPr>
+              <a:t>lingua</a:t>
+            </a:r>
+            <a:endParaRPr b="1" sz="1200">
+              <a:solidFill>
+                <a:schemeClr val="accent3"/>
+              </a:solidFill>
+              <a:latin typeface="Proxima Nova"/>
+              <a:ea typeface="Proxima Nova"/>
+              <a:cs typeface="Proxima Nova"/>
+              <a:sym typeface="Proxima Nova"/>
+            </a:endParaRPr>
+          </a:p>
+          <a:p>
+            <a:pPr indent="0" lvl="0" marL="0" rtl="0" algn="l">
+              <a:spcBef>
+                <a:spcPts val="0"/>
+              </a:spcBef>
+              <a:spcAft>
+                <a:spcPts val="0"/>
+              </a:spcAft>
+              <a:buNone/>
+            </a:pPr>
+            <a:r>
+              <a:rPr b="1" lang="ja" sz="1200">
+                <a:solidFill>
+                  <a:schemeClr val="accent3"/>
+                </a:solidFill>
+                <a:latin typeface="Proxima Nova"/>
+                <a:ea typeface="Proxima Nova"/>
+                <a:cs typeface="Proxima Nova"/>
+                <a:sym typeface="Proxima Nova"/>
+              </a:rPr>
+              <a:t>アウトラインを日本語に翻訳するかの判断には</a:t>
+            </a:r>
+            <a:r>
+              <a:rPr b="1" lang="ja" sz="1200">
+                <a:solidFill>
+                  <a:schemeClr val="accent3"/>
+                </a:solidFill>
+                <a:latin typeface="Proxima Nova"/>
+                <a:ea typeface="Proxima Nova"/>
+                <a:cs typeface="Proxima Nova"/>
+                <a:sym typeface="Proxima Nova"/>
+              </a:rPr>
+              <a:t>linguaはMarkdown記法を英語と判断する感じだったのでlanguage-detection-library-for-javaを使用してみる</a:t>
+            </a:r>
+            <a:endParaRPr b="1" sz="1200">
+              <a:solidFill>
+                <a:schemeClr val="accent3"/>
+              </a:solidFill>
+              <a:latin typeface="Proxima Nova"/>
+              <a:ea typeface="Proxima Nova"/>
+              <a:cs typeface="Proxima Nova"/>
+              <a:sym typeface="Proxima Nova"/>
+            </a:endParaRPr>
+          </a:p>
+          <a:p>
+            <a:pPr indent="0" lvl="0" marL="0" rtl="0" algn="l">
+              <a:spcBef>
+                <a:spcPts val="0"/>
+              </a:spcBef>
+              <a:spcAft>
+                <a:spcPts val="0"/>
+              </a:spcAft>
+              <a:buNone/>
+            </a:pPr>
+            <a:r>
+              <a:t/>
+            </a:r>
+            <a:endParaRPr b="1" sz="1200">
+              <a:solidFill>
+                <a:schemeClr val="accent3"/>
+              </a:solidFill>
+              <a:latin typeface="Proxima Nova"/>
+              <a:ea typeface="Proxima Nova"/>
+              <a:cs typeface="Proxima Nova"/>
+              <a:sym typeface="Proxima Nova"/>
+            </a:endParaRPr>
+          </a:p>
+          <a:p>
+            <a:pPr indent="0" lvl="0" marL="0" rtl="0" algn="l">
+              <a:spcBef>
+                <a:spcPts val="0"/>
+              </a:spcBef>
+              <a:spcAft>
+                <a:spcPts val="0"/>
+              </a:spcAft>
+              <a:buNone/>
+            </a:pPr>
+            <a:r>
+              <a:rPr b="1" lang="ja" sz="1200">
+                <a:solidFill>
+                  <a:schemeClr val="accent3"/>
+                </a:solidFill>
+                <a:latin typeface="Proxima Nova"/>
+                <a:ea typeface="Proxima Nova"/>
+                <a:cs typeface="Proxima Nova"/>
+                <a:sym typeface="Proxima Nova"/>
+              </a:rPr>
+              <a:t>3. 検索結果のリンクでスクレイピングして良い場合に限り全文使用するようにする</a:t>
+            </a:r>
+            <a:endParaRPr b="1" sz="1200">
+              <a:solidFill>
+                <a:schemeClr val="accent3"/>
+              </a:solidFill>
+              <a:latin typeface="Proxima Nova"/>
+              <a:ea typeface="Proxima Nova"/>
+              <a:cs typeface="Proxima Nova"/>
+              <a:sym typeface="Proxima Nova"/>
+            </a:endParaRPr>
+          </a:p>
+          <a:p>
+            <a:pPr indent="0" lvl="0" marL="0" rtl="0" algn="l">
+              <a:spcBef>
+                <a:spcPts val="0"/>
+              </a:spcBef>
+              <a:spcAft>
+                <a:spcPts val="0"/>
+              </a:spcAft>
+              <a:buNone/>
+            </a:pPr>
+            <a:r>
+              <a:rPr b="1" lang="ja" sz="1200">
+                <a:solidFill>
+                  <a:schemeClr val="accent3"/>
+                </a:solidFill>
+                <a:latin typeface="Proxima Nova"/>
+                <a:ea typeface="Proxima Nova"/>
+                <a:cs typeface="Proxima Nova"/>
+                <a:sym typeface="Proxima Nova"/>
+              </a:rPr>
+              <a:t>やってみた。次ページ</a:t>
+            </a:r>
+            <a:endParaRPr b="1" sz="1200">
+              <a:solidFill>
+                <a:schemeClr val="accent3"/>
+              </a:solidFill>
+              <a:latin typeface="Proxima Nova"/>
+              <a:ea typeface="Proxima Nova"/>
+              <a:cs typeface="Proxima Nova"/>
+              <a:sym typeface="Proxima Nova"/>
+            </a:endParaRPr>
+          </a:p>
+          <a:p>
+            <a:pPr indent="0" lvl="0" marL="0" rtl="0" algn="l">
+              <a:spcBef>
+                <a:spcPts val="0"/>
+              </a:spcBef>
+              <a:spcAft>
+                <a:spcPts val="0"/>
+              </a:spcAft>
+              <a:buNone/>
+            </a:pPr>
+            <a:r>
+              <a:t/>
+            </a:r>
+            <a:endParaRPr b="1" sz="1200">
+              <a:solidFill>
+                <a:schemeClr val="accent3"/>
+              </a:solidFill>
+              <a:latin typeface="Proxima Nova"/>
+              <a:ea typeface="Proxima Nova"/>
+              <a:cs typeface="Proxima Nova"/>
+              <a:sym typeface="Proxima Nova"/>
+            </a:endParaRPr>
+          </a:p>
+          <a:p>
+            <a:pPr indent="0" lvl="0" marL="0" rtl="0" algn="l">
+              <a:spcBef>
+                <a:spcPts val="0"/>
+              </a:spcBef>
+              <a:spcAft>
+                <a:spcPts val="0"/>
+              </a:spcAft>
+              <a:buNone/>
+            </a:pPr>
+            <a:r>
+              <a:rPr b="1" lang="ja" sz="1200">
+                <a:solidFill>
+                  <a:schemeClr val="accent3"/>
+                </a:solidFill>
+                <a:latin typeface="Proxima Nova"/>
+                <a:ea typeface="Proxima Nova"/>
+                <a:cs typeface="Proxima Nova"/>
+                <a:sym typeface="Proxima Nova"/>
+              </a:rPr>
+              <a:t>4. 最終出力は中立の立場で生成するようにする</a:t>
+            </a:r>
+            <a:endParaRPr b="1" sz="1200">
+              <a:solidFill>
+                <a:schemeClr val="accent3"/>
+              </a:solidFill>
+              <a:latin typeface="Proxima Nova"/>
+              <a:ea typeface="Proxima Nova"/>
+              <a:cs typeface="Proxima Nova"/>
+              <a:sym typeface="Proxima Nova"/>
+            </a:endParaRPr>
+          </a:p>
+          <a:p>
+            <a:pPr indent="0" lvl="0" marL="0" rtl="0" algn="l">
+              <a:spcBef>
+                <a:spcPts val="0"/>
+              </a:spcBef>
+              <a:spcAft>
+                <a:spcPts val="0"/>
+              </a:spcAft>
+              <a:buNone/>
+            </a:pPr>
+            <a:r>
+              <a:rPr b="1" lang="ja" sz="1200">
+                <a:solidFill>
+                  <a:schemeClr val="accent3"/>
+                </a:solidFill>
+                <a:latin typeface="Proxima Nova"/>
+                <a:ea typeface="Proxima Nova"/>
+                <a:cs typeface="Proxima Nova"/>
+                <a:sym typeface="Proxima Nova"/>
+              </a:rPr>
+              <a:t>Principled Instructions Are All You Need for Questioning LLaMA-1/2, GPT-3.5/4 (26個のプロンプト原則)より</a:t>
+            </a:r>
+            <a:br>
+              <a:rPr b="1" lang="ja" sz="1200">
+                <a:solidFill>
+                  <a:schemeClr val="accent3"/>
+                </a:solidFill>
+                <a:latin typeface="Proxima Nova"/>
+                <a:ea typeface="Proxima Nova"/>
+                <a:cs typeface="Proxima Nova"/>
+                <a:sym typeface="Proxima Nova"/>
+              </a:rPr>
+            </a:br>
+            <a:r>
+              <a:rPr b="1" lang="ja" sz="1200">
+                <a:solidFill>
+                  <a:schemeClr val="accent3"/>
+                </a:solidFill>
+                <a:latin typeface="Proxima Nova"/>
+                <a:ea typeface="Proxima Nova"/>
+                <a:cs typeface="Proxima Nova"/>
+                <a:sym typeface="Proxima Nova"/>
+              </a:rPr>
+              <a:t>13. Add to your prompt the following phrase “Ensure that your answer is unbiased and avoids relying on stereotypes.” (あなたのプロンプトに以下のフレーズを追加してください。”回答が偏らず、ステレオタイプに頼らないようにしてください。”)</a:t>
+            </a:r>
+            <a:endParaRPr b="1" sz="1200">
+              <a:solidFill>
+                <a:schemeClr val="accent3"/>
+              </a:solidFill>
+              <a:latin typeface="Proxima Nova"/>
+              <a:ea typeface="Proxima Nova"/>
+              <a:cs typeface="Proxima Nova"/>
+              <a:sym typeface="Proxima Nova"/>
+            </a:endParaRPr>
+          </a:p>
+          <a:p>
+            <a:pPr indent="0" lvl="0" marL="0" rtl="0" algn="l">
+              <a:spcBef>
+                <a:spcPts val="0"/>
+              </a:spcBef>
+              <a:spcAft>
+                <a:spcPts val="0"/>
+              </a:spcAft>
+              <a:buNone/>
+            </a:pPr>
+            <a:r>
+              <a:rPr b="1" lang="ja" sz="1200">
+                <a:solidFill>
+                  <a:schemeClr val="accent3"/>
+                </a:solidFill>
+                <a:latin typeface="Proxima Nova"/>
+                <a:ea typeface="Proxima Nova"/>
+                <a:cs typeface="Proxima Nova"/>
+                <a:sym typeface="Proxima Nova"/>
+              </a:rPr>
+              <a:t>アウトライン作成プロンプトに“Ensure that your answer is unbiased and avoids relying on stereotypes.” を追加</a:t>
+            </a:r>
+            <a:endParaRPr b="1" sz="1200">
+              <a:solidFill>
+                <a:schemeClr val="accent3"/>
+              </a:solidFill>
+              <a:latin typeface="Proxima Nova"/>
+              <a:ea typeface="Proxima Nova"/>
+              <a:cs typeface="Proxima Nova"/>
+              <a:sym typeface="Proxima Nova"/>
+            </a:endParaRPr>
+          </a:p>
+        </p:txBody>
+      </p:sp>
+    </p:spTree>
+  </p:cSld>
+  <p:clrMapOvr>
+    <a:masterClrMapping/>
+  </p:clrMapOvr>
+</p:sld>
+</file>
+
+<file path=ppt/slides/slide11.xml><?xml version="1.0" encoding="utf-8"?>
+<p:sld xmlns:a="http://schemas.openxmlformats.org/drawingml/2006/main" xmlns:r="http://schemas.openxmlformats.org/officeDocument/2006/relationships" xmlns:mc="http://schemas.openxmlformats.org/markup-compatibility/2006" xmlns:mv="urn:schemas-microsoft-com:mac:vml" xmlns:p="http://schemas.openxmlformats.org/presentationml/2006/main" xmlns:c="http://schemas.openxmlformats.org/drawingml/2006/chart" xmlns:dgm="http://schemas.openxmlformats.org/drawingml/2006/diagram" xmlns:o="urn:schemas-microsoft-com:office:office" xmlns:v="urn:schemas-microsoft-com:vml" xmlns:pvml="urn:schemas-microsoft-com:office:powerpoint" xmlns:com="http://schemas.openxmlformats.org/drawingml/2006/compatibility" xmlns:p14="http://schemas.microsoft.com/office/powerpoint/2010/main" xmlns:p15="http://schemas.microsoft.com/office/powerpoint/2012/main" xmlns:ahyp="http://schemas.microsoft.com/office/drawing/2018/hyperlinkcolor">
+  <p:cSld>
+    <p:spTree>
+      <p:nvGrpSpPr>
+        <p:cNvPr id="240" name="Shape 240"/>
+        <p:cNvGrpSpPr/>
+        <p:nvPr/>
+      </p:nvGrpSpPr>
+      <p:grpSpPr>
+        <a:xfrm>
+          <a:off x="0" y="0"/>
+          <a:ext cx="0" cy="0"/>
+          <a:chOff x="0" y="0"/>
+          <a:chExt cx="0" cy="0"/>
+        </a:xfrm>
+      </p:grpSpPr>
+      <p:sp>
+        <p:nvSpPr>
+          <p:cNvPr id="241" name="Google Shape;241;p23"/>
+          <p:cNvSpPr txBox="1"/>
+          <p:nvPr/>
+        </p:nvSpPr>
+        <p:spPr>
+          <a:xfrm>
+            <a:off x="0" y="0"/>
+            <a:ext cx="9144000" cy="4063500"/>
+          </a:xfrm>
+          <a:prstGeom prst="rect">
+            <a:avLst/>
+          </a:prstGeom>
+          <a:noFill/>
+          <a:ln>
+            <a:noFill/>
+          </a:ln>
+        </p:spPr>
+        <p:txBody>
+          <a:bodyPr anchorCtr="0" anchor="t" bIns="91425" lIns="91425" spcFirstLastPara="1" rIns="91425" wrap="square" tIns="91425">
+            <a:spAutoFit/>
+          </a:bodyPr>
+          <a:lstStyle/>
+          <a:p>
+            <a:pPr indent="0" lvl="0" marL="0" rtl="0" algn="l">
+              <a:spcBef>
+                <a:spcPts val="0"/>
+              </a:spcBef>
+              <a:spcAft>
+                <a:spcPts val="0"/>
+              </a:spcAft>
+              <a:buNone/>
+            </a:pPr>
+            <a:r>
+              <a:rPr b="1" lang="ja" sz="1200">
+                <a:solidFill>
+                  <a:schemeClr val="accent3"/>
+                </a:solidFill>
+                <a:latin typeface="Proxima Nova"/>
+                <a:ea typeface="Proxima Nova"/>
+                <a:cs typeface="Proxima Nova"/>
+                <a:sym typeface="Proxima Nova"/>
+              </a:rPr>
+              <a:t>3. 検索結果のリンクでスクレイピングして良い場合に限り全文使用するようにする</a:t>
+            </a:r>
+            <a:endParaRPr b="1" sz="1200">
+              <a:solidFill>
+                <a:schemeClr val="accent3"/>
+              </a:solidFill>
+              <a:latin typeface="Proxima Nova"/>
+              <a:ea typeface="Proxima Nova"/>
+              <a:cs typeface="Proxima Nova"/>
+              <a:sym typeface="Proxima Nova"/>
+            </a:endParaRPr>
+          </a:p>
+          <a:p>
+            <a:pPr indent="-304800" lvl="0" marL="457200" rtl="0" algn="l">
+              <a:spcBef>
+                <a:spcPts val="0"/>
+              </a:spcBef>
+              <a:spcAft>
+                <a:spcPts val="0"/>
+              </a:spcAft>
+              <a:buClr>
+                <a:schemeClr val="accent3"/>
+              </a:buClr>
+              <a:buSzPts val="1200"/>
+              <a:buFont typeface="Proxima Nova"/>
+              <a:buChar char="●"/>
+            </a:pPr>
+            <a:r>
+              <a:rPr b="1" lang="ja" sz="1200">
+                <a:solidFill>
+                  <a:schemeClr val="accent3"/>
+                </a:solidFill>
+                <a:latin typeface="Proxima Nova"/>
+                <a:ea typeface="Proxima Nova"/>
+                <a:cs typeface="Proxima Nova"/>
+                <a:sym typeface="Proxima Nova"/>
+              </a:rPr>
+              <a:t>ステージ 1: robots.txt の確認</a:t>
+            </a:r>
+            <a:endParaRPr b="1" sz="1200">
+              <a:solidFill>
+                <a:schemeClr val="accent3"/>
+              </a:solidFill>
+              <a:latin typeface="Proxima Nova"/>
+              <a:ea typeface="Proxima Nova"/>
+              <a:cs typeface="Proxima Nova"/>
+              <a:sym typeface="Proxima Nova"/>
+            </a:endParaRPr>
+          </a:p>
+          <a:p>
+            <a:pPr indent="-304800" lvl="1" marL="914400" rtl="0" algn="l">
+              <a:spcBef>
+                <a:spcPts val="0"/>
+              </a:spcBef>
+              <a:spcAft>
+                <a:spcPts val="0"/>
+              </a:spcAft>
+              <a:buClr>
+                <a:schemeClr val="accent3"/>
+              </a:buClr>
+              <a:buSzPts val="1200"/>
+              <a:buFont typeface="Proxima Nova"/>
+              <a:buChar char="○"/>
+            </a:pPr>
+            <a:r>
+              <a:rPr b="1" lang="ja" sz="1200">
+                <a:solidFill>
+                  <a:schemeClr val="accent3"/>
+                </a:solidFill>
+                <a:latin typeface="Proxima Nova"/>
+                <a:ea typeface="Proxima Nova"/>
+                <a:cs typeface="Proxima Nova"/>
+                <a:sym typeface="Proxima Nova"/>
+              </a:rPr>
+              <a:t>robots.txtのURLを構築します（robots_url）。</a:t>
+            </a:r>
+            <a:endParaRPr b="1" sz="1200">
+              <a:solidFill>
+                <a:schemeClr val="accent3"/>
+              </a:solidFill>
+              <a:latin typeface="Proxima Nova"/>
+              <a:ea typeface="Proxima Nova"/>
+              <a:cs typeface="Proxima Nova"/>
+              <a:sym typeface="Proxima Nova"/>
+            </a:endParaRPr>
+          </a:p>
+          <a:p>
+            <a:pPr indent="-304800" lvl="1" marL="914400" rtl="0" algn="l">
+              <a:spcBef>
+                <a:spcPts val="0"/>
+              </a:spcBef>
+              <a:spcAft>
+                <a:spcPts val="0"/>
+              </a:spcAft>
+              <a:buClr>
+                <a:schemeClr val="accent3"/>
+              </a:buClr>
+              <a:buSzPts val="1200"/>
+              <a:buFont typeface="Proxima Nova"/>
+              <a:buChar char="○"/>
+            </a:pPr>
+            <a:r>
+              <a:rPr b="1" lang="ja" sz="1200">
+                <a:solidFill>
+                  <a:schemeClr val="accent3"/>
+                </a:solidFill>
+                <a:latin typeface="Proxima Nova"/>
+                <a:ea typeface="Proxima Nova"/>
+                <a:cs typeface="Proxima Nova"/>
+                <a:sym typeface="Proxima Nova"/>
+              </a:rPr>
+              <a:t>robots.txtにHTTP GETリクエストを送信します。</a:t>
+            </a:r>
+            <a:endParaRPr b="1" sz="1200">
+              <a:solidFill>
+                <a:schemeClr val="accent3"/>
+              </a:solidFill>
+              <a:latin typeface="Proxima Nova"/>
+              <a:ea typeface="Proxima Nova"/>
+              <a:cs typeface="Proxima Nova"/>
+              <a:sym typeface="Proxima Nova"/>
+            </a:endParaRPr>
+          </a:p>
+          <a:p>
+            <a:pPr indent="-304800" lvl="1" marL="914400" rtl="0" algn="l">
+              <a:spcBef>
+                <a:spcPts val="0"/>
+              </a:spcBef>
+              <a:spcAft>
+                <a:spcPts val="0"/>
+              </a:spcAft>
+              <a:buClr>
+                <a:schemeClr val="accent3"/>
+              </a:buClr>
+              <a:buSzPts val="1200"/>
+              <a:buFont typeface="Proxima Nova"/>
+              <a:buChar char="○"/>
+            </a:pPr>
+            <a:r>
+              <a:rPr b="1" lang="ja" sz="1200">
+                <a:solidFill>
+                  <a:schemeClr val="accent3"/>
+                </a:solidFill>
+                <a:latin typeface="Proxima Nova"/>
+                <a:ea typeface="Proxima Nova"/>
+                <a:cs typeface="Proxima Nova"/>
+                <a:sym typeface="Proxima Nova"/>
+              </a:rPr>
+              <a:t>レスポンスがステータスコード200である場合、内容を1行ずつ解析します。</a:t>
+            </a:r>
+            <a:endParaRPr b="1" sz="1200">
+              <a:solidFill>
+                <a:schemeClr val="accent3"/>
+              </a:solidFill>
+              <a:latin typeface="Proxima Nova"/>
+              <a:ea typeface="Proxima Nova"/>
+              <a:cs typeface="Proxima Nova"/>
+              <a:sym typeface="Proxima Nova"/>
+            </a:endParaRPr>
+          </a:p>
+          <a:p>
+            <a:pPr indent="-304800" lvl="1" marL="914400" rtl="0" algn="l">
+              <a:spcBef>
+                <a:spcPts val="0"/>
+              </a:spcBef>
+              <a:spcAft>
+                <a:spcPts val="0"/>
+              </a:spcAft>
+              <a:buClr>
+                <a:schemeClr val="accent3"/>
+              </a:buClr>
+              <a:buSzPts val="1200"/>
+              <a:buFont typeface="Proxima Nova"/>
+              <a:buChar char="○"/>
+            </a:pPr>
+            <a:r>
+              <a:rPr b="1" lang="ja" sz="1200">
+                <a:solidFill>
+                  <a:schemeClr val="accent3"/>
+                </a:solidFill>
+                <a:latin typeface="Proxima Nova"/>
+                <a:ea typeface="Proxima Nova"/>
+                <a:cs typeface="Proxima Nova"/>
+                <a:sym typeface="Proxima Nova"/>
+              </a:rPr>
+              <a:t>User-agent: *セクションを見つけたら、その後に続くDisallowディレクティブをチェックし、指定されたパスが現在のURLにマッチするか確認します。マッチする場合はスクレイピングが禁止されていると判断します。</a:t>
+            </a:r>
+            <a:endParaRPr b="1" sz="1200">
+              <a:solidFill>
+                <a:schemeClr val="accent3"/>
+              </a:solidFill>
+              <a:latin typeface="Proxima Nova"/>
+              <a:ea typeface="Proxima Nova"/>
+              <a:cs typeface="Proxima Nova"/>
+              <a:sym typeface="Proxima Nova"/>
+            </a:endParaRPr>
+          </a:p>
+          <a:p>
+            <a:pPr indent="-304800" lvl="1" marL="914400" rtl="0" algn="l">
+              <a:spcBef>
+                <a:spcPts val="0"/>
+              </a:spcBef>
+              <a:spcAft>
+                <a:spcPts val="0"/>
+              </a:spcAft>
+              <a:buClr>
+                <a:schemeClr val="accent3"/>
+              </a:buClr>
+              <a:buSzPts val="1200"/>
+              <a:buFont typeface="Proxima Nova"/>
+              <a:buChar char="○"/>
+            </a:pPr>
+            <a:r>
+              <a:rPr b="1" lang="ja" sz="1200">
+                <a:solidFill>
+                  <a:schemeClr val="accent3"/>
+                </a:solidFill>
+                <a:latin typeface="Proxima Nova"/>
+                <a:ea typeface="Proxima Nova"/>
+                <a:cs typeface="Proxima Nova"/>
+                <a:sym typeface="Proxima Nova"/>
+              </a:rPr>
+              <a:t>robots.txtに特定のDisallowディレクティブがない場合はスクレイピングを許可します。</a:t>
+            </a:r>
+            <a:endParaRPr b="1" sz="1200">
+              <a:solidFill>
+                <a:schemeClr val="accent3"/>
+              </a:solidFill>
+              <a:latin typeface="Proxima Nova"/>
+              <a:ea typeface="Proxima Nova"/>
+              <a:cs typeface="Proxima Nova"/>
+              <a:sym typeface="Proxima Nova"/>
+            </a:endParaRPr>
+          </a:p>
+          <a:p>
+            <a:pPr indent="-304800" lvl="1" marL="914400" rtl="0" algn="l">
+              <a:spcBef>
+                <a:spcPts val="0"/>
+              </a:spcBef>
+              <a:spcAft>
+                <a:spcPts val="0"/>
+              </a:spcAft>
+              <a:buClr>
+                <a:schemeClr val="accent3"/>
+              </a:buClr>
+              <a:buSzPts val="1200"/>
+              <a:buFont typeface="Proxima Nova"/>
+              <a:buChar char="○"/>
+            </a:pPr>
+            <a:r>
+              <a:rPr b="1" lang="ja" sz="1200">
+                <a:solidFill>
+                  <a:schemeClr val="accent3"/>
+                </a:solidFill>
+                <a:latin typeface="Proxima Nova"/>
+                <a:ea typeface="Proxima Nova"/>
+                <a:cs typeface="Proxima Nova"/>
+                <a:sym typeface="Proxima Nova"/>
+              </a:rPr>
+              <a:t>robots.txtへの単語が小文字だったり大文字だったりサイトによって統一性がないので取得結果は小文字変換して上の判定を実施します。</a:t>
+            </a:r>
+            <a:endParaRPr b="1" sz="1200">
+              <a:solidFill>
+                <a:schemeClr val="accent3"/>
+              </a:solidFill>
+              <a:latin typeface="Proxima Nova"/>
+              <a:ea typeface="Proxima Nova"/>
+              <a:cs typeface="Proxima Nova"/>
+              <a:sym typeface="Proxima Nova"/>
+            </a:endParaRPr>
+          </a:p>
+          <a:p>
+            <a:pPr indent="-304800" lvl="0" marL="457200" rtl="0" algn="l">
+              <a:spcBef>
+                <a:spcPts val="0"/>
+              </a:spcBef>
+              <a:spcAft>
+                <a:spcPts val="0"/>
+              </a:spcAft>
+              <a:buClr>
+                <a:schemeClr val="accent3"/>
+              </a:buClr>
+              <a:buSzPts val="1200"/>
+              <a:buFont typeface="Proxima Nova"/>
+              <a:buChar char="●"/>
+            </a:pPr>
+            <a:r>
+              <a:rPr b="1" lang="ja" sz="1200">
+                <a:solidFill>
+                  <a:schemeClr val="accent3"/>
+                </a:solidFill>
+                <a:latin typeface="Proxima Nova"/>
+                <a:ea typeface="Proxima Nova"/>
+                <a:cs typeface="Proxima Nova"/>
+                <a:sym typeface="Proxima Nova"/>
+              </a:rPr>
+              <a:t>ステージ 2: 利用規約およびプライバシーポリシーの確認</a:t>
+            </a:r>
+            <a:endParaRPr b="1" sz="1200">
+              <a:solidFill>
+                <a:schemeClr val="accent3"/>
+              </a:solidFill>
+              <a:latin typeface="Proxima Nova"/>
+              <a:ea typeface="Proxima Nova"/>
+              <a:cs typeface="Proxima Nova"/>
+              <a:sym typeface="Proxima Nova"/>
+            </a:endParaRPr>
+          </a:p>
+          <a:p>
+            <a:pPr indent="-304800" lvl="1" marL="914400" rtl="0" algn="l">
+              <a:spcBef>
+                <a:spcPts val="0"/>
+              </a:spcBef>
+              <a:spcAft>
+                <a:spcPts val="0"/>
+              </a:spcAft>
+              <a:buClr>
+                <a:schemeClr val="accent3"/>
+              </a:buClr>
+              <a:buSzPts val="1200"/>
+              <a:buFont typeface="Proxima Nova"/>
+              <a:buChar char="○"/>
+            </a:pPr>
+            <a:r>
+              <a:rPr b="1" lang="ja" sz="1200">
+                <a:solidFill>
+                  <a:schemeClr val="accent3"/>
+                </a:solidFill>
+                <a:latin typeface="Proxima Nova"/>
+                <a:ea typeface="Proxima Nova"/>
+                <a:cs typeface="Proxima Nova"/>
+                <a:sym typeface="Proxima Nova"/>
+              </a:rPr>
+              <a:t>robots.txtが存在しない、またはステータスコード200以外の場合、利用規約ページ（terms-of-service）とプライバシーポリシーページ（privacy-policy）をチェックします。</a:t>
+            </a:r>
+            <a:endParaRPr b="1" sz="1200">
+              <a:solidFill>
+                <a:schemeClr val="accent3"/>
+              </a:solidFill>
+              <a:latin typeface="Proxima Nova"/>
+              <a:ea typeface="Proxima Nova"/>
+              <a:cs typeface="Proxima Nova"/>
+              <a:sym typeface="Proxima Nova"/>
+            </a:endParaRPr>
+          </a:p>
+          <a:p>
+            <a:pPr indent="-304800" lvl="1" marL="914400" rtl="0" algn="l">
+              <a:spcBef>
+                <a:spcPts val="0"/>
+              </a:spcBef>
+              <a:spcAft>
+                <a:spcPts val="0"/>
+              </a:spcAft>
+              <a:buClr>
+                <a:schemeClr val="accent3"/>
+              </a:buClr>
+              <a:buSzPts val="1200"/>
+              <a:buFont typeface="Proxima Nova"/>
+              <a:buChar char="○"/>
+            </a:pPr>
+            <a:r>
+              <a:rPr b="1" lang="ja" sz="1200">
+                <a:solidFill>
+                  <a:schemeClr val="accent3"/>
+                </a:solidFill>
+                <a:latin typeface="Proxima Nova"/>
+                <a:ea typeface="Proxima Nova"/>
+                <a:cs typeface="Proxima Nova"/>
+                <a:sym typeface="Proxima Nova"/>
+              </a:rPr>
+              <a:t>各ページにHTTP GETリクエストを送信し、ページ内容に「scraping」「crawl」「bot」などのキーワードが含まれているかを確認します。含まれている場合はスクレイピングが禁止されていると判断します。</a:t>
+            </a:r>
+            <a:endParaRPr b="1" sz="1200">
+              <a:solidFill>
+                <a:schemeClr val="accent3"/>
+              </a:solidFill>
+              <a:latin typeface="Proxima Nova"/>
+              <a:ea typeface="Proxima Nova"/>
+              <a:cs typeface="Proxima Nova"/>
+              <a:sym typeface="Proxima Nova"/>
+            </a:endParaRPr>
+          </a:p>
+          <a:p>
+            <a:pPr indent="-304800" lvl="1" marL="914400" rtl="0" algn="l">
+              <a:spcBef>
+                <a:spcPts val="0"/>
+              </a:spcBef>
+              <a:spcAft>
+                <a:spcPts val="0"/>
+              </a:spcAft>
+              <a:buClr>
+                <a:schemeClr val="accent3"/>
+              </a:buClr>
+              <a:buSzPts val="1200"/>
+              <a:buFont typeface="Proxima Nova"/>
+              <a:buChar char="○"/>
+            </a:pPr>
+            <a:r>
+              <a:rPr b="1" lang="ja" sz="1200">
+                <a:solidFill>
+                  <a:schemeClr val="accent3"/>
+                </a:solidFill>
+                <a:latin typeface="Proxima Nova"/>
+                <a:ea typeface="Proxima Nova"/>
+                <a:cs typeface="Proxima Nova"/>
+                <a:sym typeface="Proxima Nova"/>
+              </a:rPr>
+              <a:t>両方のページをチェックし、どちらもスクレイピングが禁止されていない場合のみ、スクレイピングを許可します。</a:t>
+            </a:r>
+            <a:endParaRPr b="1" sz="1200">
+              <a:solidFill>
+                <a:schemeClr val="accent3"/>
+              </a:solidFill>
+              <a:latin typeface="Proxima Nova"/>
+              <a:ea typeface="Proxima Nova"/>
+              <a:cs typeface="Proxima Nova"/>
+              <a:sym typeface="Proxima Nova"/>
+            </a:endParaRPr>
+          </a:p>
+          <a:p>
+            <a:pPr indent="-304800" lvl="0" marL="457200" rtl="0" algn="l">
+              <a:spcBef>
+                <a:spcPts val="0"/>
+              </a:spcBef>
+              <a:spcAft>
+                <a:spcPts val="0"/>
+              </a:spcAft>
+              <a:buClr>
+                <a:schemeClr val="accent3"/>
+              </a:buClr>
+              <a:buSzPts val="1200"/>
+              <a:buFont typeface="Proxima Nova"/>
+              <a:buChar char="●"/>
+            </a:pPr>
+            <a:r>
+              <a:rPr b="1" lang="ja" sz="1200">
+                <a:solidFill>
+                  <a:schemeClr val="accent3"/>
+                </a:solidFill>
+                <a:latin typeface="Proxima Nova"/>
+                <a:ea typeface="Proxima Nova"/>
+                <a:cs typeface="Proxima Nova"/>
+                <a:sym typeface="Proxima Nova"/>
+              </a:rPr>
+              <a:t>例外処理</a:t>
+            </a:r>
+            <a:endParaRPr b="1" sz="1200">
+              <a:solidFill>
+                <a:schemeClr val="accent3"/>
+              </a:solidFill>
+              <a:latin typeface="Proxima Nova"/>
+              <a:ea typeface="Proxima Nova"/>
+              <a:cs typeface="Proxima Nova"/>
+              <a:sym typeface="Proxima Nova"/>
+            </a:endParaRPr>
+          </a:p>
+          <a:p>
+            <a:pPr indent="-304800" lvl="1" marL="914400" rtl="0" algn="l">
+              <a:spcBef>
+                <a:spcPts val="0"/>
+              </a:spcBef>
+              <a:spcAft>
+                <a:spcPts val="0"/>
+              </a:spcAft>
+              <a:buClr>
+                <a:schemeClr val="accent3"/>
+              </a:buClr>
+              <a:buSzPts val="1200"/>
+              <a:buFont typeface="Proxima Nova"/>
+              <a:buChar char="○"/>
+            </a:pPr>
+            <a:r>
+              <a:rPr b="1" lang="ja" sz="1200">
+                <a:solidFill>
+                  <a:schemeClr val="accent3"/>
+                </a:solidFill>
+                <a:latin typeface="Proxima Nova"/>
+                <a:ea typeface="Proxima Nova"/>
+                <a:cs typeface="Proxima Nova"/>
+                <a:sym typeface="Proxima Nova"/>
+              </a:rPr>
+              <a:t>HTTPリクエストに失敗した場合（例：DNS解決エラー、接続タイムアウトなど）、スクレイピングは許可されていないと判断します。</a:t>
+            </a:r>
+            <a:endParaRPr b="1" sz="1200">
+              <a:solidFill>
+                <a:schemeClr val="accent3"/>
+              </a:solidFill>
+              <a:latin typeface="Proxima Nova"/>
+              <a:ea typeface="Proxima Nova"/>
+              <a:cs typeface="Proxima Nova"/>
+              <a:sym typeface="Proxima Nova"/>
+            </a:endParaRPr>
+          </a:p>
+          <a:p>
+            <a:pPr indent="0" lvl="0" marL="0" rtl="0" algn="l">
+              <a:spcBef>
+                <a:spcPts val="0"/>
+              </a:spcBef>
+              <a:spcAft>
+                <a:spcPts val="0"/>
+              </a:spcAft>
+              <a:buNone/>
+            </a:pPr>
+            <a:r>
+              <a:t/>
+            </a:r>
+            <a:endParaRPr b="1" sz="1200">
+              <a:solidFill>
+                <a:schemeClr val="accent3"/>
+              </a:solidFill>
+              <a:latin typeface="Proxima Nova"/>
+              <a:ea typeface="Proxima Nova"/>
+              <a:cs typeface="Proxima Nova"/>
+              <a:sym typeface="Proxima Nova"/>
+            </a:endParaRPr>
+          </a:p>
+          <a:p>
+            <a:pPr indent="0" lvl="0" marL="0" rtl="0" algn="l">
+              <a:spcBef>
+                <a:spcPts val="0"/>
+              </a:spcBef>
+              <a:spcAft>
+                <a:spcPts val="0"/>
+              </a:spcAft>
+              <a:buNone/>
+            </a:pPr>
+            <a:r>
+              <a:rPr b="1" lang="ja" sz="1200">
+                <a:solidFill>
+                  <a:schemeClr val="accent3"/>
+                </a:solidFill>
+                <a:latin typeface="Proxima Nova"/>
+                <a:ea typeface="Proxima Nova"/>
+                <a:cs typeface="Proxima Nova"/>
+                <a:sym typeface="Proxima Nova"/>
+              </a:rPr>
+              <a:t>※ この処理で確認が出来なければ検索APIで取得できるリンク先の概要説明文を使用します。</a:t>
+            </a:r>
+            <a:endParaRPr b="1" sz="1200">
+              <a:solidFill>
+                <a:schemeClr val="accent3"/>
+              </a:solidFill>
+              <a:latin typeface="Proxima Nova"/>
+              <a:ea typeface="Proxima Nova"/>
+              <a:cs typeface="Proxima Nova"/>
+              <a:sym typeface="Proxima Nova"/>
+            </a:endParaRPr>
+          </a:p>
+        </p:txBody>
+      </p:sp>
+    </p:spTree>
+  </p:cSld>
+  <p:clrMapOvr>
+    <a:masterClrMapping/>
+  </p:clrMapOvr>
+</p:sld>
+</file>
+
+<file path=ppt/slides/slide12.xml><?xml version="1.0" encoding="utf-8"?>
+<p:sld xmlns:a="http://schemas.openxmlformats.org/drawingml/2006/main" xmlns:r="http://schemas.openxmlformats.org/officeDocument/2006/relationships" xmlns:mc="http://schemas.openxmlformats.org/markup-compatibility/2006" xmlns:mv="urn:schemas-microsoft-com:mac:vml" xmlns:p="http://schemas.openxmlformats.org/presentationml/2006/main" xmlns:c="http://schemas.openxmlformats.org/drawingml/2006/chart" xmlns:dgm="http://schemas.openxmlformats.org/drawingml/2006/diagram" xmlns:o="urn:schemas-microsoft-com:office:office" xmlns:v="urn:schemas-microsoft-com:vml" xmlns:pvml="urn:schemas-microsoft-com:office:powerpoint" xmlns:com="http://schemas.openxmlformats.org/drawingml/2006/compatibility" xmlns:p14="http://schemas.microsoft.com/office/powerpoint/2010/main" xmlns:p15="http://schemas.microsoft.com/office/powerpoint/2012/main" xmlns:ahyp="http://schemas.microsoft.com/office/drawing/2018/hyperlinkcolor">
+  <p:cSld>
+    <p:spTree>
+      <p:nvGrpSpPr>
+        <p:cNvPr id="245" name="Shape 245"/>
+        <p:cNvGrpSpPr/>
+        <p:nvPr/>
+      </p:nvGrpSpPr>
+      <p:grpSpPr>
+        <a:xfrm>
+          <a:off x="0" y="0"/>
+          <a:ext cx="0" cy="0"/>
+          <a:chOff x="0" y="0"/>
+          <a:chExt cx="0" cy="0"/>
+        </a:xfrm>
+      </p:grpSpPr>
+      <p:sp>
+        <p:nvSpPr>
+          <p:cNvPr id="246" name="Google Shape;246;p24"/>
+          <p:cNvSpPr txBox="1"/>
+          <p:nvPr/>
+        </p:nvSpPr>
+        <p:spPr>
+          <a:xfrm>
+            <a:off x="0" y="29600"/>
+            <a:ext cx="9144000" cy="4063500"/>
+          </a:xfrm>
+          <a:prstGeom prst="rect">
+            <a:avLst/>
+          </a:prstGeom>
+          <a:noFill/>
+          <a:ln>
+            <a:noFill/>
+          </a:ln>
+        </p:spPr>
+        <p:txBody>
+          <a:bodyPr anchorCtr="0" anchor="t" bIns="91425" lIns="91425" spcFirstLastPara="1" rIns="91425" wrap="square" tIns="91425">
+            <a:spAutoFit/>
+          </a:bodyPr>
+          <a:lstStyle/>
+          <a:p>
+            <a:pPr indent="0" lvl="0" marL="0" rtl="0" algn="l">
+              <a:spcBef>
+                <a:spcPts val="0"/>
+              </a:spcBef>
+              <a:spcAft>
+                <a:spcPts val="0"/>
+              </a:spcAft>
+              <a:buNone/>
+            </a:pPr>
+            <a:r>
+              <a:rPr b="1" lang="ja" sz="1200">
+                <a:solidFill>
+                  <a:schemeClr val="accent3"/>
+                </a:solidFill>
+                <a:latin typeface="Proxima Nova"/>
+                <a:ea typeface="Proxima Nova"/>
+                <a:cs typeface="Proxima Nova"/>
+                <a:sym typeface="Proxima Nova"/>
+              </a:rPr>
+              <a:t>check_url = ['https://www.amazon.co.jp/%E3%80%8E%E3%82%B4%E3%82%B8%E3%83%A9-1-0%EF%BC%8FC%E3%80%8F-DVD-%E5%B1%B1%E5%B4%8E%E8%B2%B4/dp/B0CX171MJV/ref=tmm_dvd_swatch_0?_encoding=UTF8&amp;qid=&amp;sr=',</a:t>
+            </a:r>
+            <a:endParaRPr b="1" sz="1200">
+              <a:solidFill>
+                <a:schemeClr val="accent3"/>
+              </a:solidFill>
+              <a:latin typeface="Proxima Nova"/>
+              <a:ea typeface="Proxima Nova"/>
+              <a:cs typeface="Proxima Nova"/>
+              <a:sym typeface="Proxima Nova"/>
+            </a:endParaRPr>
+          </a:p>
+          <a:p>
+            <a:pPr indent="0" lvl="0" marL="0" rtl="0" algn="l">
+              <a:spcBef>
+                <a:spcPts val="0"/>
+              </a:spcBef>
+              <a:spcAft>
+                <a:spcPts val="0"/>
+              </a:spcAft>
+              <a:buNone/>
+            </a:pPr>
+            <a:r>
+              <a:rPr b="1" lang="ja" sz="1200">
+                <a:solidFill>
+                  <a:schemeClr val="accent3"/>
+                </a:solidFill>
+                <a:latin typeface="Proxima Nova"/>
+                <a:ea typeface="Proxima Nova"/>
+                <a:cs typeface="Proxima Nova"/>
+                <a:sym typeface="Proxima Nova"/>
+              </a:rPr>
+              <a:t>            'https://x.com/elonmusk',</a:t>
+            </a:r>
+            <a:endParaRPr b="1" sz="1200">
+              <a:solidFill>
+                <a:schemeClr val="accent3"/>
+              </a:solidFill>
+              <a:latin typeface="Proxima Nova"/>
+              <a:ea typeface="Proxima Nova"/>
+              <a:cs typeface="Proxima Nova"/>
+              <a:sym typeface="Proxima Nova"/>
+            </a:endParaRPr>
+          </a:p>
+          <a:p>
+            <a:pPr indent="0" lvl="0" marL="0" rtl="0" algn="l">
+              <a:spcBef>
+                <a:spcPts val="0"/>
+              </a:spcBef>
+              <a:spcAft>
+                <a:spcPts val="0"/>
+              </a:spcAft>
+              <a:buNone/>
+            </a:pPr>
+            <a:r>
+              <a:rPr b="1" lang="ja" sz="1200">
+                <a:solidFill>
+                  <a:schemeClr val="accent3"/>
+                </a:solidFill>
+                <a:latin typeface="Proxima Nova"/>
+                <a:ea typeface="Proxima Nova"/>
+                <a:cs typeface="Proxima Nova"/>
+                <a:sym typeface="Proxima Nova"/>
+              </a:rPr>
+              <a:t>            'https://www.kaggle.com/',</a:t>
+            </a:r>
+            <a:endParaRPr b="1" sz="1200">
+              <a:solidFill>
+                <a:schemeClr val="accent3"/>
+              </a:solidFill>
+              <a:latin typeface="Proxima Nova"/>
+              <a:ea typeface="Proxima Nova"/>
+              <a:cs typeface="Proxima Nova"/>
+              <a:sym typeface="Proxima Nova"/>
+            </a:endParaRPr>
+          </a:p>
+          <a:p>
+            <a:pPr indent="0" lvl="0" marL="0" rtl="0" algn="l">
+              <a:spcBef>
+                <a:spcPts val="0"/>
+              </a:spcBef>
+              <a:spcAft>
+                <a:spcPts val="0"/>
+              </a:spcAft>
+              <a:buNone/>
+            </a:pPr>
+            <a:r>
+              <a:rPr b="1" lang="ja" sz="1200">
+                <a:solidFill>
+                  <a:schemeClr val="accent3"/>
+                </a:solidFill>
+                <a:latin typeface="Proxima Nova"/>
+                <a:ea typeface="Proxima Nova"/>
+                <a:cs typeface="Proxima Nova"/>
+                <a:sym typeface="Proxima Nova"/>
+              </a:rPr>
+              <a:t>            'https://ja.wikipedia.org/wiki/Twitter']</a:t>
+            </a:r>
+            <a:endParaRPr b="1" sz="1200">
+              <a:solidFill>
+                <a:schemeClr val="accent3"/>
+              </a:solidFill>
+              <a:latin typeface="Proxima Nova"/>
+              <a:ea typeface="Proxima Nova"/>
+              <a:cs typeface="Proxima Nova"/>
+              <a:sym typeface="Proxima Nova"/>
+            </a:endParaRPr>
+          </a:p>
+          <a:p>
+            <a:pPr indent="0" lvl="0" marL="0" rtl="0" algn="l">
+              <a:spcBef>
+                <a:spcPts val="0"/>
+              </a:spcBef>
+              <a:spcAft>
+                <a:spcPts val="0"/>
+              </a:spcAft>
+              <a:buNone/>
+            </a:pPr>
+            <a:r>
+              <a:t/>
+            </a:r>
+            <a:endParaRPr b="1" sz="1200">
+              <a:solidFill>
+                <a:schemeClr val="accent3"/>
+              </a:solidFill>
+              <a:latin typeface="Proxima Nova"/>
+              <a:ea typeface="Proxima Nova"/>
+              <a:cs typeface="Proxima Nova"/>
+              <a:sym typeface="Proxima Nova"/>
+            </a:endParaRPr>
+          </a:p>
+          <a:p>
+            <a:pPr indent="0" lvl="0" marL="0" rtl="0" algn="l">
+              <a:spcBef>
+                <a:spcPts val="0"/>
+              </a:spcBef>
+              <a:spcAft>
+                <a:spcPts val="0"/>
+              </a:spcAft>
+              <a:buNone/>
+            </a:pPr>
+            <a:r>
+              <a:rPr b="1" lang="ja" sz="1200">
+                <a:solidFill>
+                  <a:schemeClr val="accent3"/>
+                </a:solidFill>
+                <a:latin typeface="Proxima Nova"/>
+                <a:ea typeface="Proxima Nova"/>
+                <a:cs typeface="Proxima Nova"/>
+                <a:sym typeface="Proxima Nova"/>
+              </a:rPr>
+              <a:t>Accessing robots.txt at https://www.amazon.co.jp/robots.txt</a:t>
+            </a:r>
+            <a:endParaRPr b="1" sz="1200">
+              <a:solidFill>
+                <a:schemeClr val="accent3"/>
+              </a:solidFill>
+              <a:latin typeface="Proxima Nova"/>
+              <a:ea typeface="Proxima Nova"/>
+              <a:cs typeface="Proxima Nova"/>
+              <a:sym typeface="Proxima Nova"/>
+            </a:endParaRPr>
+          </a:p>
+          <a:p>
+            <a:pPr indent="0" lvl="0" marL="0" rtl="0" algn="l">
+              <a:spcBef>
+                <a:spcPts val="0"/>
+              </a:spcBef>
+              <a:spcAft>
+                <a:spcPts val="0"/>
+              </a:spcAft>
+              <a:buNone/>
+            </a:pPr>
+            <a:r>
+              <a:rPr b="1" lang="ja" sz="1200">
+                <a:solidFill>
+                  <a:schemeClr val="accent3"/>
+                </a:solidFill>
+                <a:latin typeface="Proxima Nova"/>
+                <a:ea typeface="Proxima Nova"/>
+                <a:cs typeface="Proxima Nova"/>
+                <a:sym typeface="Proxima Nova"/>
+              </a:rPr>
+              <a:t>Scraping disallowed for path: /</a:t>
+            </a:r>
+            <a:endParaRPr b="1" sz="1200">
+              <a:solidFill>
+                <a:schemeClr val="accent3"/>
+              </a:solidFill>
+              <a:latin typeface="Proxima Nova"/>
+              <a:ea typeface="Proxima Nova"/>
+              <a:cs typeface="Proxima Nova"/>
+              <a:sym typeface="Proxima Nova"/>
+            </a:endParaRPr>
+          </a:p>
+          <a:p>
+            <a:pPr indent="0" lvl="0" marL="0" rtl="0" algn="l">
+              <a:spcBef>
+                <a:spcPts val="0"/>
+              </a:spcBef>
+              <a:spcAft>
+                <a:spcPts val="0"/>
+              </a:spcAft>
+              <a:buNone/>
+            </a:pPr>
+            <a:r>
+              <a:rPr b="1" lang="ja" sz="1200">
+                <a:solidFill>
+                  <a:schemeClr val="accent3"/>
+                </a:solidFill>
+                <a:latin typeface="Proxima Nova"/>
+                <a:ea typeface="Proxima Nova"/>
+                <a:cs typeface="Proxima Nova"/>
+                <a:sym typeface="Proxima Nova"/>
+              </a:rPr>
+              <a:t>スクレイピングは許可されていません。</a:t>
+            </a:r>
+            <a:endParaRPr b="1" sz="1200">
+              <a:solidFill>
+                <a:schemeClr val="accent3"/>
+              </a:solidFill>
+              <a:latin typeface="Proxima Nova"/>
+              <a:ea typeface="Proxima Nova"/>
+              <a:cs typeface="Proxima Nova"/>
+              <a:sym typeface="Proxima Nova"/>
+            </a:endParaRPr>
+          </a:p>
+          <a:p>
+            <a:pPr indent="0" lvl="0" marL="0" rtl="0" algn="l">
+              <a:spcBef>
+                <a:spcPts val="0"/>
+              </a:spcBef>
+              <a:spcAft>
+                <a:spcPts val="0"/>
+              </a:spcAft>
+              <a:buNone/>
+            </a:pPr>
+            <a:r>
+              <a:rPr b="1" lang="ja" sz="1200">
+                <a:solidFill>
+                  <a:schemeClr val="accent3"/>
+                </a:solidFill>
+                <a:latin typeface="Proxima Nova"/>
+                <a:ea typeface="Proxima Nova"/>
+                <a:cs typeface="Proxima Nova"/>
+                <a:sym typeface="Proxima Nova"/>
+              </a:rPr>
+              <a:t>Accessing robots.txt at https://x.com/robots.txt</a:t>
+            </a:r>
+            <a:endParaRPr b="1" sz="1200">
+              <a:solidFill>
+                <a:schemeClr val="accent3"/>
+              </a:solidFill>
+              <a:latin typeface="Proxima Nova"/>
+              <a:ea typeface="Proxima Nova"/>
+              <a:cs typeface="Proxima Nova"/>
+              <a:sym typeface="Proxima Nova"/>
+            </a:endParaRPr>
+          </a:p>
+          <a:p>
+            <a:pPr indent="0" lvl="0" marL="0" rtl="0" algn="l">
+              <a:spcBef>
+                <a:spcPts val="0"/>
+              </a:spcBef>
+              <a:spcAft>
+                <a:spcPts val="0"/>
+              </a:spcAft>
+              <a:buNone/>
+            </a:pPr>
+            <a:r>
+              <a:rPr b="1" lang="ja" sz="1200">
+                <a:solidFill>
+                  <a:schemeClr val="accent3"/>
+                </a:solidFill>
+                <a:latin typeface="Proxima Nova"/>
+                <a:ea typeface="Proxima Nova"/>
+                <a:cs typeface="Proxima Nova"/>
+                <a:sym typeface="Proxima Nova"/>
+              </a:rPr>
+              <a:t>Scraping disallowed for path: /</a:t>
+            </a:r>
+            <a:endParaRPr b="1" sz="1200">
+              <a:solidFill>
+                <a:schemeClr val="accent3"/>
+              </a:solidFill>
+              <a:latin typeface="Proxima Nova"/>
+              <a:ea typeface="Proxima Nova"/>
+              <a:cs typeface="Proxima Nova"/>
+              <a:sym typeface="Proxima Nova"/>
+            </a:endParaRPr>
+          </a:p>
+          <a:p>
+            <a:pPr indent="0" lvl="0" marL="0" rtl="0" algn="l">
+              <a:spcBef>
+                <a:spcPts val="0"/>
+              </a:spcBef>
+              <a:spcAft>
+                <a:spcPts val="0"/>
+              </a:spcAft>
+              <a:buNone/>
+            </a:pPr>
+            <a:r>
+              <a:rPr b="1" lang="ja" sz="1200">
+                <a:solidFill>
+                  <a:schemeClr val="accent3"/>
+                </a:solidFill>
+                <a:latin typeface="Proxima Nova"/>
+                <a:ea typeface="Proxima Nova"/>
+                <a:cs typeface="Proxima Nova"/>
+                <a:sym typeface="Proxima Nova"/>
+              </a:rPr>
+              <a:t>スクレイピングは許可されていません。</a:t>
+            </a:r>
+            <a:endParaRPr b="1" sz="1200">
+              <a:solidFill>
+                <a:schemeClr val="accent3"/>
+              </a:solidFill>
+              <a:latin typeface="Proxima Nova"/>
+              <a:ea typeface="Proxima Nova"/>
+              <a:cs typeface="Proxima Nova"/>
+              <a:sym typeface="Proxima Nova"/>
+            </a:endParaRPr>
+          </a:p>
+          <a:p>
+            <a:pPr indent="0" lvl="0" marL="0" rtl="0" algn="l">
+              <a:spcBef>
+                <a:spcPts val="0"/>
+              </a:spcBef>
+              <a:spcAft>
+                <a:spcPts val="0"/>
+              </a:spcAft>
+              <a:buNone/>
+            </a:pPr>
+            <a:r>
+              <a:rPr b="1" lang="ja" sz="1200">
+                <a:solidFill>
+                  <a:schemeClr val="accent3"/>
+                </a:solidFill>
+                <a:latin typeface="Proxima Nova"/>
+                <a:ea typeface="Proxima Nova"/>
+                <a:cs typeface="Proxima Nova"/>
+                <a:sym typeface="Proxima Nova"/>
+              </a:rPr>
+              <a:t>No robots.txt found at https://www.kaggle.com/robots.txt, checking additional pages</a:t>
+            </a:r>
+            <a:endParaRPr b="1" sz="1200">
+              <a:solidFill>
+                <a:schemeClr val="accent3"/>
+              </a:solidFill>
+              <a:latin typeface="Proxima Nova"/>
+              <a:ea typeface="Proxima Nova"/>
+              <a:cs typeface="Proxima Nova"/>
+              <a:sym typeface="Proxima Nova"/>
+            </a:endParaRPr>
+          </a:p>
+          <a:p>
+            <a:pPr indent="0" lvl="0" marL="0" rtl="0" algn="l">
+              <a:spcBef>
+                <a:spcPts val="0"/>
+              </a:spcBef>
+              <a:spcAft>
+                <a:spcPts val="0"/>
+              </a:spcAft>
+              <a:buNone/>
+            </a:pPr>
+            <a:r>
+              <a:t/>
+            </a:r>
+            <a:endParaRPr b="1" sz="1200">
+              <a:solidFill>
+                <a:schemeClr val="accent3"/>
+              </a:solidFill>
+              <a:latin typeface="Proxima Nova"/>
+              <a:ea typeface="Proxima Nova"/>
+              <a:cs typeface="Proxima Nova"/>
+              <a:sym typeface="Proxima Nova"/>
+            </a:endParaRPr>
+          </a:p>
+          <a:p>
+            <a:pPr indent="0" lvl="0" marL="0" rtl="0" algn="l">
+              <a:spcBef>
+                <a:spcPts val="0"/>
+              </a:spcBef>
+              <a:spcAft>
+                <a:spcPts val="0"/>
+              </a:spcAft>
+              <a:buNone/>
+            </a:pPr>
+            <a:r>
+              <a:rPr b="1" lang="ja" sz="1200">
+                <a:solidFill>
+                  <a:schemeClr val="accent3"/>
+                </a:solidFill>
+                <a:latin typeface="Proxima Nova"/>
+                <a:ea typeface="Proxima Nova"/>
+                <a:cs typeface="Proxima Nova"/>
+                <a:sym typeface="Proxima Nova"/>
+              </a:rPr>
+              <a:t>Accessing robots.txt at https://ja.wikipedia.org/robots.txt</a:t>
+            </a:r>
+            <a:endParaRPr b="1" sz="1200">
+              <a:solidFill>
+                <a:schemeClr val="accent3"/>
+              </a:solidFill>
+              <a:latin typeface="Proxima Nova"/>
+              <a:ea typeface="Proxima Nova"/>
+              <a:cs typeface="Proxima Nova"/>
+              <a:sym typeface="Proxima Nova"/>
+            </a:endParaRPr>
+          </a:p>
+          <a:p>
+            <a:pPr indent="0" lvl="0" marL="0" rtl="0" algn="l">
+              <a:spcBef>
+                <a:spcPts val="0"/>
+              </a:spcBef>
+              <a:spcAft>
+                <a:spcPts val="0"/>
+              </a:spcAft>
+              <a:buNone/>
+            </a:pPr>
+            <a:r>
+              <a:rPr b="1" lang="ja" sz="1200">
+                <a:solidFill>
+                  <a:schemeClr val="accent3"/>
+                </a:solidFill>
+                <a:latin typeface="Proxima Nova"/>
+                <a:ea typeface="Proxima Nova"/>
+                <a:cs typeface="Proxima Nova"/>
+                <a:sym typeface="Proxima Nova"/>
+              </a:rPr>
+              <a:t>Scraping allowed according to robots.txt</a:t>
+            </a:r>
+            <a:endParaRPr b="1" sz="1200">
+              <a:solidFill>
+                <a:schemeClr val="accent3"/>
+              </a:solidFill>
+              <a:latin typeface="Proxima Nova"/>
+              <a:ea typeface="Proxima Nova"/>
+              <a:cs typeface="Proxima Nova"/>
+              <a:sym typeface="Proxima Nova"/>
+            </a:endParaRPr>
+          </a:p>
+          <a:p>
+            <a:pPr indent="0" lvl="0" marL="0" rtl="0" algn="l">
+              <a:spcBef>
+                <a:spcPts val="0"/>
+              </a:spcBef>
+              <a:spcAft>
+                <a:spcPts val="0"/>
+              </a:spcAft>
+              <a:buNone/>
+            </a:pPr>
+            <a:r>
+              <a:rPr b="1" lang="ja" sz="1200">
+                <a:solidFill>
+                  <a:schemeClr val="accent3"/>
+                </a:solidFill>
+                <a:latin typeface="Proxima Nova"/>
+                <a:ea typeface="Proxima Nova"/>
+                <a:cs typeface="Proxima Nova"/>
+                <a:sym typeface="Proxima Nova"/>
+              </a:rPr>
+              <a:t>Twitter（ツイッター）、現在のX（エックス）は、アメリカ合衆国のX社が運営するソーシャルメディア、ソーシャル・ネットワーキング・サービス[10][11][12]。2023年7月24日に「X」へ名称変更した。投稿は、Twitterでは「ツイート」、Xでは「ポスト」と呼ばれ、限られた文字数だけで投稿できる[注釈 1]</a:t>
+            </a:r>
+            <a:endParaRPr b="1" sz="1200">
+              <a:solidFill>
+                <a:schemeClr val="accent3"/>
+              </a:solidFill>
+              <a:latin typeface="Proxima Nova"/>
+              <a:ea typeface="Proxima Nova"/>
+              <a:cs typeface="Proxima Nova"/>
+              <a:sym typeface="Proxima Nova"/>
+            </a:endParaRPr>
+          </a:p>
+          <a:p>
+            <a:pPr indent="0" lvl="0" marL="0" rtl="0" algn="l">
+              <a:spcBef>
+                <a:spcPts val="0"/>
+              </a:spcBef>
+              <a:spcAft>
+                <a:spcPts val="0"/>
+              </a:spcAft>
+              <a:buNone/>
+            </a:pPr>
+            <a:r>
+              <a:t/>
+            </a:r>
+            <a:endParaRPr b="1" sz="1200">
+              <a:solidFill>
+                <a:schemeClr val="accent3"/>
+              </a:solidFill>
+              <a:latin typeface="Proxima Nova"/>
+              <a:ea typeface="Proxima Nova"/>
+              <a:cs typeface="Proxima Nova"/>
+              <a:sym typeface="Proxima Nova"/>
+            </a:endParaRPr>
+          </a:p>
+        </p:txBody>
+      </p:sp>
+    </p:spTree>
+  </p:cSld>
+  <p:clrMapOvr>
+    <a:masterClrMapping/>
+  </p:clrMapOvr>
+</p:sld>
+</file>
+
+<file path=ppt/slides/slide13.xml><?xml version="1.0" encoding="utf-8"?>
+<p:sld xmlns:a="http://schemas.openxmlformats.org/drawingml/2006/main" xmlns:r="http://schemas.openxmlformats.org/officeDocument/2006/relationships" xmlns:mc="http://schemas.openxmlformats.org/markup-compatibility/2006" xmlns:mv="urn:schemas-microsoft-com:mac:vml" xmlns:p="http://schemas.openxmlformats.org/presentationml/2006/main" xmlns:c="http://schemas.openxmlformats.org/drawingml/2006/chart" xmlns:dgm="http://schemas.openxmlformats.org/drawingml/2006/diagram" xmlns:o="urn:schemas-microsoft-com:office:office" xmlns:v="urn:schemas-microsoft-com:vml" xmlns:pvml="urn:schemas-microsoft-com:office:powerpoint" xmlns:com="http://schemas.openxmlformats.org/drawingml/2006/compatibility" xmlns:p14="http://schemas.microsoft.com/office/powerpoint/2010/main" xmlns:p15="http://schemas.microsoft.com/office/powerpoint/2012/main" xmlns:ahyp="http://schemas.microsoft.com/office/drawing/2018/hyperlinkcolor">
+  <p:cSld>
+    <p:spTree>
+      <p:nvGrpSpPr>
+        <p:cNvPr id="250" name="Shape 250"/>
+        <p:cNvGrpSpPr/>
+        <p:nvPr/>
+      </p:nvGrpSpPr>
+      <p:grpSpPr>
+        <a:xfrm>
+          <a:off x="0" y="0"/>
+          <a:ext cx="0" cy="0"/>
+          <a:chOff x="0" y="0"/>
+          <a:chExt cx="0" cy="0"/>
+        </a:xfrm>
+      </p:grpSpPr>
+      <p:sp>
+        <p:nvSpPr>
+          <p:cNvPr id="251" name="Google Shape;251;p25"/>
+          <p:cNvSpPr txBox="1"/>
+          <p:nvPr/>
+        </p:nvSpPr>
+        <p:spPr>
+          <a:xfrm>
+            <a:off x="0" y="16650"/>
+            <a:ext cx="9144000" cy="5110200"/>
+          </a:xfrm>
+          <a:prstGeom prst="rect">
+            <a:avLst/>
+          </a:prstGeom>
+          <a:noFill/>
+          <a:ln>
+            <a:noFill/>
+          </a:ln>
+        </p:spPr>
+        <p:txBody>
+          <a:bodyPr anchorCtr="0" anchor="t" bIns="91425" lIns="91425" spcFirstLastPara="1" rIns="91425" wrap="square" tIns="91425">
+            <a:spAutoFit/>
+          </a:bodyPr>
+          <a:lstStyle/>
+          <a:p>
+            <a:pPr indent="0" lvl="0" marL="0" rtl="0" algn="l">
+              <a:spcBef>
+                <a:spcPts val="0"/>
+              </a:spcBef>
+              <a:spcAft>
+                <a:spcPts val="0"/>
+              </a:spcAft>
+              <a:buNone/>
+            </a:pPr>
+            <a:r>
+              <a:rPr b="1" lang="ja" sz="1300">
+                <a:solidFill>
+                  <a:schemeClr val="accent3"/>
+                </a:solidFill>
+                <a:latin typeface="Proxima Nova"/>
+                <a:ea typeface="Proxima Nova"/>
+                <a:cs typeface="Proxima Nova"/>
+                <a:sym typeface="Proxima Nova"/>
+              </a:rPr>
+              <a:t>結果</a:t>
+            </a:r>
+            <a:endParaRPr b="1" sz="1300">
+              <a:solidFill>
+                <a:schemeClr val="accent3"/>
+              </a:solidFill>
+              <a:latin typeface="Proxima Nova"/>
+              <a:ea typeface="Proxima Nova"/>
+              <a:cs typeface="Proxima Nova"/>
+              <a:sym typeface="Proxima Nova"/>
+            </a:endParaRPr>
+          </a:p>
+          <a:p>
+            <a:pPr indent="0" lvl="0" marL="0" rtl="0" algn="l">
+              <a:spcBef>
+                <a:spcPts val="0"/>
+              </a:spcBef>
+              <a:spcAft>
+                <a:spcPts val="0"/>
+              </a:spcAft>
+              <a:buNone/>
+            </a:pPr>
+            <a:r>
+              <a:t/>
+            </a:r>
+            <a:endParaRPr b="1" sz="1000">
+              <a:solidFill>
+                <a:schemeClr val="accent3"/>
+              </a:solidFill>
+              <a:latin typeface="Proxima Nova"/>
+              <a:ea typeface="Proxima Nova"/>
+              <a:cs typeface="Proxima Nova"/>
+              <a:sym typeface="Proxima Nova"/>
+            </a:endParaRPr>
+          </a:p>
+          <a:p>
+            <a:pPr indent="0" lvl="0" marL="0" rtl="0" algn="l">
+              <a:spcBef>
+                <a:spcPts val="0"/>
+              </a:spcBef>
+              <a:spcAft>
+                <a:spcPts val="0"/>
+              </a:spcAft>
+              <a:buNone/>
+            </a:pPr>
+            <a:r>
+              <a:rPr b="1" lang="ja" sz="900">
+                <a:solidFill>
+                  <a:schemeClr val="accent3"/>
+                </a:solidFill>
+                <a:latin typeface="Proxima Nova"/>
+                <a:ea typeface="Proxima Nova"/>
+                <a:cs typeface="Proxima Nova"/>
+                <a:sym typeface="Proxima Nova"/>
+              </a:rPr>
+              <a:t>全文検索判定追加時のアウトライン</a:t>
+            </a:r>
+            <a:endParaRPr b="1" sz="900">
+              <a:solidFill>
+                <a:schemeClr val="accent3"/>
+              </a:solidFill>
+              <a:latin typeface="Proxima Nova"/>
+              <a:ea typeface="Proxima Nova"/>
+              <a:cs typeface="Proxima Nova"/>
+              <a:sym typeface="Proxima Nova"/>
+            </a:endParaRPr>
+          </a:p>
+          <a:p>
+            <a:pPr indent="0" lvl="0" marL="0" rtl="0" algn="l">
+              <a:spcBef>
+                <a:spcPts val="0"/>
+              </a:spcBef>
+              <a:spcAft>
+                <a:spcPts val="0"/>
+              </a:spcAft>
+              <a:buNone/>
+            </a:pPr>
+            <a:r>
+              <a:rPr b="1" lang="ja" sz="900">
+                <a:solidFill>
+                  <a:schemeClr val="accent3"/>
+                </a:solidFill>
+                <a:latin typeface="Proxima Nova"/>
+                <a:ea typeface="Proxima Nova"/>
+                <a:cs typeface="Proxima Nova"/>
+                <a:sym typeface="Proxima Nova"/>
+              </a:rPr>
+              <a:t># 応仁の乱</a:t>
+            </a:r>
+            <a:endParaRPr b="1" sz="900">
+              <a:solidFill>
+                <a:schemeClr val="accent3"/>
+              </a:solidFill>
+              <a:latin typeface="Proxima Nova"/>
+              <a:ea typeface="Proxima Nova"/>
+              <a:cs typeface="Proxima Nova"/>
+              <a:sym typeface="Proxima Nova"/>
+            </a:endParaRPr>
+          </a:p>
+          <a:p>
+            <a:pPr indent="0" lvl="0" marL="0" rtl="0" algn="l">
+              <a:spcBef>
+                <a:spcPts val="0"/>
+              </a:spcBef>
+              <a:spcAft>
+                <a:spcPts val="0"/>
+              </a:spcAft>
+              <a:buNone/>
+            </a:pPr>
+            <a:r>
+              <a:rPr b="1" lang="ja" sz="900">
+                <a:solidFill>
+                  <a:schemeClr val="accent3"/>
+                </a:solidFill>
+                <a:latin typeface="Proxima Nova"/>
+                <a:ea typeface="Proxima Nova"/>
+                <a:cs typeface="Proxima Nova"/>
+                <a:sym typeface="Proxima Nova"/>
+              </a:rPr>
+              <a:t>## 概要</a:t>
+            </a:r>
+            <a:endParaRPr b="1" sz="900">
+              <a:solidFill>
+                <a:schemeClr val="accent3"/>
+              </a:solidFill>
+              <a:latin typeface="Proxima Nova"/>
+              <a:ea typeface="Proxima Nova"/>
+              <a:cs typeface="Proxima Nova"/>
+              <a:sym typeface="Proxima Nova"/>
+            </a:endParaRPr>
+          </a:p>
+          <a:p>
+            <a:pPr indent="0" lvl="0" marL="0" rtl="0" algn="l">
+              <a:spcBef>
+                <a:spcPts val="0"/>
+              </a:spcBef>
+              <a:spcAft>
+                <a:spcPts val="0"/>
+              </a:spcAft>
+              <a:buNone/>
+            </a:pPr>
+            <a:r>
+              <a:rPr b="1" lang="ja" sz="900">
+                <a:solidFill>
+                  <a:schemeClr val="accent3"/>
+                </a:solidFill>
+                <a:latin typeface="Proxima Nova"/>
+                <a:ea typeface="Proxima Nova"/>
+                <a:cs typeface="Proxima Nova"/>
+                <a:sym typeface="Proxima Nova"/>
+              </a:rPr>
+              <a:t>## 発生の背景</a:t>
+            </a:r>
+            <a:endParaRPr b="1" sz="900">
+              <a:solidFill>
+                <a:schemeClr val="accent3"/>
+              </a:solidFill>
+              <a:latin typeface="Proxima Nova"/>
+              <a:ea typeface="Proxima Nova"/>
+              <a:cs typeface="Proxima Nova"/>
+              <a:sym typeface="Proxima Nova"/>
+            </a:endParaRPr>
+          </a:p>
+          <a:p>
+            <a:pPr indent="0" lvl="0" marL="0" rtl="0" algn="l">
+              <a:spcBef>
+                <a:spcPts val="0"/>
+              </a:spcBef>
+              <a:spcAft>
+                <a:spcPts val="0"/>
+              </a:spcAft>
+              <a:buNone/>
+            </a:pPr>
+            <a:r>
+              <a:rPr b="1" lang="ja" sz="900">
+                <a:solidFill>
+                  <a:schemeClr val="accent3"/>
+                </a:solidFill>
+                <a:latin typeface="Proxima Nova"/>
+                <a:ea typeface="Proxima Nova"/>
+                <a:cs typeface="Proxima Nova"/>
+                <a:sym typeface="Proxima Nova"/>
+              </a:rPr>
+              <a:t>### 室町幕府の弱体化</a:t>
+            </a:r>
+            <a:endParaRPr b="1" sz="900">
+              <a:solidFill>
+                <a:schemeClr val="accent3"/>
+              </a:solidFill>
+              <a:latin typeface="Proxima Nova"/>
+              <a:ea typeface="Proxima Nova"/>
+              <a:cs typeface="Proxima Nova"/>
+              <a:sym typeface="Proxima Nova"/>
+            </a:endParaRPr>
+          </a:p>
+          <a:p>
+            <a:pPr indent="0" lvl="0" marL="0" rtl="0" algn="l">
+              <a:spcBef>
+                <a:spcPts val="0"/>
+              </a:spcBef>
+              <a:spcAft>
+                <a:spcPts val="0"/>
+              </a:spcAft>
+              <a:buNone/>
+            </a:pPr>
+            <a:r>
+              <a:rPr b="1" lang="ja" sz="900">
+                <a:solidFill>
+                  <a:schemeClr val="accent3"/>
+                </a:solidFill>
+                <a:latin typeface="Proxima Nova"/>
+                <a:ea typeface="Proxima Nova"/>
+                <a:cs typeface="Proxima Nova"/>
+                <a:sym typeface="Proxima Nova"/>
+              </a:rPr>
+              <a:t>### 足利将軍家の後継者問題</a:t>
+            </a:r>
+            <a:endParaRPr b="1" sz="900">
+              <a:solidFill>
+                <a:schemeClr val="accent3"/>
+              </a:solidFill>
+              <a:latin typeface="Proxima Nova"/>
+              <a:ea typeface="Proxima Nova"/>
+              <a:cs typeface="Proxima Nova"/>
+              <a:sym typeface="Proxima Nova"/>
+            </a:endParaRPr>
+          </a:p>
+          <a:p>
+            <a:pPr indent="0" lvl="0" marL="0" rtl="0" algn="l">
+              <a:spcBef>
+                <a:spcPts val="0"/>
+              </a:spcBef>
+              <a:spcAft>
+                <a:spcPts val="0"/>
+              </a:spcAft>
+              <a:buNone/>
+            </a:pPr>
+            <a:r>
+              <a:rPr b="1" lang="ja" sz="900">
+                <a:solidFill>
+                  <a:schemeClr val="accent3"/>
+                </a:solidFill>
+                <a:latin typeface="Proxima Nova"/>
+                <a:ea typeface="Proxima Nova"/>
+                <a:cs typeface="Proxima Nova"/>
+                <a:sym typeface="Proxima Nova"/>
+              </a:rPr>
+              <a:t>### 畠山氏と斯波氏の家督争い</a:t>
+            </a:r>
+            <a:endParaRPr b="1" sz="900">
+              <a:solidFill>
+                <a:schemeClr val="accent3"/>
+              </a:solidFill>
+              <a:latin typeface="Proxima Nova"/>
+              <a:ea typeface="Proxima Nova"/>
+              <a:cs typeface="Proxima Nova"/>
+              <a:sym typeface="Proxima Nova"/>
+            </a:endParaRPr>
+          </a:p>
+          <a:p>
+            <a:pPr indent="0" lvl="0" marL="0" rtl="0" algn="l">
+              <a:spcBef>
+                <a:spcPts val="0"/>
+              </a:spcBef>
+              <a:spcAft>
+                <a:spcPts val="0"/>
+              </a:spcAft>
+              <a:buNone/>
+            </a:pPr>
+            <a:r>
+              <a:rPr b="1" lang="ja" sz="900">
+                <a:solidFill>
+                  <a:schemeClr val="accent3"/>
+                </a:solidFill>
+                <a:latin typeface="Proxima Nova"/>
+                <a:ea typeface="Proxima Nova"/>
+                <a:cs typeface="Proxima Nova"/>
+                <a:sym typeface="Proxima Nova"/>
+              </a:rPr>
+              <a:t>## 主要な登場人物</a:t>
+            </a:r>
+            <a:endParaRPr b="1" sz="900">
+              <a:solidFill>
+                <a:schemeClr val="accent3"/>
+              </a:solidFill>
+              <a:latin typeface="Proxima Nova"/>
+              <a:ea typeface="Proxima Nova"/>
+              <a:cs typeface="Proxima Nova"/>
+              <a:sym typeface="Proxima Nova"/>
+            </a:endParaRPr>
+          </a:p>
+          <a:p>
+            <a:pPr indent="0" lvl="0" marL="0" rtl="0" algn="l">
+              <a:spcBef>
+                <a:spcPts val="0"/>
+              </a:spcBef>
+              <a:spcAft>
+                <a:spcPts val="0"/>
+              </a:spcAft>
+              <a:buNone/>
+            </a:pPr>
+            <a:r>
+              <a:rPr b="1" lang="ja" sz="900">
+                <a:solidFill>
+                  <a:schemeClr val="accent3"/>
+                </a:solidFill>
+                <a:latin typeface="Proxima Nova"/>
+                <a:ea typeface="Proxima Nova"/>
+                <a:cs typeface="Proxima Nova"/>
+                <a:sym typeface="Proxima Nova"/>
+              </a:rPr>
+              <a:t>### 細川勝元</a:t>
+            </a:r>
+            <a:endParaRPr b="1" sz="900">
+              <a:solidFill>
+                <a:schemeClr val="accent3"/>
+              </a:solidFill>
+              <a:latin typeface="Proxima Nova"/>
+              <a:ea typeface="Proxima Nova"/>
+              <a:cs typeface="Proxima Nova"/>
+              <a:sym typeface="Proxima Nova"/>
+            </a:endParaRPr>
+          </a:p>
+          <a:p>
+            <a:pPr indent="0" lvl="0" marL="0" rtl="0" algn="l">
+              <a:spcBef>
+                <a:spcPts val="0"/>
+              </a:spcBef>
+              <a:spcAft>
+                <a:spcPts val="0"/>
+              </a:spcAft>
+              <a:buNone/>
+            </a:pPr>
+            <a:r>
+              <a:rPr b="1" lang="ja" sz="900">
+                <a:solidFill>
+                  <a:schemeClr val="accent3"/>
+                </a:solidFill>
+                <a:latin typeface="Proxima Nova"/>
+                <a:ea typeface="Proxima Nova"/>
+                <a:cs typeface="Proxima Nova"/>
+                <a:sym typeface="Proxima Nova"/>
+              </a:rPr>
+              <a:t>### 山名宗全</a:t>
+            </a:r>
+            <a:endParaRPr b="1" sz="900">
+              <a:solidFill>
+                <a:schemeClr val="accent3"/>
+              </a:solidFill>
+              <a:latin typeface="Proxima Nova"/>
+              <a:ea typeface="Proxima Nova"/>
+              <a:cs typeface="Proxima Nova"/>
+              <a:sym typeface="Proxima Nova"/>
+            </a:endParaRPr>
+          </a:p>
+          <a:p>
+            <a:pPr indent="0" lvl="0" marL="0" rtl="0" algn="l">
+              <a:spcBef>
+                <a:spcPts val="0"/>
+              </a:spcBef>
+              <a:spcAft>
+                <a:spcPts val="0"/>
+              </a:spcAft>
+              <a:buNone/>
+            </a:pPr>
+            <a:r>
+              <a:rPr b="1" lang="ja" sz="900">
+                <a:solidFill>
+                  <a:schemeClr val="accent3"/>
+                </a:solidFill>
+                <a:latin typeface="Proxima Nova"/>
+                <a:ea typeface="Proxima Nova"/>
+                <a:cs typeface="Proxima Nova"/>
+                <a:sym typeface="Proxima Nova"/>
+              </a:rPr>
+              <a:t>### 足利義政</a:t>
+            </a:r>
+            <a:endParaRPr b="1" sz="900">
+              <a:solidFill>
+                <a:schemeClr val="accent3"/>
+              </a:solidFill>
+              <a:latin typeface="Proxima Nova"/>
+              <a:ea typeface="Proxima Nova"/>
+              <a:cs typeface="Proxima Nova"/>
+              <a:sym typeface="Proxima Nova"/>
+            </a:endParaRPr>
+          </a:p>
+          <a:p>
+            <a:pPr indent="0" lvl="0" marL="0" rtl="0" algn="l">
+              <a:spcBef>
+                <a:spcPts val="0"/>
+              </a:spcBef>
+              <a:spcAft>
+                <a:spcPts val="0"/>
+              </a:spcAft>
+              <a:buNone/>
+            </a:pPr>
+            <a:r>
+              <a:rPr b="1" lang="ja" sz="900">
+                <a:solidFill>
+                  <a:schemeClr val="accent3"/>
+                </a:solidFill>
+                <a:latin typeface="Proxima Nova"/>
+                <a:ea typeface="Proxima Nova"/>
+                <a:cs typeface="Proxima Nova"/>
+                <a:sym typeface="Proxima Nova"/>
+              </a:rPr>
+              <a:t>## 戦争の経過</a:t>
+            </a:r>
+            <a:endParaRPr b="1" sz="900">
+              <a:solidFill>
+                <a:schemeClr val="accent3"/>
+              </a:solidFill>
+              <a:latin typeface="Proxima Nova"/>
+              <a:ea typeface="Proxima Nova"/>
+              <a:cs typeface="Proxima Nova"/>
+              <a:sym typeface="Proxima Nova"/>
+            </a:endParaRPr>
+          </a:p>
+          <a:p>
+            <a:pPr indent="0" lvl="0" marL="0" rtl="0" algn="l">
+              <a:spcBef>
+                <a:spcPts val="0"/>
+              </a:spcBef>
+              <a:spcAft>
+                <a:spcPts val="0"/>
+              </a:spcAft>
+              <a:buNone/>
+            </a:pPr>
+            <a:r>
+              <a:rPr b="1" lang="ja" sz="900">
+                <a:solidFill>
+                  <a:schemeClr val="accent3"/>
+                </a:solidFill>
+                <a:latin typeface="Proxima Nova"/>
+                <a:ea typeface="Proxima Nova"/>
+                <a:cs typeface="Proxima Nova"/>
+                <a:sym typeface="Proxima Nova"/>
+              </a:rPr>
+              <a:t>### 初期の戦闘</a:t>
+            </a:r>
+            <a:endParaRPr b="1" sz="900">
+              <a:solidFill>
+                <a:schemeClr val="accent3"/>
+              </a:solidFill>
+              <a:latin typeface="Proxima Nova"/>
+              <a:ea typeface="Proxima Nova"/>
+              <a:cs typeface="Proxima Nova"/>
+              <a:sym typeface="Proxima Nova"/>
+            </a:endParaRPr>
+          </a:p>
+          <a:p>
+            <a:pPr indent="0" lvl="0" marL="0" rtl="0" algn="l">
+              <a:spcBef>
+                <a:spcPts val="0"/>
+              </a:spcBef>
+              <a:spcAft>
+                <a:spcPts val="0"/>
+              </a:spcAft>
+              <a:buNone/>
+            </a:pPr>
+            <a:r>
+              <a:rPr b="1" lang="ja" sz="900">
+                <a:solidFill>
+                  <a:schemeClr val="accent3"/>
+                </a:solidFill>
+                <a:latin typeface="Proxima Nova"/>
+                <a:ea typeface="Proxima Nova"/>
+                <a:cs typeface="Proxima Nova"/>
+                <a:sym typeface="Proxima Nova"/>
+              </a:rPr>
+              <a:t>#### 京都での戦い</a:t>
+            </a:r>
+            <a:endParaRPr b="1" sz="900">
+              <a:solidFill>
+                <a:schemeClr val="accent3"/>
+              </a:solidFill>
+              <a:latin typeface="Proxima Nova"/>
+              <a:ea typeface="Proxima Nova"/>
+              <a:cs typeface="Proxima Nova"/>
+              <a:sym typeface="Proxima Nova"/>
+            </a:endParaRPr>
+          </a:p>
+          <a:p>
+            <a:pPr indent="0" lvl="0" marL="0" rtl="0" algn="l">
+              <a:spcBef>
+                <a:spcPts val="0"/>
+              </a:spcBef>
+              <a:spcAft>
+                <a:spcPts val="0"/>
+              </a:spcAft>
+              <a:buNone/>
+            </a:pPr>
+            <a:r>
+              <a:rPr b="1" lang="ja" sz="900">
+                <a:solidFill>
+                  <a:schemeClr val="accent3"/>
+                </a:solidFill>
+                <a:latin typeface="Proxima Nova"/>
+                <a:ea typeface="Proxima Nova"/>
+                <a:cs typeface="Proxima Nova"/>
+                <a:sym typeface="Proxima Nova"/>
+              </a:rPr>
+              <a:t>### 戦争の拡大</a:t>
+            </a:r>
+            <a:endParaRPr b="1" sz="900">
+              <a:solidFill>
+                <a:schemeClr val="accent3"/>
+              </a:solidFill>
+              <a:latin typeface="Proxima Nova"/>
+              <a:ea typeface="Proxima Nova"/>
+              <a:cs typeface="Proxima Nova"/>
+              <a:sym typeface="Proxima Nova"/>
+            </a:endParaRPr>
+          </a:p>
+          <a:p>
+            <a:pPr indent="0" lvl="0" marL="0" rtl="0" algn="l">
+              <a:spcBef>
+                <a:spcPts val="0"/>
+              </a:spcBef>
+              <a:spcAft>
+                <a:spcPts val="0"/>
+              </a:spcAft>
+              <a:buNone/>
+            </a:pPr>
+            <a:r>
+              <a:rPr b="1" lang="ja" sz="900">
+                <a:solidFill>
+                  <a:schemeClr val="accent3"/>
+                </a:solidFill>
+                <a:latin typeface="Proxima Nova"/>
+                <a:ea typeface="Proxima Nova"/>
+                <a:cs typeface="Proxima Nova"/>
+                <a:sym typeface="Proxima Nova"/>
+              </a:rPr>
+              <a:t>#### 各地への広がり</a:t>
+            </a:r>
+            <a:endParaRPr b="1" sz="900">
+              <a:solidFill>
+                <a:schemeClr val="accent3"/>
+              </a:solidFill>
+              <a:latin typeface="Proxima Nova"/>
+              <a:ea typeface="Proxima Nova"/>
+              <a:cs typeface="Proxima Nova"/>
+              <a:sym typeface="Proxima Nova"/>
+            </a:endParaRPr>
+          </a:p>
+          <a:p>
+            <a:pPr indent="0" lvl="0" marL="0" rtl="0" algn="l">
+              <a:spcBef>
+                <a:spcPts val="0"/>
+              </a:spcBef>
+              <a:spcAft>
+                <a:spcPts val="0"/>
+              </a:spcAft>
+              <a:buNone/>
+            </a:pPr>
+            <a:r>
+              <a:rPr b="1" lang="ja" sz="900">
+                <a:solidFill>
+                  <a:schemeClr val="accent3"/>
+                </a:solidFill>
+                <a:latin typeface="Proxima Nova"/>
+                <a:ea typeface="Proxima Nova"/>
+                <a:cs typeface="Proxima Nova"/>
+                <a:sym typeface="Proxima Nova"/>
+              </a:rPr>
+              <a:t>## 経済的影響</a:t>
+            </a:r>
+            <a:endParaRPr b="1" sz="900">
+              <a:solidFill>
+                <a:schemeClr val="accent3"/>
+              </a:solidFill>
+              <a:latin typeface="Proxima Nova"/>
+              <a:ea typeface="Proxima Nova"/>
+              <a:cs typeface="Proxima Nova"/>
+              <a:sym typeface="Proxima Nova"/>
+            </a:endParaRPr>
+          </a:p>
+          <a:p>
+            <a:pPr indent="0" lvl="0" marL="0" rtl="0" algn="l">
+              <a:spcBef>
+                <a:spcPts val="0"/>
+              </a:spcBef>
+              <a:spcAft>
+                <a:spcPts val="0"/>
+              </a:spcAft>
+              <a:buNone/>
+            </a:pPr>
+            <a:r>
+              <a:rPr b="1" lang="ja" sz="900">
+                <a:solidFill>
+                  <a:schemeClr val="accent3"/>
+                </a:solidFill>
+                <a:latin typeface="Proxima Nova"/>
+                <a:ea typeface="Proxima Nova"/>
+                <a:cs typeface="Proxima Nova"/>
+                <a:sym typeface="Proxima Nova"/>
+              </a:rPr>
+              <a:t>### 経済的困窮と飢饉</a:t>
+            </a:r>
+            <a:endParaRPr b="1" sz="900">
+              <a:solidFill>
+                <a:schemeClr val="accent3"/>
+              </a:solidFill>
+              <a:latin typeface="Proxima Nova"/>
+              <a:ea typeface="Proxima Nova"/>
+              <a:cs typeface="Proxima Nova"/>
+              <a:sym typeface="Proxima Nova"/>
+            </a:endParaRPr>
+          </a:p>
+          <a:p>
+            <a:pPr indent="0" lvl="0" marL="0" rtl="0" algn="l">
+              <a:spcBef>
+                <a:spcPts val="0"/>
+              </a:spcBef>
+              <a:spcAft>
+                <a:spcPts val="0"/>
+              </a:spcAft>
+              <a:buNone/>
+            </a:pPr>
+            <a:r>
+              <a:rPr b="1" lang="ja" sz="900">
+                <a:solidFill>
+                  <a:schemeClr val="accent3"/>
+                </a:solidFill>
+                <a:latin typeface="Proxima Nova"/>
+                <a:ea typeface="Proxima Nova"/>
+                <a:cs typeface="Proxima Nova"/>
+                <a:sym typeface="Proxima Nova"/>
+              </a:rPr>
+              <a:t>### 借金帳消し令（徳政令）</a:t>
+            </a:r>
+            <a:endParaRPr b="1" sz="900">
+              <a:solidFill>
+                <a:schemeClr val="accent3"/>
+              </a:solidFill>
+              <a:latin typeface="Proxima Nova"/>
+              <a:ea typeface="Proxima Nova"/>
+              <a:cs typeface="Proxima Nova"/>
+              <a:sym typeface="Proxima Nova"/>
+            </a:endParaRPr>
+          </a:p>
+          <a:p>
+            <a:pPr indent="0" lvl="0" marL="0" rtl="0" algn="l">
+              <a:spcBef>
+                <a:spcPts val="0"/>
+              </a:spcBef>
+              <a:spcAft>
+                <a:spcPts val="0"/>
+              </a:spcAft>
+              <a:buNone/>
+            </a:pPr>
+            <a:r>
+              <a:rPr b="1" lang="ja" sz="900">
+                <a:solidFill>
+                  <a:schemeClr val="accent3"/>
+                </a:solidFill>
+                <a:latin typeface="Proxima Nova"/>
+                <a:ea typeface="Proxima Nova"/>
+                <a:cs typeface="Proxima Nova"/>
+                <a:sym typeface="Proxima Nova"/>
+              </a:rPr>
+              <a:t>## 社会的影響</a:t>
+            </a:r>
+            <a:endParaRPr b="1" sz="900">
+              <a:solidFill>
+                <a:schemeClr val="accent3"/>
+              </a:solidFill>
+              <a:latin typeface="Proxima Nova"/>
+              <a:ea typeface="Proxima Nova"/>
+              <a:cs typeface="Proxima Nova"/>
+              <a:sym typeface="Proxima Nova"/>
+            </a:endParaRPr>
+          </a:p>
+          <a:p>
+            <a:pPr indent="0" lvl="0" marL="0" rtl="0" algn="l">
+              <a:spcBef>
+                <a:spcPts val="0"/>
+              </a:spcBef>
+              <a:spcAft>
+                <a:spcPts val="0"/>
+              </a:spcAft>
+              <a:buNone/>
+            </a:pPr>
+            <a:r>
+              <a:rPr b="1" lang="ja" sz="900">
+                <a:solidFill>
+                  <a:schemeClr val="accent3"/>
+                </a:solidFill>
+                <a:latin typeface="Proxima Nova"/>
+                <a:ea typeface="Proxima Nova"/>
+                <a:cs typeface="Proxima Nova"/>
+                <a:sym typeface="Proxima Nova"/>
+              </a:rPr>
+              <a:t>### 地方武士の台頭</a:t>
+            </a:r>
+            <a:endParaRPr b="1" sz="900">
+              <a:solidFill>
+                <a:schemeClr val="accent3"/>
+              </a:solidFill>
+              <a:latin typeface="Proxima Nova"/>
+              <a:ea typeface="Proxima Nova"/>
+              <a:cs typeface="Proxima Nova"/>
+              <a:sym typeface="Proxima Nova"/>
+            </a:endParaRPr>
+          </a:p>
+          <a:p>
+            <a:pPr indent="0" lvl="0" marL="0" rtl="0" algn="l">
+              <a:spcBef>
+                <a:spcPts val="0"/>
+              </a:spcBef>
+              <a:spcAft>
+                <a:spcPts val="0"/>
+              </a:spcAft>
+              <a:buNone/>
+            </a:pPr>
+            <a:r>
+              <a:rPr b="1" lang="ja" sz="900">
+                <a:solidFill>
+                  <a:schemeClr val="accent3"/>
+                </a:solidFill>
+                <a:latin typeface="Proxima Nova"/>
+                <a:ea typeface="Proxima Nova"/>
+                <a:cs typeface="Proxima Nova"/>
+                <a:sym typeface="Proxima Nova"/>
+              </a:rPr>
+              <a:t>### 自治地域の形成</a:t>
+            </a:r>
+            <a:endParaRPr b="1" sz="900">
+              <a:solidFill>
+                <a:schemeClr val="accent3"/>
+              </a:solidFill>
+              <a:latin typeface="Proxima Nova"/>
+              <a:ea typeface="Proxima Nova"/>
+              <a:cs typeface="Proxima Nova"/>
+              <a:sym typeface="Proxima Nova"/>
+            </a:endParaRPr>
+          </a:p>
+          <a:p>
+            <a:pPr indent="0" lvl="0" marL="0" rtl="0" algn="l">
+              <a:spcBef>
+                <a:spcPts val="0"/>
+              </a:spcBef>
+              <a:spcAft>
+                <a:spcPts val="0"/>
+              </a:spcAft>
+              <a:buNone/>
+            </a:pPr>
+            <a:r>
+              <a:rPr b="1" lang="ja" sz="900">
+                <a:solidFill>
+                  <a:schemeClr val="accent3"/>
+                </a:solidFill>
+                <a:latin typeface="Proxima Nova"/>
+                <a:ea typeface="Proxima Nova"/>
+                <a:cs typeface="Proxima Nova"/>
+                <a:sym typeface="Proxima Nova"/>
+              </a:rPr>
+              <a:t>### 荘園制度の崩壊</a:t>
+            </a:r>
+            <a:endParaRPr b="1" sz="900">
+              <a:solidFill>
+                <a:schemeClr val="accent3"/>
+              </a:solidFill>
+              <a:latin typeface="Proxima Nova"/>
+              <a:ea typeface="Proxima Nova"/>
+              <a:cs typeface="Proxima Nova"/>
+              <a:sym typeface="Proxima Nova"/>
+            </a:endParaRPr>
+          </a:p>
+          <a:p>
+            <a:pPr indent="0" lvl="0" marL="0" rtl="0" algn="l">
+              <a:spcBef>
+                <a:spcPts val="0"/>
+              </a:spcBef>
+              <a:spcAft>
+                <a:spcPts val="0"/>
+              </a:spcAft>
+              <a:buNone/>
+            </a:pPr>
+            <a:r>
+              <a:rPr b="1" lang="ja" sz="900">
+                <a:solidFill>
+                  <a:schemeClr val="accent3"/>
+                </a:solidFill>
+                <a:latin typeface="Proxima Nova"/>
+                <a:ea typeface="Proxima Nova"/>
+                <a:cs typeface="Proxima Nova"/>
+                <a:sym typeface="Proxima Nova"/>
+              </a:rPr>
+              <a:t>## 戦後の影響</a:t>
+            </a:r>
+            <a:endParaRPr b="1" sz="900">
+              <a:solidFill>
+                <a:schemeClr val="accent3"/>
+              </a:solidFill>
+              <a:latin typeface="Proxima Nova"/>
+              <a:ea typeface="Proxima Nova"/>
+              <a:cs typeface="Proxima Nova"/>
+              <a:sym typeface="Proxima Nova"/>
+            </a:endParaRPr>
+          </a:p>
+          <a:p>
+            <a:pPr indent="0" lvl="0" marL="0" rtl="0" algn="l">
+              <a:spcBef>
+                <a:spcPts val="0"/>
+              </a:spcBef>
+              <a:spcAft>
+                <a:spcPts val="0"/>
+              </a:spcAft>
+              <a:buNone/>
+            </a:pPr>
+            <a:r>
+              <a:rPr b="1" lang="ja" sz="900">
+                <a:solidFill>
+                  <a:schemeClr val="accent3"/>
+                </a:solidFill>
+                <a:latin typeface="Proxima Nova"/>
+                <a:ea typeface="Proxima Nova"/>
+                <a:cs typeface="Proxima Nova"/>
+                <a:sym typeface="Proxima Nova"/>
+              </a:rPr>
+              <a:t>### 足利将軍家の衰退</a:t>
+            </a:r>
+            <a:endParaRPr b="1" sz="900">
+              <a:solidFill>
+                <a:schemeClr val="accent3"/>
+              </a:solidFill>
+              <a:latin typeface="Proxima Nova"/>
+              <a:ea typeface="Proxima Nova"/>
+              <a:cs typeface="Proxima Nova"/>
+              <a:sym typeface="Proxima Nova"/>
+            </a:endParaRPr>
+          </a:p>
+          <a:p>
+            <a:pPr indent="0" lvl="0" marL="0" rtl="0" algn="l">
+              <a:spcBef>
+                <a:spcPts val="0"/>
+              </a:spcBef>
+              <a:spcAft>
+                <a:spcPts val="0"/>
+              </a:spcAft>
+              <a:buNone/>
+            </a:pPr>
+            <a:r>
+              <a:rPr b="1" lang="ja" sz="900">
+                <a:solidFill>
+                  <a:schemeClr val="accent3"/>
+                </a:solidFill>
+                <a:latin typeface="Proxima Nova"/>
+                <a:ea typeface="Proxima Nova"/>
+                <a:cs typeface="Proxima Nova"/>
+                <a:sym typeface="Proxima Nova"/>
+              </a:rPr>
+              <a:t>### 戦国時代への移行</a:t>
+            </a:r>
+            <a:endParaRPr b="1" sz="900">
+              <a:solidFill>
+                <a:schemeClr val="accent3"/>
+              </a:solidFill>
+              <a:latin typeface="Proxima Nova"/>
+              <a:ea typeface="Proxima Nova"/>
+              <a:cs typeface="Proxima Nova"/>
+              <a:sym typeface="Proxima Nova"/>
+            </a:endParaRPr>
+          </a:p>
+          <a:p>
+            <a:pPr indent="0" lvl="0" marL="0" rtl="0" algn="l">
+              <a:spcBef>
+                <a:spcPts val="0"/>
+              </a:spcBef>
+              <a:spcAft>
+                <a:spcPts val="0"/>
+              </a:spcAft>
+              <a:buNone/>
+            </a:pPr>
+            <a:r>
+              <a:rPr b="1" lang="ja" sz="900">
+                <a:solidFill>
+                  <a:schemeClr val="accent3"/>
+                </a:solidFill>
+                <a:latin typeface="Proxima Nova"/>
+                <a:ea typeface="Proxima Nova"/>
+                <a:cs typeface="Proxima Nova"/>
+                <a:sym typeface="Proxima Nova"/>
+              </a:rPr>
+              <a:t>## 文化的影響</a:t>
+            </a:r>
+            <a:endParaRPr b="1" sz="900">
+              <a:solidFill>
+                <a:schemeClr val="accent3"/>
+              </a:solidFill>
+              <a:latin typeface="Proxima Nova"/>
+              <a:ea typeface="Proxima Nova"/>
+              <a:cs typeface="Proxima Nova"/>
+              <a:sym typeface="Proxima Nova"/>
+            </a:endParaRPr>
+          </a:p>
+          <a:p>
+            <a:pPr indent="0" lvl="0" marL="0" rtl="0" algn="l">
+              <a:spcBef>
+                <a:spcPts val="0"/>
+              </a:spcBef>
+              <a:spcAft>
+                <a:spcPts val="0"/>
+              </a:spcAft>
+              <a:buNone/>
+            </a:pPr>
+            <a:r>
+              <a:rPr b="1" lang="ja" sz="900">
+                <a:solidFill>
+                  <a:schemeClr val="accent3"/>
+                </a:solidFill>
+                <a:latin typeface="Proxima Nova"/>
+                <a:ea typeface="Proxima Nova"/>
+                <a:cs typeface="Proxima Nova"/>
+                <a:sym typeface="Proxima Nova"/>
+              </a:rPr>
+              <a:t>### 京都の荒廃と文化の変遷</a:t>
+            </a:r>
+            <a:endParaRPr b="1" sz="900">
+              <a:solidFill>
+                <a:schemeClr val="accent3"/>
+              </a:solidFill>
+              <a:latin typeface="Proxima Nova"/>
+              <a:ea typeface="Proxima Nova"/>
+              <a:cs typeface="Proxima Nova"/>
+              <a:sym typeface="Proxima Nova"/>
+            </a:endParaRPr>
+          </a:p>
+          <a:p>
+            <a:pPr indent="0" lvl="0" marL="0" rtl="0" algn="l">
+              <a:spcBef>
+                <a:spcPts val="0"/>
+              </a:spcBef>
+              <a:spcAft>
+                <a:spcPts val="0"/>
+              </a:spcAft>
+              <a:buNone/>
+            </a:pPr>
+            <a:r>
+              <a:rPr b="1" lang="ja" sz="900">
+                <a:solidFill>
+                  <a:schemeClr val="accent3"/>
+                </a:solidFill>
+                <a:latin typeface="Proxima Nova"/>
+                <a:ea typeface="Proxima Nova"/>
+                <a:cs typeface="Proxima Nova"/>
+                <a:sym typeface="Proxima Nova"/>
+              </a:rPr>
+              <a:t>### 銀閣寺の建設</a:t>
+            </a:r>
+            <a:endParaRPr b="1" sz="900">
+              <a:solidFill>
+                <a:schemeClr val="accent3"/>
+              </a:solidFill>
+              <a:latin typeface="Proxima Nova"/>
+              <a:ea typeface="Proxima Nova"/>
+              <a:cs typeface="Proxima Nova"/>
+              <a:sym typeface="Proxima Nova"/>
+            </a:endParaRPr>
+          </a:p>
+          <a:p>
+            <a:pPr indent="0" lvl="0" marL="0" rtl="0" algn="l">
+              <a:spcBef>
+                <a:spcPts val="0"/>
+              </a:spcBef>
+              <a:spcAft>
+                <a:spcPts val="0"/>
+              </a:spcAft>
+              <a:buNone/>
+            </a:pPr>
+            <a:r>
+              <a:rPr b="1" lang="ja" sz="900">
+                <a:solidFill>
+                  <a:schemeClr val="accent3"/>
+                </a:solidFill>
+                <a:latin typeface="Proxima Nova"/>
+                <a:ea typeface="Proxima Nova"/>
+                <a:cs typeface="Proxima Nova"/>
+                <a:sym typeface="Proxima Nova"/>
+              </a:rPr>
+              <a:t>## 現代の評価</a:t>
+            </a:r>
+            <a:endParaRPr b="1" sz="900">
+              <a:solidFill>
+                <a:schemeClr val="accent3"/>
+              </a:solidFill>
+              <a:latin typeface="Proxima Nova"/>
+              <a:ea typeface="Proxima Nova"/>
+              <a:cs typeface="Proxima Nova"/>
+              <a:sym typeface="Proxima Nova"/>
+            </a:endParaRPr>
+          </a:p>
+          <a:p>
+            <a:pPr indent="0" lvl="0" marL="0" rtl="0" algn="l">
+              <a:spcBef>
+                <a:spcPts val="0"/>
+              </a:spcBef>
+              <a:spcAft>
+                <a:spcPts val="0"/>
+              </a:spcAft>
+              <a:buNone/>
+            </a:pPr>
+            <a:r>
+              <a:rPr b="1" lang="ja" sz="900">
+                <a:solidFill>
+                  <a:schemeClr val="accent3"/>
+                </a:solidFill>
+                <a:latin typeface="Proxima Nova"/>
+                <a:ea typeface="Proxima Nova"/>
+                <a:cs typeface="Proxima Nova"/>
+                <a:sym typeface="Proxima Nova"/>
+              </a:rPr>
+              <a:t>### 応仁・文明の乱としての呼称</a:t>
+            </a:r>
+            <a:endParaRPr b="1" sz="900">
+              <a:solidFill>
+                <a:schemeClr val="accent3"/>
+              </a:solidFill>
+              <a:latin typeface="Proxima Nova"/>
+              <a:ea typeface="Proxima Nova"/>
+              <a:cs typeface="Proxima Nova"/>
+              <a:sym typeface="Proxima Nova"/>
+            </a:endParaRPr>
+          </a:p>
+          <a:p>
+            <a:pPr indent="0" lvl="0" marL="0" rtl="0" algn="l">
+              <a:spcBef>
+                <a:spcPts val="0"/>
+              </a:spcBef>
+              <a:spcAft>
+                <a:spcPts val="0"/>
+              </a:spcAft>
+              <a:buNone/>
+            </a:pPr>
+            <a:r>
+              <a:rPr b="1" lang="ja" sz="900">
+                <a:solidFill>
+                  <a:schemeClr val="accent3"/>
+                </a:solidFill>
+                <a:latin typeface="Proxima Nova"/>
+                <a:ea typeface="Proxima Nova"/>
+                <a:cs typeface="Proxima Nova"/>
+                <a:sym typeface="Proxima Nova"/>
+              </a:rPr>
+              <a:t>## 参考文献</a:t>
+            </a:r>
+            <a:endParaRPr b="1" sz="900">
+              <a:solidFill>
+                <a:schemeClr val="accent3"/>
+              </a:solidFill>
+              <a:latin typeface="Proxima Nova"/>
+              <a:ea typeface="Proxima Nova"/>
+              <a:cs typeface="Proxima Nova"/>
+              <a:sym typeface="Proxima Nova"/>
+            </a:endParaRPr>
+          </a:p>
+          <a:p>
+            <a:pPr indent="0" lvl="0" marL="0" rtl="0" algn="l">
+              <a:spcBef>
+                <a:spcPts val="0"/>
+              </a:spcBef>
+              <a:spcAft>
+                <a:spcPts val="0"/>
+              </a:spcAft>
+              <a:buNone/>
+            </a:pPr>
+            <a:r>
+              <a:rPr b="1" lang="ja" sz="900">
+                <a:solidFill>
+                  <a:schemeClr val="accent3"/>
+                </a:solidFill>
+                <a:latin typeface="Proxima Nova"/>
+                <a:ea typeface="Proxima Nova"/>
+                <a:cs typeface="Proxima Nova"/>
+                <a:sym typeface="Proxima Nova"/>
+              </a:rPr>
+              <a:t>## 外部リンク</a:t>
+            </a:r>
+            <a:endParaRPr b="1" sz="900">
+              <a:solidFill>
+                <a:schemeClr val="accent3"/>
+              </a:solidFill>
+              <a:latin typeface="Proxima Nova"/>
+              <a:ea typeface="Proxima Nova"/>
+              <a:cs typeface="Proxima Nova"/>
+              <a:sym typeface="Proxima Nova"/>
+            </a:endParaRPr>
+          </a:p>
+        </p:txBody>
+      </p:sp>
+      <p:sp>
+        <p:nvSpPr>
+          <p:cNvPr id="252" name="Google Shape;252;p25"/>
+          <p:cNvSpPr txBox="1"/>
+          <p:nvPr/>
+        </p:nvSpPr>
+        <p:spPr>
+          <a:xfrm>
+            <a:off x="4022475" y="0"/>
+            <a:ext cx="5121600" cy="5171700"/>
+          </a:xfrm>
+          <a:prstGeom prst="rect">
+            <a:avLst/>
+          </a:prstGeom>
+          <a:noFill/>
+          <a:ln>
+            <a:noFill/>
+          </a:ln>
+        </p:spPr>
+        <p:txBody>
+          <a:bodyPr anchorCtr="0" anchor="t" bIns="91425" lIns="91425" spcFirstLastPara="1" rIns="91425" wrap="square" tIns="91425">
+            <a:spAutoFit/>
+          </a:bodyPr>
+          <a:lstStyle/>
+          <a:p>
+            <a:pPr indent="0" lvl="0" marL="0" rtl="0" algn="l">
+              <a:spcBef>
+                <a:spcPts val="0"/>
+              </a:spcBef>
+              <a:spcAft>
+                <a:spcPts val="0"/>
+              </a:spcAft>
+              <a:buNone/>
+            </a:pPr>
+            <a:r>
+              <a:rPr b="1" lang="ja" sz="1200">
+                <a:solidFill>
+                  <a:schemeClr val="accent3"/>
+                </a:solidFill>
+                <a:latin typeface="Proxima Nova"/>
+                <a:ea typeface="Proxima Nova"/>
+                <a:cs typeface="Proxima Nova"/>
+                <a:sym typeface="Proxima Nova"/>
+              </a:rPr>
+              <a:t>全文検索を実施するかの判定を追加しても大きな情報の増減の差はでない感じ</a:t>
+            </a:r>
+            <a:endParaRPr b="1" sz="1200">
+              <a:solidFill>
+                <a:schemeClr val="accent3"/>
+              </a:solidFill>
+              <a:latin typeface="Proxima Nova"/>
+              <a:ea typeface="Proxima Nova"/>
+              <a:cs typeface="Proxima Nova"/>
+              <a:sym typeface="Proxima Nova"/>
+            </a:endParaRPr>
+          </a:p>
+          <a:p>
+            <a:pPr indent="0" lvl="0" marL="0" rtl="0" algn="l">
+              <a:spcBef>
+                <a:spcPts val="0"/>
+              </a:spcBef>
+              <a:spcAft>
+                <a:spcPts val="0"/>
+              </a:spcAft>
+              <a:buNone/>
+            </a:pPr>
+            <a:r>
+              <a:rPr b="1" lang="ja" sz="1200">
+                <a:solidFill>
+                  <a:schemeClr val="accent3"/>
+                </a:solidFill>
+                <a:latin typeface="Proxima Nova"/>
+                <a:ea typeface="Proxima Nova"/>
+                <a:cs typeface="Proxima Nova"/>
+                <a:sym typeface="Proxima Nova"/>
+              </a:rPr>
+              <a:t>この例だと、一か所以外は全部全文で取れている</a:t>
+            </a:r>
+            <a:endParaRPr b="1" sz="1200">
+              <a:solidFill>
+                <a:schemeClr val="accent3"/>
+              </a:solidFill>
+              <a:latin typeface="Proxima Nova"/>
+              <a:ea typeface="Proxima Nova"/>
+              <a:cs typeface="Proxima Nova"/>
+              <a:sym typeface="Proxima Nova"/>
+            </a:endParaRPr>
+          </a:p>
+          <a:p>
+            <a:pPr indent="0" lvl="0" marL="0" rtl="0" algn="l">
+              <a:spcBef>
+                <a:spcPts val="0"/>
+              </a:spcBef>
+              <a:spcAft>
+                <a:spcPts val="0"/>
+              </a:spcAft>
+              <a:buNone/>
+            </a:pPr>
+            <a:r>
+              <a:rPr b="1" lang="ja" sz="1200">
+                <a:solidFill>
+                  <a:schemeClr val="accent3"/>
+                </a:solidFill>
+                <a:latin typeface="Proxima Nova"/>
+                <a:ea typeface="Proxima Nova"/>
+                <a:cs typeface="Proxima Nova"/>
+                <a:sym typeface="Proxima Nova"/>
+              </a:rPr>
+              <a:t>'https://www.britannica.com/event/Onin-War',は成功して、</a:t>
+            </a:r>
+            <a:endParaRPr b="1" sz="1200">
+              <a:solidFill>
+                <a:schemeClr val="accent3"/>
+              </a:solidFill>
+              <a:latin typeface="Proxima Nova"/>
+              <a:ea typeface="Proxima Nova"/>
+              <a:cs typeface="Proxima Nova"/>
+              <a:sym typeface="Proxima Nova"/>
+            </a:endParaRPr>
+          </a:p>
+          <a:p>
+            <a:pPr indent="0" lvl="0" marL="0" rtl="0" algn="l">
+              <a:spcBef>
+                <a:spcPts val="0"/>
+              </a:spcBef>
+              <a:spcAft>
+                <a:spcPts val="0"/>
+              </a:spcAft>
+              <a:buNone/>
+            </a:pPr>
+            <a:r>
+              <a:rPr b="1" lang="ja" sz="1200">
+                <a:solidFill>
+                  <a:schemeClr val="accent3"/>
+                </a:solidFill>
+                <a:latin typeface="Proxima Nova"/>
+                <a:ea typeface="Proxima Nova"/>
+                <a:cs typeface="Proxima Nova"/>
+                <a:sym typeface="Proxima Nova"/>
+              </a:rPr>
+              <a:t>'https://www.britannica.com/place/Japan/The-Onin-War-1467-77'が失敗しているので階層先でrobots.txtと利用規約およびプライバシーポリシーの確認もできなかった</a:t>
+            </a:r>
+            <a:endParaRPr b="1" sz="1200">
+              <a:solidFill>
+                <a:schemeClr val="accent3"/>
+              </a:solidFill>
+              <a:latin typeface="Proxima Nova"/>
+              <a:ea typeface="Proxima Nova"/>
+              <a:cs typeface="Proxima Nova"/>
+              <a:sym typeface="Proxima Nova"/>
+            </a:endParaRPr>
+          </a:p>
+          <a:p>
+            <a:pPr indent="0" lvl="0" marL="0" rtl="0" algn="l">
+              <a:spcBef>
+                <a:spcPts val="0"/>
+              </a:spcBef>
+              <a:spcAft>
+                <a:spcPts val="0"/>
+              </a:spcAft>
+              <a:buNone/>
+            </a:pPr>
+            <a:r>
+              <a:t/>
+            </a:r>
+            <a:endParaRPr b="1" sz="1200">
+              <a:solidFill>
+                <a:schemeClr val="accent3"/>
+              </a:solidFill>
+              <a:latin typeface="Proxima Nova"/>
+              <a:ea typeface="Proxima Nova"/>
+              <a:cs typeface="Proxima Nova"/>
+              <a:sym typeface="Proxima Nova"/>
+            </a:endParaRPr>
+          </a:p>
+          <a:p>
+            <a:pPr indent="0" lvl="0" marL="0" rtl="0" algn="l">
+              <a:spcBef>
+                <a:spcPts val="0"/>
+              </a:spcBef>
+              <a:spcAft>
+                <a:spcPts val="0"/>
+              </a:spcAft>
+              <a:buNone/>
+            </a:pPr>
+            <a:r>
+              <a:rPr b="1" lang="ja" sz="1200">
+                <a:solidFill>
+                  <a:schemeClr val="accent3"/>
+                </a:solidFill>
+                <a:latin typeface="Proxima Nova"/>
+                <a:ea typeface="Proxima Nova"/>
+                <a:cs typeface="Proxima Nova"/>
+                <a:sym typeface="Proxima Nova"/>
+              </a:rPr>
+              <a:t>2. Bing検索は地域固定しない</a:t>
+            </a:r>
+            <a:endParaRPr b="1" sz="1200">
+              <a:solidFill>
+                <a:schemeClr val="accent3"/>
+              </a:solidFill>
+              <a:latin typeface="Proxima Nova"/>
+              <a:ea typeface="Proxima Nova"/>
+              <a:cs typeface="Proxima Nova"/>
+              <a:sym typeface="Proxima Nova"/>
+            </a:endParaRPr>
+          </a:p>
+          <a:p>
+            <a:pPr indent="0" lvl="0" marL="0" rtl="0" algn="l">
+              <a:spcBef>
+                <a:spcPts val="0"/>
+              </a:spcBef>
+              <a:spcAft>
+                <a:spcPts val="0"/>
+              </a:spcAft>
+              <a:buNone/>
+            </a:pPr>
+            <a:r>
+              <a:rPr b="1" lang="ja" sz="1200">
+                <a:solidFill>
+                  <a:schemeClr val="accent3"/>
+                </a:solidFill>
+                <a:latin typeface="Proxima Nova"/>
+                <a:ea typeface="Proxima Nova"/>
+                <a:cs typeface="Proxima Nova"/>
+                <a:sym typeface="Proxima Nova"/>
+              </a:rPr>
+              <a:t>で入れた言語判定はいい感じ、検索クエリと合う検索地域の選定にはlingua</a:t>
+            </a:r>
+            <a:endParaRPr b="1" sz="1200">
+              <a:solidFill>
+                <a:schemeClr val="accent3"/>
+              </a:solidFill>
+              <a:latin typeface="Proxima Nova"/>
+              <a:ea typeface="Proxima Nova"/>
+              <a:cs typeface="Proxima Nova"/>
+              <a:sym typeface="Proxima Nova"/>
+            </a:endParaRPr>
+          </a:p>
+          <a:p>
+            <a:pPr indent="0" lvl="0" marL="0" rtl="0" algn="l">
+              <a:spcBef>
+                <a:spcPts val="0"/>
+              </a:spcBef>
+              <a:spcAft>
+                <a:spcPts val="0"/>
+              </a:spcAft>
+              <a:buNone/>
+            </a:pPr>
+            <a:r>
+              <a:t/>
+            </a:r>
+            <a:endParaRPr b="1" sz="1200">
+              <a:solidFill>
+                <a:schemeClr val="accent3"/>
+              </a:solidFill>
+              <a:latin typeface="Proxima Nova"/>
+              <a:ea typeface="Proxima Nova"/>
+              <a:cs typeface="Proxima Nova"/>
+              <a:sym typeface="Proxima Nova"/>
+            </a:endParaRPr>
+          </a:p>
+          <a:p>
+            <a:pPr indent="0" lvl="0" marL="0" rtl="0" algn="l">
+              <a:spcBef>
+                <a:spcPts val="0"/>
+              </a:spcBef>
+              <a:spcAft>
+                <a:spcPts val="0"/>
+              </a:spcAft>
+              <a:buNone/>
+            </a:pPr>
+            <a:r>
+              <a:rPr b="1" lang="ja" sz="1200">
+                <a:solidFill>
+                  <a:schemeClr val="accent3"/>
+                </a:solidFill>
+                <a:latin typeface="Proxima Nova"/>
+                <a:ea typeface="Proxima Nova"/>
+                <a:cs typeface="Proxima Nova"/>
+                <a:sym typeface="Proxima Nova"/>
+              </a:rPr>
+              <a:t>4. 最終出力は中立の立場で生成するようにする</a:t>
+            </a:r>
+            <a:endParaRPr b="1" sz="1200">
+              <a:solidFill>
+                <a:schemeClr val="accent3"/>
+              </a:solidFill>
+              <a:latin typeface="Proxima Nova"/>
+              <a:ea typeface="Proxima Nova"/>
+              <a:cs typeface="Proxima Nova"/>
+              <a:sym typeface="Proxima Nova"/>
+            </a:endParaRPr>
+          </a:p>
+          <a:p>
+            <a:pPr indent="0" lvl="0" marL="0" rtl="0" algn="l">
+              <a:spcBef>
+                <a:spcPts val="0"/>
+              </a:spcBef>
+              <a:spcAft>
+                <a:spcPts val="0"/>
+              </a:spcAft>
+              <a:buNone/>
+            </a:pPr>
+            <a:r>
+              <a:rPr b="1" lang="ja" sz="1200">
+                <a:solidFill>
+                  <a:schemeClr val="accent3"/>
+                </a:solidFill>
+                <a:latin typeface="Proxima Nova"/>
+                <a:ea typeface="Proxima Nova"/>
+                <a:cs typeface="Proxima Nova"/>
+                <a:sym typeface="Proxima Nova"/>
+              </a:rPr>
+              <a:t>で入れたプロンプトの結果はよくわかんね</a:t>
+            </a:r>
+            <a:endParaRPr b="1" sz="1200">
+              <a:solidFill>
+                <a:schemeClr val="accent3"/>
+              </a:solidFill>
+              <a:latin typeface="Proxima Nova"/>
+              <a:ea typeface="Proxima Nova"/>
+              <a:cs typeface="Proxima Nova"/>
+              <a:sym typeface="Proxima Nova"/>
+            </a:endParaRPr>
+          </a:p>
+          <a:p>
+            <a:pPr indent="0" lvl="0" marL="0" rtl="0" algn="l">
+              <a:spcBef>
+                <a:spcPts val="0"/>
+              </a:spcBef>
+              <a:spcAft>
+                <a:spcPts val="0"/>
+              </a:spcAft>
+              <a:buNone/>
+            </a:pPr>
+            <a:r>
+              <a:t/>
+            </a:r>
+            <a:endParaRPr b="1" sz="1200">
+              <a:solidFill>
+                <a:schemeClr val="accent3"/>
+              </a:solidFill>
+              <a:latin typeface="Proxima Nova"/>
+              <a:ea typeface="Proxima Nova"/>
+              <a:cs typeface="Proxima Nova"/>
+              <a:sym typeface="Proxima Nova"/>
+            </a:endParaRPr>
+          </a:p>
+          <a:p>
+            <a:pPr indent="0" lvl="0" marL="0" rtl="0" algn="l">
+              <a:spcBef>
+                <a:spcPts val="0"/>
+              </a:spcBef>
+              <a:spcAft>
+                <a:spcPts val="0"/>
+              </a:spcAft>
+              <a:buNone/>
+            </a:pPr>
+            <a:r>
+              <a:rPr b="1" lang="ja" sz="1200">
+                <a:solidFill>
+                  <a:schemeClr val="accent3"/>
+                </a:solidFill>
+                <a:latin typeface="Proxima Nova"/>
+                <a:ea typeface="Proxima Nova"/>
+                <a:cs typeface="Proxima Nova"/>
+                <a:sym typeface="Proxima Nova"/>
+              </a:rPr>
+              <a:t>処理は1回大体3分</a:t>
+            </a:r>
+            <a:endParaRPr b="1" sz="1200">
+              <a:solidFill>
+                <a:schemeClr val="accent3"/>
+              </a:solidFill>
+              <a:latin typeface="Proxima Nova"/>
+              <a:ea typeface="Proxima Nova"/>
+              <a:cs typeface="Proxima Nova"/>
+              <a:sym typeface="Proxima Nova"/>
+            </a:endParaRPr>
+          </a:p>
+          <a:p>
+            <a:pPr indent="0" lvl="0" marL="0" rtl="0" algn="l">
+              <a:spcBef>
+                <a:spcPts val="0"/>
+              </a:spcBef>
+              <a:spcAft>
+                <a:spcPts val="0"/>
+              </a:spcAft>
+              <a:buNone/>
+            </a:pPr>
+            <a:r>
+              <a:t/>
+            </a:r>
+            <a:endParaRPr b="1" sz="1200">
+              <a:solidFill>
+                <a:schemeClr val="accent3"/>
+              </a:solidFill>
+              <a:latin typeface="Proxima Nova"/>
+              <a:ea typeface="Proxima Nova"/>
+              <a:cs typeface="Proxima Nova"/>
+              <a:sym typeface="Proxima Nova"/>
+            </a:endParaRPr>
+          </a:p>
+          <a:p>
+            <a:pPr indent="0" lvl="0" marL="0" rtl="0" algn="l">
+              <a:spcBef>
+                <a:spcPts val="0"/>
+              </a:spcBef>
+              <a:spcAft>
+                <a:spcPts val="0"/>
+              </a:spcAft>
+              <a:buNone/>
+            </a:pPr>
+            <a:r>
+              <a:rPr b="1" lang="ja" sz="1200">
+                <a:solidFill>
+                  <a:schemeClr val="accent3"/>
+                </a:solidFill>
+                <a:latin typeface="Proxima Nova"/>
+                <a:ea typeface="Proxima Nova"/>
+                <a:cs typeface="Proxima Nova"/>
+                <a:sym typeface="Proxima Nova"/>
+              </a:rPr>
+              <a:t>改善点</a:t>
+            </a:r>
+            <a:endParaRPr b="1" sz="1200">
+              <a:solidFill>
+                <a:schemeClr val="accent3"/>
+              </a:solidFill>
+              <a:latin typeface="Proxima Nova"/>
+              <a:ea typeface="Proxima Nova"/>
+              <a:cs typeface="Proxima Nova"/>
+              <a:sym typeface="Proxima Nova"/>
+            </a:endParaRPr>
+          </a:p>
+          <a:p>
+            <a:pPr indent="-304800" lvl="0" marL="457200" rtl="0" algn="l">
+              <a:spcBef>
+                <a:spcPts val="0"/>
+              </a:spcBef>
+              <a:spcAft>
+                <a:spcPts val="0"/>
+              </a:spcAft>
+              <a:buClr>
+                <a:schemeClr val="accent3"/>
+              </a:buClr>
+              <a:buSzPts val="1200"/>
+              <a:buFont typeface="Proxima Nova"/>
+              <a:buChar char="●"/>
+            </a:pPr>
+            <a:r>
+              <a:rPr b="1" lang="ja" sz="1200">
+                <a:solidFill>
+                  <a:schemeClr val="accent3"/>
+                </a:solidFill>
+                <a:latin typeface="Proxima Nova"/>
+                <a:ea typeface="Proxima Nova"/>
+                <a:cs typeface="Proxima Nova"/>
+                <a:sym typeface="Proxima Nova"/>
+              </a:rPr>
+              <a:t>robots.txt の書き方がサイトによってまちまちで、今の処理だと日本語で禁止してるサイトを書いている場合はdisallowで書いてないので漏れて全文検索してしまう</a:t>
+            </a:r>
+            <a:endParaRPr b="1" sz="1200">
+              <a:solidFill>
+                <a:schemeClr val="accent3"/>
+              </a:solidFill>
+              <a:latin typeface="Proxima Nova"/>
+              <a:ea typeface="Proxima Nova"/>
+              <a:cs typeface="Proxima Nova"/>
+              <a:sym typeface="Proxima Nova"/>
+            </a:endParaRPr>
+          </a:p>
+          <a:p>
+            <a:pPr indent="-304800" lvl="1" marL="914400" rtl="0" algn="l">
+              <a:spcBef>
+                <a:spcPts val="0"/>
+              </a:spcBef>
+              <a:spcAft>
+                <a:spcPts val="0"/>
+              </a:spcAft>
+              <a:buClr>
+                <a:schemeClr val="accent3"/>
+              </a:buClr>
+              <a:buSzPts val="1200"/>
+              <a:buFont typeface="Proxima Nova"/>
+              <a:buChar char="○"/>
+            </a:pPr>
+            <a:r>
+              <a:rPr b="1" lang="ja" sz="1200">
+                <a:solidFill>
+                  <a:schemeClr val="accent3"/>
+                </a:solidFill>
+                <a:latin typeface="Proxima Nova"/>
+                <a:ea typeface="Proxima Nova"/>
+                <a:cs typeface="Proxima Nova"/>
+                <a:sym typeface="Proxima Nova"/>
+              </a:rPr>
+              <a:t>スクレイピングして良い辞書サイトだけから検索すればいいけど今の情報が取れなくて使い勝手悪いからやらない</a:t>
+            </a:r>
+            <a:endParaRPr b="1" sz="1200">
+              <a:solidFill>
+                <a:schemeClr val="accent3"/>
+              </a:solidFill>
+              <a:latin typeface="Proxima Nova"/>
+              <a:ea typeface="Proxima Nova"/>
+              <a:cs typeface="Proxima Nova"/>
+              <a:sym typeface="Proxima Nova"/>
+            </a:endParaRPr>
+          </a:p>
+          <a:p>
+            <a:pPr indent="-304800" lvl="1" marL="914400" rtl="0" algn="l">
+              <a:spcBef>
+                <a:spcPts val="0"/>
+              </a:spcBef>
+              <a:spcAft>
+                <a:spcPts val="0"/>
+              </a:spcAft>
+              <a:buClr>
+                <a:schemeClr val="accent3"/>
+              </a:buClr>
+              <a:buSzPts val="1200"/>
+              <a:buFont typeface="Proxima Nova"/>
+              <a:buChar char="○"/>
+            </a:pPr>
+            <a:r>
+              <a:rPr b="1" lang="ja" sz="1200">
+                <a:solidFill>
+                  <a:schemeClr val="accent3"/>
+                </a:solidFill>
+                <a:latin typeface="Proxima Nova"/>
+                <a:ea typeface="Proxima Nova"/>
+                <a:cs typeface="Proxima Nova"/>
+                <a:sym typeface="Proxima Nova"/>
+              </a:rPr>
+              <a:t>リンク先の国を指定して国ごとの言語でそれっぽく対応できるけど100%はありえない</a:t>
+            </a:r>
+            <a:endParaRPr b="1" sz="1200">
+              <a:solidFill>
+                <a:schemeClr val="accent3"/>
+              </a:solidFill>
+              <a:latin typeface="Proxima Nova"/>
+              <a:ea typeface="Proxima Nova"/>
+              <a:cs typeface="Proxima Nova"/>
+              <a:sym typeface="Proxima Nova"/>
+            </a:endParaRPr>
+          </a:p>
+          <a:p>
+            <a:pPr indent="-304800" lvl="0" marL="457200" rtl="0" algn="l">
+              <a:spcBef>
+                <a:spcPts val="0"/>
+              </a:spcBef>
+              <a:spcAft>
+                <a:spcPts val="0"/>
+              </a:spcAft>
+              <a:buClr>
+                <a:schemeClr val="accent3"/>
+              </a:buClr>
+              <a:buSzPts val="1200"/>
+              <a:buFont typeface="Proxima Nova"/>
+              <a:buChar char="●"/>
+            </a:pPr>
+            <a:r>
+              <a:rPr b="1" lang="ja" sz="1200">
+                <a:solidFill>
+                  <a:schemeClr val="accent3"/>
+                </a:solidFill>
+                <a:latin typeface="Proxima Nova"/>
+                <a:ea typeface="Proxima Nova"/>
+                <a:cs typeface="Proxima Nova"/>
+                <a:sym typeface="Proxima Nova"/>
+              </a:rPr>
+              <a:t>アウトラインから次の調査報告書を前の処理も踏まえて作ってknowlage graph 作らないの？</a:t>
+            </a:r>
+            <a:endParaRPr b="1" sz="1200">
+              <a:solidFill>
+                <a:schemeClr val="accent3"/>
+              </a:solidFill>
+              <a:latin typeface="Proxima Nova"/>
+              <a:ea typeface="Proxima Nova"/>
+              <a:cs typeface="Proxima Nova"/>
+              <a:sym typeface="Proxima Nova"/>
+            </a:endParaRPr>
+          </a:p>
+        </p:txBody>
+      </p:sp>
+      <p:sp>
+        <p:nvSpPr>
+          <p:cNvPr id="253" name="Google Shape;253;p25"/>
+          <p:cNvSpPr txBox="1"/>
+          <p:nvPr/>
+        </p:nvSpPr>
+        <p:spPr>
+          <a:xfrm>
+            <a:off x="2051525" y="-14100"/>
+            <a:ext cx="2167200" cy="5171700"/>
+          </a:xfrm>
+          <a:prstGeom prst="rect">
+            <a:avLst/>
+          </a:prstGeom>
+          <a:noFill/>
+          <a:ln>
+            <a:noFill/>
+          </a:ln>
+        </p:spPr>
+        <p:txBody>
+          <a:bodyPr anchorCtr="0" anchor="t" bIns="91425" lIns="91425" spcFirstLastPara="1" rIns="91425" wrap="square" tIns="91425">
+            <a:spAutoFit/>
+          </a:bodyPr>
+          <a:lstStyle/>
+          <a:p>
+            <a:pPr indent="0" lvl="0" marL="0" rtl="0" algn="l">
+              <a:spcBef>
+                <a:spcPts val="0"/>
+              </a:spcBef>
+              <a:spcAft>
+                <a:spcPts val="0"/>
+              </a:spcAft>
+              <a:buNone/>
+            </a:pPr>
+            <a:r>
+              <a:rPr b="1" lang="ja" sz="900">
+                <a:solidFill>
+                  <a:schemeClr val="accent3"/>
+                </a:solidFill>
+                <a:latin typeface="Proxima Nova"/>
+                <a:ea typeface="Proxima Nova"/>
+                <a:cs typeface="Proxima Nova"/>
+                <a:sym typeface="Proxima Nova"/>
+              </a:rPr>
+              <a:t>無条件全文検索でのアウトライン</a:t>
+            </a:r>
+            <a:endParaRPr b="1" sz="900">
+              <a:solidFill>
+                <a:schemeClr val="accent3"/>
+              </a:solidFill>
+              <a:latin typeface="Proxima Nova"/>
+              <a:ea typeface="Proxima Nova"/>
+              <a:cs typeface="Proxima Nova"/>
+              <a:sym typeface="Proxima Nova"/>
+            </a:endParaRPr>
+          </a:p>
+          <a:p>
+            <a:pPr indent="0" lvl="0" marL="0" rtl="0" algn="l">
+              <a:spcBef>
+                <a:spcPts val="0"/>
+              </a:spcBef>
+              <a:spcAft>
+                <a:spcPts val="0"/>
+              </a:spcAft>
+              <a:buNone/>
+            </a:pPr>
+            <a:r>
+              <a:rPr b="1" lang="ja" sz="900">
+                <a:solidFill>
+                  <a:schemeClr val="accent3"/>
+                </a:solidFill>
+                <a:latin typeface="Proxima Nova"/>
+                <a:ea typeface="Proxima Nova"/>
+                <a:cs typeface="Proxima Nova"/>
+                <a:sym typeface="Proxima Nova"/>
+              </a:rPr>
+              <a:t># 応仁</a:t>
+            </a:r>
+            <a:r>
+              <a:rPr b="1" lang="ja" sz="900">
+                <a:solidFill>
+                  <a:schemeClr val="accent3"/>
+                </a:solidFill>
+                <a:latin typeface="Proxima Nova"/>
+                <a:ea typeface="Proxima Nova"/>
+                <a:cs typeface="Proxima Nova"/>
+                <a:sym typeface="Proxima Nova"/>
+              </a:rPr>
+              <a:t>の乱</a:t>
+            </a:r>
+            <a:endParaRPr b="1" sz="900">
+              <a:solidFill>
+                <a:schemeClr val="accent3"/>
+              </a:solidFill>
+              <a:latin typeface="Proxima Nova"/>
+              <a:ea typeface="Proxima Nova"/>
+              <a:cs typeface="Proxima Nova"/>
+              <a:sym typeface="Proxima Nova"/>
+            </a:endParaRPr>
+          </a:p>
+          <a:p>
+            <a:pPr indent="0" lvl="0" marL="0" rtl="0" algn="l">
+              <a:spcBef>
+                <a:spcPts val="0"/>
+              </a:spcBef>
+              <a:spcAft>
+                <a:spcPts val="0"/>
+              </a:spcAft>
+              <a:buNone/>
+            </a:pPr>
+            <a:r>
+              <a:rPr b="1" lang="ja" sz="900">
+                <a:solidFill>
+                  <a:schemeClr val="accent3"/>
+                </a:solidFill>
+                <a:latin typeface="Proxima Nova"/>
+                <a:ea typeface="Proxima Nova"/>
+                <a:cs typeface="Proxima Nova"/>
+                <a:sym typeface="Proxima Nova"/>
+              </a:rPr>
+              <a:t>## 概要</a:t>
+            </a:r>
+            <a:endParaRPr b="1" sz="900">
+              <a:solidFill>
+                <a:schemeClr val="accent3"/>
+              </a:solidFill>
+              <a:latin typeface="Proxima Nova"/>
+              <a:ea typeface="Proxima Nova"/>
+              <a:cs typeface="Proxima Nova"/>
+              <a:sym typeface="Proxima Nova"/>
+            </a:endParaRPr>
+          </a:p>
+          <a:p>
+            <a:pPr indent="0" lvl="0" marL="0" rtl="0" algn="l">
+              <a:spcBef>
+                <a:spcPts val="0"/>
+              </a:spcBef>
+              <a:spcAft>
+                <a:spcPts val="0"/>
+              </a:spcAft>
+              <a:buNone/>
+            </a:pPr>
+            <a:r>
+              <a:rPr b="1" lang="ja" sz="900">
+                <a:solidFill>
+                  <a:schemeClr val="accent3"/>
+                </a:solidFill>
+                <a:latin typeface="Proxima Nova"/>
+                <a:ea typeface="Proxima Nova"/>
+                <a:cs typeface="Proxima Nova"/>
+                <a:sym typeface="Proxima Nova"/>
+              </a:rPr>
+              <a:t>## 背景</a:t>
+            </a:r>
+            <a:endParaRPr b="1" sz="900">
+              <a:solidFill>
+                <a:schemeClr val="accent3"/>
+              </a:solidFill>
+              <a:latin typeface="Proxima Nova"/>
+              <a:ea typeface="Proxima Nova"/>
+              <a:cs typeface="Proxima Nova"/>
+              <a:sym typeface="Proxima Nova"/>
+            </a:endParaRPr>
+          </a:p>
+          <a:p>
+            <a:pPr indent="0" lvl="0" marL="0" rtl="0" algn="l">
+              <a:spcBef>
+                <a:spcPts val="0"/>
+              </a:spcBef>
+              <a:spcAft>
+                <a:spcPts val="0"/>
+              </a:spcAft>
+              <a:buNone/>
+            </a:pPr>
+            <a:r>
+              <a:rPr b="1" lang="ja" sz="900">
+                <a:solidFill>
+                  <a:schemeClr val="accent3"/>
+                </a:solidFill>
+                <a:latin typeface="Proxima Nova"/>
+                <a:ea typeface="Proxima Nova"/>
+                <a:cs typeface="Proxima Nova"/>
+                <a:sym typeface="Proxima Nova"/>
+              </a:rPr>
+              <a:t>### 室町幕府の衰退</a:t>
+            </a:r>
+            <a:endParaRPr b="1" sz="900">
+              <a:solidFill>
+                <a:schemeClr val="accent3"/>
+              </a:solidFill>
+              <a:latin typeface="Proxima Nova"/>
+              <a:ea typeface="Proxima Nova"/>
+              <a:cs typeface="Proxima Nova"/>
+              <a:sym typeface="Proxima Nova"/>
+            </a:endParaRPr>
+          </a:p>
+          <a:p>
+            <a:pPr indent="0" lvl="0" marL="0" rtl="0" algn="l">
+              <a:spcBef>
+                <a:spcPts val="0"/>
+              </a:spcBef>
+              <a:spcAft>
+                <a:spcPts val="0"/>
+              </a:spcAft>
+              <a:buNone/>
+            </a:pPr>
+            <a:r>
+              <a:rPr b="1" lang="ja" sz="900">
+                <a:solidFill>
+                  <a:schemeClr val="accent3"/>
+                </a:solidFill>
+                <a:latin typeface="Proxima Nova"/>
+                <a:ea typeface="Proxima Nova"/>
+                <a:cs typeface="Proxima Nova"/>
+                <a:sym typeface="Proxima Nova"/>
+              </a:rPr>
+              <a:t>### 経済的困窮と飢饉</a:t>
+            </a:r>
+            <a:endParaRPr b="1" sz="900">
+              <a:solidFill>
+                <a:schemeClr val="accent3"/>
+              </a:solidFill>
+              <a:latin typeface="Proxima Nova"/>
+              <a:ea typeface="Proxima Nova"/>
+              <a:cs typeface="Proxima Nova"/>
+              <a:sym typeface="Proxima Nova"/>
+            </a:endParaRPr>
+          </a:p>
+          <a:p>
+            <a:pPr indent="0" lvl="0" marL="0" rtl="0" algn="l">
+              <a:spcBef>
+                <a:spcPts val="0"/>
+              </a:spcBef>
+              <a:spcAft>
+                <a:spcPts val="0"/>
+              </a:spcAft>
+              <a:buNone/>
+            </a:pPr>
+            <a:r>
+              <a:rPr b="1" lang="ja" sz="900">
+                <a:solidFill>
+                  <a:schemeClr val="accent3"/>
+                </a:solidFill>
+                <a:latin typeface="Proxima Nova"/>
+                <a:ea typeface="Proxima Nova"/>
+                <a:cs typeface="Proxima Nova"/>
+                <a:sym typeface="Proxima Nova"/>
+              </a:rPr>
+              <a:t>## 原因</a:t>
+            </a:r>
+            <a:endParaRPr b="1" sz="900">
+              <a:solidFill>
+                <a:schemeClr val="accent3"/>
+              </a:solidFill>
+              <a:latin typeface="Proxima Nova"/>
+              <a:ea typeface="Proxima Nova"/>
+              <a:cs typeface="Proxima Nova"/>
+              <a:sym typeface="Proxima Nova"/>
+            </a:endParaRPr>
+          </a:p>
+          <a:p>
+            <a:pPr indent="0" lvl="0" marL="0" rtl="0" algn="l">
+              <a:spcBef>
+                <a:spcPts val="0"/>
+              </a:spcBef>
+              <a:spcAft>
+                <a:spcPts val="0"/>
+              </a:spcAft>
+              <a:buNone/>
+            </a:pPr>
+            <a:r>
+              <a:rPr b="1" lang="ja" sz="900">
+                <a:solidFill>
+                  <a:schemeClr val="accent3"/>
+                </a:solidFill>
+                <a:latin typeface="Proxima Nova"/>
+                <a:ea typeface="Proxima Nova"/>
+                <a:cs typeface="Proxima Nova"/>
+                <a:sym typeface="Proxima Nova"/>
+              </a:rPr>
+              <a:t>### 畠山氏と斯波氏の家督争い</a:t>
+            </a:r>
+            <a:endParaRPr b="1" sz="900">
+              <a:solidFill>
+                <a:schemeClr val="accent3"/>
+              </a:solidFill>
+              <a:latin typeface="Proxima Nova"/>
+              <a:ea typeface="Proxima Nova"/>
+              <a:cs typeface="Proxima Nova"/>
+              <a:sym typeface="Proxima Nova"/>
+            </a:endParaRPr>
+          </a:p>
+          <a:p>
+            <a:pPr indent="0" lvl="0" marL="0" rtl="0" algn="l">
+              <a:spcBef>
+                <a:spcPts val="0"/>
+              </a:spcBef>
+              <a:spcAft>
+                <a:spcPts val="0"/>
+              </a:spcAft>
+              <a:buNone/>
+            </a:pPr>
+            <a:r>
+              <a:rPr b="1" lang="ja" sz="900">
+                <a:solidFill>
+                  <a:schemeClr val="accent3"/>
+                </a:solidFill>
+                <a:latin typeface="Proxima Nova"/>
+                <a:ea typeface="Proxima Nova"/>
+                <a:cs typeface="Proxima Nova"/>
+                <a:sym typeface="Proxima Nova"/>
+              </a:rPr>
+              <a:t>### 足利将軍家の後継者問題</a:t>
+            </a:r>
+            <a:endParaRPr b="1" sz="900">
+              <a:solidFill>
+                <a:schemeClr val="accent3"/>
+              </a:solidFill>
+              <a:latin typeface="Proxima Nova"/>
+              <a:ea typeface="Proxima Nova"/>
+              <a:cs typeface="Proxima Nova"/>
+              <a:sym typeface="Proxima Nova"/>
+            </a:endParaRPr>
+          </a:p>
+          <a:p>
+            <a:pPr indent="0" lvl="0" marL="0" rtl="0" algn="l">
+              <a:spcBef>
+                <a:spcPts val="0"/>
+              </a:spcBef>
+              <a:spcAft>
+                <a:spcPts val="0"/>
+              </a:spcAft>
+              <a:buNone/>
+            </a:pPr>
+            <a:r>
+              <a:rPr b="1" lang="ja" sz="900">
+                <a:solidFill>
+                  <a:schemeClr val="accent3"/>
+                </a:solidFill>
+                <a:latin typeface="Proxima Nova"/>
+                <a:ea typeface="Proxima Nova"/>
+                <a:cs typeface="Proxima Nova"/>
+                <a:sym typeface="Proxima Nova"/>
+              </a:rPr>
+              <a:t>### 細川勝元と山名宗全の対立</a:t>
+            </a:r>
+            <a:endParaRPr b="1" sz="900">
+              <a:solidFill>
+                <a:schemeClr val="accent3"/>
+              </a:solidFill>
+              <a:latin typeface="Proxima Nova"/>
+              <a:ea typeface="Proxima Nova"/>
+              <a:cs typeface="Proxima Nova"/>
+              <a:sym typeface="Proxima Nova"/>
+            </a:endParaRPr>
+          </a:p>
+          <a:p>
+            <a:pPr indent="0" lvl="0" marL="0" rtl="0" algn="l">
+              <a:spcBef>
+                <a:spcPts val="0"/>
+              </a:spcBef>
+              <a:spcAft>
+                <a:spcPts val="0"/>
+              </a:spcAft>
+              <a:buNone/>
+            </a:pPr>
+            <a:r>
+              <a:rPr b="1" lang="ja" sz="900">
+                <a:solidFill>
+                  <a:schemeClr val="accent3"/>
+                </a:solidFill>
+                <a:latin typeface="Proxima Nova"/>
+                <a:ea typeface="Proxima Nova"/>
+                <a:cs typeface="Proxima Nova"/>
+                <a:sym typeface="Proxima Nova"/>
+              </a:rPr>
+              <a:t>## 戦争の経過</a:t>
+            </a:r>
+            <a:endParaRPr b="1" sz="900">
+              <a:solidFill>
+                <a:schemeClr val="accent3"/>
+              </a:solidFill>
+              <a:latin typeface="Proxima Nova"/>
+              <a:ea typeface="Proxima Nova"/>
+              <a:cs typeface="Proxima Nova"/>
+              <a:sym typeface="Proxima Nova"/>
+            </a:endParaRPr>
+          </a:p>
+          <a:p>
+            <a:pPr indent="0" lvl="0" marL="0" rtl="0" algn="l">
+              <a:spcBef>
+                <a:spcPts val="0"/>
+              </a:spcBef>
+              <a:spcAft>
+                <a:spcPts val="0"/>
+              </a:spcAft>
+              <a:buNone/>
+            </a:pPr>
+            <a:r>
+              <a:rPr b="1" lang="ja" sz="900">
+                <a:solidFill>
+                  <a:schemeClr val="accent3"/>
+                </a:solidFill>
+                <a:latin typeface="Proxima Nova"/>
+                <a:ea typeface="Proxima Nova"/>
+                <a:cs typeface="Proxima Nova"/>
+                <a:sym typeface="Proxima Nova"/>
+              </a:rPr>
+              <a:t>### 初期段階（1467年）</a:t>
+            </a:r>
+            <a:endParaRPr b="1" sz="900">
+              <a:solidFill>
+                <a:schemeClr val="accent3"/>
+              </a:solidFill>
+              <a:latin typeface="Proxima Nova"/>
+              <a:ea typeface="Proxima Nova"/>
+              <a:cs typeface="Proxima Nova"/>
+              <a:sym typeface="Proxima Nova"/>
+            </a:endParaRPr>
+          </a:p>
+          <a:p>
+            <a:pPr indent="0" lvl="0" marL="0" rtl="0" algn="l">
+              <a:spcBef>
+                <a:spcPts val="0"/>
+              </a:spcBef>
+              <a:spcAft>
+                <a:spcPts val="0"/>
+              </a:spcAft>
+              <a:buNone/>
+            </a:pPr>
+            <a:r>
+              <a:rPr b="1" lang="ja" sz="900">
+                <a:solidFill>
+                  <a:schemeClr val="accent3"/>
+                </a:solidFill>
+                <a:latin typeface="Proxima Nova"/>
+                <a:ea typeface="Proxima Nova"/>
+                <a:cs typeface="Proxima Nova"/>
+                <a:sym typeface="Proxima Nova"/>
+              </a:rPr>
+              <a:t>#### 京都での戦闘開始</a:t>
+            </a:r>
+            <a:endParaRPr b="1" sz="900">
+              <a:solidFill>
+                <a:schemeClr val="accent3"/>
+              </a:solidFill>
+              <a:latin typeface="Proxima Nova"/>
+              <a:ea typeface="Proxima Nova"/>
+              <a:cs typeface="Proxima Nova"/>
+              <a:sym typeface="Proxima Nova"/>
+            </a:endParaRPr>
+          </a:p>
+          <a:p>
+            <a:pPr indent="0" lvl="0" marL="0" rtl="0" algn="l">
+              <a:spcBef>
+                <a:spcPts val="0"/>
+              </a:spcBef>
+              <a:spcAft>
+                <a:spcPts val="0"/>
+              </a:spcAft>
+              <a:buNone/>
+            </a:pPr>
+            <a:r>
+              <a:rPr b="1" lang="ja" sz="900">
+                <a:solidFill>
+                  <a:schemeClr val="accent3"/>
+                </a:solidFill>
+                <a:latin typeface="Proxima Nova"/>
+                <a:ea typeface="Proxima Nova"/>
+                <a:cs typeface="Proxima Nova"/>
+                <a:sym typeface="Proxima Nova"/>
+              </a:rPr>
+              <a:t>#### 戦争の拡大</a:t>
+            </a:r>
+            <a:endParaRPr b="1" sz="900">
+              <a:solidFill>
+                <a:schemeClr val="accent3"/>
+              </a:solidFill>
+              <a:latin typeface="Proxima Nova"/>
+              <a:ea typeface="Proxima Nova"/>
+              <a:cs typeface="Proxima Nova"/>
+              <a:sym typeface="Proxima Nova"/>
+            </a:endParaRPr>
+          </a:p>
+          <a:p>
+            <a:pPr indent="0" lvl="0" marL="0" rtl="0" algn="l">
+              <a:spcBef>
+                <a:spcPts val="0"/>
+              </a:spcBef>
+              <a:spcAft>
+                <a:spcPts val="0"/>
+              </a:spcAft>
+              <a:buNone/>
+            </a:pPr>
+            <a:r>
+              <a:rPr b="1" lang="ja" sz="900">
+                <a:solidFill>
+                  <a:schemeClr val="accent3"/>
+                </a:solidFill>
+                <a:latin typeface="Proxima Nova"/>
+                <a:ea typeface="Proxima Nova"/>
+                <a:cs typeface="Proxima Nova"/>
+                <a:sym typeface="Proxima Nova"/>
+              </a:rPr>
+              <a:t>### 中期段階（1468-1473年）</a:t>
+            </a:r>
+            <a:endParaRPr b="1" sz="900">
+              <a:solidFill>
+                <a:schemeClr val="accent3"/>
+              </a:solidFill>
+              <a:latin typeface="Proxima Nova"/>
+              <a:ea typeface="Proxima Nova"/>
+              <a:cs typeface="Proxima Nova"/>
+              <a:sym typeface="Proxima Nova"/>
+            </a:endParaRPr>
+          </a:p>
+          <a:p>
+            <a:pPr indent="0" lvl="0" marL="0" rtl="0" algn="l">
+              <a:spcBef>
+                <a:spcPts val="0"/>
+              </a:spcBef>
+              <a:spcAft>
+                <a:spcPts val="0"/>
+              </a:spcAft>
+              <a:buNone/>
+            </a:pPr>
+            <a:r>
+              <a:rPr b="1" lang="ja" sz="900">
+                <a:solidFill>
+                  <a:schemeClr val="accent3"/>
+                </a:solidFill>
+                <a:latin typeface="Proxima Nova"/>
+                <a:ea typeface="Proxima Nova"/>
+                <a:cs typeface="Proxima Nova"/>
+                <a:sym typeface="Proxima Nova"/>
+              </a:rPr>
+              <a:t>#### 主な戦闘と出来事</a:t>
+            </a:r>
+            <a:endParaRPr b="1" sz="900">
+              <a:solidFill>
+                <a:schemeClr val="accent3"/>
+              </a:solidFill>
+              <a:latin typeface="Proxima Nova"/>
+              <a:ea typeface="Proxima Nova"/>
+              <a:cs typeface="Proxima Nova"/>
+              <a:sym typeface="Proxima Nova"/>
+            </a:endParaRPr>
+          </a:p>
+          <a:p>
+            <a:pPr indent="0" lvl="0" marL="0" rtl="0" algn="l">
+              <a:spcBef>
+                <a:spcPts val="0"/>
+              </a:spcBef>
+              <a:spcAft>
+                <a:spcPts val="0"/>
+              </a:spcAft>
+              <a:buNone/>
+            </a:pPr>
+            <a:r>
+              <a:rPr b="1" lang="ja" sz="900">
+                <a:solidFill>
+                  <a:schemeClr val="accent3"/>
+                </a:solidFill>
+                <a:latin typeface="Proxima Nova"/>
+                <a:ea typeface="Proxima Nova"/>
+                <a:cs typeface="Proxima Nova"/>
+                <a:sym typeface="Proxima Nova"/>
+              </a:rPr>
+              <a:t>#### 細川勝元と山名宗全の死</a:t>
+            </a:r>
+            <a:endParaRPr b="1" sz="900">
+              <a:solidFill>
+                <a:schemeClr val="accent3"/>
+              </a:solidFill>
+              <a:latin typeface="Proxima Nova"/>
+              <a:ea typeface="Proxima Nova"/>
+              <a:cs typeface="Proxima Nova"/>
+              <a:sym typeface="Proxima Nova"/>
+            </a:endParaRPr>
+          </a:p>
+          <a:p>
+            <a:pPr indent="0" lvl="0" marL="0" rtl="0" algn="l">
+              <a:spcBef>
+                <a:spcPts val="0"/>
+              </a:spcBef>
+              <a:spcAft>
+                <a:spcPts val="0"/>
+              </a:spcAft>
+              <a:buNone/>
+            </a:pPr>
+            <a:r>
+              <a:rPr b="1" lang="ja" sz="900">
+                <a:solidFill>
+                  <a:schemeClr val="accent3"/>
+                </a:solidFill>
+                <a:latin typeface="Proxima Nova"/>
+                <a:ea typeface="Proxima Nova"/>
+                <a:cs typeface="Proxima Nova"/>
+                <a:sym typeface="Proxima Nova"/>
+              </a:rPr>
+              <a:t>### 終結段階（1474-1477年）</a:t>
+            </a:r>
+            <a:endParaRPr b="1" sz="900">
+              <a:solidFill>
+                <a:schemeClr val="accent3"/>
+              </a:solidFill>
+              <a:latin typeface="Proxima Nova"/>
+              <a:ea typeface="Proxima Nova"/>
+              <a:cs typeface="Proxima Nova"/>
+              <a:sym typeface="Proxima Nova"/>
+            </a:endParaRPr>
+          </a:p>
+          <a:p>
+            <a:pPr indent="0" lvl="0" marL="0" rtl="0" algn="l">
+              <a:spcBef>
+                <a:spcPts val="0"/>
+              </a:spcBef>
+              <a:spcAft>
+                <a:spcPts val="0"/>
+              </a:spcAft>
+              <a:buNone/>
+            </a:pPr>
+            <a:r>
+              <a:rPr b="1" lang="ja" sz="900">
+                <a:solidFill>
+                  <a:schemeClr val="accent3"/>
+                </a:solidFill>
+                <a:latin typeface="Proxima Nova"/>
+                <a:ea typeface="Proxima Nova"/>
+                <a:cs typeface="Proxima Nova"/>
+                <a:sym typeface="Proxima Nova"/>
+              </a:rPr>
+              <a:t>#### 西軍の解体</a:t>
+            </a:r>
+            <a:endParaRPr b="1" sz="900">
+              <a:solidFill>
+                <a:schemeClr val="accent3"/>
+              </a:solidFill>
+              <a:latin typeface="Proxima Nova"/>
+              <a:ea typeface="Proxima Nova"/>
+              <a:cs typeface="Proxima Nova"/>
+              <a:sym typeface="Proxima Nova"/>
+            </a:endParaRPr>
+          </a:p>
+          <a:p>
+            <a:pPr indent="0" lvl="0" marL="0" rtl="0" algn="l">
+              <a:spcBef>
+                <a:spcPts val="0"/>
+              </a:spcBef>
+              <a:spcAft>
+                <a:spcPts val="0"/>
+              </a:spcAft>
+              <a:buNone/>
+            </a:pPr>
+            <a:r>
+              <a:rPr b="1" lang="ja" sz="900">
+                <a:solidFill>
+                  <a:schemeClr val="accent3"/>
+                </a:solidFill>
+                <a:latin typeface="Proxima Nova"/>
+                <a:ea typeface="Proxima Nova"/>
+                <a:cs typeface="Proxima Nova"/>
+                <a:sym typeface="Proxima Nova"/>
+              </a:rPr>
+              <a:t>#### 京都の荒廃</a:t>
+            </a:r>
+            <a:endParaRPr b="1" sz="900">
+              <a:solidFill>
+                <a:schemeClr val="accent3"/>
+              </a:solidFill>
+              <a:latin typeface="Proxima Nova"/>
+              <a:ea typeface="Proxima Nova"/>
+              <a:cs typeface="Proxima Nova"/>
+              <a:sym typeface="Proxima Nova"/>
+            </a:endParaRPr>
+          </a:p>
+          <a:p>
+            <a:pPr indent="0" lvl="0" marL="0" rtl="0" algn="l">
+              <a:spcBef>
+                <a:spcPts val="0"/>
+              </a:spcBef>
+              <a:spcAft>
+                <a:spcPts val="0"/>
+              </a:spcAft>
+              <a:buNone/>
+            </a:pPr>
+            <a:r>
+              <a:rPr b="1" lang="ja" sz="900">
+                <a:solidFill>
+                  <a:schemeClr val="accent3"/>
+                </a:solidFill>
+                <a:latin typeface="Proxima Nova"/>
+                <a:ea typeface="Proxima Nova"/>
+                <a:cs typeface="Proxima Nova"/>
+                <a:sym typeface="Proxima Nova"/>
+              </a:rPr>
+              <a:t>## 影響と結果</a:t>
+            </a:r>
+            <a:endParaRPr b="1" sz="900">
+              <a:solidFill>
+                <a:schemeClr val="accent3"/>
+              </a:solidFill>
+              <a:latin typeface="Proxima Nova"/>
+              <a:ea typeface="Proxima Nova"/>
+              <a:cs typeface="Proxima Nova"/>
+              <a:sym typeface="Proxima Nova"/>
+            </a:endParaRPr>
+          </a:p>
+          <a:p>
+            <a:pPr indent="0" lvl="0" marL="0" rtl="0" algn="l">
+              <a:spcBef>
+                <a:spcPts val="0"/>
+              </a:spcBef>
+              <a:spcAft>
+                <a:spcPts val="0"/>
+              </a:spcAft>
+              <a:buNone/>
+            </a:pPr>
+            <a:r>
+              <a:rPr b="1" lang="ja" sz="900">
+                <a:solidFill>
+                  <a:schemeClr val="accent3"/>
+                </a:solidFill>
+                <a:latin typeface="Proxima Nova"/>
+                <a:ea typeface="Proxima Nova"/>
+                <a:cs typeface="Proxima Nova"/>
+                <a:sym typeface="Proxima Nova"/>
+              </a:rPr>
+              <a:t>### 京都の被害</a:t>
+            </a:r>
+            <a:endParaRPr b="1" sz="900">
+              <a:solidFill>
+                <a:schemeClr val="accent3"/>
+              </a:solidFill>
+              <a:latin typeface="Proxima Nova"/>
+              <a:ea typeface="Proxima Nova"/>
+              <a:cs typeface="Proxima Nova"/>
+              <a:sym typeface="Proxima Nova"/>
+            </a:endParaRPr>
+          </a:p>
+          <a:p>
+            <a:pPr indent="0" lvl="0" marL="0" rtl="0" algn="l">
+              <a:spcBef>
+                <a:spcPts val="0"/>
+              </a:spcBef>
+              <a:spcAft>
+                <a:spcPts val="0"/>
+              </a:spcAft>
+              <a:buNone/>
+            </a:pPr>
+            <a:r>
+              <a:rPr b="1" lang="ja" sz="900">
+                <a:solidFill>
+                  <a:schemeClr val="accent3"/>
+                </a:solidFill>
+                <a:latin typeface="Proxima Nova"/>
+                <a:ea typeface="Proxima Nova"/>
+                <a:cs typeface="Proxima Nova"/>
+                <a:sym typeface="Proxima Nova"/>
+              </a:rPr>
+              <a:t>### 戦国時代への移行</a:t>
+            </a:r>
+            <a:endParaRPr b="1" sz="900">
+              <a:solidFill>
+                <a:schemeClr val="accent3"/>
+              </a:solidFill>
+              <a:latin typeface="Proxima Nova"/>
+              <a:ea typeface="Proxima Nova"/>
+              <a:cs typeface="Proxima Nova"/>
+              <a:sym typeface="Proxima Nova"/>
+            </a:endParaRPr>
+          </a:p>
+          <a:p>
+            <a:pPr indent="0" lvl="0" marL="0" rtl="0" algn="l">
+              <a:spcBef>
+                <a:spcPts val="0"/>
+              </a:spcBef>
+              <a:spcAft>
+                <a:spcPts val="0"/>
+              </a:spcAft>
+              <a:buNone/>
+            </a:pPr>
+            <a:r>
+              <a:rPr b="1" lang="ja" sz="900">
+                <a:solidFill>
+                  <a:schemeClr val="accent3"/>
+                </a:solidFill>
+                <a:latin typeface="Proxima Nova"/>
+                <a:ea typeface="Proxima Nova"/>
+                <a:cs typeface="Proxima Nova"/>
+                <a:sym typeface="Proxima Nova"/>
+              </a:rPr>
+              <a:t>### 地方大名の台頭</a:t>
+            </a:r>
+            <a:endParaRPr b="1" sz="900">
+              <a:solidFill>
+                <a:schemeClr val="accent3"/>
+              </a:solidFill>
+              <a:latin typeface="Proxima Nova"/>
+              <a:ea typeface="Proxima Nova"/>
+              <a:cs typeface="Proxima Nova"/>
+              <a:sym typeface="Proxima Nova"/>
+            </a:endParaRPr>
+          </a:p>
+          <a:p>
+            <a:pPr indent="0" lvl="0" marL="0" rtl="0" algn="l">
+              <a:spcBef>
+                <a:spcPts val="0"/>
+              </a:spcBef>
+              <a:spcAft>
+                <a:spcPts val="0"/>
+              </a:spcAft>
+              <a:buNone/>
+            </a:pPr>
+            <a:r>
+              <a:rPr b="1" lang="ja" sz="900">
+                <a:solidFill>
+                  <a:schemeClr val="accent3"/>
+                </a:solidFill>
+                <a:latin typeface="Proxima Nova"/>
+                <a:ea typeface="Proxima Nova"/>
+                <a:cs typeface="Proxima Nova"/>
+                <a:sym typeface="Proxima Nova"/>
+              </a:rPr>
+              <a:t>## 注目すべき人物</a:t>
+            </a:r>
+            <a:endParaRPr b="1" sz="900">
+              <a:solidFill>
+                <a:schemeClr val="accent3"/>
+              </a:solidFill>
+              <a:latin typeface="Proxima Nova"/>
+              <a:ea typeface="Proxima Nova"/>
+              <a:cs typeface="Proxima Nova"/>
+              <a:sym typeface="Proxima Nova"/>
+            </a:endParaRPr>
+          </a:p>
+          <a:p>
+            <a:pPr indent="0" lvl="0" marL="0" rtl="0" algn="l">
+              <a:spcBef>
+                <a:spcPts val="0"/>
+              </a:spcBef>
+              <a:spcAft>
+                <a:spcPts val="0"/>
+              </a:spcAft>
+              <a:buNone/>
+            </a:pPr>
+            <a:r>
+              <a:rPr b="1" lang="ja" sz="900">
+                <a:solidFill>
+                  <a:schemeClr val="accent3"/>
+                </a:solidFill>
+                <a:latin typeface="Proxima Nova"/>
+                <a:ea typeface="Proxima Nova"/>
+                <a:cs typeface="Proxima Nova"/>
+                <a:sym typeface="Proxima Nova"/>
+              </a:rPr>
+              <a:t>### 細川勝元</a:t>
+            </a:r>
+            <a:endParaRPr b="1" sz="900">
+              <a:solidFill>
+                <a:schemeClr val="accent3"/>
+              </a:solidFill>
+              <a:latin typeface="Proxima Nova"/>
+              <a:ea typeface="Proxima Nova"/>
+              <a:cs typeface="Proxima Nova"/>
+              <a:sym typeface="Proxima Nova"/>
+            </a:endParaRPr>
+          </a:p>
+          <a:p>
+            <a:pPr indent="0" lvl="0" marL="0" rtl="0" algn="l">
+              <a:spcBef>
+                <a:spcPts val="0"/>
+              </a:spcBef>
+              <a:spcAft>
+                <a:spcPts val="0"/>
+              </a:spcAft>
+              <a:buNone/>
+            </a:pPr>
+            <a:r>
+              <a:rPr b="1" lang="ja" sz="900">
+                <a:solidFill>
+                  <a:schemeClr val="accent3"/>
+                </a:solidFill>
+                <a:latin typeface="Proxima Nova"/>
+                <a:ea typeface="Proxima Nova"/>
+                <a:cs typeface="Proxima Nova"/>
+                <a:sym typeface="Proxima Nova"/>
+              </a:rPr>
+              <a:t>### 山名宗全</a:t>
+            </a:r>
+            <a:endParaRPr b="1" sz="900">
+              <a:solidFill>
+                <a:schemeClr val="accent3"/>
+              </a:solidFill>
+              <a:latin typeface="Proxima Nova"/>
+              <a:ea typeface="Proxima Nova"/>
+              <a:cs typeface="Proxima Nova"/>
+              <a:sym typeface="Proxima Nova"/>
+            </a:endParaRPr>
+          </a:p>
+          <a:p>
+            <a:pPr indent="0" lvl="0" marL="0" rtl="0" algn="l">
+              <a:spcBef>
+                <a:spcPts val="0"/>
+              </a:spcBef>
+              <a:spcAft>
+                <a:spcPts val="0"/>
+              </a:spcAft>
+              <a:buNone/>
+            </a:pPr>
+            <a:r>
+              <a:rPr b="1" lang="ja" sz="900">
+                <a:solidFill>
+                  <a:schemeClr val="accent3"/>
+                </a:solidFill>
+                <a:latin typeface="Proxima Nova"/>
+                <a:ea typeface="Proxima Nova"/>
+                <a:cs typeface="Proxima Nova"/>
+                <a:sym typeface="Proxima Nova"/>
+              </a:rPr>
+              <a:t>### 足利義政</a:t>
+            </a:r>
+            <a:endParaRPr b="1" sz="900">
+              <a:solidFill>
+                <a:schemeClr val="accent3"/>
+              </a:solidFill>
+              <a:latin typeface="Proxima Nova"/>
+              <a:ea typeface="Proxima Nova"/>
+              <a:cs typeface="Proxima Nova"/>
+              <a:sym typeface="Proxima Nova"/>
+            </a:endParaRPr>
+          </a:p>
+          <a:p>
+            <a:pPr indent="0" lvl="0" marL="0" rtl="0" algn="l">
+              <a:spcBef>
+                <a:spcPts val="0"/>
+              </a:spcBef>
+              <a:spcAft>
+                <a:spcPts val="0"/>
+              </a:spcAft>
+              <a:buNone/>
+            </a:pPr>
+            <a:r>
+              <a:rPr b="1" lang="ja" sz="900">
+                <a:solidFill>
+                  <a:schemeClr val="accent3"/>
+                </a:solidFill>
+                <a:latin typeface="Proxima Nova"/>
+                <a:ea typeface="Proxima Nova"/>
+                <a:cs typeface="Proxima Nova"/>
+                <a:sym typeface="Proxima Nova"/>
+              </a:rPr>
+              <a:t>## 長期的影響</a:t>
+            </a:r>
+            <a:endParaRPr b="1" sz="900">
+              <a:solidFill>
+                <a:schemeClr val="accent3"/>
+              </a:solidFill>
+              <a:latin typeface="Proxima Nova"/>
+              <a:ea typeface="Proxima Nova"/>
+              <a:cs typeface="Proxima Nova"/>
+              <a:sym typeface="Proxima Nova"/>
+            </a:endParaRPr>
+          </a:p>
+          <a:p>
+            <a:pPr indent="0" lvl="0" marL="0" rtl="0" algn="l">
+              <a:spcBef>
+                <a:spcPts val="0"/>
+              </a:spcBef>
+              <a:spcAft>
+                <a:spcPts val="0"/>
+              </a:spcAft>
+              <a:buNone/>
+            </a:pPr>
+            <a:r>
+              <a:rPr b="1" lang="ja" sz="900">
+                <a:solidFill>
+                  <a:schemeClr val="accent3"/>
+                </a:solidFill>
+                <a:latin typeface="Proxima Nova"/>
+                <a:ea typeface="Proxima Nova"/>
+                <a:cs typeface="Proxima Nova"/>
+                <a:sym typeface="Proxima Nova"/>
+              </a:rPr>
+              <a:t>### 中央権力の衰退</a:t>
+            </a:r>
+            <a:endParaRPr b="1" sz="900">
+              <a:solidFill>
+                <a:schemeClr val="accent3"/>
+              </a:solidFill>
+              <a:latin typeface="Proxima Nova"/>
+              <a:ea typeface="Proxima Nova"/>
+              <a:cs typeface="Proxima Nova"/>
+              <a:sym typeface="Proxima Nova"/>
+            </a:endParaRPr>
+          </a:p>
+          <a:p>
+            <a:pPr indent="0" lvl="0" marL="0" rtl="0" algn="l">
+              <a:spcBef>
+                <a:spcPts val="0"/>
+              </a:spcBef>
+              <a:spcAft>
+                <a:spcPts val="0"/>
+              </a:spcAft>
+              <a:buNone/>
+            </a:pPr>
+            <a:r>
+              <a:rPr b="1" lang="ja" sz="900">
+                <a:solidFill>
+                  <a:schemeClr val="accent3"/>
+                </a:solidFill>
+                <a:latin typeface="Proxima Nova"/>
+                <a:ea typeface="Proxima Nova"/>
+                <a:cs typeface="Proxima Nova"/>
+                <a:sym typeface="Proxima Nova"/>
+              </a:rPr>
+              <a:t>### 戦国時代の幕開け</a:t>
+            </a:r>
+            <a:endParaRPr b="1" sz="900">
+              <a:solidFill>
+                <a:schemeClr val="accent3"/>
+              </a:solidFill>
+              <a:latin typeface="Proxima Nova"/>
+              <a:ea typeface="Proxima Nova"/>
+              <a:cs typeface="Proxima Nova"/>
+              <a:sym typeface="Proxima Nova"/>
+            </a:endParaRPr>
+          </a:p>
+          <a:p>
+            <a:pPr indent="0" lvl="0" marL="0" rtl="0" algn="l">
+              <a:spcBef>
+                <a:spcPts val="0"/>
+              </a:spcBef>
+              <a:spcAft>
+                <a:spcPts val="0"/>
+              </a:spcAft>
+              <a:buNone/>
+            </a:pPr>
+            <a:r>
+              <a:rPr b="1" lang="ja" sz="900">
+                <a:solidFill>
+                  <a:schemeClr val="accent3"/>
+                </a:solidFill>
+                <a:latin typeface="Proxima Nova"/>
+                <a:ea typeface="Proxima Nova"/>
+                <a:cs typeface="Proxima Nova"/>
+                <a:sym typeface="Proxima Nova"/>
+              </a:rPr>
+              <a:t>## 関連する歴史的出来事</a:t>
+            </a:r>
+            <a:endParaRPr b="1" sz="900">
+              <a:solidFill>
+                <a:schemeClr val="accent3"/>
+              </a:solidFill>
+              <a:latin typeface="Proxima Nova"/>
+              <a:ea typeface="Proxima Nova"/>
+              <a:cs typeface="Proxima Nova"/>
+              <a:sym typeface="Proxima Nova"/>
+            </a:endParaRPr>
+          </a:p>
+          <a:p>
+            <a:pPr indent="0" lvl="0" marL="0" rtl="0" algn="l">
+              <a:spcBef>
+                <a:spcPts val="0"/>
+              </a:spcBef>
+              <a:spcAft>
+                <a:spcPts val="0"/>
+              </a:spcAft>
+              <a:buNone/>
+            </a:pPr>
+            <a:r>
+              <a:rPr b="1" lang="ja" sz="900">
+                <a:solidFill>
+                  <a:schemeClr val="accent3"/>
+                </a:solidFill>
+                <a:latin typeface="Proxima Nova"/>
+                <a:ea typeface="Proxima Nova"/>
+                <a:cs typeface="Proxima Nova"/>
+                <a:sym typeface="Proxima Nova"/>
+              </a:rPr>
+              <a:t>### 明応の政変（1493年）</a:t>
+            </a:r>
+            <a:endParaRPr b="1" sz="900">
+              <a:solidFill>
+                <a:schemeClr val="accent3"/>
+              </a:solidFill>
+              <a:latin typeface="Proxima Nova"/>
+              <a:ea typeface="Proxima Nova"/>
+              <a:cs typeface="Proxima Nova"/>
+              <a:sym typeface="Proxima Nova"/>
+            </a:endParaRPr>
+          </a:p>
+          <a:p>
+            <a:pPr indent="0" lvl="0" marL="0" rtl="0" algn="l">
+              <a:spcBef>
+                <a:spcPts val="0"/>
+              </a:spcBef>
+              <a:spcAft>
+                <a:spcPts val="0"/>
+              </a:spcAft>
+              <a:buNone/>
+            </a:pPr>
+            <a:r>
+              <a:rPr b="1" lang="ja" sz="900">
+                <a:solidFill>
+                  <a:schemeClr val="accent3"/>
+                </a:solidFill>
+                <a:latin typeface="Proxima Nova"/>
+                <a:ea typeface="Proxima Nova"/>
+                <a:cs typeface="Proxima Nova"/>
+                <a:sym typeface="Proxima Nova"/>
+              </a:rPr>
+              <a:t>## 文化的影響</a:t>
+            </a:r>
+            <a:endParaRPr b="1" sz="900">
+              <a:solidFill>
+                <a:schemeClr val="accent3"/>
+              </a:solidFill>
+              <a:latin typeface="Proxima Nova"/>
+              <a:ea typeface="Proxima Nova"/>
+              <a:cs typeface="Proxima Nova"/>
+              <a:sym typeface="Proxima Nova"/>
+            </a:endParaRPr>
+          </a:p>
+          <a:p>
+            <a:pPr indent="0" lvl="0" marL="0" rtl="0" algn="l">
+              <a:spcBef>
+                <a:spcPts val="0"/>
+              </a:spcBef>
+              <a:spcAft>
+                <a:spcPts val="0"/>
+              </a:spcAft>
+              <a:buNone/>
+            </a:pPr>
+            <a:r>
+              <a:rPr b="1" lang="ja" sz="900">
+                <a:solidFill>
+                  <a:schemeClr val="accent3"/>
+                </a:solidFill>
+                <a:latin typeface="Proxima Nova"/>
+                <a:ea typeface="Proxima Nova"/>
+                <a:cs typeface="Proxima Nova"/>
+                <a:sym typeface="Proxima Nova"/>
+              </a:rPr>
+              <a:t>### 文明期の改元</a:t>
+            </a:r>
+            <a:endParaRPr b="1" sz="900">
+              <a:solidFill>
+                <a:schemeClr val="accent3"/>
+              </a:solidFill>
+              <a:latin typeface="Proxima Nova"/>
+              <a:ea typeface="Proxima Nova"/>
+              <a:cs typeface="Proxima Nova"/>
+              <a:sym typeface="Proxima Nova"/>
+            </a:endParaRPr>
+          </a:p>
+          <a:p>
+            <a:pPr indent="0" lvl="0" marL="0" rtl="0" algn="l">
+              <a:spcBef>
+                <a:spcPts val="0"/>
+              </a:spcBef>
+              <a:spcAft>
+                <a:spcPts val="0"/>
+              </a:spcAft>
+              <a:buNone/>
+            </a:pPr>
+            <a:r>
+              <a:rPr b="1" lang="ja" sz="900">
+                <a:solidFill>
+                  <a:schemeClr val="accent3"/>
+                </a:solidFill>
+                <a:latin typeface="Proxima Nova"/>
+                <a:ea typeface="Proxima Nova"/>
+                <a:cs typeface="Proxima Nova"/>
+                <a:sym typeface="Proxima Nova"/>
+              </a:rPr>
+              <a:t>### 戦争が与えた文化・社会的影響</a:t>
+            </a:r>
+            <a:endParaRPr b="1" sz="900">
               <a:solidFill>
                 <a:schemeClr val="accent3"/>
               </a:solidFill>
@@ -14601,7 +19620,7 @@
                 <a:cs typeface="Proxima Nova"/>
                 <a:sym typeface="Proxima Nova"/>
               </a:rPr>
-              <a:t>同じこと言いすぎ「アレクサンダー大王はバビロンで亡くなり」は全文一致で11回出てくる</a:t>
+              <a:t>同じこと言いすぎ「アレクサンダー大王はバビロンで亡くなり」は完全一致で11回出てくる</a:t>
             </a:r>
             <a:endParaRPr b="1" sz="1100" u="sng">
               <a:solidFill>
@@ -14972,6 +19991,581 @@
       <p:sp>
         <p:nvSpPr>
           <p:cNvPr id="174" name="Google Shape;174;p19"/>
+          <p:cNvSpPr txBox="1"/>
+          <p:nvPr/>
+        </p:nvSpPr>
+        <p:spPr>
+          <a:xfrm>
+            <a:off x="0" y="29600"/>
+            <a:ext cx="5019000" cy="615600"/>
+          </a:xfrm>
+          <a:prstGeom prst="rect">
+            <a:avLst/>
+          </a:prstGeom>
+          <a:noFill/>
+          <a:ln>
+            <a:noFill/>
+          </a:ln>
+        </p:spPr>
+        <p:txBody>
+          <a:bodyPr anchorCtr="0" anchor="t" bIns="91425" lIns="91425" spcFirstLastPara="1" rIns="91425" wrap="square" tIns="91425">
+            <a:spAutoFit/>
+          </a:bodyPr>
+          <a:lstStyle/>
+          <a:p>
+            <a:pPr indent="0" lvl="0" marL="0" rtl="0" algn="l">
+              <a:spcBef>
+                <a:spcPts val="0"/>
+              </a:spcBef>
+              <a:spcAft>
+                <a:spcPts val="0"/>
+              </a:spcAft>
+              <a:buNone/>
+            </a:pPr>
+            <a:r>
+              <a:rPr b="1" lang="ja">
+                <a:solidFill>
+                  <a:schemeClr val="accent3"/>
+                </a:solidFill>
+                <a:latin typeface="Proxima Nova"/>
+                <a:ea typeface="Proxima Nova"/>
+                <a:cs typeface="Proxima Nova"/>
+                <a:sym typeface="Proxima Nova"/>
+              </a:rPr>
+              <a:t>14日にgpt-4o-2024-05-13が出てたので試してみる</a:t>
+            </a:r>
+            <a:endParaRPr b="1">
+              <a:solidFill>
+                <a:schemeClr val="accent3"/>
+              </a:solidFill>
+              <a:latin typeface="Proxima Nova"/>
+              <a:ea typeface="Proxima Nova"/>
+              <a:cs typeface="Proxima Nova"/>
+              <a:sym typeface="Proxima Nova"/>
+            </a:endParaRPr>
+          </a:p>
+          <a:p>
+            <a:pPr indent="0" lvl="0" marL="0" rtl="0" algn="l">
+              <a:spcBef>
+                <a:spcPts val="0"/>
+              </a:spcBef>
+              <a:spcAft>
+                <a:spcPts val="0"/>
+              </a:spcAft>
+              <a:buNone/>
+            </a:pPr>
+            <a:r>
+              <a:rPr b="1" lang="ja">
+                <a:solidFill>
+                  <a:schemeClr val="accent3"/>
+                </a:solidFill>
+                <a:latin typeface="Proxima Nova"/>
+                <a:ea typeface="Proxima Nova"/>
+                <a:cs typeface="Proxima Nova"/>
+                <a:sym typeface="Proxima Nova"/>
+              </a:rPr>
+              <a:t>+全文検索する場所の変更をしてAPIたたく回数を減らす</a:t>
+            </a:r>
+            <a:endParaRPr b="1">
+              <a:solidFill>
+                <a:schemeClr val="accent3"/>
+              </a:solidFill>
+              <a:latin typeface="Proxima Nova"/>
+              <a:ea typeface="Proxima Nova"/>
+              <a:cs typeface="Proxima Nova"/>
+              <a:sym typeface="Proxima Nova"/>
+            </a:endParaRPr>
+          </a:p>
+        </p:txBody>
+      </p:sp>
+      <p:sp>
+        <p:nvSpPr>
+          <p:cNvPr id="175" name="Google Shape;175;p19"/>
+          <p:cNvSpPr txBox="1"/>
+          <p:nvPr/>
+        </p:nvSpPr>
+        <p:spPr>
+          <a:xfrm>
+            <a:off x="261750" y="1125925"/>
+            <a:ext cx="7981200" cy="985200"/>
+          </a:xfrm>
+          <a:prstGeom prst="rect">
+            <a:avLst/>
+          </a:prstGeom>
+          <a:noFill/>
+          <a:ln>
+            <a:noFill/>
+          </a:ln>
+        </p:spPr>
+        <p:txBody>
+          <a:bodyPr anchorCtr="0" anchor="t" bIns="91425" lIns="91425" spcFirstLastPara="1" rIns="91425" wrap="square" tIns="91425">
+            <a:spAutoFit/>
+          </a:bodyPr>
+          <a:lstStyle/>
+          <a:p>
+            <a:pPr indent="0" lvl="0" marL="0" rtl="0" algn="l">
+              <a:spcBef>
+                <a:spcPts val="0"/>
+              </a:spcBef>
+              <a:spcAft>
+                <a:spcPts val="0"/>
+              </a:spcAft>
+              <a:buNone/>
+            </a:pPr>
+            <a:r>
+              <a:rPr b="1" lang="ja" sz="1300">
+                <a:solidFill>
+                  <a:schemeClr val="accent3"/>
+                </a:solidFill>
+                <a:latin typeface="Proxima Nova"/>
+                <a:ea typeface="Proxima Nova"/>
+                <a:cs typeface="Proxima Nova"/>
+                <a:sym typeface="Proxima Nova"/>
+              </a:rPr>
+              <a:t>変更</a:t>
+            </a:r>
+            <a:endParaRPr b="1" sz="1300">
+              <a:solidFill>
+                <a:schemeClr val="accent3"/>
+              </a:solidFill>
+              <a:latin typeface="Proxima Nova"/>
+              <a:ea typeface="Proxima Nova"/>
+              <a:cs typeface="Proxima Nova"/>
+              <a:sym typeface="Proxima Nova"/>
+            </a:endParaRPr>
+          </a:p>
+          <a:p>
+            <a:pPr indent="0" lvl="0" marL="0" rtl="0" algn="l">
+              <a:spcBef>
+                <a:spcPts val="0"/>
+              </a:spcBef>
+              <a:spcAft>
+                <a:spcPts val="0"/>
+              </a:spcAft>
+              <a:buNone/>
+            </a:pPr>
+            <a:r>
+              <a:rPr b="1" lang="ja" sz="1300">
+                <a:solidFill>
+                  <a:schemeClr val="accent3"/>
+                </a:solidFill>
+                <a:latin typeface="Proxima Nova"/>
+                <a:ea typeface="Proxima Nova"/>
+                <a:cs typeface="Proxima Nova"/>
+                <a:sym typeface="Proxima Nova"/>
+              </a:rPr>
+              <a:t>検索結果を検索APIの概要から、検索APIで取得したリンク先の全文に変更</a:t>
+            </a:r>
+            <a:endParaRPr b="1" sz="1300">
+              <a:solidFill>
+                <a:schemeClr val="accent3"/>
+              </a:solidFill>
+              <a:latin typeface="Proxima Nova"/>
+              <a:ea typeface="Proxima Nova"/>
+              <a:cs typeface="Proxima Nova"/>
+              <a:sym typeface="Proxima Nova"/>
+            </a:endParaRPr>
+          </a:p>
+          <a:p>
+            <a:pPr indent="0" lvl="0" marL="0" rtl="0" algn="l">
+              <a:spcBef>
+                <a:spcPts val="0"/>
+              </a:spcBef>
+              <a:spcAft>
+                <a:spcPts val="0"/>
+              </a:spcAft>
+              <a:buNone/>
+            </a:pPr>
+            <a:r>
+              <a:rPr b="1" lang="ja" sz="1300">
+                <a:solidFill>
+                  <a:schemeClr val="accent3"/>
+                </a:solidFill>
+                <a:latin typeface="Proxima Nova"/>
+                <a:ea typeface="Proxima Nova"/>
+                <a:cs typeface="Proxima Nova"/>
+                <a:sym typeface="Proxima Nova"/>
+              </a:rPr>
+              <a:t>検索結果から検索クエリの説明箇所を抽出</a:t>
+            </a:r>
+            <a:r>
+              <a:rPr b="1" lang="ja" sz="1300">
+                <a:solidFill>
+                  <a:schemeClr val="accent3"/>
+                </a:solidFill>
+                <a:latin typeface="Proxima Nova"/>
+                <a:ea typeface="Proxima Nova"/>
+                <a:cs typeface="Proxima Nova"/>
+                <a:sym typeface="Proxima Nova"/>
+              </a:rPr>
+              <a:t>するのに加え、その説明部分も追加するようにする</a:t>
+            </a:r>
+            <a:endParaRPr b="1" sz="1300">
+              <a:solidFill>
+                <a:schemeClr val="accent3"/>
+              </a:solidFill>
+              <a:latin typeface="Proxima Nova"/>
+              <a:ea typeface="Proxima Nova"/>
+              <a:cs typeface="Proxima Nova"/>
+              <a:sym typeface="Proxima Nova"/>
+            </a:endParaRPr>
+          </a:p>
+          <a:p>
+            <a:pPr indent="0" lvl="0" marL="0" rtl="0" algn="l">
+              <a:spcBef>
+                <a:spcPts val="0"/>
+              </a:spcBef>
+              <a:spcAft>
+                <a:spcPts val="0"/>
+              </a:spcAft>
+              <a:buNone/>
+            </a:pPr>
+            <a:r>
+              <a:rPr b="1" lang="ja" sz="1300">
+                <a:solidFill>
+                  <a:schemeClr val="accent3"/>
+                </a:solidFill>
+                <a:latin typeface="Proxima Nova"/>
+                <a:ea typeface="Proxima Nova"/>
+                <a:cs typeface="Proxima Nova"/>
+                <a:sym typeface="Proxima Nova"/>
+              </a:rPr>
+              <a:t>また検索数を1から3に変更し、情報全部一つにまとめるようにする</a:t>
+            </a:r>
+            <a:endParaRPr b="1" sz="1300">
+              <a:solidFill>
+                <a:schemeClr val="accent3"/>
+              </a:solidFill>
+              <a:latin typeface="Proxima Nova"/>
+              <a:ea typeface="Proxima Nova"/>
+              <a:cs typeface="Proxima Nova"/>
+              <a:sym typeface="Proxima Nova"/>
+            </a:endParaRPr>
+          </a:p>
+        </p:txBody>
+      </p:sp>
+      <p:sp>
+        <p:nvSpPr>
+          <p:cNvPr id="176" name="Google Shape;176;p19"/>
+          <p:cNvSpPr/>
+          <p:nvPr/>
+        </p:nvSpPr>
+        <p:spPr>
+          <a:xfrm>
+            <a:off x="164550" y="685025"/>
+            <a:ext cx="1945500" cy="426300"/>
+          </a:xfrm>
+          <a:prstGeom prst="roundRect">
+            <a:avLst>
+              <a:gd fmla="val 16667" name="adj"/>
+            </a:avLst>
+          </a:prstGeom>
+          <a:solidFill>
+            <a:srgbClr val="0000FF"/>
+          </a:solidFill>
+          <a:ln cap="flat" cmpd="sng" w="9525">
+            <a:solidFill>
+              <a:srgbClr val="0000FF"/>
+            </a:solidFill>
+            <a:prstDash val="solid"/>
+            <a:round/>
+            <a:headEnd len="sm" w="sm" type="none"/>
+            <a:tailEnd len="sm" w="sm" type="none"/>
+          </a:ln>
+        </p:spPr>
+        <p:txBody>
+          <a:bodyPr anchorCtr="0" anchor="ctr" bIns="91425" lIns="91425" spcFirstLastPara="1" rIns="91425" wrap="square" tIns="91425">
+            <a:noAutofit/>
+          </a:bodyPr>
+          <a:lstStyle/>
+          <a:p>
+            <a:pPr indent="0" lvl="0" marL="0" rtl="0" algn="ctr">
+              <a:spcBef>
+                <a:spcPts val="0"/>
+              </a:spcBef>
+              <a:spcAft>
+                <a:spcPts val="0"/>
+              </a:spcAft>
+              <a:buNone/>
+            </a:pPr>
+            <a:r>
+              <a:rPr b="1" lang="ja">
+                <a:solidFill>
+                  <a:schemeClr val="lt1"/>
+                </a:solidFill>
+                <a:latin typeface="Proxima Nova"/>
+                <a:ea typeface="Proxima Nova"/>
+                <a:cs typeface="Proxima Nova"/>
+                <a:sym typeface="Proxima Nova"/>
+              </a:rPr>
+              <a:t>generate_search_content_summary</a:t>
+            </a:r>
+            <a:endParaRPr b="1">
+              <a:solidFill>
+                <a:schemeClr val="lt1"/>
+              </a:solidFill>
+              <a:latin typeface="Proxima Nova"/>
+              <a:ea typeface="Proxima Nova"/>
+              <a:cs typeface="Proxima Nova"/>
+              <a:sym typeface="Proxima Nova"/>
+            </a:endParaRPr>
+          </a:p>
+        </p:txBody>
+      </p:sp>
+      <p:sp>
+        <p:nvSpPr>
+          <p:cNvPr id="177" name="Google Shape;177;p19"/>
+          <p:cNvSpPr/>
+          <p:nvPr/>
+        </p:nvSpPr>
+        <p:spPr>
+          <a:xfrm>
+            <a:off x="164550" y="2111125"/>
+            <a:ext cx="1556700" cy="426300"/>
+          </a:xfrm>
+          <a:prstGeom prst="roundRect">
+            <a:avLst>
+              <a:gd fmla="val 16667" name="adj"/>
+            </a:avLst>
+          </a:prstGeom>
+          <a:solidFill>
+            <a:srgbClr val="0000FF"/>
+          </a:solidFill>
+          <a:ln cap="flat" cmpd="sng" w="9525">
+            <a:solidFill>
+              <a:srgbClr val="0000FF"/>
+            </a:solidFill>
+            <a:prstDash val="solid"/>
+            <a:round/>
+            <a:headEnd len="sm" w="sm" type="none"/>
+            <a:tailEnd len="sm" w="sm" type="none"/>
+          </a:ln>
+        </p:spPr>
+        <p:txBody>
+          <a:bodyPr anchorCtr="0" anchor="ctr" bIns="91425" lIns="91425" spcFirstLastPara="1" rIns="91425" wrap="square" tIns="91425">
+            <a:noAutofit/>
+          </a:bodyPr>
+          <a:lstStyle/>
+          <a:p>
+            <a:pPr indent="0" lvl="0" marL="0" rtl="0" algn="ctr">
+              <a:spcBef>
+                <a:spcPts val="0"/>
+              </a:spcBef>
+              <a:spcAft>
+                <a:spcPts val="0"/>
+              </a:spcAft>
+              <a:buNone/>
+            </a:pPr>
+            <a:r>
+              <a:rPr b="1" lang="ja">
+                <a:solidFill>
+                  <a:schemeClr val="lt1"/>
+                </a:solidFill>
+                <a:latin typeface="Proxima Nova"/>
+                <a:ea typeface="Proxima Nova"/>
+                <a:cs typeface="Proxima Nova"/>
+                <a:sym typeface="Proxima Nova"/>
+              </a:rPr>
+              <a:t>generate_wiki_outline</a:t>
+            </a:r>
+            <a:endParaRPr b="1">
+              <a:solidFill>
+                <a:schemeClr val="lt1"/>
+              </a:solidFill>
+              <a:latin typeface="Proxima Nova"/>
+              <a:ea typeface="Proxima Nova"/>
+              <a:cs typeface="Proxima Nova"/>
+              <a:sym typeface="Proxima Nova"/>
+            </a:endParaRPr>
+          </a:p>
+        </p:txBody>
+      </p:sp>
+      <p:sp>
+        <p:nvSpPr>
+          <p:cNvPr id="178" name="Google Shape;178;p19"/>
+          <p:cNvSpPr/>
+          <p:nvPr/>
+        </p:nvSpPr>
+        <p:spPr>
+          <a:xfrm>
+            <a:off x="164550" y="2537425"/>
+            <a:ext cx="1805700" cy="426300"/>
+          </a:xfrm>
+          <a:prstGeom prst="roundRect">
+            <a:avLst>
+              <a:gd fmla="val 16667" name="adj"/>
+            </a:avLst>
+          </a:prstGeom>
+          <a:solidFill>
+            <a:srgbClr val="0000FF"/>
+          </a:solidFill>
+          <a:ln cap="flat" cmpd="sng" w="9525">
+            <a:solidFill>
+              <a:srgbClr val="0000FF"/>
+            </a:solidFill>
+            <a:prstDash val="solid"/>
+            <a:round/>
+            <a:headEnd len="sm" w="sm" type="none"/>
+            <a:tailEnd len="sm" w="sm" type="none"/>
+          </a:ln>
+        </p:spPr>
+        <p:txBody>
+          <a:bodyPr anchorCtr="0" anchor="ctr" bIns="91425" lIns="91425" spcFirstLastPara="1" rIns="91425" wrap="square" tIns="91425">
+            <a:noAutofit/>
+          </a:bodyPr>
+          <a:lstStyle/>
+          <a:p>
+            <a:pPr indent="0" lvl="0" marL="0" rtl="0" algn="ctr">
+              <a:spcBef>
+                <a:spcPts val="0"/>
+              </a:spcBef>
+              <a:spcAft>
+                <a:spcPts val="0"/>
+              </a:spcAft>
+              <a:buNone/>
+            </a:pPr>
+            <a:r>
+              <a:rPr b="1" lang="ja">
+                <a:solidFill>
+                  <a:schemeClr val="lt1"/>
+                </a:solidFill>
+                <a:latin typeface="Proxima Nova"/>
+                <a:ea typeface="Proxima Nova"/>
+                <a:cs typeface="Proxima Nova"/>
+                <a:sym typeface="Proxima Nova"/>
+              </a:rPr>
+              <a:t>generate_detailed_outline</a:t>
+            </a:r>
+            <a:endParaRPr b="1">
+              <a:solidFill>
+                <a:schemeClr val="lt1"/>
+              </a:solidFill>
+              <a:latin typeface="Proxima Nova"/>
+              <a:ea typeface="Proxima Nova"/>
+              <a:cs typeface="Proxima Nova"/>
+              <a:sym typeface="Proxima Nova"/>
+            </a:endParaRPr>
+          </a:p>
+        </p:txBody>
+      </p:sp>
+      <p:sp>
+        <p:nvSpPr>
+          <p:cNvPr id="179" name="Google Shape;179;p19"/>
+          <p:cNvSpPr txBox="1"/>
+          <p:nvPr/>
+        </p:nvSpPr>
+        <p:spPr>
+          <a:xfrm>
+            <a:off x="261750" y="2963725"/>
+            <a:ext cx="7981200" cy="585000"/>
+          </a:xfrm>
+          <a:prstGeom prst="rect">
+            <a:avLst/>
+          </a:prstGeom>
+          <a:noFill/>
+          <a:ln>
+            <a:noFill/>
+          </a:ln>
+        </p:spPr>
+        <p:txBody>
+          <a:bodyPr anchorCtr="0" anchor="t" bIns="91425" lIns="91425" spcFirstLastPara="1" rIns="91425" wrap="square" tIns="91425">
+            <a:spAutoFit/>
+          </a:bodyPr>
+          <a:lstStyle/>
+          <a:p>
+            <a:pPr indent="0" lvl="0" marL="0" rtl="0" algn="l">
+              <a:spcBef>
+                <a:spcPts val="0"/>
+              </a:spcBef>
+              <a:spcAft>
+                <a:spcPts val="0"/>
+              </a:spcAft>
+              <a:buNone/>
+            </a:pPr>
+            <a:r>
+              <a:rPr b="1" lang="ja" sz="1300">
+                <a:solidFill>
+                  <a:schemeClr val="accent3"/>
+                </a:solidFill>
+                <a:latin typeface="Proxima Nova"/>
+                <a:ea typeface="Proxima Nova"/>
+                <a:cs typeface="Proxima Nova"/>
+                <a:sym typeface="Proxima Nova"/>
+              </a:rPr>
+              <a:t>変更</a:t>
+            </a:r>
+            <a:endParaRPr b="1" sz="1300">
+              <a:solidFill>
+                <a:schemeClr val="accent3"/>
+              </a:solidFill>
+              <a:latin typeface="Proxima Nova"/>
+              <a:ea typeface="Proxima Nova"/>
+              <a:cs typeface="Proxima Nova"/>
+              <a:sym typeface="Proxima Nova"/>
+            </a:endParaRPr>
+          </a:p>
+          <a:p>
+            <a:pPr indent="0" lvl="0" marL="0" rtl="0" algn="l">
+              <a:spcBef>
+                <a:spcPts val="0"/>
+              </a:spcBef>
+              <a:spcAft>
+                <a:spcPts val="0"/>
+              </a:spcAft>
+              <a:buNone/>
+            </a:pPr>
+            <a:r>
+              <a:rPr b="1" lang="ja" sz="1300">
+                <a:solidFill>
+                  <a:schemeClr val="accent3"/>
+                </a:solidFill>
+                <a:latin typeface="Proxima Nova"/>
+                <a:ea typeface="Proxima Nova"/>
+                <a:cs typeface="Proxima Nova"/>
+                <a:sym typeface="Proxima Nova"/>
+              </a:rPr>
+              <a:t>使用するモデルを`gpt-3.5-turbo-0125`から`gpt-4o-2024-05-13`に変更して長文を一回で使えるようにする</a:t>
+            </a:r>
+            <a:endParaRPr b="1" sz="1300">
+              <a:solidFill>
+                <a:schemeClr val="accent3"/>
+              </a:solidFill>
+              <a:latin typeface="Proxima Nova"/>
+              <a:ea typeface="Proxima Nova"/>
+              <a:cs typeface="Proxima Nova"/>
+              <a:sym typeface="Proxima Nova"/>
+            </a:endParaRPr>
+          </a:p>
+        </p:txBody>
+      </p:sp>
+    </p:spTree>
+  </p:cSld>
+  <p:clrMapOvr>
+    <a:masterClrMapping/>
+  </p:clrMapOvr>
+</p:sld>
+</file>
+
+<file path=ppt/slides/slide8.xml><?xml version="1.0" encoding="utf-8"?>
+<p:sld xmlns:a="http://schemas.openxmlformats.org/drawingml/2006/main" xmlns:r="http://schemas.openxmlformats.org/officeDocument/2006/relationships" xmlns:mc="http://schemas.openxmlformats.org/markup-compatibility/2006" xmlns:mv="urn:schemas-microsoft-com:mac:vml" xmlns:p="http://schemas.openxmlformats.org/presentationml/2006/main" xmlns:c="http://schemas.openxmlformats.org/drawingml/2006/chart" xmlns:dgm="http://schemas.openxmlformats.org/drawingml/2006/diagram" xmlns:o="urn:schemas-microsoft-com:office:office" xmlns:v="urn:schemas-microsoft-com:vml" xmlns:pvml="urn:schemas-microsoft-com:office:powerpoint" xmlns:com="http://schemas.openxmlformats.org/drawingml/2006/compatibility" xmlns:p14="http://schemas.microsoft.com/office/powerpoint/2010/main" xmlns:p15="http://schemas.microsoft.com/office/powerpoint/2012/main" xmlns:ahyp="http://schemas.microsoft.com/office/drawing/2018/hyperlinkcolor">
+  <p:cSld>
+    <p:spTree>
+      <p:nvGrpSpPr>
+        <p:cNvPr id="183" name="Shape 183"/>
+        <p:cNvGrpSpPr/>
+        <p:nvPr/>
+      </p:nvGrpSpPr>
+      <p:grpSpPr>
+        <a:xfrm>
+          <a:off x="0" y="0"/>
+          <a:ext cx="0" cy="0"/>
+          <a:chOff x="0" y="0"/>
+          <a:chExt cx="0" cy="0"/>
+        </a:xfrm>
+      </p:grpSpPr>
+      <p:sp>
+        <p:nvSpPr>
+          <p:cNvPr id="184" name="Google Shape;184;p20"/>
           <p:cNvSpPr/>
           <p:nvPr/>
         </p:nvSpPr>
@@ -15039,7 +20633,7 @@
       </p:sp>
       <p:sp>
         <p:nvSpPr>
-          <p:cNvPr id="175" name="Google Shape;175;p19"/>
+          <p:cNvPr id="185" name="Google Shape;185;p20"/>
           <p:cNvSpPr/>
           <p:nvPr/>
         </p:nvSpPr>
@@ -15107,10 +20701,10 @@
       </p:sp>
       <p:cxnSp>
         <p:nvCxnSpPr>
-          <p:cNvPr id="176" name="Google Shape;176;p19"/>
+          <p:cNvPr id="186" name="Google Shape;186;p20"/>
           <p:cNvCxnSpPr>
-            <a:stCxn id="174" idx="2"/>
-            <a:endCxn id="175" idx="0"/>
+            <a:stCxn id="184" idx="2"/>
+            <a:endCxn id="185" idx="0"/>
           </p:cNvCxnSpPr>
           <p:nvPr/>
         </p:nvCxnSpPr>
@@ -15136,10 +20730,10 @@
       </p:cxnSp>
       <p:cxnSp>
         <p:nvCxnSpPr>
-          <p:cNvPr id="177" name="Google Shape;177;p19"/>
+          <p:cNvPr id="187" name="Google Shape;187;p20"/>
           <p:cNvCxnSpPr>
-            <a:stCxn id="175" idx="2"/>
-            <a:endCxn id="178" idx="0"/>
+            <a:stCxn id="185" idx="2"/>
+            <a:endCxn id="188" idx="0"/>
           </p:cNvCxnSpPr>
           <p:nvPr/>
         </p:nvCxnSpPr>
@@ -15165,7 +20759,7 @@
       </p:cxnSp>
       <p:sp>
         <p:nvSpPr>
-          <p:cNvPr id="178" name="Google Shape;178;p19"/>
+          <p:cNvPr id="188" name="Google Shape;188;p20"/>
           <p:cNvSpPr/>
           <p:nvPr/>
         </p:nvSpPr>
@@ -15233,7 +20827,7 @@
       </p:sp>
       <p:sp>
         <p:nvSpPr>
-          <p:cNvPr id="179" name="Google Shape;179;p19"/>
+          <p:cNvPr id="189" name="Google Shape;189;p20"/>
           <p:cNvSpPr txBox="1"/>
           <p:nvPr/>
         </p:nvSpPr>
@@ -15283,7 +20877,7 @@
       </p:sp>
       <p:sp>
         <p:nvSpPr>
-          <p:cNvPr id="180" name="Google Shape;180;p19"/>
+          <p:cNvPr id="190" name="Google Shape;190;p20"/>
           <p:cNvSpPr/>
           <p:nvPr/>
         </p:nvSpPr>
@@ -15349,7 +20943,7 @@
       </p:sp>
       <p:sp>
         <p:nvSpPr>
-          <p:cNvPr id="181" name="Google Shape;181;p19"/>
+          <p:cNvPr id="191" name="Google Shape;191;p20"/>
           <p:cNvSpPr txBox="1"/>
           <p:nvPr/>
         </p:nvSpPr>
@@ -15399,7 +20993,7 @@
       </p:sp>
       <p:sp>
         <p:nvSpPr>
-          <p:cNvPr id="182" name="Google Shape;182;p19"/>
+          <p:cNvPr id="192" name="Google Shape;192;p20"/>
           <p:cNvSpPr/>
           <p:nvPr/>
         </p:nvSpPr>
@@ -15467,10 +21061,10 @@
       </p:sp>
       <p:cxnSp>
         <p:nvCxnSpPr>
-          <p:cNvPr id="183" name="Google Shape;183;p19"/>
+          <p:cNvPr id="193" name="Google Shape;193;p20"/>
           <p:cNvCxnSpPr>
-            <a:stCxn id="178" idx="2"/>
-            <a:endCxn id="182" idx="0"/>
+            <a:stCxn id="188" idx="2"/>
+            <a:endCxn id="192" idx="0"/>
           </p:cNvCxnSpPr>
           <p:nvPr/>
         </p:nvCxnSpPr>
@@ -15496,7 +21090,7 @@
       </p:cxnSp>
       <p:sp>
         <p:nvSpPr>
-          <p:cNvPr id="184" name="Google Shape;184;p19"/>
+          <p:cNvPr id="194" name="Google Shape;194;p20"/>
           <p:cNvSpPr/>
           <p:nvPr/>
         </p:nvSpPr>
@@ -15562,7 +21156,7 @@
       </p:sp>
       <p:sp>
         <p:nvSpPr>
-          <p:cNvPr id="185" name="Google Shape;185;p19"/>
+          <p:cNvPr id="195" name="Google Shape;195;p20"/>
           <p:cNvSpPr txBox="1"/>
           <p:nvPr/>
         </p:nvSpPr>
@@ -15612,7 +21206,7 @@
       </p:sp>
       <p:sp>
         <p:nvSpPr>
-          <p:cNvPr id="186" name="Google Shape;186;p19"/>
+          <p:cNvPr id="196" name="Google Shape;196;p20"/>
           <p:cNvSpPr txBox="1"/>
           <p:nvPr/>
         </p:nvSpPr>
@@ -15662,7 +21256,7 @@
       </p:sp>
       <p:sp>
         <p:nvSpPr>
-          <p:cNvPr id="187" name="Google Shape;187;p19"/>
+          <p:cNvPr id="197" name="Google Shape;197;p20"/>
           <p:cNvSpPr txBox="1"/>
           <p:nvPr/>
         </p:nvSpPr>
@@ -15712,7 +21306,7 @@
       </p:sp>
       <p:sp>
         <p:nvSpPr>
-          <p:cNvPr id="188" name="Google Shape;188;p19"/>
+          <p:cNvPr id="198" name="Google Shape;198;p20"/>
           <p:cNvSpPr/>
           <p:nvPr/>
         </p:nvSpPr>
@@ -15780,10 +21374,10 @@
       </p:sp>
       <p:cxnSp>
         <p:nvCxnSpPr>
-          <p:cNvPr id="189" name="Google Shape;189;p19"/>
+          <p:cNvPr id="199" name="Google Shape;199;p20"/>
           <p:cNvCxnSpPr>
-            <a:stCxn id="188" idx="2"/>
-            <a:endCxn id="190" idx="0"/>
+            <a:stCxn id="198" idx="2"/>
+            <a:endCxn id="200" idx="0"/>
           </p:cNvCxnSpPr>
           <p:nvPr/>
         </p:nvCxnSpPr>
@@ -15809,7 +21403,7 @@
       </p:cxnSp>
       <p:sp>
         <p:nvSpPr>
-          <p:cNvPr id="190" name="Google Shape;190;p19"/>
+          <p:cNvPr id="200" name="Google Shape;200;p20"/>
           <p:cNvSpPr/>
           <p:nvPr/>
         </p:nvSpPr>
@@ -15877,7 +21471,7 @@
       </p:sp>
       <p:sp>
         <p:nvSpPr>
-          <p:cNvPr id="191" name="Google Shape;191;p19"/>
+          <p:cNvPr id="201" name="Google Shape;201;p20"/>
           <p:cNvSpPr txBox="1"/>
           <p:nvPr/>
         </p:nvSpPr>
@@ -15927,7 +21521,7 @@
       </p:sp>
       <p:sp>
         <p:nvSpPr>
-          <p:cNvPr id="192" name="Google Shape;192;p19"/>
+          <p:cNvPr id="202" name="Google Shape;202;p20"/>
           <p:cNvSpPr txBox="1"/>
           <p:nvPr/>
         </p:nvSpPr>
@@ -15977,10 +21571,10 @@
       </p:sp>
       <p:cxnSp>
         <p:nvCxnSpPr>
-          <p:cNvPr id="193" name="Google Shape;193;p19"/>
+          <p:cNvPr id="203" name="Google Shape;203;p20"/>
           <p:cNvCxnSpPr>
-            <a:stCxn id="194" idx="3"/>
-            <a:endCxn id="188" idx="0"/>
+            <a:stCxn id="204" idx="3"/>
+            <a:endCxn id="198" idx="0"/>
           </p:cNvCxnSpPr>
           <p:nvPr/>
         </p:nvCxnSpPr>
@@ -16009,9 +21603,9 @@
       </p:cxnSp>
       <p:cxnSp>
         <p:nvCxnSpPr>
-          <p:cNvPr id="195" name="Google Shape;195;p19"/>
+          <p:cNvPr id="205" name="Google Shape;205;p20"/>
           <p:cNvCxnSpPr>
-            <a:endCxn id="188" idx="0"/>
+            <a:endCxn id="198" idx="0"/>
           </p:cNvCxnSpPr>
           <p:nvPr/>
         </p:nvCxnSpPr>
@@ -16040,7 +21634,7 @@
       </p:cxnSp>
       <p:sp>
         <p:nvSpPr>
-          <p:cNvPr id="196" name="Google Shape;196;p19"/>
+          <p:cNvPr id="206" name="Google Shape;206;p20"/>
           <p:cNvSpPr/>
           <p:nvPr/>
         </p:nvSpPr>
@@ -16108,7 +21702,7 @@
       </p:sp>
       <p:sp>
         <p:nvSpPr>
-          <p:cNvPr id="197" name="Google Shape;197;p19"/>
+          <p:cNvPr id="207" name="Google Shape;207;p20"/>
           <p:cNvSpPr txBox="1"/>
           <p:nvPr/>
         </p:nvSpPr>
@@ -16158,10 +21752,10 @@
       </p:sp>
       <p:cxnSp>
         <p:nvCxnSpPr>
-          <p:cNvPr id="198" name="Google Shape;198;p19"/>
+          <p:cNvPr id="208" name="Google Shape;208;p20"/>
           <p:cNvCxnSpPr>
-            <a:stCxn id="190" idx="2"/>
-            <a:endCxn id="196" idx="0"/>
+            <a:stCxn id="200" idx="2"/>
+            <a:endCxn id="206" idx="0"/>
           </p:cNvCxnSpPr>
           <p:nvPr/>
         </p:nvCxnSpPr>
@@ -16187,7 +21781,7 @@
       </p:cxnSp>
       <p:sp>
         <p:nvSpPr>
-          <p:cNvPr id="199" name="Google Shape;199;p19"/>
+          <p:cNvPr id="209" name="Google Shape;209;p20"/>
           <p:cNvSpPr/>
           <p:nvPr/>
         </p:nvSpPr>
@@ -16255,7 +21849,7 @@
       </p:sp>
       <p:sp>
         <p:nvSpPr>
-          <p:cNvPr id="200" name="Google Shape;200;p19"/>
+          <p:cNvPr id="210" name="Google Shape;210;p20"/>
           <p:cNvSpPr/>
           <p:nvPr/>
         </p:nvSpPr>
@@ -16323,7 +21917,7 @@
       </p:sp>
       <p:sp>
         <p:nvSpPr>
-          <p:cNvPr id="201" name="Google Shape;201;p19"/>
+          <p:cNvPr id="211" name="Google Shape;211;p20"/>
           <p:cNvSpPr txBox="1"/>
           <p:nvPr/>
         </p:nvSpPr>
@@ -16373,10 +21967,10 @@
       </p:sp>
       <p:cxnSp>
         <p:nvCxnSpPr>
-          <p:cNvPr id="202" name="Google Shape;202;p19"/>
+          <p:cNvPr id="212" name="Google Shape;212;p20"/>
           <p:cNvCxnSpPr>
-            <a:stCxn id="196" idx="2"/>
-            <a:endCxn id="200" idx="0"/>
+            <a:stCxn id="206" idx="2"/>
+            <a:endCxn id="210" idx="0"/>
           </p:cNvCxnSpPr>
           <p:nvPr/>
         </p:nvCxnSpPr>
@@ -16402,10 +21996,10 @@
       </p:cxnSp>
       <p:cxnSp>
         <p:nvCxnSpPr>
-          <p:cNvPr id="203" name="Google Shape;203;p19"/>
+          <p:cNvPr id="213" name="Google Shape;213;p20"/>
           <p:cNvCxnSpPr>
-            <a:stCxn id="199" idx="2"/>
-            <a:endCxn id="204" idx="0"/>
+            <a:stCxn id="209" idx="2"/>
+            <a:endCxn id="214" idx="0"/>
           </p:cNvCxnSpPr>
           <p:nvPr/>
         </p:nvCxnSpPr>
@@ -16433,7 +22027,7 @@
       </p:cxnSp>
       <p:sp>
         <p:nvSpPr>
-          <p:cNvPr id="205" name="Google Shape;205;p19"/>
+          <p:cNvPr id="215" name="Google Shape;215;p20"/>
           <p:cNvSpPr/>
           <p:nvPr/>
         </p:nvSpPr>
@@ -16499,7 +22093,7 @@
       </p:sp>
       <p:sp>
         <p:nvSpPr>
-          <p:cNvPr id="206" name="Google Shape;206;p19"/>
+          <p:cNvPr id="216" name="Google Shape;216;p20"/>
           <p:cNvSpPr txBox="1"/>
           <p:nvPr/>
         </p:nvSpPr>
@@ -16549,7 +22143,7 @@
       </p:sp>
       <p:sp>
         <p:nvSpPr>
-          <p:cNvPr id="207" name="Google Shape;207;p19"/>
+          <p:cNvPr id="217" name="Google Shape;217;p20"/>
           <p:cNvSpPr/>
           <p:nvPr/>
         </p:nvSpPr>
@@ -16615,7 +22209,7 @@
       </p:sp>
       <p:sp>
         <p:nvSpPr>
-          <p:cNvPr id="208" name="Google Shape;208;p19"/>
+          <p:cNvPr id="218" name="Google Shape;218;p20"/>
           <p:cNvSpPr txBox="1"/>
           <p:nvPr/>
         </p:nvSpPr>
@@ -16697,10 +22291,10 @@
       </p:sp>
       <p:cxnSp>
         <p:nvCxnSpPr>
-          <p:cNvPr id="209" name="Google Shape;209;p19"/>
+          <p:cNvPr id="219" name="Google Shape;219;p20"/>
           <p:cNvCxnSpPr>
-            <a:stCxn id="200" idx="2"/>
-            <a:endCxn id="199" idx="0"/>
+            <a:stCxn id="210" idx="2"/>
+            <a:endCxn id="209" idx="0"/>
           </p:cNvCxnSpPr>
           <p:nvPr/>
         </p:nvCxnSpPr>
@@ -16726,7 +22320,7 @@
       </p:cxnSp>
       <p:sp>
         <p:nvSpPr>
-          <p:cNvPr id="204" name="Google Shape;204;p19"/>
+          <p:cNvPr id="214" name="Google Shape;214;p20"/>
           <p:cNvSpPr/>
           <p:nvPr/>
         </p:nvSpPr>
@@ -16794,10 +22388,10 @@
       </p:sp>
       <p:cxnSp>
         <p:nvCxnSpPr>
-          <p:cNvPr id="210" name="Google Shape;210;p19"/>
+          <p:cNvPr id="220" name="Google Shape;220;p20"/>
           <p:cNvCxnSpPr>
-            <a:stCxn id="206" idx="3"/>
-            <a:endCxn id="204" idx="0"/>
+            <a:stCxn id="216" idx="3"/>
+            <a:endCxn id="214" idx="0"/>
           </p:cNvCxnSpPr>
           <p:nvPr/>
         </p:nvCxnSpPr>
@@ -16826,7 +22420,7 @@
       </p:cxnSp>
       <p:sp>
         <p:nvSpPr>
-          <p:cNvPr id="211" name="Google Shape;211;p19"/>
+          <p:cNvPr id="221" name="Google Shape;221;p20"/>
           <p:cNvSpPr/>
           <p:nvPr/>
         </p:nvSpPr>
@@ -16892,7 +22486,7 @@
       </p:sp>
       <p:sp>
         <p:nvSpPr>
-          <p:cNvPr id="212" name="Google Shape;212;p19"/>
+          <p:cNvPr id="222" name="Google Shape;222;p20"/>
           <p:cNvSpPr/>
           <p:nvPr/>
         </p:nvSpPr>
@@ -16958,7 +22552,7 @@
       </p:sp>
       <p:sp>
         <p:nvSpPr>
-          <p:cNvPr id="213" name="Google Shape;213;p19"/>
+          <p:cNvPr id="223" name="Google Shape;223;p20"/>
           <p:cNvSpPr/>
           <p:nvPr/>
         </p:nvSpPr>
@@ -17024,7 +22618,7 @@
       </p:sp>
       <p:sp>
         <p:nvSpPr>
-          <p:cNvPr id="194" name="Google Shape;194;p19"/>
+          <p:cNvPr id="204" name="Google Shape;204;p20"/>
           <p:cNvSpPr/>
           <p:nvPr/>
         </p:nvSpPr>
@@ -17092,7 +22686,7 @@
       </p:sp>
       <p:cxnSp>
         <p:nvCxnSpPr>
-          <p:cNvPr id="214" name="Google Shape;214;p19"/>
+          <p:cNvPr id="224" name="Google Shape;224;p20"/>
           <p:cNvCxnSpPr/>
           <p:nvPr/>
         </p:nvCxnSpPr>
@@ -17116,581 +22710,6 @@
           </a:ln>
         </p:spPr>
       </p:cxnSp>
-    </p:spTree>
-  </p:cSld>
-  <p:clrMapOvr>
-    <a:masterClrMapping/>
-  </p:clrMapOvr>
-</p:sld>
-</file>
-
-<file path=ppt/slides/slide8.xml><?xml version="1.0" encoding="utf-8"?>
-<p:sld xmlns:a="http://schemas.openxmlformats.org/drawingml/2006/main" xmlns:r="http://schemas.openxmlformats.org/officeDocument/2006/relationships" xmlns:mc="http://schemas.openxmlformats.org/markup-compatibility/2006" xmlns:mv="urn:schemas-microsoft-com:mac:vml" xmlns:p="http://schemas.openxmlformats.org/presentationml/2006/main" xmlns:c="http://schemas.openxmlformats.org/drawingml/2006/chart" xmlns:dgm="http://schemas.openxmlformats.org/drawingml/2006/diagram" xmlns:o="urn:schemas-microsoft-com:office:office" xmlns:v="urn:schemas-microsoft-com:vml" xmlns:pvml="urn:schemas-microsoft-com:office:powerpoint" xmlns:com="http://schemas.openxmlformats.org/drawingml/2006/compatibility" xmlns:p14="http://schemas.microsoft.com/office/powerpoint/2010/main" xmlns:p15="http://schemas.microsoft.com/office/powerpoint/2012/main" xmlns:ahyp="http://schemas.microsoft.com/office/drawing/2018/hyperlinkcolor">
-  <p:cSld>
-    <p:spTree>
-      <p:nvGrpSpPr>
-        <p:cNvPr id="218" name="Shape 218"/>
-        <p:cNvGrpSpPr/>
-        <p:nvPr/>
-      </p:nvGrpSpPr>
-      <p:grpSpPr>
-        <a:xfrm>
-          <a:off x="0" y="0"/>
-          <a:ext cx="0" cy="0"/>
-          <a:chOff x="0" y="0"/>
-          <a:chExt cx="0" cy="0"/>
-        </a:xfrm>
-      </p:grpSpPr>
-      <p:sp>
-        <p:nvSpPr>
-          <p:cNvPr id="219" name="Google Shape;219;p20"/>
-          <p:cNvSpPr txBox="1"/>
-          <p:nvPr/>
-        </p:nvSpPr>
-        <p:spPr>
-          <a:xfrm>
-            <a:off x="0" y="29600"/>
-            <a:ext cx="5019000" cy="615600"/>
-          </a:xfrm>
-          <a:prstGeom prst="rect">
-            <a:avLst/>
-          </a:prstGeom>
-          <a:noFill/>
-          <a:ln>
-            <a:noFill/>
-          </a:ln>
-        </p:spPr>
-        <p:txBody>
-          <a:bodyPr anchorCtr="0" anchor="t" bIns="91425" lIns="91425" spcFirstLastPara="1" rIns="91425" wrap="square" tIns="91425">
-            <a:spAutoFit/>
-          </a:bodyPr>
-          <a:lstStyle/>
-          <a:p>
-            <a:pPr indent="0" lvl="0" marL="0" rtl="0" algn="l">
-              <a:spcBef>
-                <a:spcPts val="0"/>
-              </a:spcBef>
-              <a:spcAft>
-                <a:spcPts val="0"/>
-              </a:spcAft>
-              <a:buNone/>
-            </a:pPr>
-            <a:r>
-              <a:rPr b="1" lang="ja">
-                <a:solidFill>
-                  <a:schemeClr val="accent3"/>
-                </a:solidFill>
-                <a:latin typeface="Proxima Nova"/>
-                <a:ea typeface="Proxima Nova"/>
-                <a:cs typeface="Proxima Nova"/>
-                <a:sym typeface="Proxima Nova"/>
-              </a:rPr>
-              <a:t>14日にgpt-4o-2024-05-13が出てたので試してみる</a:t>
-            </a:r>
-            <a:endParaRPr b="1">
-              <a:solidFill>
-                <a:schemeClr val="accent3"/>
-              </a:solidFill>
-              <a:latin typeface="Proxima Nova"/>
-              <a:ea typeface="Proxima Nova"/>
-              <a:cs typeface="Proxima Nova"/>
-              <a:sym typeface="Proxima Nova"/>
-            </a:endParaRPr>
-          </a:p>
-          <a:p>
-            <a:pPr indent="0" lvl="0" marL="0" rtl="0" algn="l">
-              <a:spcBef>
-                <a:spcPts val="0"/>
-              </a:spcBef>
-              <a:spcAft>
-                <a:spcPts val="0"/>
-              </a:spcAft>
-              <a:buNone/>
-            </a:pPr>
-            <a:r>
-              <a:rPr b="1" lang="ja">
-                <a:solidFill>
-                  <a:schemeClr val="accent3"/>
-                </a:solidFill>
-                <a:latin typeface="Proxima Nova"/>
-                <a:ea typeface="Proxima Nova"/>
-                <a:cs typeface="Proxima Nova"/>
-                <a:sym typeface="Proxima Nova"/>
-              </a:rPr>
-              <a:t>+全文検索する場所の変更をしてAPIたたく回数を減らす</a:t>
-            </a:r>
-            <a:endParaRPr b="1">
-              <a:solidFill>
-                <a:schemeClr val="accent3"/>
-              </a:solidFill>
-              <a:latin typeface="Proxima Nova"/>
-              <a:ea typeface="Proxima Nova"/>
-              <a:cs typeface="Proxima Nova"/>
-              <a:sym typeface="Proxima Nova"/>
-            </a:endParaRPr>
-          </a:p>
-        </p:txBody>
-      </p:sp>
-      <p:sp>
-        <p:nvSpPr>
-          <p:cNvPr id="220" name="Google Shape;220;p20"/>
-          <p:cNvSpPr txBox="1"/>
-          <p:nvPr/>
-        </p:nvSpPr>
-        <p:spPr>
-          <a:xfrm>
-            <a:off x="261750" y="1125925"/>
-            <a:ext cx="7981200" cy="985200"/>
-          </a:xfrm>
-          <a:prstGeom prst="rect">
-            <a:avLst/>
-          </a:prstGeom>
-          <a:noFill/>
-          <a:ln>
-            <a:noFill/>
-          </a:ln>
-        </p:spPr>
-        <p:txBody>
-          <a:bodyPr anchorCtr="0" anchor="t" bIns="91425" lIns="91425" spcFirstLastPara="1" rIns="91425" wrap="square" tIns="91425">
-            <a:spAutoFit/>
-          </a:bodyPr>
-          <a:lstStyle/>
-          <a:p>
-            <a:pPr indent="0" lvl="0" marL="0" rtl="0" algn="l">
-              <a:spcBef>
-                <a:spcPts val="0"/>
-              </a:spcBef>
-              <a:spcAft>
-                <a:spcPts val="0"/>
-              </a:spcAft>
-              <a:buNone/>
-            </a:pPr>
-            <a:r>
-              <a:rPr b="1" lang="ja" sz="1300">
-                <a:solidFill>
-                  <a:schemeClr val="accent3"/>
-                </a:solidFill>
-                <a:latin typeface="Proxima Nova"/>
-                <a:ea typeface="Proxima Nova"/>
-                <a:cs typeface="Proxima Nova"/>
-                <a:sym typeface="Proxima Nova"/>
-              </a:rPr>
-              <a:t>変更</a:t>
-            </a:r>
-            <a:endParaRPr b="1" sz="1300">
-              <a:solidFill>
-                <a:schemeClr val="accent3"/>
-              </a:solidFill>
-              <a:latin typeface="Proxima Nova"/>
-              <a:ea typeface="Proxima Nova"/>
-              <a:cs typeface="Proxima Nova"/>
-              <a:sym typeface="Proxima Nova"/>
-            </a:endParaRPr>
-          </a:p>
-          <a:p>
-            <a:pPr indent="0" lvl="0" marL="0" rtl="0" algn="l">
-              <a:spcBef>
-                <a:spcPts val="0"/>
-              </a:spcBef>
-              <a:spcAft>
-                <a:spcPts val="0"/>
-              </a:spcAft>
-              <a:buNone/>
-            </a:pPr>
-            <a:r>
-              <a:rPr b="1" lang="ja" sz="1300">
-                <a:solidFill>
-                  <a:schemeClr val="accent3"/>
-                </a:solidFill>
-                <a:latin typeface="Proxima Nova"/>
-                <a:ea typeface="Proxima Nova"/>
-                <a:cs typeface="Proxima Nova"/>
-                <a:sym typeface="Proxima Nova"/>
-              </a:rPr>
-              <a:t>検索結果を検索APIの概要から、検索APIで取得したリンク先の全文に変更</a:t>
-            </a:r>
-            <a:endParaRPr b="1" sz="1300">
-              <a:solidFill>
-                <a:schemeClr val="accent3"/>
-              </a:solidFill>
-              <a:latin typeface="Proxima Nova"/>
-              <a:ea typeface="Proxima Nova"/>
-              <a:cs typeface="Proxima Nova"/>
-              <a:sym typeface="Proxima Nova"/>
-            </a:endParaRPr>
-          </a:p>
-          <a:p>
-            <a:pPr indent="0" lvl="0" marL="0" rtl="0" algn="l">
-              <a:spcBef>
-                <a:spcPts val="0"/>
-              </a:spcBef>
-              <a:spcAft>
-                <a:spcPts val="0"/>
-              </a:spcAft>
-              <a:buNone/>
-            </a:pPr>
-            <a:r>
-              <a:rPr b="1" lang="ja" sz="1300">
-                <a:solidFill>
-                  <a:schemeClr val="accent3"/>
-                </a:solidFill>
-                <a:latin typeface="Proxima Nova"/>
-                <a:ea typeface="Proxima Nova"/>
-                <a:cs typeface="Proxima Nova"/>
-                <a:sym typeface="Proxima Nova"/>
-              </a:rPr>
-              <a:t>検索結果から検索クエリの説明箇所を抽出</a:t>
-            </a:r>
-            <a:r>
-              <a:rPr b="1" lang="ja" sz="1300">
-                <a:solidFill>
-                  <a:schemeClr val="accent3"/>
-                </a:solidFill>
-                <a:latin typeface="Proxima Nova"/>
-                <a:ea typeface="Proxima Nova"/>
-                <a:cs typeface="Proxima Nova"/>
-                <a:sym typeface="Proxima Nova"/>
-              </a:rPr>
-              <a:t>するのに加え、その説明部分も追加するようにする</a:t>
-            </a:r>
-            <a:endParaRPr b="1" sz="1300">
-              <a:solidFill>
-                <a:schemeClr val="accent3"/>
-              </a:solidFill>
-              <a:latin typeface="Proxima Nova"/>
-              <a:ea typeface="Proxima Nova"/>
-              <a:cs typeface="Proxima Nova"/>
-              <a:sym typeface="Proxima Nova"/>
-            </a:endParaRPr>
-          </a:p>
-          <a:p>
-            <a:pPr indent="0" lvl="0" marL="0" rtl="0" algn="l">
-              <a:spcBef>
-                <a:spcPts val="0"/>
-              </a:spcBef>
-              <a:spcAft>
-                <a:spcPts val="0"/>
-              </a:spcAft>
-              <a:buNone/>
-            </a:pPr>
-            <a:r>
-              <a:rPr b="1" lang="ja" sz="1300">
-                <a:solidFill>
-                  <a:schemeClr val="accent3"/>
-                </a:solidFill>
-                <a:latin typeface="Proxima Nova"/>
-                <a:ea typeface="Proxima Nova"/>
-                <a:cs typeface="Proxima Nova"/>
-                <a:sym typeface="Proxima Nova"/>
-              </a:rPr>
-              <a:t>また検索数を1から3に変更し、情報全部一つにまとめるようにする</a:t>
-            </a:r>
-            <a:endParaRPr b="1" sz="1300">
-              <a:solidFill>
-                <a:schemeClr val="accent3"/>
-              </a:solidFill>
-              <a:latin typeface="Proxima Nova"/>
-              <a:ea typeface="Proxima Nova"/>
-              <a:cs typeface="Proxima Nova"/>
-              <a:sym typeface="Proxima Nova"/>
-            </a:endParaRPr>
-          </a:p>
-        </p:txBody>
-      </p:sp>
-      <p:sp>
-        <p:nvSpPr>
-          <p:cNvPr id="221" name="Google Shape;221;p20"/>
-          <p:cNvSpPr/>
-          <p:nvPr/>
-        </p:nvSpPr>
-        <p:spPr>
-          <a:xfrm>
-            <a:off x="164550" y="685025"/>
-            <a:ext cx="1945500" cy="426300"/>
-          </a:xfrm>
-          <a:prstGeom prst="roundRect">
-            <a:avLst>
-              <a:gd fmla="val 16667" name="adj"/>
-            </a:avLst>
-          </a:prstGeom>
-          <a:solidFill>
-            <a:srgbClr val="0000FF"/>
-          </a:solidFill>
-          <a:ln cap="flat" cmpd="sng" w="9525">
-            <a:solidFill>
-              <a:srgbClr val="0000FF"/>
-            </a:solidFill>
-            <a:prstDash val="solid"/>
-            <a:round/>
-            <a:headEnd len="sm" w="sm" type="none"/>
-            <a:tailEnd len="sm" w="sm" type="none"/>
-          </a:ln>
-        </p:spPr>
-        <p:txBody>
-          <a:bodyPr anchorCtr="0" anchor="ctr" bIns="91425" lIns="91425" spcFirstLastPara="1" rIns="91425" wrap="square" tIns="91425">
-            <a:noAutofit/>
-          </a:bodyPr>
-          <a:lstStyle/>
-          <a:p>
-            <a:pPr indent="0" lvl="0" marL="0" rtl="0" algn="ctr">
-              <a:spcBef>
-                <a:spcPts val="0"/>
-              </a:spcBef>
-              <a:spcAft>
-                <a:spcPts val="0"/>
-              </a:spcAft>
-              <a:buNone/>
-            </a:pPr>
-            <a:r>
-              <a:rPr b="1" lang="ja">
-                <a:solidFill>
-                  <a:schemeClr val="lt1"/>
-                </a:solidFill>
-                <a:latin typeface="Proxima Nova"/>
-                <a:ea typeface="Proxima Nova"/>
-                <a:cs typeface="Proxima Nova"/>
-                <a:sym typeface="Proxima Nova"/>
-              </a:rPr>
-              <a:t>generate_search_content_summary</a:t>
-            </a:r>
-            <a:endParaRPr b="1">
-              <a:solidFill>
-                <a:schemeClr val="lt1"/>
-              </a:solidFill>
-              <a:latin typeface="Proxima Nova"/>
-              <a:ea typeface="Proxima Nova"/>
-              <a:cs typeface="Proxima Nova"/>
-              <a:sym typeface="Proxima Nova"/>
-            </a:endParaRPr>
-          </a:p>
-        </p:txBody>
-      </p:sp>
-      <p:sp>
-        <p:nvSpPr>
-          <p:cNvPr id="222" name="Google Shape;222;p20"/>
-          <p:cNvSpPr/>
-          <p:nvPr/>
-        </p:nvSpPr>
-        <p:spPr>
-          <a:xfrm>
-            <a:off x="164550" y="2111125"/>
-            <a:ext cx="1556700" cy="426300"/>
-          </a:xfrm>
-          <a:prstGeom prst="roundRect">
-            <a:avLst>
-              <a:gd fmla="val 16667" name="adj"/>
-            </a:avLst>
-          </a:prstGeom>
-          <a:solidFill>
-            <a:srgbClr val="0000FF"/>
-          </a:solidFill>
-          <a:ln cap="flat" cmpd="sng" w="9525">
-            <a:solidFill>
-              <a:srgbClr val="0000FF"/>
-            </a:solidFill>
-            <a:prstDash val="solid"/>
-            <a:round/>
-            <a:headEnd len="sm" w="sm" type="none"/>
-            <a:tailEnd len="sm" w="sm" type="none"/>
-          </a:ln>
-        </p:spPr>
-        <p:txBody>
-          <a:bodyPr anchorCtr="0" anchor="ctr" bIns="91425" lIns="91425" spcFirstLastPara="1" rIns="91425" wrap="square" tIns="91425">
-            <a:noAutofit/>
-          </a:bodyPr>
-          <a:lstStyle/>
-          <a:p>
-            <a:pPr indent="0" lvl="0" marL="0" rtl="0" algn="ctr">
-              <a:spcBef>
-                <a:spcPts val="0"/>
-              </a:spcBef>
-              <a:spcAft>
-                <a:spcPts val="0"/>
-              </a:spcAft>
-              <a:buNone/>
-            </a:pPr>
-            <a:r>
-              <a:rPr b="1" lang="ja">
-                <a:solidFill>
-                  <a:schemeClr val="lt1"/>
-                </a:solidFill>
-                <a:latin typeface="Proxima Nova"/>
-                <a:ea typeface="Proxima Nova"/>
-                <a:cs typeface="Proxima Nova"/>
-                <a:sym typeface="Proxima Nova"/>
-              </a:rPr>
-              <a:t>generate_wiki_outline</a:t>
-            </a:r>
-            <a:endParaRPr b="1">
-              <a:solidFill>
-                <a:schemeClr val="lt1"/>
-              </a:solidFill>
-              <a:latin typeface="Proxima Nova"/>
-              <a:ea typeface="Proxima Nova"/>
-              <a:cs typeface="Proxima Nova"/>
-              <a:sym typeface="Proxima Nova"/>
-            </a:endParaRPr>
-          </a:p>
-        </p:txBody>
-      </p:sp>
-      <p:sp>
-        <p:nvSpPr>
-          <p:cNvPr id="223" name="Google Shape;223;p20"/>
-          <p:cNvSpPr/>
-          <p:nvPr/>
-        </p:nvSpPr>
-        <p:spPr>
-          <a:xfrm>
-            <a:off x="164550" y="2537425"/>
-            <a:ext cx="1805700" cy="426300"/>
-          </a:xfrm>
-          <a:prstGeom prst="roundRect">
-            <a:avLst>
-              <a:gd fmla="val 16667" name="adj"/>
-            </a:avLst>
-          </a:prstGeom>
-          <a:solidFill>
-            <a:srgbClr val="0000FF"/>
-          </a:solidFill>
-          <a:ln cap="flat" cmpd="sng" w="9525">
-            <a:solidFill>
-              <a:srgbClr val="0000FF"/>
-            </a:solidFill>
-            <a:prstDash val="solid"/>
-            <a:round/>
-            <a:headEnd len="sm" w="sm" type="none"/>
-            <a:tailEnd len="sm" w="sm" type="none"/>
-          </a:ln>
-        </p:spPr>
-        <p:txBody>
-          <a:bodyPr anchorCtr="0" anchor="ctr" bIns="91425" lIns="91425" spcFirstLastPara="1" rIns="91425" wrap="square" tIns="91425">
-            <a:noAutofit/>
-          </a:bodyPr>
-          <a:lstStyle/>
-          <a:p>
-            <a:pPr indent="0" lvl="0" marL="0" rtl="0" algn="ctr">
-              <a:spcBef>
-                <a:spcPts val="0"/>
-              </a:spcBef>
-              <a:spcAft>
-                <a:spcPts val="0"/>
-              </a:spcAft>
-              <a:buNone/>
-            </a:pPr>
-            <a:r>
-              <a:rPr b="1" lang="ja">
-                <a:solidFill>
-                  <a:schemeClr val="lt1"/>
-                </a:solidFill>
-                <a:latin typeface="Proxima Nova"/>
-                <a:ea typeface="Proxima Nova"/>
-                <a:cs typeface="Proxima Nova"/>
-                <a:sym typeface="Proxima Nova"/>
-              </a:rPr>
-              <a:t>generate_detailed_outline</a:t>
-            </a:r>
-            <a:endParaRPr b="1">
-              <a:solidFill>
-                <a:schemeClr val="lt1"/>
-              </a:solidFill>
-              <a:latin typeface="Proxima Nova"/>
-              <a:ea typeface="Proxima Nova"/>
-              <a:cs typeface="Proxima Nova"/>
-              <a:sym typeface="Proxima Nova"/>
-            </a:endParaRPr>
-          </a:p>
-        </p:txBody>
-      </p:sp>
-      <p:sp>
-        <p:nvSpPr>
-          <p:cNvPr id="224" name="Google Shape;224;p20"/>
-          <p:cNvSpPr txBox="1"/>
-          <p:nvPr/>
-        </p:nvSpPr>
-        <p:spPr>
-          <a:xfrm>
-            <a:off x="261750" y="2963725"/>
-            <a:ext cx="7981200" cy="585000"/>
-          </a:xfrm>
-          <a:prstGeom prst="rect">
-            <a:avLst/>
-          </a:prstGeom>
-          <a:noFill/>
-          <a:ln>
-            <a:noFill/>
-          </a:ln>
-        </p:spPr>
-        <p:txBody>
-          <a:bodyPr anchorCtr="0" anchor="t" bIns="91425" lIns="91425" spcFirstLastPara="1" rIns="91425" wrap="square" tIns="91425">
-            <a:spAutoFit/>
-          </a:bodyPr>
-          <a:lstStyle/>
-          <a:p>
-            <a:pPr indent="0" lvl="0" marL="0" rtl="0" algn="l">
-              <a:spcBef>
-                <a:spcPts val="0"/>
-              </a:spcBef>
-              <a:spcAft>
-                <a:spcPts val="0"/>
-              </a:spcAft>
-              <a:buNone/>
-            </a:pPr>
-            <a:r>
-              <a:rPr b="1" lang="ja" sz="1300">
-                <a:solidFill>
-                  <a:schemeClr val="accent3"/>
-                </a:solidFill>
-                <a:latin typeface="Proxima Nova"/>
-                <a:ea typeface="Proxima Nova"/>
-                <a:cs typeface="Proxima Nova"/>
-                <a:sym typeface="Proxima Nova"/>
-              </a:rPr>
-              <a:t>変更</a:t>
-            </a:r>
-            <a:endParaRPr b="1" sz="1300">
-              <a:solidFill>
-                <a:schemeClr val="accent3"/>
-              </a:solidFill>
-              <a:latin typeface="Proxima Nova"/>
-              <a:ea typeface="Proxima Nova"/>
-              <a:cs typeface="Proxima Nova"/>
-              <a:sym typeface="Proxima Nova"/>
-            </a:endParaRPr>
-          </a:p>
-          <a:p>
-            <a:pPr indent="0" lvl="0" marL="0" rtl="0" algn="l">
-              <a:spcBef>
-                <a:spcPts val="0"/>
-              </a:spcBef>
-              <a:spcAft>
-                <a:spcPts val="0"/>
-              </a:spcAft>
-              <a:buNone/>
-            </a:pPr>
-            <a:r>
-              <a:rPr b="1" lang="ja" sz="1300">
-                <a:solidFill>
-                  <a:schemeClr val="accent3"/>
-                </a:solidFill>
-                <a:latin typeface="Proxima Nova"/>
-                <a:ea typeface="Proxima Nova"/>
-                <a:cs typeface="Proxima Nova"/>
-                <a:sym typeface="Proxima Nova"/>
-              </a:rPr>
-              <a:t>使用するモデルを`gpt-3.5-turbo-0125`から`gpt-4o-2024-05-13`に変更</a:t>
-            </a:r>
-            <a:endParaRPr b="1" sz="1300">
-              <a:solidFill>
-                <a:schemeClr val="accent3"/>
-              </a:solidFill>
-              <a:latin typeface="Proxima Nova"/>
-              <a:ea typeface="Proxima Nova"/>
-              <a:cs typeface="Proxima Nova"/>
-              <a:sym typeface="Proxima Nova"/>
-            </a:endParaRPr>
-          </a:p>
-        </p:txBody>
-      </p:sp>
     </p:spTree>
   </p:cSld>
   <p:clrMapOvr>
@@ -17858,7 +22877,7 @@
                 <a:cs typeface="Proxima Nova"/>
                 <a:sym typeface="Proxima Nova"/>
               </a:rPr>
-              <a:t>総処理時間は5分以内</a:t>
+              <a:t>総処理時間は3分以内</a:t>
             </a:r>
             <a:endParaRPr b="1" sz="1100" u="sng">
               <a:solidFill>
@@ -17895,7 +22914,7 @@
                 <a:cs typeface="Proxima Nova"/>
                 <a:sym typeface="Proxima Nova"/>
               </a:rPr>
-              <a:t>時系列で事象を説明できている</a:t>
+              <a:t>歴史関連入力に時系列で事象を説明できてる</a:t>
             </a:r>
             <a:endParaRPr b="1" sz="1100" u="sng">
               <a:solidFill>
@@ -21522,6 +26541,285 @@
 </file>
 
 <file path=ppt/theme/theme1.xml><?xml version="1.0" encoding="utf-8"?>
+<a:theme xmlns:a="http://schemas.openxmlformats.org/drawingml/2006/main" xmlns:r="http://schemas.openxmlformats.org/officeDocument/2006/relationships">
+  <a:themeElements>
+    <a:clrScheme name="Default">
+      <a:dk1>
+        <a:srgbClr val="000000"/>
+      </a:dk1>
+      <a:lt1>
+        <a:srgbClr val="FFFFFF"/>
+      </a:lt1>
+      <a:dk2>
+        <a:srgbClr val="158158"/>
+      </a:dk2>
+      <a:lt2>
+        <a:srgbClr val="F3F3F3"/>
+      </a:lt2>
+      <a:accent1>
+        <a:srgbClr val="058DC7"/>
+      </a:accent1>
+      <a:accent2>
+        <a:srgbClr val="50B432"/>
+      </a:accent2>
+      <a:accent3>
+        <a:srgbClr val="ED561B"/>
+      </a:accent3>
+      <a:accent4>
+        <a:srgbClr val="EDEF00"/>
+      </a:accent4>
+      <a:accent5>
+        <a:srgbClr val="24CBE5"/>
+      </a:accent5>
+      <a:accent6>
+        <a:srgbClr val="64E572"/>
+      </a:accent6>
+      <a:hlink>
+        <a:srgbClr val="2200CC"/>
+      </a:hlink>
+      <a:folHlink>
+        <a:srgbClr val="551A8B"/>
+      </a:folHlink>
+    </a:clrScheme>
+    <a:fontScheme name="Office">
+      <a:majorFont>
+        <a:latin typeface="Arial"/>
+        <a:ea typeface=""/>
+        <a:cs typeface=""/>
+        <a:font script="Jpan" typeface="ＭＳ Ｐゴシック"/>
+        <a:font script="Hang" typeface="맑은 고딕"/>
+        <a:font script="Hans" typeface="宋体"/>
+        <a:font script="Hant" typeface="新細明體"/>
+        <a:font script="Arab" typeface="Times New Roman"/>
+        <a:font script="Hebr" typeface="Times New Roman"/>
+        <a:font script="Thai" typeface="Angsana New"/>
+        <a:font script="Ethi" typeface="Nyala"/>
+        <a:font script="Beng" typeface="Vrinda"/>
+        <a:font script="Gujr" typeface="Shruti"/>
+        <a:font script="Khmr" typeface="MoolBoran"/>
+        <a:font script="Knda" typeface="Tunga"/>
+        <a:font script="Guru" typeface="Raavi"/>
+        <a:font script="Cans" typeface="Euphemia"/>
+        <a:font script="Cher" typeface="Plantagenet Cherokee"/>
+        <a:font script="Yiii" typeface="Microsoft Yi Baiti"/>
+        <a:font script="Tibt" typeface="Microsoft Himalaya"/>
+        <a:font script="Thaa" typeface="MV Boli"/>
+        <a:font script="Deva" typeface="Mangal"/>
+        <a:font script="Telu" typeface="Gautami"/>
+        <a:font script="Taml" typeface="Latha"/>
+        <a:font script="Syrc" typeface="Estrangelo Edessa"/>
+        <a:font script="Orya" typeface="Kalinga"/>
+        <a:font script="Mlym" typeface="Kartika"/>
+        <a:font script="Laoo" typeface="DokChampa"/>
+        <a:font script="Sinh" typeface="Iskoola Pota"/>
+        <a:font script="Mong" typeface="Mongolian Baiti"/>
+        <a:font script="Viet" typeface="Times New Roman"/>
+        <a:font script="Uigh" typeface="Microsoft Uighur"/>
+        <a:font script="Geor" typeface="Sylfaen"/>
+      </a:majorFont>
+      <a:minorFont>
+        <a:latin typeface="Arial"/>
+        <a:ea typeface=""/>
+        <a:cs typeface=""/>
+        <a:font script="Jpan" typeface="ＭＳ Ｐゴシック"/>
+        <a:font script="Hang" typeface="맑은 고딕"/>
+        <a:font script="Hans" typeface="宋体"/>
+        <a:font script="Hant" typeface="新細明體"/>
+        <a:font script="Arab" typeface="Arial"/>
+        <a:font script="Hebr" typeface="Arial"/>
+        <a:font script="Thai" typeface="Cordia New"/>
+        <a:font script="Ethi" typeface="Nyala"/>
+        <a:font script="Beng" typeface="Vrinda"/>
+        <a:font script="Gujr" typeface="Shruti"/>
+        <a:font script="Khmr" typeface="DaunPenh"/>
+        <a:font script="Knda" typeface="Tunga"/>
+        <a:font script="Guru" typeface="Raavi"/>
+        <a:font script="Cans" typeface="Euphemia"/>
+        <a:font script="Cher" typeface="Plantagenet Cherokee"/>
+        <a:font script="Yiii" typeface="Microsoft Yi Baiti"/>
+        <a:font script="Tibt" typeface="Microsoft Himalaya"/>
+        <a:font script="Thaa" typeface="MV Boli"/>
+        <a:font script="Deva" typeface="Mangal"/>
+        <a:font script="Telu" typeface="Gautami"/>
+        <a:font script="Taml" typeface="Latha"/>
+        <a:font script="Syrc" typeface="Estrangelo Edessa"/>
+        <a:font script="Orya" typeface="Kalinga"/>
+        <a:font script="Mlym" typeface="Kartika"/>
+        <a:font script="Laoo" typeface="DokChampa"/>
+        <a:font script="Sinh" typeface="Iskoola Pota"/>
+        <a:font script="Mong" typeface="Mongolian Baiti"/>
+        <a:font script="Viet" typeface="Arial"/>
+        <a:font script="Uigh" typeface="Microsoft Uighur"/>
+        <a:font script="Geor" typeface="Sylfaen"/>
+      </a:minorFont>
+    </a:fontScheme>
+    <a:fmtScheme name="Office">
+      <a:fillStyleLst>
+        <a:solidFill>
+          <a:schemeClr val="phClr"/>
+        </a:solidFill>
+        <a:gradFill rotWithShape="1">
+          <a:gsLst>
+            <a:gs pos="0">
+              <a:schemeClr val="phClr">
+                <a:tint val="50000"/>
+                <a:satMod val="300000"/>
+              </a:schemeClr>
+            </a:gs>
+            <a:gs pos="35000">
+              <a:schemeClr val="phClr">
+                <a:tint val="37000"/>
+                <a:satMod val="300000"/>
+              </a:schemeClr>
+            </a:gs>
+            <a:gs pos="100000">
+              <a:schemeClr val="phClr">
+                <a:tint val="15000"/>
+                <a:satMod val="350000"/>
+              </a:schemeClr>
+            </a:gs>
+          </a:gsLst>
+          <a:lin ang="16200000" scaled="1"/>
+        </a:gradFill>
+        <a:gradFill rotWithShape="1">
+          <a:gsLst>
+            <a:gs pos="0">
+              <a:schemeClr val="phClr">
+                <a:tint val="100000"/>
+                <a:shade val="100000"/>
+                <a:satMod val="130000"/>
+              </a:schemeClr>
+            </a:gs>
+            <a:gs pos="100000">
+              <a:schemeClr val="phClr">
+                <a:tint val="50000"/>
+                <a:shade val="100000"/>
+                <a:satMod val="350000"/>
+              </a:schemeClr>
+            </a:gs>
+          </a:gsLst>
+          <a:lin ang="16200000" scaled="0"/>
+        </a:gradFill>
+      </a:fillStyleLst>
+      <a:lnStyleLst>
+        <a:ln w="9525" cap="flat" cmpd="sng" algn="ctr">
+          <a:solidFill>
+            <a:schemeClr val="phClr">
+              <a:shade val="95000"/>
+              <a:satMod val="105000"/>
+            </a:schemeClr>
+          </a:solidFill>
+          <a:prstDash val="solid"/>
+        </a:ln>
+        <a:ln w="25400" cap="flat" cmpd="sng" algn="ctr">
+          <a:solidFill>
+            <a:schemeClr val="phClr"/>
+          </a:solidFill>
+          <a:prstDash val="solid"/>
+        </a:ln>
+        <a:ln w="38100" cap="flat" cmpd="sng" algn="ctr">
+          <a:solidFill>
+            <a:schemeClr val="phClr"/>
+          </a:solidFill>
+          <a:prstDash val="solid"/>
+        </a:ln>
+      </a:lnStyleLst>
+      <a:effectStyleLst>
+        <a:effectStyle>
+          <a:effectLst>
+            <a:outerShdw blurRad="40000" dist="20000" dir="5400000" rotWithShape="0">
+              <a:srgbClr val="000000">
+                <a:alpha val="38000"/>
+              </a:srgbClr>
+            </a:outerShdw>
+          </a:effectLst>
+        </a:effectStyle>
+        <a:effectStyle>
+          <a:effectLst>
+            <a:outerShdw blurRad="40000" dist="23000" dir="5400000" rotWithShape="0">
+              <a:srgbClr val="000000">
+                <a:alpha val="35000"/>
+              </a:srgbClr>
+            </a:outerShdw>
+          </a:effectLst>
+        </a:effectStyle>
+        <a:effectStyle>
+          <a:effectLst>
+            <a:outerShdw blurRad="40000" dist="23000" dir="5400000" rotWithShape="0">
+              <a:srgbClr val="000000">
+                <a:alpha val="35000"/>
+              </a:srgbClr>
+            </a:outerShdw>
+          </a:effectLst>
+          <a:scene3d>
+            <a:camera prst="orthographicFront">
+              <a:rot lat="0" lon="0" rev="0"/>
+            </a:camera>
+            <a:lightRig rig="threePt" dir="t">
+              <a:rot lat="0" lon="0" rev="1200000"/>
+            </a:lightRig>
+          </a:scene3d>
+          <a:sp3d>
+            <a:bevelT w="63500" h="25400"/>
+          </a:sp3d>
+        </a:effectStyle>
+      </a:effectStyleLst>
+      <a:bgFillStyleLst>
+        <a:solidFill>
+          <a:schemeClr val="phClr"/>
+        </a:solidFill>
+        <a:gradFill rotWithShape="1">
+          <a:gsLst>
+            <a:gs pos="0">
+              <a:schemeClr val="phClr">
+                <a:tint val="40000"/>
+                <a:satMod val="350000"/>
+              </a:schemeClr>
+            </a:gs>
+            <a:gs pos="40000">
+              <a:schemeClr val="phClr">
+                <a:tint val="45000"/>
+                <a:shade val="99000"/>
+                <a:satMod val="350000"/>
+              </a:schemeClr>
+            </a:gs>
+            <a:gs pos="100000">
+              <a:schemeClr val="phClr">
+                <a:shade val="20000"/>
+                <a:satMod val="255000"/>
+              </a:schemeClr>
+            </a:gs>
+          </a:gsLst>
+          <a:path path="circle">
+            <a:fillToRect l="50000" t="-80000" r="50000" b="180000"/>
+          </a:path>
+        </a:gradFill>
+        <a:gradFill rotWithShape="1">
+          <a:gsLst>
+            <a:gs pos="0">
+              <a:schemeClr val="phClr">
+                <a:tint val="80000"/>
+                <a:satMod val="300000"/>
+              </a:schemeClr>
+            </a:gs>
+            <a:gs pos="100000">
+              <a:schemeClr val="phClr">
+                <a:shade val="30000"/>
+                <a:satMod val="200000"/>
+              </a:schemeClr>
+            </a:gs>
+          </a:gsLst>
+          <a:path path="circle">
+            <a:fillToRect l="50000" t="50000" r="50000" b="50000"/>
+          </a:path>
+        </a:gradFill>
+      </a:bgFillStyleLst>
+    </a:fmtScheme>
+  </a:themeElements>
+</a:theme>
+</file>
+
+<file path=ppt/theme/theme2.xml><?xml version="1.0" encoding="utf-8"?>
 <a:theme xmlns:a="http://schemas.openxmlformats.org/drawingml/2006/main" xmlns:r="http://schemas.openxmlformats.org/officeDocument/2006/relationships" name="Spearmint">
   <a:themeElements>
     <a:clrScheme name="Spearmint">
@@ -21798,283 +27096,4 @@
     </a:fmtScheme>
   </a:themeElements>
 </a:theme>
-</file>
-
-<file path=ppt/theme/theme2.xml><?xml version="1.0" encoding="utf-8"?>
-<a:theme xmlns:a="http://schemas.openxmlformats.org/drawingml/2006/main" xmlns:r="http://schemas.openxmlformats.org/officeDocument/2006/relationships">
-  <a:themeElements>
-    <a:clrScheme name="Default">
-      <a:dk1>
-        <a:srgbClr val="000000"/>
-      </a:dk1>
-      <a:lt1>
-        <a:srgbClr val="FFFFFF"/>
-      </a:lt1>
-      <a:dk2>
-        <a:srgbClr val="158158"/>
-      </a:dk2>
-      <a:lt2>
-        <a:srgbClr val="F3F3F3"/>
-      </a:lt2>
-      <a:accent1>
-        <a:srgbClr val="058DC7"/>
-      </a:accent1>
-      <a:accent2>
-        <a:srgbClr val="50B432"/>
-      </a:accent2>
-      <a:accent3>
-        <a:srgbClr val="ED561B"/>
-      </a:accent3>
-      <a:accent4>
-        <a:srgbClr val="EDEF00"/>
-      </a:accent4>
-      <a:accent5>
-        <a:srgbClr val="24CBE5"/>
-      </a:accent5>
-      <a:accent6>
-        <a:srgbClr val="64E572"/>
-      </a:accent6>
-      <a:hlink>
-        <a:srgbClr val="2200CC"/>
-      </a:hlink>
-      <a:folHlink>
-        <a:srgbClr val="551A8B"/>
-      </a:folHlink>
-    </a:clrScheme>
-    <a:fontScheme name="Office">
-      <a:majorFont>
-        <a:latin typeface="Arial"/>
-        <a:ea typeface=""/>
-        <a:cs typeface=""/>
-        <a:font script="Jpan" typeface="ＭＳ Ｐゴシック"/>
-        <a:font script="Hang" typeface="맑은 고딕"/>
-        <a:font script="Hans" typeface="宋体"/>
-        <a:font script="Hant" typeface="新細明體"/>
-        <a:font script="Arab" typeface="Times New Roman"/>
-        <a:font script="Hebr" typeface="Times New Roman"/>
-        <a:font script="Thai" typeface="Angsana New"/>
-        <a:font script="Ethi" typeface="Nyala"/>
-        <a:font script="Beng" typeface="Vrinda"/>
-        <a:font script="Gujr" typeface="Shruti"/>
-        <a:font script="Khmr" typeface="MoolBoran"/>
-        <a:font script="Knda" typeface="Tunga"/>
-        <a:font script="Guru" typeface="Raavi"/>
-        <a:font script="Cans" typeface="Euphemia"/>
-        <a:font script="Cher" typeface="Plantagenet Cherokee"/>
-        <a:font script="Yiii" typeface="Microsoft Yi Baiti"/>
-        <a:font script="Tibt" typeface="Microsoft Himalaya"/>
-        <a:font script="Thaa" typeface="MV Boli"/>
-        <a:font script="Deva" typeface="Mangal"/>
-        <a:font script="Telu" typeface="Gautami"/>
-        <a:font script="Taml" typeface="Latha"/>
-        <a:font script="Syrc" typeface="Estrangelo Edessa"/>
-        <a:font script="Orya" typeface="Kalinga"/>
-        <a:font script="Mlym" typeface="Kartika"/>
-        <a:font script="Laoo" typeface="DokChampa"/>
-        <a:font script="Sinh" typeface="Iskoola Pota"/>
-        <a:font script="Mong" typeface="Mongolian Baiti"/>
-        <a:font script="Viet" typeface="Times New Roman"/>
-        <a:font script="Uigh" typeface="Microsoft Uighur"/>
-        <a:font script="Geor" typeface="Sylfaen"/>
-      </a:majorFont>
-      <a:minorFont>
-        <a:latin typeface="Arial"/>
-        <a:ea typeface=""/>
-        <a:cs typeface=""/>
-        <a:font script="Jpan" typeface="ＭＳ Ｐゴシック"/>
-        <a:font script="Hang" typeface="맑은 고딕"/>
-        <a:font script="Hans" typeface="宋体"/>
-        <a:font script="Hant" typeface="新細明體"/>
-        <a:font script="Arab" typeface="Arial"/>
-        <a:font script="Hebr" typeface="Arial"/>
-        <a:font script="Thai" typeface="Cordia New"/>
-        <a:font script="Ethi" typeface="Nyala"/>
-        <a:font script="Beng" typeface="Vrinda"/>
-        <a:font script="Gujr" typeface="Shruti"/>
-        <a:font script="Khmr" typeface="DaunPenh"/>
-        <a:font script="Knda" typeface="Tunga"/>
-        <a:font script="Guru" typeface="Raavi"/>
-        <a:font script="Cans" typeface="Euphemia"/>
-        <a:font script="Cher" typeface="Plantagenet Cherokee"/>
-        <a:font script="Yiii" typeface="Microsoft Yi Baiti"/>
-        <a:font script="Tibt" typeface="Microsoft Himalaya"/>
-        <a:font script="Thaa" typeface="MV Boli"/>
-        <a:font script="Deva" typeface="Mangal"/>
-        <a:font script="Telu" typeface="Gautami"/>
-        <a:font script="Taml" typeface="Latha"/>
-        <a:font script="Syrc" typeface="Estrangelo Edessa"/>
-        <a:font script="Orya" typeface="Kalinga"/>
-        <a:font script="Mlym" typeface="Kartika"/>
-        <a:font script="Laoo" typeface="DokChampa"/>
-        <a:font script="Sinh" typeface="Iskoola Pota"/>
-        <a:font script="Mong" typeface="Mongolian Baiti"/>
-        <a:font script="Viet" typeface="Arial"/>
-        <a:font script="Uigh" typeface="Microsoft Uighur"/>
-        <a:font script="Geor" typeface="Sylfaen"/>
-      </a:minorFont>
-    </a:fontScheme>
-    <a:fmtScheme name="Office">
-      <a:fillStyleLst>
-        <a:solidFill>
-          <a:schemeClr val="phClr"/>
-        </a:solidFill>
-        <a:gradFill rotWithShape="1">
-          <a:gsLst>
-            <a:gs pos="0">
-              <a:schemeClr val="phClr">
-                <a:tint val="50000"/>
-                <a:satMod val="300000"/>
-              </a:schemeClr>
-            </a:gs>
-            <a:gs pos="35000">
-              <a:schemeClr val="phClr">
-                <a:tint val="37000"/>
-                <a:satMod val="300000"/>
-              </a:schemeClr>
-            </a:gs>
-            <a:gs pos="100000">
-              <a:schemeClr val="phClr">
-                <a:tint val="15000"/>
-                <a:satMod val="350000"/>
-              </a:schemeClr>
-            </a:gs>
-          </a:gsLst>
-          <a:lin ang="16200000" scaled="1"/>
-        </a:gradFill>
-        <a:gradFill rotWithShape="1">
-          <a:gsLst>
-            <a:gs pos="0">
-              <a:schemeClr val="phClr">
-                <a:tint val="100000"/>
-                <a:shade val="100000"/>
-                <a:satMod val="130000"/>
-              </a:schemeClr>
-            </a:gs>
-            <a:gs pos="100000">
-              <a:schemeClr val="phClr">
-                <a:tint val="50000"/>
-                <a:shade val="100000"/>
-                <a:satMod val="350000"/>
-              </a:schemeClr>
-            </a:gs>
-          </a:gsLst>
-          <a:lin ang="16200000" scaled="0"/>
-        </a:gradFill>
-      </a:fillStyleLst>
-      <a:lnStyleLst>
-        <a:ln w="9525" cap="flat" cmpd="sng" algn="ctr">
-          <a:solidFill>
-            <a:schemeClr val="phClr">
-              <a:shade val="95000"/>
-              <a:satMod val="105000"/>
-            </a:schemeClr>
-          </a:solidFill>
-          <a:prstDash val="solid"/>
-        </a:ln>
-        <a:ln w="25400" cap="flat" cmpd="sng" algn="ctr">
-          <a:solidFill>
-            <a:schemeClr val="phClr"/>
-          </a:solidFill>
-          <a:prstDash val="solid"/>
-        </a:ln>
-        <a:ln w="38100" cap="flat" cmpd="sng" algn="ctr">
-          <a:solidFill>
-            <a:schemeClr val="phClr"/>
-          </a:solidFill>
-          <a:prstDash val="solid"/>
-        </a:ln>
-      </a:lnStyleLst>
-      <a:effectStyleLst>
-        <a:effectStyle>
-          <a:effectLst>
-            <a:outerShdw blurRad="40000" dist="20000" dir="5400000" rotWithShape="0">
-              <a:srgbClr val="000000">
-                <a:alpha val="38000"/>
-              </a:srgbClr>
-            </a:outerShdw>
-          </a:effectLst>
-        </a:effectStyle>
-        <a:effectStyle>
-          <a:effectLst>
-            <a:outerShdw blurRad="40000" dist="23000" dir="5400000" rotWithShape="0">
-              <a:srgbClr val="000000">
-                <a:alpha val="35000"/>
-              </a:srgbClr>
-            </a:outerShdw>
-          </a:effectLst>
-        </a:effectStyle>
-        <a:effectStyle>
-          <a:effectLst>
-            <a:outerShdw blurRad="40000" dist="23000" dir="5400000" rotWithShape="0">
-              <a:srgbClr val="000000">
-                <a:alpha val="35000"/>
-              </a:srgbClr>
-            </a:outerShdw>
-          </a:effectLst>
-          <a:scene3d>
-            <a:camera prst="orthographicFront">
-              <a:rot lat="0" lon="0" rev="0"/>
-            </a:camera>
-            <a:lightRig rig="threePt" dir="t">
-              <a:rot lat="0" lon="0" rev="1200000"/>
-            </a:lightRig>
-          </a:scene3d>
-          <a:sp3d>
-            <a:bevelT w="63500" h="25400"/>
-          </a:sp3d>
-        </a:effectStyle>
-      </a:effectStyleLst>
-      <a:bgFillStyleLst>
-        <a:solidFill>
-          <a:schemeClr val="phClr"/>
-        </a:solidFill>
-        <a:gradFill rotWithShape="1">
-          <a:gsLst>
-            <a:gs pos="0">
-              <a:schemeClr val="phClr">
-                <a:tint val="40000"/>
-                <a:satMod val="350000"/>
-              </a:schemeClr>
-            </a:gs>
-            <a:gs pos="40000">
-              <a:schemeClr val="phClr">
-                <a:tint val="45000"/>
-                <a:shade val="99000"/>
-                <a:satMod val="350000"/>
-              </a:schemeClr>
-            </a:gs>
-            <a:gs pos="100000">
-              <a:schemeClr val="phClr">
-                <a:shade val="20000"/>
-                <a:satMod val="255000"/>
-              </a:schemeClr>
-            </a:gs>
-          </a:gsLst>
-          <a:path path="circle">
-            <a:fillToRect l="50000" t="-80000" r="50000" b="180000"/>
-          </a:path>
-        </a:gradFill>
-        <a:gradFill rotWithShape="1">
-          <a:gsLst>
-            <a:gs pos="0">
-              <a:schemeClr val="phClr">
-                <a:tint val="80000"/>
-                <a:satMod val="300000"/>
-              </a:schemeClr>
-            </a:gs>
-            <a:gs pos="100000">
-              <a:schemeClr val="phClr">
-                <a:shade val="30000"/>
-                <a:satMod val="200000"/>
-              </a:schemeClr>
-            </a:gs>
-          </a:gsLst>
-          <a:path path="circle">
-            <a:fillToRect l="50000" t="50000" r="50000" b="50000"/>
-          </a:path>
-        </a:gradFill>
-      </a:bgFillStyleLst>
-    </a:fmtScheme>
-  </a:themeElements>
-</a:theme>
 </file>
--- a/WikiLikeSearchLLMAgent.pptx
+++ b/WikiLikeSearchLLMAgent.pptx
@@ -10893,7 +10893,7 @@
         <p:spPr>
           <a:xfrm>
             <a:off x="4022475" y="0"/>
-            <a:ext cx="5121600" cy="5171700"/>
+            <a:ext cx="5121600" cy="4925400"/>
           </a:xfrm>
           <a:prstGeom prst="rect">
             <a:avLst/>
@@ -10919,7 +10919,7 @@
               <a:buNone/>
             </a:pPr>
             <a:r>
-              <a:rPr b="1" lang="ja" sz="1200">
+              <a:rPr b="1" lang="ja" sz="1100">
                 <a:solidFill>
                   <a:schemeClr val="accent3"/>
                 </a:solidFill>
@@ -10930,28 +10930,28 @@
               </a:rPr>
               <a:t>全文検索を実施するかの判定を追加しても大きな情報の増減の差はでない感じ</a:t>
             </a:r>
-            <a:endParaRPr b="1" sz="1200">
-              <a:solidFill>
-                <a:schemeClr val="accent3"/>
-              </a:solidFill>
-              <a:latin typeface="Proxima Nova"/>
-              <a:ea typeface="Proxima Nova"/>
-              <a:cs typeface="Proxima Nova"/>
-              <a:sym typeface="Proxima Nova"/>
-            </a:endParaRPr>
-          </a:p>
-          <a:p>
-            <a:pPr indent="0" lvl="0" marL="0" rtl="0" algn="l">
-              <a:spcBef>
-                <a:spcPts val="0"/>
-              </a:spcBef>
-              <a:spcAft>
-                <a:spcPts val="0"/>
-              </a:spcAft>
-              <a:buNone/>
-            </a:pPr>
-            <a:r>
-              <a:rPr b="1" lang="ja" sz="1200">
+            <a:endParaRPr b="1" sz="1100">
+              <a:solidFill>
+                <a:schemeClr val="accent3"/>
+              </a:solidFill>
+              <a:latin typeface="Proxima Nova"/>
+              <a:ea typeface="Proxima Nova"/>
+              <a:cs typeface="Proxima Nova"/>
+              <a:sym typeface="Proxima Nova"/>
+            </a:endParaRPr>
+          </a:p>
+          <a:p>
+            <a:pPr indent="0" lvl="0" marL="0" rtl="0" algn="l">
+              <a:spcBef>
+                <a:spcPts val="0"/>
+              </a:spcBef>
+              <a:spcAft>
+                <a:spcPts val="0"/>
+              </a:spcAft>
+              <a:buNone/>
+            </a:pPr>
+            <a:r>
+              <a:rPr b="1" lang="ja" sz="1100">
                 <a:solidFill>
                   <a:schemeClr val="accent3"/>
                 </a:solidFill>
@@ -10962,28 +10962,28 @@
               </a:rPr>
               <a:t>この例だと、一か所以外は全部全文で取れている</a:t>
             </a:r>
-            <a:endParaRPr b="1" sz="1200">
-              <a:solidFill>
-                <a:schemeClr val="accent3"/>
-              </a:solidFill>
-              <a:latin typeface="Proxima Nova"/>
-              <a:ea typeface="Proxima Nova"/>
-              <a:cs typeface="Proxima Nova"/>
-              <a:sym typeface="Proxima Nova"/>
-            </a:endParaRPr>
-          </a:p>
-          <a:p>
-            <a:pPr indent="0" lvl="0" marL="0" rtl="0" algn="l">
-              <a:spcBef>
-                <a:spcPts val="0"/>
-              </a:spcBef>
-              <a:spcAft>
-                <a:spcPts val="0"/>
-              </a:spcAft>
-              <a:buNone/>
-            </a:pPr>
-            <a:r>
-              <a:rPr b="1" lang="ja" sz="1200">
+            <a:endParaRPr b="1" sz="1100">
+              <a:solidFill>
+                <a:schemeClr val="accent3"/>
+              </a:solidFill>
+              <a:latin typeface="Proxima Nova"/>
+              <a:ea typeface="Proxima Nova"/>
+              <a:cs typeface="Proxima Nova"/>
+              <a:sym typeface="Proxima Nova"/>
+            </a:endParaRPr>
+          </a:p>
+          <a:p>
+            <a:pPr indent="0" lvl="0" marL="0" rtl="0" algn="l">
+              <a:spcBef>
+                <a:spcPts val="0"/>
+              </a:spcBef>
+              <a:spcAft>
+                <a:spcPts val="0"/>
+              </a:spcAft>
+              <a:buNone/>
+            </a:pPr>
+            <a:r>
+              <a:rPr b="1" lang="ja" sz="1100">
                 <a:solidFill>
                   <a:schemeClr val="accent3"/>
                 </a:solidFill>
@@ -10994,28 +10994,28 @@
               </a:rPr>
               <a:t>'https://www.britannica.com/event/Onin-War',は成功して、</a:t>
             </a:r>
-            <a:endParaRPr b="1" sz="1200">
-              <a:solidFill>
-                <a:schemeClr val="accent3"/>
-              </a:solidFill>
-              <a:latin typeface="Proxima Nova"/>
-              <a:ea typeface="Proxima Nova"/>
-              <a:cs typeface="Proxima Nova"/>
-              <a:sym typeface="Proxima Nova"/>
-            </a:endParaRPr>
-          </a:p>
-          <a:p>
-            <a:pPr indent="0" lvl="0" marL="0" rtl="0" algn="l">
-              <a:spcBef>
-                <a:spcPts val="0"/>
-              </a:spcBef>
-              <a:spcAft>
-                <a:spcPts val="0"/>
-              </a:spcAft>
-              <a:buNone/>
-            </a:pPr>
-            <a:r>
-              <a:rPr b="1" lang="ja" sz="1200">
+            <a:endParaRPr b="1" sz="1100">
+              <a:solidFill>
+                <a:schemeClr val="accent3"/>
+              </a:solidFill>
+              <a:latin typeface="Proxima Nova"/>
+              <a:ea typeface="Proxima Nova"/>
+              <a:cs typeface="Proxima Nova"/>
+              <a:sym typeface="Proxima Nova"/>
+            </a:endParaRPr>
+          </a:p>
+          <a:p>
+            <a:pPr indent="0" lvl="0" marL="0" rtl="0" algn="l">
+              <a:spcBef>
+                <a:spcPts val="0"/>
+              </a:spcBef>
+              <a:spcAft>
+                <a:spcPts val="0"/>
+              </a:spcAft>
+              <a:buNone/>
+            </a:pPr>
+            <a:r>
+              <a:rPr b="1" lang="ja" sz="1100">
                 <a:solidFill>
                   <a:schemeClr val="accent3"/>
                 </a:solidFill>
@@ -11026,7 +11026,7 @@
               </a:rPr>
               <a:t>'https://www.britannica.com/place/Japan/The-Onin-War-1467-77'が失敗しているので階層先でrobots.txtと利用規約およびプライバシーポリシーの確認もできなかった</a:t>
             </a:r>
-            <a:endParaRPr b="1" sz="1200">
+            <a:endParaRPr b="1" sz="1100">
               <a:solidFill>
                 <a:schemeClr val="accent3"/>
               </a:solidFill>
@@ -11049,28 +11049,28 @@
             <a:r>
               <a:t/>
             </a:r>
-            <a:endParaRPr b="1" sz="1200">
-              <a:solidFill>
-                <a:schemeClr val="accent3"/>
-              </a:solidFill>
-              <a:latin typeface="Proxima Nova"/>
-              <a:ea typeface="Proxima Nova"/>
-              <a:cs typeface="Proxima Nova"/>
-              <a:sym typeface="Proxima Nova"/>
-            </a:endParaRPr>
-          </a:p>
-          <a:p>
-            <a:pPr indent="0" lvl="0" marL="0" rtl="0" algn="l">
-              <a:spcBef>
-                <a:spcPts val="0"/>
-              </a:spcBef>
-              <a:spcAft>
-                <a:spcPts val="0"/>
-              </a:spcAft>
-              <a:buNone/>
-            </a:pPr>
-            <a:r>
-              <a:rPr b="1" lang="ja" sz="1200">
+            <a:endParaRPr b="1" sz="1100">
+              <a:solidFill>
+                <a:schemeClr val="accent3"/>
+              </a:solidFill>
+              <a:latin typeface="Proxima Nova"/>
+              <a:ea typeface="Proxima Nova"/>
+              <a:cs typeface="Proxima Nova"/>
+              <a:sym typeface="Proxima Nova"/>
+            </a:endParaRPr>
+          </a:p>
+          <a:p>
+            <a:pPr indent="0" lvl="0" marL="0" rtl="0" algn="l">
+              <a:spcBef>
+                <a:spcPts val="0"/>
+              </a:spcBef>
+              <a:spcAft>
+                <a:spcPts val="0"/>
+              </a:spcAft>
+              <a:buNone/>
+            </a:pPr>
+            <a:r>
+              <a:rPr b="1" lang="ja" sz="1100">
                 <a:solidFill>
                   <a:schemeClr val="accent3"/>
                 </a:solidFill>
@@ -11081,28 +11081,28 @@
               </a:rPr>
               <a:t>2. Bing検索は地域固定しない</a:t>
             </a:r>
-            <a:endParaRPr b="1" sz="1200">
-              <a:solidFill>
-                <a:schemeClr val="accent3"/>
-              </a:solidFill>
-              <a:latin typeface="Proxima Nova"/>
-              <a:ea typeface="Proxima Nova"/>
-              <a:cs typeface="Proxima Nova"/>
-              <a:sym typeface="Proxima Nova"/>
-            </a:endParaRPr>
-          </a:p>
-          <a:p>
-            <a:pPr indent="0" lvl="0" marL="0" rtl="0" algn="l">
-              <a:spcBef>
-                <a:spcPts val="0"/>
-              </a:spcBef>
-              <a:spcAft>
-                <a:spcPts val="0"/>
-              </a:spcAft>
-              <a:buNone/>
-            </a:pPr>
-            <a:r>
-              <a:rPr b="1" lang="ja" sz="1200">
+            <a:endParaRPr b="1" sz="1100">
+              <a:solidFill>
+                <a:schemeClr val="accent3"/>
+              </a:solidFill>
+              <a:latin typeface="Proxima Nova"/>
+              <a:ea typeface="Proxima Nova"/>
+              <a:cs typeface="Proxima Nova"/>
+              <a:sym typeface="Proxima Nova"/>
+            </a:endParaRPr>
+          </a:p>
+          <a:p>
+            <a:pPr indent="0" lvl="0" marL="0" rtl="0" algn="l">
+              <a:spcBef>
+                <a:spcPts val="0"/>
+              </a:spcBef>
+              <a:spcAft>
+                <a:spcPts val="0"/>
+              </a:spcAft>
+              <a:buNone/>
+            </a:pPr>
+            <a:r>
+              <a:rPr b="1" lang="ja" sz="1100">
                 <a:solidFill>
                   <a:schemeClr val="accent3"/>
                 </a:solidFill>
@@ -11113,7 +11113,7 @@
               </a:rPr>
               <a:t>で入れた言語判定はいい感じ、検索クエリと合う検索地域の選定にはlingua</a:t>
             </a:r>
-            <a:endParaRPr b="1" sz="1200">
+            <a:endParaRPr b="1" sz="1100">
               <a:solidFill>
                 <a:schemeClr val="accent3"/>
               </a:solidFill>
@@ -11136,28 +11136,28 @@
             <a:r>
               <a:t/>
             </a:r>
-            <a:endParaRPr b="1" sz="1200">
-              <a:solidFill>
-                <a:schemeClr val="accent3"/>
-              </a:solidFill>
-              <a:latin typeface="Proxima Nova"/>
-              <a:ea typeface="Proxima Nova"/>
-              <a:cs typeface="Proxima Nova"/>
-              <a:sym typeface="Proxima Nova"/>
-            </a:endParaRPr>
-          </a:p>
-          <a:p>
-            <a:pPr indent="0" lvl="0" marL="0" rtl="0" algn="l">
-              <a:spcBef>
-                <a:spcPts val="0"/>
-              </a:spcBef>
-              <a:spcAft>
-                <a:spcPts val="0"/>
-              </a:spcAft>
-              <a:buNone/>
-            </a:pPr>
-            <a:r>
-              <a:rPr b="1" lang="ja" sz="1200">
+            <a:endParaRPr b="1" sz="1100">
+              <a:solidFill>
+                <a:schemeClr val="accent3"/>
+              </a:solidFill>
+              <a:latin typeface="Proxima Nova"/>
+              <a:ea typeface="Proxima Nova"/>
+              <a:cs typeface="Proxima Nova"/>
+              <a:sym typeface="Proxima Nova"/>
+            </a:endParaRPr>
+          </a:p>
+          <a:p>
+            <a:pPr indent="0" lvl="0" marL="0" rtl="0" algn="l">
+              <a:spcBef>
+                <a:spcPts val="0"/>
+              </a:spcBef>
+              <a:spcAft>
+                <a:spcPts val="0"/>
+              </a:spcAft>
+              <a:buNone/>
+            </a:pPr>
+            <a:r>
+              <a:rPr b="1" lang="ja" sz="1100">
                 <a:solidFill>
                   <a:schemeClr val="accent3"/>
                 </a:solidFill>
@@ -11168,28 +11168,28 @@
               </a:rPr>
               <a:t>4. 最終出力は中立の立場で生成するようにする</a:t>
             </a:r>
-            <a:endParaRPr b="1" sz="1200">
-              <a:solidFill>
-                <a:schemeClr val="accent3"/>
-              </a:solidFill>
-              <a:latin typeface="Proxima Nova"/>
-              <a:ea typeface="Proxima Nova"/>
-              <a:cs typeface="Proxima Nova"/>
-              <a:sym typeface="Proxima Nova"/>
-            </a:endParaRPr>
-          </a:p>
-          <a:p>
-            <a:pPr indent="0" lvl="0" marL="0" rtl="0" algn="l">
-              <a:spcBef>
-                <a:spcPts val="0"/>
-              </a:spcBef>
-              <a:spcAft>
-                <a:spcPts val="0"/>
-              </a:spcAft>
-              <a:buNone/>
-            </a:pPr>
-            <a:r>
-              <a:rPr b="1" lang="ja" sz="1200">
+            <a:endParaRPr b="1" sz="1100">
+              <a:solidFill>
+                <a:schemeClr val="accent3"/>
+              </a:solidFill>
+              <a:latin typeface="Proxima Nova"/>
+              <a:ea typeface="Proxima Nova"/>
+              <a:cs typeface="Proxima Nova"/>
+              <a:sym typeface="Proxima Nova"/>
+            </a:endParaRPr>
+          </a:p>
+          <a:p>
+            <a:pPr indent="0" lvl="0" marL="0" rtl="0" algn="l">
+              <a:spcBef>
+                <a:spcPts val="0"/>
+              </a:spcBef>
+              <a:spcAft>
+                <a:spcPts val="0"/>
+              </a:spcAft>
+              <a:buNone/>
+            </a:pPr>
+            <a:r>
+              <a:rPr b="1" lang="ja" sz="1100">
                 <a:solidFill>
                   <a:schemeClr val="accent3"/>
                 </a:solidFill>
@@ -11200,7 +11200,7 @@
               </a:rPr>
               <a:t>で入れたプロンプトの結果はよくわかんね</a:t>
             </a:r>
-            <a:endParaRPr b="1" sz="1200">
+            <a:endParaRPr b="1" sz="1100">
               <a:solidFill>
                 <a:schemeClr val="accent3"/>
               </a:solidFill>
@@ -11223,28 +11223,28 @@
             <a:r>
               <a:t/>
             </a:r>
-            <a:endParaRPr b="1" sz="1200">
-              <a:solidFill>
-                <a:schemeClr val="accent3"/>
-              </a:solidFill>
-              <a:latin typeface="Proxima Nova"/>
-              <a:ea typeface="Proxima Nova"/>
-              <a:cs typeface="Proxima Nova"/>
-              <a:sym typeface="Proxima Nova"/>
-            </a:endParaRPr>
-          </a:p>
-          <a:p>
-            <a:pPr indent="0" lvl="0" marL="0" rtl="0" algn="l">
-              <a:spcBef>
-                <a:spcPts val="0"/>
-              </a:spcBef>
-              <a:spcAft>
-                <a:spcPts val="0"/>
-              </a:spcAft>
-              <a:buNone/>
-            </a:pPr>
-            <a:r>
-              <a:rPr b="1" lang="ja" sz="1200">
+            <a:endParaRPr b="1" sz="1100">
+              <a:solidFill>
+                <a:schemeClr val="accent3"/>
+              </a:solidFill>
+              <a:latin typeface="Proxima Nova"/>
+              <a:ea typeface="Proxima Nova"/>
+              <a:cs typeface="Proxima Nova"/>
+              <a:sym typeface="Proxima Nova"/>
+            </a:endParaRPr>
+          </a:p>
+          <a:p>
+            <a:pPr indent="0" lvl="0" marL="0" rtl="0" algn="l">
+              <a:spcBef>
+                <a:spcPts val="0"/>
+              </a:spcBef>
+              <a:spcAft>
+                <a:spcPts val="0"/>
+              </a:spcAft>
+              <a:buNone/>
+            </a:pPr>
+            <a:r>
+              <a:rPr b="1" lang="ja" sz="1100">
                 <a:solidFill>
                   <a:schemeClr val="accent3"/>
                 </a:solidFill>
@@ -11255,7 +11255,7 @@
               </a:rPr>
               <a:t>処理は1回大体3分</a:t>
             </a:r>
-            <a:endParaRPr b="1" sz="1200">
+            <a:endParaRPr b="1" sz="1100">
               <a:solidFill>
                 <a:schemeClr val="accent3"/>
               </a:solidFill>
@@ -11278,28 +11278,28 @@
             <a:r>
               <a:t/>
             </a:r>
-            <a:endParaRPr b="1" sz="1200">
-              <a:solidFill>
-                <a:schemeClr val="accent3"/>
-              </a:solidFill>
-              <a:latin typeface="Proxima Nova"/>
-              <a:ea typeface="Proxima Nova"/>
-              <a:cs typeface="Proxima Nova"/>
-              <a:sym typeface="Proxima Nova"/>
-            </a:endParaRPr>
-          </a:p>
-          <a:p>
-            <a:pPr indent="0" lvl="0" marL="0" rtl="0" algn="l">
-              <a:spcBef>
-                <a:spcPts val="0"/>
-              </a:spcBef>
-              <a:spcAft>
-                <a:spcPts val="0"/>
-              </a:spcAft>
-              <a:buNone/>
-            </a:pPr>
-            <a:r>
-              <a:rPr b="1" lang="ja" sz="1200">
+            <a:endParaRPr b="1" sz="1100">
+              <a:solidFill>
+                <a:schemeClr val="accent3"/>
+              </a:solidFill>
+              <a:latin typeface="Proxima Nova"/>
+              <a:ea typeface="Proxima Nova"/>
+              <a:cs typeface="Proxima Nova"/>
+              <a:sym typeface="Proxima Nova"/>
+            </a:endParaRPr>
+          </a:p>
+          <a:p>
+            <a:pPr indent="0" lvl="0" marL="0" rtl="0" algn="l">
+              <a:spcBef>
+                <a:spcPts val="0"/>
+              </a:spcBef>
+              <a:spcAft>
+                <a:spcPts val="0"/>
+              </a:spcAft>
+              <a:buNone/>
+            </a:pPr>
+            <a:r>
+              <a:rPr b="1" lang="ja" sz="1100">
                 <a:solidFill>
                   <a:schemeClr val="accent3"/>
                 </a:solidFill>
@@ -11310,18 +11310,18 @@
               </a:rPr>
               <a:t>改善点</a:t>
             </a:r>
-            <a:endParaRPr b="1" sz="1200">
-              <a:solidFill>
-                <a:schemeClr val="accent3"/>
-              </a:solidFill>
-              <a:latin typeface="Proxima Nova"/>
-              <a:ea typeface="Proxima Nova"/>
-              <a:cs typeface="Proxima Nova"/>
-              <a:sym typeface="Proxima Nova"/>
-            </a:endParaRPr>
-          </a:p>
-          <a:p>
-            <a:pPr indent="-304800" lvl="0" marL="457200" rtl="0" algn="l">
+            <a:endParaRPr b="1" sz="1100">
+              <a:solidFill>
+                <a:schemeClr val="accent3"/>
+              </a:solidFill>
+              <a:latin typeface="Proxima Nova"/>
+              <a:ea typeface="Proxima Nova"/>
+              <a:cs typeface="Proxima Nova"/>
+              <a:sym typeface="Proxima Nova"/>
+            </a:endParaRPr>
+          </a:p>
+          <a:p>
+            <a:pPr indent="-298450" lvl="0" marL="457200" rtl="0" algn="l">
               <a:spcBef>
                 <a:spcPts val="0"/>
               </a:spcBef>
@@ -11331,12 +11331,12 @@
               <a:buClr>
                 <a:schemeClr val="accent3"/>
               </a:buClr>
-              <a:buSzPts val="1200"/>
+              <a:buSzPts val="1100"/>
               <a:buFont typeface="Proxima Nova"/>
               <a:buChar char="●"/>
             </a:pPr>
             <a:r>
-              <a:rPr b="1" lang="ja" sz="1200">
+              <a:rPr b="1" lang="ja" sz="1100">
                 <a:solidFill>
                   <a:schemeClr val="accent3"/>
                 </a:solidFill>
@@ -11347,18 +11347,18 @@
               </a:rPr>
               <a:t>robots.txt の書き方がサイトによってまちまちで、今の処理だと日本語で禁止してるサイトを書いている場合はdisallowで書いてないので漏れて全文検索してしまう</a:t>
             </a:r>
-            <a:endParaRPr b="1" sz="1200">
-              <a:solidFill>
-                <a:schemeClr val="accent3"/>
-              </a:solidFill>
-              <a:latin typeface="Proxima Nova"/>
-              <a:ea typeface="Proxima Nova"/>
-              <a:cs typeface="Proxima Nova"/>
-              <a:sym typeface="Proxima Nova"/>
-            </a:endParaRPr>
-          </a:p>
-          <a:p>
-            <a:pPr indent="-304800" lvl="1" marL="914400" rtl="0" algn="l">
+            <a:endParaRPr b="1" sz="1100">
+              <a:solidFill>
+                <a:schemeClr val="accent3"/>
+              </a:solidFill>
+              <a:latin typeface="Proxima Nova"/>
+              <a:ea typeface="Proxima Nova"/>
+              <a:cs typeface="Proxima Nova"/>
+              <a:sym typeface="Proxima Nova"/>
+            </a:endParaRPr>
+          </a:p>
+          <a:p>
+            <a:pPr indent="-298450" lvl="1" marL="914400" rtl="0" algn="l">
               <a:spcBef>
                 <a:spcPts val="0"/>
               </a:spcBef>
@@ -11368,12 +11368,12 @@
               <a:buClr>
                 <a:schemeClr val="accent3"/>
               </a:buClr>
-              <a:buSzPts val="1200"/>
+              <a:buSzPts val="1100"/>
               <a:buFont typeface="Proxima Nova"/>
               <a:buChar char="○"/>
             </a:pPr>
             <a:r>
-              <a:rPr b="1" lang="ja" sz="1200">
+              <a:rPr b="1" lang="ja" sz="1100">
                 <a:solidFill>
                   <a:schemeClr val="accent3"/>
                 </a:solidFill>
@@ -11384,18 +11384,18 @@
               </a:rPr>
               <a:t>スクレイピングして良い辞書サイトだけから検索すればいいけど今の情報が取れなくて使い勝手悪いからやらない</a:t>
             </a:r>
-            <a:endParaRPr b="1" sz="1200">
-              <a:solidFill>
-                <a:schemeClr val="accent3"/>
-              </a:solidFill>
-              <a:latin typeface="Proxima Nova"/>
-              <a:ea typeface="Proxima Nova"/>
-              <a:cs typeface="Proxima Nova"/>
-              <a:sym typeface="Proxima Nova"/>
-            </a:endParaRPr>
-          </a:p>
-          <a:p>
-            <a:pPr indent="-304800" lvl="1" marL="914400" rtl="0" algn="l">
+            <a:endParaRPr b="1" sz="1100">
+              <a:solidFill>
+                <a:schemeClr val="accent3"/>
+              </a:solidFill>
+              <a:latin typeface="Proxima Nova"/>
+              <a:ea typeface="Proxima Nova"/>
+              <a:cs typeface="Proxima Nova"/>
+              <a:sym typeface="Proxima Nova"/>
+            </a:endParaRPr>
+          </a:p>
+          <a:p>
+            <a:pPr indent="-298450" lvl="1" marL="914400" rtl="0" algn="l">
               <a:spcBef>
                 <a:spcPts val="0"/>
               </a:spcBef>
@@ -11405,12 +11405,12 @@
               <a:buClr>
                 <a:schemeClr val="accent3"/>
               </a:buClr>
-              <a:buSzPts val="1200"/>
+              <a:buSzPts val="1100"/>
               <a:buFont typeface="Proxima Nova"/>
               <a:buChar char="○"/>
             </a:pPr>
             <a:r>
-              <a:rPr b="1" lang="ja" sz="1200">
+              <a:rPr b="1" lang="ja" sz="1100">
                 <a:solidFill>
                   <a:schemeClr val="accent3"/>
                 </a:solidFill>
@@ -11421,18 +11421,18 @@
               </a:rPr>
               <a:t>リンク先の国を指定して国ごとの言語でそれっぽく対応できるけど100%はありえない</a:t>
             </a:r>
-            <a:endParaRPr b="1" sz="1200">
-              <a:solidFill>
-                <a:schemeClr val="accent3"/>
-              </a:solidFill>
-              <a:latin typeface="Proxima Nova"/>
-              <a:ea typeface="Proxima Nova"/>
-              <a:cs typeface="Proxima Nova"/>
-              <a:sym typeface="Proxima Nova"/>
-            </a:endParaRPr>
-          </a:p>
-          <a:p>
-            <a:pPr indent="-304800" lvl="0" marL="457200" rtl="0" algn="l">
+            <a:endParaRPr b="1" sz="1100">
+              <a:solidFill>
+                <a:schemeClr val="accent3"/>
+              </a:solidFill>
+              <a:latin typeface="Proxima Nova"/>
+              <a:ea typeface="Proxima Nova"/>
+              <a:cs typeface="Proxima Nova"/>
+              <a:sym typeface="Proxima Nova"/>
+            </a:endParaRPr>
+          </a:p>
+          <a:p>
+            <a:pPr indent="-298450" lvl="1" marL="914400" rtl="0" algn="l">
               <a:spcBef>
                 <a:spcPts val="0"/>
               </a:spcBef>
@@ -11442,12 +11442,49 @@
               <a:buClr>
                 <a:schemeClr val="accent3"/>
               </a:buClr>
-              <a:buSzPts val="1200"/>
+              <a:buSzPts val="1100"/>
+              <a:buFont typeface="Proxima Nova"/>
+              <a:buChar char="○"/>
+            </a:pPr>
+            <a:r>
+              <a:rPr b="1" lang="ja" sz="1100">
+                <a:solidFill>
+                  <a:schemeClr val="accent3"/>
+                </a:solidFill>
+                <a:latin typeface="Proxima Nova"/>
+                <a:ea typeface="Proxima Nova"/>
+                <a:cs typeface="Proxima Nova"/>
+                <a:sym typeface="Proxima Nova"/>
+              </a:rPr>
+              <a:t>robots.txtはあるんだけどdisallow系の文章が取得できなかったら取得失敗していると判断して全文検索はやらないようにするのはありかも</a:t>
+            </a:r>
+            <a:endParaRPr b="1" sz="1100">
+              <a:solidFill>
+                <a:schemeClr val="accent3"/>
+              </a:solidFill>
+              <a:latin typeface="Proxima Nova"/>
+              <a:ea typeface="Proxima Nova"/>
+              <a:cs typeface="Proxima Nova"/>
+              <a:sym typeface="Proxima Nova"/>
+            </a:endParaRPr>
+          </a:p>
+          <a:p>
+            <a:pPr indent="-298450" lvl="0" marL="457200" rtl="0" algn="l">
+              <a:spcBef>
+                <a:spcPts val="0"/>
+              </a:spcBef>
+              <a:spcAft>
+                <a:spcPts val="0"/>
+              </a:spcAft>
+              <a:buClr>
+                <a:schemeClr val="accent3"/>
+              </a:buClr>
+              <a:buSzPts val="1100"/>
               <a:buFont typeface="Proxima Nova"/>
               <a:buChar char="●"/>
             </a:pPr>
             <a:r>
-              <a:rPr b="1" lang="ja" sz="1200">
+              <a:rPr b="1" lang="ja" sz="1100">
                 <a:solidFill>
                   <a:schemeClr val="accent3"/>
                 </a:solidFill>
@@ -11458,7 +11495,7 @@
               </a:rPr>
               <a:t>アウトラインから次の調査報告書を前の処理も踏まえて作ってknowlage graph 作らないの？</a:t>
             </a:r>
-            <a:endParaRPr b="1" sz="1200">
+            <a:endParaRPr b="1" sz="1100">
               <a:solidFill>
                 <a:schemeClr val="accent3"/>
               </a:solidFill>
@@ -21248,7 +21285,7 @@
                 <a:cs typeface="Proxima Nova"/>
                 <a:sym typeface="Proxima Nova"/>
               </a:rPr>
-              <a:t>検索クエリごとに1回検索</a:t>
+              <a:t>検索クエリごとに3回検索</a:t>
             </a:r>
             <a:endParaRPr sz="1300"/>
           </a:p>
